--- a/data/r 그래프.pptx
+++ b/data/r 그래프.pptx
@@ -26,13 +26,17 @@
     <p:sldId id="275" r:id="rId20"/>
     <p:sldId id="276" r:id="rId21"/>
     <p:sldId id="277" r:id="rId22"/>
-    <p:sldId id="278" r:id="rId23"/>
-    <p:sldId id="279" r:id="rId24"/>
-    <p:sldId id="280" r:id="rId25"/>
-    <p:sldId id="281" r:id="rId26"/>
-    <p:sldId id="282" r:id="rId27"/>
-    <p:sldId id="284" r:id="rId28"/>
-    <p:sldId id="283" r:id="rId29"/>
+    <p:sldId id="286" r:id="rId23"/>
+    <p:sldId id="287" r:id="rId24"/>
+    <p:sldId id="288" r:id="rId25"/>
+    <p:sldId id="289" r:id="rId26"/>
+    <p:sldId id="278" r:id="rId27"/>
+    <p:sldId id="279" r:id="rId28"/>
+    <p:sldId id="280" r:id="rId29"/>
+    <p:sldId id="281" r:id="rId30"/>
+    <p:sldId id="282" r:id="rId31"/>
+    <p:sldId id="284" r:id="rId32"/>
+    <p:sldId id="283" r:id="rId33"/>
   </p:sldIdLst>
   <p:sldSz cx="12192000" cy="6858000"/>
   <p:notesSz cx="6858000" cy="9144000"/>
@@ -286,7 +290,7 @@
           <a:p>
             <a:fld id="{C2E4DA79-922B-47B2-A0F2-104FAB9A0544}" type="datetimeFigureOut">
               <a:rPr lang="ko-KR" altLang="en-US" smtClean="0"/>
-              <a:t>2019-12-16</a:t>
+              <a:t>2019-12-17</a:t>
             </a:fld>
             <a:endParaRPr lang="ko-KR" altLang="en-US"/>
           </a:p>
@@ -484,7 +488,7 @@
           <a:p>
             <a:fld id="{C2E4DA79-922B-47B2-A0F2-104FAB9A0544}" type="datetimeFigureOut">
               <a:rPr lang="ko-KR" altLang="en-US" smtClean="0"/>
-              <a:t>2019-12-16</a:t>
+              <a:t>2019-12-17</a:t>
             </a:fld>
             <a:endParaRPr lang="ko-KR" altLang="en-US"/>
           </a:p>
@@ -692,7 +696,7 @@
           <a:p>
             <a:fld id="{C2E4DA79-922B-47B2-A0F2-104FAB9A0544}" type="datetimeFigureOut">
               <a:rPr lang="ko-KR" altLang="en-US" smtClean="0"/>
-              <a:t>2019-12-16</a:t>
+              <a:t>2019-12-17</a:t>
             </a:fld>
             <a:endParaRPr lang="ko-KR" altLang="en-US"/>
           </a:p>
@@ -890,7 +894,7 @@
           <a:p>
             <a:fld id="{C2E4DA79-922B-47B2-A0F2-104FAB9A0544}" type="datetimeFigureOut">
               <a:rPr lang="ko-KR" altLang="en-US" smtClean="0"/>
-              <a:t>2019-12-16</a:t>
+              <a:t>2019-12-17</a:t>
             </a:fld>
             <a:endParaRPr lang="ko-KR" altLang="en-US"/>
           </a:p>
@@ -1165,7 +1169,7 @@
           <a:p>
             <a:fld id="{C2E4DA79-922B-47B2-A0F2-104FAB9A0544}" type="datetimeFigureOut">
               <a:rPr lang="ko-KR" altLang="en-US" smtClean="0"/>
-              <a:t>2019-12-16</a:t>
+              <a:t>2019-12-17</a:t>
             </a:fld>
             <a:endParaRPr lang="ko-KR" altLang="en-US"/>
           </a:p>
@@ -1430,7 +1434,7 @@
           <a:p>
             <a:fld id="{C2E4DA79-922B-47B2-A0F2-104FAB9A0544}" type="datetimeFigureOut">
               <a:rPr lang="ko-KR" altLang="en-US" smtClean="0"/>
-              <a:t>2019-12-16</a:t>
+              <a:t>2019-12-17</a:t>
             </a:fld>
             <a:endParaRPr lang="ko-KR" altLang="en-US"/>
           </a:p>
@@ -1842,7 +1846,7 @@
           <a:p>
             <a:fld id="{C2E4DA79-922B-47B2-A0F2-104FAB9A0544}" type="datetimeFigureOut">
               <a:rPr lang="ko-KR" altLang="en-US" smtClean="0"/>
-              <a:t>2019-12-16</a:t>
+              <a:t>2019-12-17</a:t>
             </a:fld>
             <a:endParaRPr lang="ko-KR" altLang="en-US"/>
           </a:p>
@@ -1983,7 +1987,7 @@
           <a:p>
             <a:fld id="{C2E4DA79-922B-47B2-A0F2-104FAB9A0544}" type="datetimeFigureOut">
               <a:rPr lang="ko-KR" altLang="en-US" smtClean="0"/>
-              <a:t>2019-12-16</a:t>
+              <a:t>2019-12-17</a:t>
             </a:fld>
             <a:endParaRPr lang="ko-KR" altLang="en-US"/>
           </a:p>
@@ -2096,7 +2100,7 @@
           <a:p>
             <a:fld id="{C2E4DA79-922B-47B2-A0F2-104FAB9A0544}" type="datetimeFigureOut">
               <a:rPr lang="ko-KR" altLang="en-US" smtClean="0"/>
-              <a:t>2019-12-16</a:t>
+              <a:t>2019-12-17</a:t>
             </a:fld>
             <a:endParaRPr lang="ko-KR" altLang="en-US"/>
           </a:p>
@@ -2407,7 +2411,7 @@
           <a:p>
             <a:fld id="{C2E4DA79-922B-47B2-A0F2-104FAB9A0544}" type="datetimeFigureOut">
               <a:rPr lang="ko-KR" altLang="en-US" smtClean="0"/>
-              <a:t>2019-12-16</a:t>
+              <a:t>2019-12-17</a:t>
             </a:fld>
             <a:endParaRPr lang="ko-KR" altLang="en-US"/>
           </a:p>
@@ -2695,7 +2699,7 @@
           <a:p>
             <a:fld id="{C2E4DA79-922B-47B2-A0F2-104FAB9A0544}" type="datetimeFigureOut">
               <a:rPr lang="ko-KR" altLang="en-US" smtClean="0"/>
-              <a:t>2019-12-16</a:t>
+              <a:t>2019-12-17</a:t>
             </a:fld>
             <a:endParaRPr lang="ko-KR" altLang="en-US"/>
           </a:p>
@@ -2936,7 +2940,7 @@
           <a:p>
             <a:fld id="{C2E4DA79-922B-47B2-A0F2-104FAB9A0544}" type="datetimeFigureOut">
               <a:rPr lang="ko-KR" altLang="en-US" smtClean="0"/>
-              <a:t>2019-12-16</a:t>
+              <a:t>2019-12-17</a:t>
             </a:fld>
             <a:endParaRPr lang="ko-KR" altLang="en-US"/>
           </a:p>
@@ -4879,7 +4883,17 @@
               <a:rPr lang="en-US" altLang="ko-KR" dirty="0"/>
               <a:t>]</a:t>
             </a:r>
-            <a:endParaRPr lang="ko-KR" altLang="en-US" dirty="0"/>
+            <a:br>
+              <a:rPr lang="en-US" altLang="ko-KR" dirty="0"/>
+            </a:br>
+            <a:r>
+              <a:rPr lang="en-US" altLang="ko-KR" dirty="0"/>
+              <a:t>	</a:t>
+            </a:r>
+            <a:r>
+              <a:rPr lang="ko-KR" altLang="en-US" dirty="0"/>
+              <a:t>숙박시설만족도</a:t>
+            </a:r>
           </a:p>
         </p:txBody>
       </p:sp>
@@ -4897,8 +4911,8 @@
         </p:nvSpPr>
         <p:spPr>
           <a:xfrm>
-            <a:off x="967408" y="1908313"/>
-            <a:ext cx="5166799" cy="3139321"/>
+            <a:off x="281608" y="1690688"/>
+            <a:ext cx="5166799" cy="3416320"/>
           </a:xfrm>
           <a:prstGeom prst="rect">
             <a:avLst/>
@@ -4911,6 +4925,17 @@
           </a:bodyPr>
           <a:lstStyle/>
           <a:p>
+            <a:r>
+              <a:rPr lang="en-US" altLang="ko-KR" dirty="0"/>
+              <a:t>*</a:t>
+            </a:r>
+            <a:r>
+              <a:rPr lang="ko-KR" altLang="en-US" dirty="0"/>
+              <a:t>체류기간</a:t>
+            </a:r>
+            <a:endParaRPr lang="en-US" altLang="ko-KR" dirty="0"/>
+          </a:p>
+          <a:p>
             <a:pPr marL="285750" indent="-285750">
               <a:buFontTx/>
               <a:buChar char="-"/>
@@ -5089,6 +5114,219 @@
               <a:rPr lang="ko-KR" altLang="en-US" dirty="0"/>
               <a:t>외국인</a:t>
             </a:r>
+          </a:p>
+        </p:txBody>
+      </p:sp>
+      <p:sp>
+        <p:nvSpPr>
+          <p:cNvPr id="5" name="TextBox 4">
+            <a:extLst>
+              <a:ext uri="{FF2B5EF4-FFF2-40B4-BE49-F238E27FC236}">
+                <a16:creationId xmlns:a16="http://schemas.microsoft.com/office/drawing/2014/main" id="{805B53F9-B7B7-45C5-B39E-F0B6555257BA}"/>
+              </a:ext>
+            </a:extLst>
+          </p:cNvPr>
+          <p:cNvSpPr txBox="1"/>
+          <p:nvPr/>
+        </p:nvSpPr>
+        <p:spPr>
+          <a:xfrm>
+            <a:off x="6377608" y="1690688"/>
+            <a:ext cx="5368777" cy="3416320"/>
+          </a:xfrm>
+          <a:prstGeom prst="rect">
+            <a:avLst/>
+          </a:prstGeom>
+          <a:noFill/>
+        </p:spPr>
+        <p:txBody>
+          <a:bodyPr wrap="none" rtlCol="0">
+            <a:spAutoFit/>
+          </a:bodyPr>
+          <a:lstStyle/>
+          <a:p>
+            <a:r>
+              <a:rPr lang="en-US" altLang="ko-KR" dirty="0"/>
+              <a:t>*</a:t>
+            </a:r>
+            <a:r>
+              <a:rPr lang="ko-KR" altLang="en-US" dirty="0"/>
+              <a:t>숙박시설만족도</a:t>
+            </a:r>
+            <a:endParaRPr lang="en-US" altLang="ko-KR" dirty="0"/>
+          </a:p>
+          <a:p>
+            <a:pPr marL="285750" indent="-285750">
+              <a:buFontTx/>
+              <a:buChar char="-"/>
+            </a:pPr>
+            <a:r>
+              <a:rPr lang="ko-KR" altLang="en-US" dirty="0"/>
+              <a:t>국적별</a:t>
+            </a:r>
+            <a:endParaRPr lang="en-US" altLang="ko-KR" dirty="0"/>
+          </a:p>
+          <a:p>
+            <a:pPr marL="742950" lvl="1" indent="-285750">
+              <a:buFontTx/>
+              <a:buChar char="-"/>
+            </a:pPr>
+            <a:r>
+              <a:rPr lang="ko-KR" altLang="en-US" dirty="0"/>
+              <a:t>시설상태 </a:t>
+            </a:r>
+            <a:r>
+              <a:rPr lang="en-US" altLang="ko-KR" dirty="0"/>
+              <a:t>/ </a:t>
+            </a:r>
+            <a:r>
+              <a:rPr lang="ko-KR" altLang="en-US" dirty="0"/>
+              <a:t>시설이용편의성 </a:t>
+            </a:r>
+            <a:r>
+              <a:rPr lang="en-US" altLang="ko-KR" dirty="0"/>
+              <a:t>/ </a:t>
+            </a:r>
+            <a:r>
+              <a:rPr lang="ko-KR" altLang="en-US" dirty="0"/>
+              <a:t>종사원친절도</a:t>
+            </a:r>
+            <a:endParaRPr lang="en-US" altLang="ko-KR" dirty="0"/>
+          </a:p>
+          <a:p>
+            <a:pPr marL="742950" lvl="1" indent="-285750">
+              <a:buFontTx/>
+              <a:buChar char="-"/>
+            </a:pPr>
+            <a:endParaRPr lang="en-US" altLang="ko-KR" dirty="0"/>
+          </a:p>
+          <a:p>
+            <a:pPr marL="285750" indent="-285750">
+              <a:buFontTx/>
+              <a:buChar char="-"/>
+            </a:pPr>
+            <a:r>
+              <a:rPr lang="ko-KR" altLang="en-US" dirty="0"/>
+              <a:t>성별</a:t>
+            </a:r>
+            <a:endParaRPr lang="en-US" altLang="ko-KR" dirty="0"/>
+          </a:p>
+          <a:p>
+            <a:pPr marL="742950" lvl="1" indent="-285750">
+              <a:buFontTx/>
+              <a:buChar char="-"/>
+            </a:pPr>
+            <a:r>
+              <a:rPr lang="ko-KR" altLang="en-US" dirty="0"/>
+              <a:t>시설상태 </a:t>
+            </a:r>
+            <a:r>
+              <a:rPr lang="en-US" altLang="ko-KR" dirty="0"/>
+              <a:t>/ </a:t>
+            </a:r>
+            <a:r>
+              <a:rPr lang="ko-KR" altLang="en-US" dirty="0"/>
+              <a:t>시설이용편의성 </a:t>
+            </a:r>
+            <a:r>
+              <a:rPr lang="en-US" altLang="ko-KR" dirty="0"/>
+              <a:t>/ </a:t>
+            </a:r>
+            <a:r>
+              <a:rPr lang="ko-KR" altLang="en-US" dirty="0"/>
+              <a:t>종사원친절도</a:t>
+            </a:r>
+            <a:endParaRPr lang="en-US" altLang="ko-KR" dirty="0"/>
+          </a:p>
+          <a:p>
+            <a:pPr marL="742950" lvl="1" indent="-285750">
+              <a:buFontTx/>
+              <a:buChar char="-"/>
+            </a:pPr>
+            <a:endParaRPr lang="en-US" altLang="ko-KR" dirty="0"/>
+          </a:p>
+          <a:p>
+            <a:pPr marL="285750" indent="-285750">
+              <a:buFontTx/>
+              <a:buChar char="-"/>
+            </a:pPr>
+            <a:r>
+              <a:rPr lang="ko-KR" altLang="en-US" dirty="0"/>
+              <a:t>연령별</a:t>
+            </a:r>
+            <a:endParaRPr lang="en-US" altLang="ko-KR" dirty="0"/>
+          </a:p>
+          <a:p>
+            <a:pPr marL="742950" lvl="1" indent="-285750">
+              <a:buFontTx/>
+              <a:buChar char="-"/>
+            </a:pPr>
+            <a:r>
+              <a:rPr lang="ko-KR" altLang="en-US" dirty="0"/>
+              <a:t>시설상태 </a:t>
+            </a:r>
+            <a:r>
+              <a:rPr lang="en-US" altLang="ko-KR" dirty="0"/>
+              <a:t>/ </a:t>
+            </a:r>
+            <a:r>
+              <a:rPr lang="ko-KR" altLang="en-US" dirty="0"/>
+              <a:t>시설이용편의성 </a:t>
+            </a:r>
+            <a:r>
+              <a:rPr lang="en-US" altLang="ko-KR" dirty="0"/>
+              <a:t>/ </a:t>
+            </a:r>
+            <a:r>
+              <a:rPr lang="ko-KR" altLang="en-US" dirty="0"/>
+              <a:t>종사원친절도</a:t>
+            </a:r>
+            <a:endParaRPr lang="en-US" altLang="ko-KR" dirty="0"/>
+          </a:p>
+          <a:p>
+            <a:pPr marL="742950" lvl="1" indent="-285750">
+              <a:buFontTx/>
+              <a:buChar char="-"/>
+            </a:pPr>
+            <a:endParaRPr lang="en-US" altLang="ko-KR" dirty="0"/>
+          </a:p>
+          <a:p>
+            <a:pPr marL="285750" indent="-285750">
+              <a:buFontTx/>
+              <a:buChar char="-"/>
+            </a:pPr>
+            <a:r>
+              <a:rPr lang="ko-KR" altLang="en-US" dirty="0"/>
+              <a:t>여행형태별</a:t>
+            </a:r>
+            <a:endParaRPr lang="en-US" altLang="ko-KR" dirty="0"/>
+          </a:p>
+          <a:p>
+            <a:pPr marL="742950" lvl="1" indent="-285750">
+              <a:buFontTx/>
+              <a:buChar char="-"/>
+            </a:pPr>
+            <a:r>
+              <a:rPr lang="ko-KR" altLang="en-US" dirty="0"/>
+              <a:t>시설상태 </a:t>
+            </a:r>
+            <a:r>
+              <a:rPr lang="en-US" altLang="ko-KR" dirty="0"/>
+              <a:t>/ </a:t>
+            </a:r>
+            <a:r>
+              <a:rPr lang="ko-KR" altLang="en-US" dirty="0"/>
+              <a:t>시설이용편의성 </a:t>
+            </a:r>
+            <a:r>
+              <a:rPr lang="en-US" altLang="ko-KR" dirty="0"/>
+              <a:t>/ </a:t>
+            </a:r>
+            <a:r>
+              <a:rPr lang="ko-KR" altLang="en-US" dirty="0"/>
+              <a:t>종사원친절도</a:t>
+            </a:r>
+            <a:endParaRPr lang="en-US" altLang="ko-KR" dirty="0"/>
           </a:p>
         </p:txBody>
       </p:sp>
@@ -7293,425 +7531,46 @@
           <a:chExt cx="0" cy="0"/>
         </a:xfrm>
       </p:grpSpPr>
-      <p:sp>
-        <p:nvSpPr>
-          <p:cNvPr id="2" name="제목 1">
-            <a:extLst>
-              <a:ext uri="{FF2B5EF4-FFF2-40B4-BE49-F238E27FC236}">
-                <a16:creationId xmlns:a16="http://schemas.microsoft.com/office/drawing/2014/main" id="{314F67E7-9A25-42BE-946D-AB33397AE9D8}"/>
-              </a:ext>
-            </a:extLst>
-          </p:cNvPr>
-          <p:cNvSpPr>
-            <a:spLocks noGrp="1"/>
-          </p:cNvSpPr>
-          <p:nvPr>
-            <p:ph type="title"/>
-          </p:nvPr>
-        </p:nvSpPr>
-        <p:spPr>
-          <a:xfrm>
-            <a:off x="838200" y="-34370"/>
-            <a:ext cx="10515600" cy="1325563"/>
-          </a:xfrm>
-        </p:spPr>
-        <p:txBody>
-          <a:bodyPr/>
-          <a:lstStyle/>
-          <a:p>
-            <a:r>
-              <a:rPr lang="en-US" altLang="ko-KR" dirty="0"/>
-              <a:t>5. </a:t>
-            </a:r>
-            <a:r>
-              <a:rPr lang="ko-KR" altLang="en-US" dirty="0"/>
-              <a:t>관광만족도</a:t>
-            </a:r>
-            <a:r>
-              <a:rPr lang="en-US" altLang="ko-KR" dirty="0"/>
-              <a:t>,</a:t>
-            </a:r>
-            <a:r>
-              <a:rPr lang="ko-KR" altLang="en-US" dirty="0"/>
-              <a:t>불만족요인 등</a:t>
-            </a:r>
-          </a:p>
-        </p:txBody>
-      </p:sp>
-      <p:sp>
-        <p:nvSpPr>
-          <p:cNvPr id="4" name="TextBox 3">
-            <a:extLst>
-              <a:ext uri="{FF2B5EF4-FFF2-40B4-BE49-F238E27FC236}">
-                <a16:creationId xmlns:a16="http://schemas.microsoft.com/office/drawing/2014/main" id="{3C4098F4-68FB-42FE-8618-30A48DCC64B5}"/>
-              </a:ext>
-            </a:extLst>
-          </p:cNvPr>
-          <p:cNvSpPr txBox="1"/>
+      <p:pic>
+        <p:nvPicPr>
+          <p:cNvPr id="5" name="그림 4">
+            <a:extLst>
+              <a:ext uri="{FF2B5EF4-FFF2-40B4-BE49-F238E27FC236}">
+                <a16:creationId xmlns:a16="http://schemas.microsoft.com/office/drawing/2014/main" id="{2C4E64CA-DECD-4EB6-801B-9CC529FBC3C3}"/>
+              </a:ext>
+            </a:extLst>
+          </p:cNvPr>
+          <p:cNvPicPr>
+            <a:picLocks noChangeAspect="1"/>
+          </p:cNvPicPr>
           <p:nvPr/>
-        </p:nvSpPr>
-        <p:spPr>
-          <a:xfrm>
-            <a:off x="448845" y="1275128"/>
-            <a:ext cx="5166799" cy="2585323"/>
+        </p:nvPicPr>
+        <p:blipFill>
+          <a:blip r:embed="rId2">
+            <a:extLst>
+              <a:ext uri="{28A0092B-C50C-407E-A947-70E740481C1C}">
+                <a14:useLocalDpi xmlns:a14="http://schemas.microsoft.com/office/drawing/2010/main" val="0"/>
+              </a:ext>
+            </a:extLst>
+          </a:blip>
+          <a:stretch>
+            <a:fillRect/>
+          </a:stretch>
+        </p:blipFill>
+        <p:spPr>
+          <a:xfrm>
+            <a:off x="0" y="927566"/>
+            <a:ext cx="12192000" cy="5581988"/>
           </a:xfrm>
           <a:prstGeom prst="rect">
             <a:avLst/>
           </a:prstGeom>
-          <a:noFill/>
-        </p:spPr>
-        <p:txBody>
-          <a:bodyPr wrap="none" rtlCol="0">
-            <a:spAutoFit/>
-          </a:bodyPr>
-          <a:lstStyle/>
-          <a:p>
-            <a:r>
-              <a:rPr lang="en-US" altLang="ko-KR" dirty="0"/>
-              <a:t>*</a:t>
-            </a:r>
-            <a:r>
-              <a:rPr lang="ko-KR" altLang="en-US" dirty="0"/>
-              <a:t>불만족요인</a:t>
-            </a:r>
-            <a:r>
-              <a:rPr lang="en-US" altLang="ko-KR" dirty="0"/>
-              <a:t>[2018]</a:t>
-            </a:r>
-          </a:p>
-          <a:p>
-            <a:pPr marL="285750" indent="-285750">
-              <a:buFontTx/>
-              <a:buChar char="-"/>
-            </a:pPr>
-            <a:r>
-              <a:rPr lang="ko-KR" altLang="en-US" dirty="0"/>
-              <a:t>국적별</a:t>
-            </a:r>
-            <a:endParaRPr lang="en-US" altLang="ko-KR" dirty="0"/>
-          </a:p>
-          <a:p>
-            <a:pPr marL="742950" lvl="1" indent="-285750">
-              <a:buFontTx/>
-              <a:buChar char="-"/>
-            </a:pPr>
-            <a:r>
-              <a:rPr lang="ko-KR" altLang="en-US" dirty="0"/>
-              <a:t>한국</a:t>
-            </a:r>
-            <a:r>
-              <a:rPr lang="en-US" altLang="ko-KR" dirty="0"/>
-              <a:t>,</a:t>
-            </a:r>
-            <a:r>
-              <a:rPr lang="ko-KR" altLang="en-US" dirty="0"/>
-              <a:t>일본</a:t>
-            </a:r>
-            <a:r>
-              <a:rPr lang="en-US" altLang="ko-KR" dirty="0"/>
-              <a:t>,</a:t>
-            </a:r>
-            <a:r>
-              <a:rPr lang="ko-KR" altLang="en-US" dirty="0"/>
-              <a:t>중국</a:t>
-            </a:r>
-            <a:r>
-              <a:rPr lang="en-US" altLang="ko-KR" dirty="0"/>
-              <a:t>,</a:t>
-            </a:r>
-            <a:r>
-              <a:rPr lang="ko-KR" altLang="en-US" dirty="0" err="1"/>
-              <a:t>중화권</a:t>
-            </a:r>
-            <a:r>
-              <a:rPr lang="en-US" altLang="ko-KR" dirty="0"/>
-              <a:t>,</a:t>
-            </a:r>
-            <a:r>
-              <a:rPr lang="ko-KR" altLang="en-US" dirty="0"/>
-              <a:t>동남아</a:t>
-            </a:r>
-            <a:r>
-              <a:rPr lang="en-US" altLang="ko-KR" dirty="0"/>
-              <a:t>,</a:t>
-            </a:r>
-            <a:r>
-              <a:rPr lang="ko-KR" altLang="en-US" dirty="0" err="1"/>
-              <a:t>북미권</a:t>
-            </a:r>
-            <a:r>
-              <a:rPr lang="en-US" altLang="ko-KR" dirty="0"/>
-              <a:t>,</a:t>
-            </a:r>
-            <a:r>
-              <a:rPr lang="ko-KR" altLang="en-US" dirty="0"/>
-              <a:t>기타</a:t>
-            </a:r>
-            <a:endParaRPr lang="en-US" altLang="ko-KR" dirty="0"/>
-          </a:p>
-          <a:p>
-            <a:pPr marL="285750" indent="-285750">
-              <a:buFontTx/>
-              <a:buChar char="-"/>
-            </a:pPr>
-            <a:r>
-              <a:rPr lang="ko-KR" altLang="en-US" dirty="0"/>
-              <a:t>성별</a:t>
-            </a:r>
-            <a:endParaRPr lang="en-US" altLang="ko-KR" dirty="0"/>
-          </a:p>
-          <a:p>
-            <a:pPr marL="742950" lvl="1" indent="-285750">
-              <a:buFontTx/>
-              <a:buChar char="-"/>
-            </a:pPr>
-            <a:r>
-              <a:rPr lang="ko-KR" altLang="en-US" dirty="0"/>
-              <a:t>내국인</a:t>
-            </a:r>
-            <a:r>
-              <a:rPr lang="en-US" altLang="ko-KR" dirty="0"/>
-              <a:t>,</a:t>
-            </a:r>
-            <a:r>
-              <a:rPr lang="ko-KR" altLang="en-US" dirty="0"/>
-              <a:t>외국인</a:t>
-            </a:r>
-            <a:endParaRPr lang="en-US" altLang="ko-KR" dirty="0"/>
-          </a:p>
-          <a:p>
-            <a:pPr marL="285750" indent="-285750">
-              <a:buFontTx/>
-              <a:buChar char="-"/>
-            </a:pPr>
-            <a:r>
-              <a:rPr lang="ko-KR" altLang="en-US" dirty="0"/>
-              <a:t>연령별</a:t>
-            </a:r>
-            <a:endParaRPr lang="en-US" altLang="ko-KR" dirty="0"/>
-          </a:p>
-          <a:p>
-            <a:pPr marL="742950" lvl="1" indent="-285750">
-              <a:buFontTx/>
-              <a:buChar char="-"/>
-            </a:pPr>
-            <a:r>
-              <a:rPr lang="ko-KR" altLang="en-US" dirty="0"/>
-              <a:t>내국인</a:t>
-            </a:r>
-            <a:r>
-              <a:rPr lang="en-US" altLang="ko-KR" dirty="0"/>
-              <a:t>,</a:t>
-            </a:r>
-            <a:r>
-              <a:rPr lang="ko-KR" altLang="en-US" dirty="0"/>
-              <a:t>외국인</a:t>
-            </a:r>
-            <a:endParaRPr lang="en-US" altLang="ko-KR" dirty="0"/>
-          </a:p>
-          <a:p>
-            <a:pPr marL="285750" indent="-285750">
-              <a:buFontTx/>
-              <a:buChar char="-"/>
-            </a:pPr>
-            <a:r>
-              <a:rPr lang="ko-KR" altLang="en-US" dirty="0"/>
-              <a:t>여행형태별</a:t>
-            </a:r>
-            <a:endParaRPr lang="en-US" altLang="ko-KR" dirty="0"/>
-          </a:p>
-          <a:p>
-            <a:pPr marL="742950" lvl="1" indent="-285750">
-              <a:buFontTx/>
-              <a:buChar char="-"/>
-            </a:pPr>
-            <a:r>
-              <a:rPr lang="ko-KR" altLang="en-US" dirty="0"/>
-              <a:t>내국인</a:t>
-            </a:r>
-            <a:r>
-              <a:rPr lang="en-US" altLang="ko-KR" dirty="0"/>
-              <a:t>,</a:t>
-            </a:r>
-            <a:r>
-              <a:rPr lang="ko-KR" altLang="en-US" dirty="0"/>
-              <a:t>외국인</a:t>
-            </a:r>
-          </a:p>
-        </p:txBody>
-      </p:sp>
-      <p:sp>
-        <p:nvSpPr>
-          <p:cNvPr id="6" name="TextBox 5">
-            <a:extLst>
-              <a:ext uri="{FF2B5EF4-FFF2-40B4-BE49-F238E27FC236}">
-                <a16:creationId xmlns:a16="http://schemas.microsoft.com/office/drawing/2014/main" id="{1EF6CF83-2ED9-417B-A8EB-AC9048CDBA64}"/>
-              </a:ext>
-            </a:extLst>
-          </p:cNvPr>
-          <p:cNvSpPr txBox="1"/>
-          <p:nvPr/>
-        </p:nvSpPr>
-        <p:spPr>
-          <a:xfrm>
-            <a:off x="448845" y="4109123"/>
-            <a:ext cx="2073003" cy="923330"/>
-          </a:xfrm>
-          <a:prstGeom prst="rect">
-            <a:avLst/>
-          </a:prstGeom>
-          <a:noFill/>
-        </p:spPr>
-        <p:txBody>
-          <a:bodyPr wrap="none" rtlCol="0">
-            <a:spAutoFit/>
-          </a:bodyPr>
-          <a:lstStyle/>
-          <a:p>
-            <a:r>
-              <a:rPr lang="en-US" altLang="ko-KR" dirty="0"/>
-              <a:t>*</a:t>
-            </a:r>
-            <a:r>
-              <a:rPr lang="ko-KR" altLang="en-US" dirty="0"/>
-              <a:t>만족활동</a:t>
-            </a:r>
-            <a:r>
-              <a:rPr lang="en-US" altLang="ko-KR" dirty="0"/>
-              <a:t>[2018]</a:t>
-            </a:r>
-          </a:p>
-          <a:p>
-            <a:pPr marL="285750" indent="-285750">
-              <a:buFontTx/>
-              <a:buChar char="-"/>
-            </a:pPr>
-            <a:r>
-              <a:rPr lang="ko-KR" altLang="en-US" dirty="0"/>
-              <a:t>국적별</a:t>
-            </a:r>
-            <a:r>
-              <a:rPr lang="en-US" altLang="ko-KR" dirty="0"/>
-              <a:t> : </a:t>
-            </a:r>
-            <a:r>
-              <a:rPr lang="ko-KR" altLang="en-US" dirty="0"/>
-              <a:t>국내외</a:t>
-            </a:r>
-            <a:endParaRPr lang="en-US" altLang="ko-KR" dirty="0"/>
-          </a:p>
-          <a:p>
-            <a:pPr marL="285750" indent="-285750">
-              <a:buFontTx/>
-              <a:buChar char="-"/>
-            </a:pPr>
-            <a:endParaRPr lang="en-US" altLang="ko-KR" dirty="0"/>
-          </a:p>
-        </p:txBody>
-      </p:sp>
-      <p:sp>
-        <p:nvSpPr>
-          <p:cNvPr id="7" name="TextBox 6">
-            <a:extLst>
-              <a:ext uri="{FF2B5EF4-FFF2-40B4-BE49-F238E27FC236}">
-                <a16:creationId xmlns:a16="http://schemas.microsoft.com/office/drawing/2014/main" id="{64923F25-97A7-494B-8B85-6A8957986D9A}"/>
-              </a:ext>
-            </a:extLst>
-          </p:cNvPr>
-          <p:cNvSpPr txBox="1"/>
-          <p:nvPr/>
-        </p:nvSpPr>
-        <p:spPr>
-          <a:xfrm>
-            <a:off x="448845" y="5172478"/>
-            <a:ext cx="2545890" cy="1754326"/>
-          </a:xfrm>
-          <a:prstGeom prst="rect">
-            <a:avLst/>
-          </a:prstGeom>
-          <a:noFill/>
-        </p:spPr>
-        <p:txBody>
-          <a:bodyPr wrap="none" rtlCol="0">
-            <a:spAutoFit/>
-          </a:bodyPr>
-          <a:lstStyle/>
-          <a:p>
-            <a:r>
-              <a:rPr lang="en-US" altLang="ko-KR" dirty="0"/>
-              <a:t>*</a:t>
-            </a:r>
-            <a:r>
-              <a:rPr lang="ko-KR" altLang="en-US" dirty="0"/>
-              <a:t>숙박시설만족도</a:t>
-            </a:r>
-            <a:r>
-              <a:rPr lang="en-US" altLang="ko-KR" dirty="0"/>
-              <a:t>[2017]</a:t>
-            </a:r>
-          </a:p>
-          <a:p>
-            <a:pPr marL="285750" indent="-285750">
-              <a:buFontTx/>
-              <a:buChar char="-"/>
-            </a:pPr>
-            <a:r>
-              <a:rPr lang="ko-KR" altLang="en-US" dirty="0"/>
-              <a:t>시설상태 </a:t>
-            </a:r>
-            <a:r>
-              <a:rPr lang="en-US" altLang="ko-KR" dirty="0"/>
-              <a:t>:</a:t>
-            </a:r>
-          </a:p>
-          <a:p>
-            <a:pPr marL="285750" indent="-285750">
-              <a:buFontTx/>
-              <a:buChar char="-"/>
-            </a:pPr>
-            <a:r>
-              <a:rPr lang="ko-KR" altLang="en-US" dirty="0"/>
-              <a:t>종사원 친절도 </a:t>
-            </a:r>
-            <a:r>
-              <a:rPr lang="en-US" altLang="ko-KR" dirty="0"/>
-              <a:t>:</a:t>
-            </a:r>
-          </a:p>
-          <a:p>
-            <a:pPr marL="285750" indent="-285750">
-              <a:buFontTx/>
-              <a:buChar char="-"/>
-            </a:pPr>
-            <a:r>
-              <a:rPr lang="ko-KR" altLang="en-US" dirty="0"/>
-              <a:t>시설이용편의성 </a:t>
-            </a:r>
-            <a:r>
-              <a:rPr lang="en-US" altLang="ko-KR" dirty="0"/>
-              <a:t>: </a:t>
-            </a:r>
-          </a:p>
-          <a:p>
-            <a:pPr marL="285750" indent="-285750">
-              <a:buFontTx/>
-              <a:buChar char="-"/>
-            </a:pPr>
-            <a:endParaRPr lang="en-US" altLang="ko-KR" dirty="0"/>
-          </a:p>
-          <a:p>
-            <a:pPr marL="285750" indent="-285750">
-              <a:buFontTx/>
-              <a:buChar char="-"/>
-            </a:pPr>
-            <a:endParaRPr lang="en-US" altLang="ko-KR" dirty="0"/>
-          </a:p>
-        </p:txBody>
-      </p:sp>
+        </p:spPr>
+      </p:pic>
     </p:spTree>
     <p:extLst>
       <p:ext uri="{BB962C8B-B14F-4D97-AF65-F5344CB8AC3E}">
-        <p14:creationId xmlns:p14="http://schemas.microsoft.com/office/powerpoint/2010/main" val="2708079545"/>
+        <p14:creationId xmlns:p14="http://schemas.microsoft.com/office/powerpoint/2010/main" val="3860521795"/>
       </p:ext>
     </p:extLst>
   </p:cSld>
@@ -7740,10 +7599,10 @@
       </p:grpSpPr>
       <p:pic>
         <p:nvPicPr>
-          <p:cNvPr id="7" name="그림 6">
-            <a:extLst>
-              <a:ext uri="{FF2B5EF4-FFF2-40B4-BE49-F238E27FC236}">
-                <a16:creationId xmlns:a16="http://schemas.microsoft.com/office/drawing/2014/main" id="{E5EBF3F1-E980-4E54-8A7C-ACE6F0CA0955}"/>
+          <p:cNvPr id="9" name="그림 8">
+            <a:extLst>
+              <a:ext uri="{FF2B5EF4-FFF2-40B4-BE49-F238E27FC236}">
+                <a16:creationId xmlns:a16="http://schemas.microsoft.com/office/drawing/2014/main" id="{79CAA4E3-EF60-495F-A7CF-01293BEB5AA6}"/>
               </a:ext>
             </a:extLst>
           </p:cNvPr>
@@ -7767,186 +7626,17 @@
         <p:spPr>
           <a:xfrm>
             <a:off x="0" y="0"/>
-            <a:ext cx="8526065" cy="5896798"/>
+            <a:ext cx="7039957" cy="5896798"/>
           </a:xfrm>
           <a:prstGeom prst="rect">
             <a:avLst/>
           </a:prstGeom>
         </p:spPr>
       </p:pic>
-      <p:sp>
-        <p:nvSpPr>
-          <p:cNvPr id="5" name="TextBox 4">
-            <a:extLst>
-              <a:ext uri="{FF2B5EF4-FFF2-40B4-BE49-F238E27FC236}">
-                <a16:creationId xmlns:a16="http://schemas.microsoft.com/office/drawing/2014/main" id="{16A4DC1B-1B4F-4BF0-8B20-A67590D8B803}"/>
-              </a:ext>
-            </a:extLst>
-          </p:cNvPr>
-          <p:cNvSpPr txBox="1"/>
-          <p:nvPr/>
-        </p:nvSpPr>
-        <p:spPr>
-          <a:xfrm>
-            <a:off x="6897290" y="136813"/>
-            <a:ext cx="5112297" cy="1169551"/>
-          </a:xfrm>
-          <a:prstGeom prst="rect">
-            <a:avLst/>
-          </a:prstGeom>
-          <a:noFill/>
-        </p:spPr>
-        <p:txBody>
-          <a:bodyPr wrap="none" rtlCol="0">
-            <a:spAutoFit/>
-          </a:bodyPr>
-          <a:lstStyle/>
-          <a:p>
-            <a:r>
-              <a:rPr lang="en-US" altLang="ko-KR" sz="1400" dirty="0"/>
-              <a:t>*</a:t>
-            </a:r>
-            <a:r>
-              <a:rPr lang="ko-KR" altLang="en-US" sz="1400" dirty="0"/>
-              <a:t>국적별 </a:t>
-            </a:r>
-            <a:r>
-              <a:rPr lang="ko-KR" altLang="en-US" sz="1400" dirty="0" err="1"/>
-              <a:t>여행불만족요인</a:t>
-            </a:r>
-            <a:endParaRPr lang="en-US" altLang="ko-KR" sz="1400" dirty="0"/>
-          </a:p>
-          <a:p>
-            <a:r>
-              <a:rPr lang="en-US" altLang="ko-KR" sz="1400" dirty="0"/>
-              <a:t>	- </a:t>
-            </a:r>
-            <a:r>
-              <a:rPr lang="ko-KR" altLang="en-US" sz="1400" dirty="0"/>
-              <a:t>물가에 민감</a:t>
-            </a:r>
-            <a:r>
-              <a:rPr lang="en-US" altLang="ko-KR" sz="1400" dirty="0"/>
-              <a:t> ‘</a:t>
-            </a:r>
-            <a:r>
-              <a:rPr lang="ko-KR" altLang="en-US" sz="1400" dirty="0"/>
-              <a:t>한국</a:t>
-            </a:r>
-            <a:r>
-              <a:rPr lang="en-US" altLang="ko-KR" sz="1400" dirty="0"/>
-              <a:t>’, ‘</a:t>
-            </a:r>
-            <a:r>
-              <a:rPr lang="ko-KR" altLang="en-US" sz="1400" dirty="0" err="1"/>
-              <a:t>중화권</a:t>
-            </a:r>
-            <a:r>
-              <a:rPr lang="en-US" altLang="ko-KR" sz="1400" dirty="0"/>
-              <a:t>’, ‘</a:t>
-            </a:r>
-            <a:r>
-              <a:rPr lang="ko-KR" altLang="en-US" sz="1400" dirty="0"/>
-              <a:t>동남아권</a:t>
-            </a:r>
-            <a:r>
-              <a:rPr lang="en-US" altLang="ko-KR" sz="1400" dirty="0"/>
-              <a:t>’</a:t>
-            </a:r>
-          </a:p>
-          <a:p>
-            <a:r>
-              <a:rPr lang="en-US" altLang="ko-KR" sz="1400" dirty="0"/>
-              <a:t>	- </a:t>
-            </a:r>
-            <a:r>
-              <a:rPr lang="ko-KR" altLang="en-US" sz="1400" dirty="0"/>
-              <a:t>대체적으로 만족하는 </a:t>
-            </a:r>
-            <a:r>
-              <a:rPr lang="en-US" altLang="ko-KR" sz="1400" dirty="0"/>
-              <a:t>‘</a:t>
-            </a:r>
-            <a:r>
-              <a:rPr lang="ko-KR" altLang="en-US" sz="1400" dirty="0"/>
-              <a:t>한국</a:t>
-            </a:r>
-            <a:r>
-              <a:rPr lang="en-US" altLang="ko-KR" sz="1400" dirty="0"/>
-              <a:t>’</a:t>
-            </a:r>
-          </a:p>
-          <a:p>
-            <a:r>
-              <a:rPr lang="en-US" altLang="ko-KR" sz="1400" dirty="0"/>
-              <a:t>	- </a:t>
-            </a:r>
-            <a:r>
-              <a:rPr lang="ko-KR" altLang="en-US" sz="1400" dirty="0"/>
-              <a:t>언어소통의 불편함을 느끼는 </a:t>
-            </a:r>
-            <a:r>
-              <a:rPr lang="en-US" altLang="ko-KR" sz="1400" dirty="0"/>
-              <a:t>‘</a:t>
-            </a:r>
-            <a:r>
-              <a:rPr lang="ko-KR" altLang="en-US" sz="1400" dirty="0"/>
-              <a:t>동남아권‘</a:t>
-            </a:r>
-            <a:r>
-              <a:rPr lang="en-US" altLang="ko-KR" sz="1400" dirty="0"/>
-              <a:t>, ’</a:t>
-            </a:r>
-            <a:r>
-              <a:rPr lang="ko-KR" altLang="en-US" sz="1400" dirty="0" err="1"/>
-              <a:t>북미권</a:t>
-            </a:r>
-            <a:r>
-              <a:rPr lang="en-US" altLang="ko-KR" sz="1400" dirty="0"/>
-              <a:t>’</a:t>
-            </a:r>
-          </a:p>
-          <a:p>
-            <a:r>
-              <a:rPr lang="en-US" altLang="ko-KR" sz="1400" dirty="0"/>
-              <a:t>	- </a:t>
-            </a:r>
-            <a:r>
-              <a:rPr lang="ko-KR" altLang="en-US" sz="1400" dirty="0"/>
-              <a:t>식당과 음식이 불결</a:t>
-            </a:r>
-            <a:r>
-              <a:rPr lang="en-US" altLang="ko-KR" sz="1400" dirty="0"/>
-              <a:t>, </a:t>
-            </a:r>
-            <a:r>
-              <a:rPr lang="ko-KR" altLang="en-US" sz="1400" dirty="0" err="1"/>
-              <a:t>음식맛이</a:t>
-            </a:r>
-            <a:r>
-              <a:rPr lang="ko-KR" altLang="en-US" sz="1400" dirty="0"/>
-              <a:t> 맞지않 </a:t>
-            </a:r>
-            <a:r>
-              <a:rPr lang="en-US" altLang="ko-KR" sz="1400" dirty="0"/>
-              <a:t>‘</a:t>
-            </a:r>
-            <a:r>
-              <a:rPr lang="ko-KR" altLang="en-US" sz="1400" dirty="0" err="1"/>
-              <a:t>북미권</a:t>
-            </a:r>
-            <a:r>
-              <a:rPr lang="ko-KR" altLang="en-US" sz="1400" dirty="0"/>
-              <a:t>＇</a:t>
-            </a:r>
-            <a:endParaRPr lang="en-US" altLang="ko-KR" sz="1400" dirty="0"/>
-          </a:p>
-        </p:txBody>
-      </p:sp>
     </p:spTree>
     <p:extLst>
       <p:ext uri="{BB962C8B-B14F-4D97-AF65-F5344CB8AC3E}">
-        <p14:creationId xmlns:p14="http://schemas.microsoft.com/office/powerpoint/2010/main" val="525416835"/>
+        <p14:creationId xmlns:p14="http://schemas.microsoft.com/office/powerpoint/2010/main" val="4194381650"/>
       </p:ext>
     </p:extLst>
   </p:cSld>
@@ -7978,7 +7668,7 @@
           <p:cNvPr id="5" name="그림 4">
             <a:extLst>
               <a:ext uri="{FF2B5EF4-FFF2-40B4-BE49-F238E27FC236}">
-                <a16:creationId xmlns:a16="http://schemas.microsoft.com/office/drawing/2014/main" id="{51AFBC40-0164-41DF-9DB8-D61B034926CC}"/>
+                <a16:creationId xmlns:a16="http://schemas.microsoft.com/office/drawing/2014/main" id="{2D2E3CE6-CD4B-4C76-94A5-F1F24BC361B4}"/>
               </a:ext>
             </a:extLst>
           </p:cNvPr>
@@ -8002,151 +7692,17 @@
         <p:spPr>
           <a:xfrm>
             <a:off x="0" y="0"/>
-            <a:ext cx="8526065" cy="5896798"/>
+            <a:ext cx="12192000" cy="3112102"/>
           </a:xfrm>
           <a:prstGeom prst="rect">
             <a:avLst/>
           </a:prstGeom>
         </p:spPr>
       </p:pic>
-      <p:sp>
-        <p:nvSpPr>
-          <p:cNvPr id="6" name="TextBox 5">
-            <a:extLst>
-              <a:ext uri="{FF2B5EF4-FFF2-40B4-BE49-F238E27FC236}">
-                <a16:creationId xmlns:a16="http://schemas.microsoft.com/office/drawing/2014/main" id="{067E3104-C7C7-49EE-93BE-0D5ADE95CDC3}"/>
-              </a:ext>
-            </a:extLst>
-          </p:cNvPr>
-          <p:cNvSpPr txBox="1"/>
-          <p:nvPr/>
-        </p:nvSpPr>
-        <p:spPr>
-          <a:xfrm>
-            <a:off x="6916340" y="155863"/>
-            <a:ext cx="5301451" cy="954107"/>
-          </a:xfrm>
-          <a:prstGeom prst="rect">
-            <a:avLst/>
-          </a:prstGeom>
-          <a:noFill/>
-        </p:spPr>
-        <p:txBody>
-          <a:bodyPr wrap="none" rtlCol="0">
-            <a:spAutoFit/>
-          </a:bodyPr>
-          <a:lstStyle/>
-          <a:p>
-            <a:r>
-              <a:rPr lang="en-US" altLang="ko-KR" sz="1400" dirty="0"/>
-              <a:t>*</a:t>
-            </a:r>
-            <a:r>
-              <a:rPr lang="ko-KR" altLang="en-US" sz="1400" dirty="0"/>
-              <a:t>성별 </a:t>
-            </a:r>
-            <a:r>
-              <a:rPr lang="ko-KR" altLang="en-US" sz="1400" dirty="0" err="1"/>
-              <a:t>여행불만족요인</a:t>
-            </a:r>
-            <a:endParaRPr lang="en-US" altLang="ko-KR" sz="1400" dirty="0"/>
-          </a:p>
-          <a:p>
-            <a:r>
-              <a:rPr lang="en-US" altLang="ko-KR" sz="1400" dirty="0"/>
-              <a:t>	- </a:t>
-            </a:r>
-            <a:r>
-              <a:rPr lang="ko-KR" altLang="en-US" sz="1400" dirty="0"/>
-              <a:t>반이상은 만족하는 </a:t>
-            </a:r>
-            <a:r>
-              <a:rPr lang="en-US" altLang="ko-KR" sz="1400" dirty="0"/>
-              <a:t>‘</a:t>
-            </a:r>
-            <a:r>
-              <a:rPr lang="ko-KR" altLang="en-US" sz="1400" dirty="0"/>
-              <a:t>한국인</a:t>
-            </a:r>
-            <a:r>
-              <a:rPr lang="en-US" altLang="ko-KR" sz="1400" dirty="0"/>
-              <a:t>’</a:t>
-            </a:r>
-          </a:p>
-          <a:p>
-            <a:r>
-              <a:rPr lang="en-US" altLang="ko-KR" sz="1400" dirty="0"/>
-              <a:t>	- </a:t>
-            </a:r>
-            <a:r>
-              <a:rPr lang="ko-KR" altLang="en-US" sz="1400" dirty="0"/>
-              <a:t>물가에 민감 </a:t>
-            </a:r>
-            <a:r>
-              <a:rPr lang="en-US" altLang="ko-KR" sz="1400" dirty="0"/>
-              <a:t>‘</a:t>
-            </a:r>
-            <a:r>
-              <a:rPr lang="ko-KR" altLang="en-US" sz="1400" dirty="0"/>
-              <a:t>한국인</a:t>
-            </a:r>
-            <a:r>
-              <a:rPr lang="en-US" altLang="ko-KR" sz="1400" dirty="0"/>
-              <a:t>’ </a:t>
-            </a:r>
-          </a:p>
-          <a:p>
-            <a:r>
-              <a:rPr lang="en-US" altLang="ko-KR" sz="1400" dirty="0"/>
-              <a:t>	- </a:t>
-            </a:r>
-            <a:r>
-              <a:rPr lang="ko-KR" altLang="en-US" sz="1400" dirty="0"/>
-              <a:t>언어소통</a:t>
-            </a:r>
-            <a:r>
-              <a:rPr lang="en-US" altLang="ko-KR" sz="1400" dirty="0"/>
-              <a:t>,</a:t>
-            </a:r>
-            <a:r>
-              <a:rPr lang="ko-KR" altLang="en-US" sz="1400" dirty="0"/>
-              <a:t>여행정보</a:t>
-            </a:r>
-            <a:r>
-              <a:rPr lang="en-US" altLang="ko-KR" sz="1400" dirty="0"/>
-              <a:t>,</a:t>
-            </a:r>
-            <a:r>
-              <a:rPr lang="ko-KR" altLang="en-US" sz="1400" dirty="0"/>
-              <a:t>물가</a:t>
-            </a:r>
-            <a:r>
-              <a:rPr lang="en-US" altLang="ko-KR" sz="1400" dirty="0"/>
-              <a:t>,</a:t>
-            </a:r>
-            <a:r>
-              <a:rPr lang="ko-KR" altLang="en-US" sz="1400" dirty="0"/>
-              <a:t>대중교통이용 불편 </a:t>
-            </a:r>
-            <a:r>
-              <a:rPr lang="en-US" altLang="ko-KR" sz="1400" dirty="0"/>
-              <a:t>’</a:t>
-            </a:r>
-            <a:r>
-              <a:rPr lang="ko-KR" altLang="en-US" sz="1400" dirty="0"/>
-              <a:t>외국인</a:t>
-            </a:r>
-            <a:r>
-              <a:rPr lang="en-US" altLang="ko-KR" sz="1400" dirty="0"/>
-              <a:t>’</a:t>
-            </a:r>
-          </a:p>
-        </p:txBody>
-      </p:sp>
     </p:spTree>
     <p:extLst>
       <p:ext uri="{BB962C8B-B14F-4D97-AF65-F5344CB8AC3E}">
-        <p14:creationId xmlns:p14="http://schemas.microsoft.com/office/powerpoint/2010/main" val="495063067"/>
+        <p14:creationId xmlns:p14="http://schemas.microsoft.com/office/powerpoint/2010/main" val="287088337"/>
       </p:ext>
     </p:extLst>
   </p:cSld>
@@ -8178,7 +7734,7 @@
           <p:cNvPr id="5" name="그림 4">
             <a:extLst>
               <a:ext uri="{FF2B5EF4-FFF2-40B4-BE49-F238E27FC236}">
-                <a16:creationId xmlns:a16="http://schemas.microsoft.com/office/drawing/2014/main" id="{AE6EF526-FA06-4EC5-839B-67B3D79C577F}"/>
+                <a16:creationId xmlns:a16="http://schemas.microsoft.com/office/drawing/2014/main" id="{328534F7-5680-47C0-A256-4BA132F5551F}"/>
               </a:ext>
             </a:extLst>
           </p:cNvPr>
@@ -8202,199 +7758,17 @@
         <p:spPr>
           <a:xfrm>
             <a:off x="0" y="0"/>
-            <a:ext cx="8526065" cy="5896798"/>
+            <a:ext cx="12192000" cy="3848469"/>
           </a:xfrm>
           <a:prstGeom prst="rect">
             <a:avLst/>
           </a:prstGeom>
         </p:spPr>
       </p:pic>
-      <p:sp>
-        <p:nvSpPr>
-          <p:cNvPr id="6" name="TextBox 5">
-            <a:extLst>
-              <a:ext uri="{FF2B5EF4-FFF2-40B4-BE49-F238E27FC236}">
-                <a16:creationId xmlns:a16="http://schemas.microsoft.com/office/drawing/2014/main" id="{3DF25124-A5A6-40DE-A89A-FD3801565F83}"/>
-              </a:ext>
-            </a:extLst>
-          </p:cNvPr>
-          <p:cNvSpPr txBox="1"/>
-          <p:nvPr/>
-        </p:nvSpPr>
-        <p:spPr>
-          <a:xfrm>
-            <a:off x="7773590" y="222538"/>
-            <a:ext cx="4193777" cy="1600438"/>
-          </a:xfrm>
-          <a:prstGeom prst="rect">
-            <a:avLst/>
-          </a:prstGeom>
-          <a:noFill/>
-        </p:spPr>
-        <p:txBody>
-          <a:bodyPr wrap="none" rtlCol="0">
-            <a:spAutoFit/>
-          </a:bodyPr>
-          <a:lstStyle/>
-          <a:p>
-            <a:r>
-              <a:rPr lang="en-US" altLang="ko-KR" sz="1400" dirty="0"/>
-              <a:t>*</a:t>
-            </a:r>
-            <a:r>
-              <a:rPr lang="ko-KR" altLang="en-US" sz="1400" dirty="0"/>
-              <a:t>연령별 </a:t>
-            </a:r>
-            <a:r>
-              <a:rPr lang="ko-KR" altLang="en-US" sz="1400" dirty="0" err="1"/>
-              <a:t>여행불만족요인</a:t>
-            </a:r>
-            <a:endParaRPr lang="en-US" altLang="ko-KR" sz="1400" dirty="0"/>
-          </a:p>
-          <a:p>
-            <a:r>
-              <a:rPr lang="en-US" altLang="ko-KR" sz="1400" dirty="0"/>
-              <a:t>	- </a:t>
-            </a:r>
-            <a:r>
-              <a:rPr lang="ko-KR" altLang="en-US" sz="1400" dirty="0"/>
-              <a:t>연령이 높을수록 여행 만족 높</a:t>
-            </a:r>
-            <a:r>
-              <a:rPr lang="en-US" altLang="ko-KR" sz="1400" dirty="0"/>
-              <a:t>.</a:t>
-            </a:r>
-            <a:r>
-              <a:rPr lang="ko-KR" altLang="en-US" sz="1400" dirty="0"/>
-              <a:t> </a:t>
-            </a:r>
-            <a:r>
-              <a:rPr lang="en-US" altLang="ko-KR" sz="1400" dirty="0"/>
-              <a:t>‘</a:t>
-            </a:r>
-            <a:r>
-              <a:rPr lang="ko-KR" altLang="en-US" sz="1400" dirty="0"/>
-              <a:t>한국</a:t>
-            </a:r>
-            <a:r>
-              <a:rPr lang="en-US" altLang="ko-KR" sz="1400" dirty="0"/>
-              <a:t>’</a:t>
-            </a:r>
-          </a:p>
-          <a:p>
-            <a:r>
-              <a:rPr lang="en-US" altLang="ko-KR" sz="1400" dirty="0"/>
-              <a:t>	-  </a:t>
-            </a:r>
-            <a:r>
-              <a:rPr lang="ko-KR" altLang="en-US" sz="1400" dirty="0"/>
-              <a:t>대체적으로 물가에 민감 </a:t>
-            </a:r>
-            <a:r>
-              <a:rPr lang="en-US" altLang="ko-KR" sz="1400" dirty="0"/>
-              <a:t>‘</a:t>
-            </a:r>
-            <a:r>
-              <a:rPr lang="ko-KR" altLang="en-US" sz="1400" dirty="0"/>
-              <a:t>한국‘</a:t>
-            </a:r>
-            <a:endParaRPr lang="en-US" altLang="ko-KR" sz="1400" dirty="0"/>
-          </a:p>
-          <a:p>
-            <a:r>
-              <a:rPr lang="en-US" altLang="ko-KR" sz="1400" dirty="0"/>
-              <a:t>	- </a:t>
-            </a:r>
-            <a:r>
-              <a:rPr lang="ko-KR" altLang="en-US" sz="1400" dirty="0"/>
-              <a:t>대중교통 불편 </a:t>
-            </a:r>
-            <a:r>
-              <a:rPr lang="en-US" altLang="ko-KR" sz="1400" dirty="0"/>
-              <a:t>‘</a:t>
-            </a:r>
-            <a:r>
-              <a:rPr lang="ko-KR" altLang="en-US" sz="1400" dirty="0"/>
-              <a:t>한국 </a:t>
-            </a:r>
-            <a:r>
-              <a:rPr lang="en-US" altLang="ko-KR" sz="1400" dirty="0"/>
-              <a:t>15-20</a:t>
-            </a:r>
-            <a:r>
-              <a:rPr lang="ko-KR" altLang="en-US" sz="1400" dirty="0"/>
-              <a:t>대</a:t>
-            </a:r>
-            <a:r>
-              <a:rPr lang="en-US" altLang="ko-KR" sz="1400" dirty="0"/>
-              <a:t>’</a:t>
-            </a:r>
-          </a:p>
-          <a:p>
-            <a:endParaRPr lang="en-US" altLang="ko-KR" sz="1400" dirty="0"/>
-          </a:p>
-          <a:p>
-            <a:r>
-              <a:rPr lang="en-US" altLang="ko-KR" sz="1400" dirty="0"/>
-              <a:t>	-</a:t>
-            </a:r>
-            <a:r>
-              <a:rPr lang="ko-KR" altLang="en-US" sz="1400" dirty="0"/>
-              <a:t>여행 정보 얻기 어렵 </a:t>
-            </a:r>
-            <a:r>
-              <a:rPr lang="en-US" altLang="ko-KR" sz="1400" dirty="0"/>
-              <a:t>‘</a:t>
-            </a:r>
-            <a:r>
-              <a:rPr lang="ko-KR" altLang="en-US" sz="1400" dirty="0"/>
-              <a:t>외국 </a:t>
-            </a:r>
-            <a:r>
-              <a:rPr lang="en-US" altLang="ko-KR" sz="1400" dirty="0"/>
-              <a:t>61</a:t>
-            </a:r>
-            <a:r>
-              <a:rPr lang="ko-KR" altLang="en-US" sz="1400" dirty="0" err="1"/>
-              <a:t>세이상</a:t>
-            </a:r>
-            <a:r>
-              <a:rPr lang="en-US" altLang="ko-KR" sz="1400" dirty="0"/>
-              <a:t>’</a:t>
-            </a:r>
-          </a:p>
-          <a:p>
-            <a:r>
-              <a:rPr lang="en-US" altLang="ko-KR" sz="1400" dirty="0"/>
-              <a:t>	-</a:t>
-            </a:r>
-            <a:r>
-              <a:rPr lang="ko-KR" altLang="en-US" sz="1400" dirty="0" err="1"/>
-              <a:t>음식맛민감</a:t>
-            </a:r>
-            <a:r>
-              <a:rPr lang="ko-KR" altLang="en-US" sz="1400" dirty="0"/>
-              <a:t> </a:t>
-            </a:r>
-            <a:r>
-              <a:rPr lang="en-US" altLang="ko-KR" sz="1400" dirty="0"/>
-              <a:t>‘</a:t>
-            </a:r>
-            <a:r>
-              <a:rPr lang="ko-KR" altLang="en-US" sz="1400" dirty="0"/>
-              <a:t>외국 </a:t>
-            </a:r>
-            <a:r>
-              <a:rPr lang="en-US" altLang="ko-KR" sz="1400" dirty="0"/>
-              <a:t>51-60’</a:t>
-            </a:r>
-          </a:p>
-        </p:txBody>
-      </p:sp>
     </p:spTree>
     <p:extLst>
       <p:ext uri="{BB962C8B-B14F-4D97-AF65-F5344CB8AC3E}">
-        <p14:creationId xmlns:p14="http://schemas.microsoft.com/office/powerpoint/2010/main" val="1589895746"/>
+        <p14:creationId xmlns:p14="http://schemas.microsoft.com/office/powerpoint/2010/main" val="3226386490"/>
       </p:ext>
     </p:extLst>
   </p:cSld>
@@ -8421,48 +7795,57 @@
           <a:chExt cx="0" cy="0"/>
         </a:xfrm>
       </p:grpSpPr>
-      <p:pic>
-        <p:nvPicPr>
-          <p:cNvPr id="5" name="그림 4">
-            <a:extLst>
-              <a:ext uri="{FF2B5EF4-FFF2-40B4-BE49-F238E27FC236}">
-                <a16:creationId xmlns:a16="http://schemas.microsoft.com/office/drawing/2014/main" id="{111BAD1F-66A6-4504-8070-3024C9B7952B}"/>
-              </a:ext>
-            </a:extLst>
-          </p:cNvPr>
-          <p:cNvPicPr>
-            <a:picLocks noChangeAspect="1"/>
-          </p:cNvPicPr>
-          <p:nvPr/>
-        </p:nvPicPr>
-        <p:blipFill>
-          <a:blip r:embed="rId2">
-            <a:extLst>
-              <a:ext uri="{28A0092B-C50C-407E-A947-70E740481C1C}">
-                <a14:useLocalDpi xmlns:a14="http://schemas.microsoft.com/office/drawing/2010/main" val="0"/>
-              </a:ext>
-            </a:extLst>
-          </a:blip>
-          <a:stretch>
-            <a:fillRect/>
-          </a:stretch>
-        </p:blipFill>
-        <p:spPr>
-          <a:xfrm>
-            <a:off x="0" y="0"/>
-            <a:ext cx="8526065" cy="5896798"/>
-          </a:xfrm>
-          <a:prstGeom prst="rect">
-            <a:avLst/>
-          </a:prstGeom>
-        </p:spPr>
-      </p:pic>
       <p:sp>
         <p:nvSpPr>
-          <p:cNvPr id="6" name="TextBox 5">
-            <a:extLst>
-              <a:ext uri="{FF2B5EF4-FFF2-40B4-BE49-F238E27FC236}">
-                <a16:creationId xmlns:a16="http://schemas.microsoft.com/office/drawing/2014/main" id="{8C0F84E5-993C-4F0D-9A4B-93948CEA2189}"/>
+          <p:cNvPr id="2" name="제목 1">
+            <a:extLst>
+              <a:ext uri="{FF2B5EF4-FFF2-40B4-BE49-F238E27FC236}">
+                <a16:creationId xmlns:a16="http://schemas.microsoft.com/office/drawing/2014/main" id="{314F67E7-9A25-42BE-946D-AB33397AE9D8}"/>
+              </a:ext>
+            </a:extLst>
+          </p:cNvPr>
+          <p:cNvSpPr>
+            <a:spLocks noGrp="1"/>
+          </p:cNvSpPr>
+          <p:nvPr>
+            <p:ph type="title"/>
+          </p:nvPr>
+        </p:nvSpPr>
+        <p:spPr>
+          <a:xfrm>
+            <a:off x="838200" y="-34370"/>
+            <a:ext cx="10515600" cy="1325563"/>
+          </a:xfrm>
+        </p:spPr>
+        <p:txBody>
+          <a:bodyPr/>
+          <a:lstStyle/>
+          <a:p>
+            <a:r>
+              <a:rPr lang="en-US" altLang="ko-KR" dirty="0"/>
+              <a:t>5. </a:t>
+            </a:r>
+            <a:r>
+              <a:rPr lang="ko-KR" altLang="en-US" dirty="0"/>
+              <a:t>관광만족도</a:t>
+            </a:r>
+            <a:r>
+              <a:rPr lang="en-US" altLang="ko-KR" dirty="0"/>
+              <a:t>,</a:t>
+            </a:r>
+            <a:r>
+              <a:rPr lang="ko-KR" altLang="en-US" dirty="0"/>
+              <a:t>불만족요인 등</a:t>
+            </a:r>
+          </a:p>
+        </p:txBody>
+      </p:sp>
+      <p:sp>
+        <p:nvSpPr>
+          <p:cNvPr id="4" name="TextBox 3">
+            <a:extLst>
+              <a:ext uri="{FF2B5EF4-FFF2-40B4-BE49-F238E27FC236}">
+                <a16:creationId xmlns:a16="http://schemas.microsoft.com/office/drawing/2014/main" id="{3C4098F4-68FB-42FE-8618-30A48DCC64B5}"/>
               </a:ext>
             </a:extLst>
           </p:cNvPr>
@@ -8471,8 +7854,8 @@
         </p:nvSpPr>
         <p:spPr>
           <a:xfrm>
-            <a:off x="7754540" y="165388"/>
-            <a:ext cx="3986989" cy="523220"/>
+            <a:off x="448845" y="1275128"/>
+            <a:ext cx="5166799" cy="2585323"/>
           </a:xfrm>
           <a:prstGeom prst="rect">
             <a:avLst/>
@@ -8486,48 +7869,474 @@
           <a:lstStyle/>
           <a:p>
             <a:r>
-              <a:rPr lang="en-US" altLang="ko-KR" sz="1400" dirty="0"/>
+              <a:rPr lang="en-US" altLang="ko-KR" dirty="0"/>
               <a:t>*</a:t>
             </a:r>
             <a:r>
-              <a:rPr lang="ko-KR" altLang="en-US" sz="1400" dirty="0"/>
-              <a:t>여행형태별 </a:t>
-            </a:r>
-            <a:r>
-              <a:rPr lang="ko-KR" altLang="en-US" sz="1400" dirty="0" err="1"/>
-              <a:t>여행불만족요인</a:t>
-            </a:r>
-            <a:endParaRPr lang="en-US" altLang="ko-KR" sz="1400" dirty="0"/>
-          </a:p>
-          <a:p>
-            <a:r>
-              <a:rPr lang="en-US" altLang="ko-KR" sz="1400" dirty="0"/>
-              <a:t>	- </a:t>
-            </a:r>
-            <a:r>
-              <a:rPr lang="ko-KR" altLang="en-US" sz="1400" dirty="0" err="1"/>
-              <a:t>물가비싸다</a:t>
-            </a:r>
-            <a:r>
-              <a:rPr lang="ko-KR" altLang="en-US" sz="1400" dirty="0"/>
-              <a:t> 외에는 만족함 </a:t>
-            </a:r>
-            <a:r>
-              <a:rPr lang="en-US" altLang="ko-KR" sz="1400" dirty="0"/>
-              <a:t>‘</a:t>
-            </a:r>
-            <a:r>
-              <a:rPr lang="ko-KR" altLang="en-US" sz="1400" dirty="0"/>
-              <a:t>한국＇</a:t>
-            </a:r>
-            <a:endParaRPr lang="en-US" altLang="ko-KR" sz="1400" dirty="0"/>
+              <a:rPr lang="ko-KR" altLang="en-US" dirty="0"/>
+              <a:t>불만족요인</a:t>
+            </a:r>
+            <a:r>
+              <a:rPr lang="en-US" altLang="ko-KR" dirty="0"/>
+              <a:t>[2018]</a:t>
+            </a:r>
+          </a:p>
+          <a:p>
+            <a:pPr marL="285750" indent="-285750">
+              <a:buFontTx/>
+              <a:buChar char="-"/>
+            </a:pPr>
+            <a:r>
+              <a:rPr lang="ko-KR" altLang="en-US" dirty="0"/>
+              <a:t>국적별</a:t>
+            </a:r>
+            <a:endParaRPr lang="en-US" altLang="ko-KR" dirty="0"/>
+          </a:p>
+          <a:p>
+            <a:pPr marL="742950" lvl="1" indent="-285750">
+              <a:buFontTx/>
+              <a:buChar char="-"/>
+            </a:pPr>
+            <a:r>
+              <a:rPr lang="ko-KR" altLang="en-US" dirty="0"/>
+              <a:t>한국</a:t>
+            </a:r>
+            <a:r>
+              <a:rPr lang="en-US" altLang="ko-KR" dirty="0"/>
+              <a:t>,</a:t>
+            </a:r>
+            <a:r>
+              <a:rPr lang="ko-KR" altLang="en-US" dirty="0"/>
+              <a:t>일본</a:t>
+            </a:r>
+            <a:r>
+              <a:rPr lang="en-US" altLang="ko-KR" dirty="0"/>
+              <a:t>,</a:t>
+            </a:r>
+            <a:r>
+              <a:rPr lang="ko-KR" altLang="en-US" dirty="0"/>
+              <a:t>중국</a:t>
+            </a:r>
+            <a:r>
+              <a:rPr lang="en-US" altLang="ko-KR" dirty="0"/>
+              <a:t>,</a:t>
+            </a:r>
+            <a:r>
+              <a:rPr lang="ko-KR" altLang="en-US" dirty="0" err="1"/>
+              <a:t>중화권</a:t>
+            </a:r>
+            <a:r>
+              <a:rPr lang="en-US" altLang="ko-KR" dirty="0"/>
+              <a:t>,</a:t>
+            </a:r>
+            <a:r>
+              <a:rPr lang="ko-KR" altLang="en-US" dirty="0"/>
+              <a:t>동남아</a:t>
+            </a:r>
+            <a:r>
+              <a:rPr lang="en-US" altLang="ko-KR" dirty="0"/>
+              <a:t>,</a:t>
+            </a:r>
+            <a:r>
+              <a:rPr lang="ko-KR" altLang="en-US" dirty="0" err="1"/>
+              <a:t>북미권</a:t>
+            </a:r>
+            <a:r>
+              <a:rPr lang="en-US" altLang="ko-KR" dirty="0"/>
+              <a:t>,</a:t>
+            </a:r>
+            <a:r>
+              <a:rPr lang="ko-KR" altLang="en-US" dirty="0"/>
+              <a:t>기타</a:t>
+            </a:r>
+            <a:endParaRPr lang="en-US" altLang="ko-KR" dirty="0"/>
+          </a:p>
+          <a:p>
+            <a:pPr marL="285750" indent="-285750">
+              <a:buFontTx/>
+              <a:buChar char="-"/>
+            </a:pPr>
+            <a:r>
+              <a:rPr lang="ko-KR" altLang="en-US" dirty="0"/>
+              <a:t>성별</a:t>
+            </a:r>
+            <a:endParaRPr lang="en-US" altLang="ko-KR" dirty="0"/>
+          </a:p>
+          <a:p>
+            <a:pPr marL="742950" lvl="1" indent="-285750">
+              <a:buFontTx/>
+              <a:buChar char="-"/>
+            </a:pPr>
+            <a:r>
+              <a:rPr lang="ko-KR" altLang="en-US" dirty="0"/>
+              <a:t>내국인</a:t>
+            </a:r>
+            <a:r>
+              <a:rPr lang="en-US" altLang="ko-KR" dirty="0"/>
+              <a:t>,</a:t>
+            </a:r>
+            <a:r>
+              <a:rPr lang="ko-KR" altLang="en-US" dirty="0"/>
+              <a:t>외국인</a:t>
+            </a:r>
+            <a:endParaRPr lang="en-US" altLang="ko-KR" dirty="0"/>
+          </a:p>
+          <a:p>
+            <a:pPr marL="285750" indent="-285750">
+              <a:buFontTx/>
+              <a:buChar char="-"/>
+            </a:pPr>
+            <a:r>
+              <a:rPr lang="ko-KR" altLang="en-US" dirty="0"/>
+              <a:t>연령별</a:t>
+            </a:r>
+            <a:endParaRPr lang="en-US" altLang="ko-KR" dirty="0"/>
+          </a:p>
+          <a:p>
+            <a:pPr marL="742950" lvl="1" indent="-285750">
+              <a:buFontTx/>
+              <a:buChar char="-"/>
+            </a:pPr>
+            <a:r>
+              <a:rPr lang="ko-KR" altLang="en-US" dirty="0"/>
+              <a:t>내국인</a:t>
+            </a:r>
+            <a:r>
+              <a:rPr lang="en-US" altLang="ko-KR" dirty="0"/>
+              <a:t>,</a:t>
+            </a:r>
+            <a:r>
+              <a:rPr lang="ko-KR" altLang="en-US" dirty="0"/>
+              <a:t>외국인</a:t>
+            </a:r>
+            <a:endParaRPr lang="en-US" altLang="ko-KR" dirty="0"/>
+          </a:p>
+          <a:p>
+            <a:pPr marL="285750" indent="-285750">
+              <a:buFontTx/>
+              <a:buChar char="-"/>
+            </a:pPr>
+            <a:r>
+              <a:rPr lang="ko-KR" altLang="en-US" dirty="0"/>
+              <a:t>여행형태별</a:t>
+            </a:r>
+            <a:endParaRPr lang="en-US" altLang="ko-KR" dirty="0"/>
+          </a:p>
+          <a:p>
+            <a:pPr marL="742950" lvl="1" indent="-285750">
+              <a:buFontTx/>
+              <a:buChar char="-"/>
+            </a:pPr>
+            <a:r>
+              <a:rPr lang="ko-KR" altLang="en-US" dirty="0"/>
+              <a:t>내국인</a:t>
+            </a:r>
+            <a:r>
+              <a:rPr lang="en-US" altLang="ko-KR" dirty="0"/>
+              <a:t>,</a:t>
+            </a:r>
+            <a:r>
+              <a:rPr lang="ko-KR" altLang="en-US" dirty="0"/>
+              <a:t>외국인</a:t>
+            </a:r>
+          </a:p>
+        </p:txBody>
+      </p:sp>
+      <p:sp>
+        <p:nvSpPr>
+          <p:cNvPr id="6" name="TextBox 5">
+            <a:extLst>
+              <a:ext uri="{FF2B5EF4-FFF2-40B4-BE49-F238E27FC236}">
+                <a16:creationId xmlns:a16="http://schemas.microsoft.com/office/drawing/2014/main" id="{1EF6CF83-2ED9-417B-A8EB-AC9048CDBA64}"/>
+              </a:ext>
+            </a:extLst>
+          </p:cNvPr>
+          <p:cNvSpPr txBox="1"/>
+          <p:nvPr/>
+        </p:nvSpPr>
+        <p:spPr>
+          <a:xfrm>
+            <a:off x="448845" y="4109123"/>
+            <a:ext cx="2073003" cy="923330"/>
+          </a:xfrm>
+          <a:prstGeom prst="rect">
+            <a:avLst/>
+          </a:prstGeom>
+          <a:noFill/>
+        </p:spPr>
+        <p:txBody>
+          <a:bodyPr wrap="none" rtlCol="0">
+            <a:spAutoFit/>
+          </a:bodyPr>
+          <a:lstStyle/>
+          <a:p>
+            <a:r>
+              <a:rPr lang="en-US" altLang="ko-KR" dirty="0"/>
+              <a:t>*</a:t>
+            </a:r>
+            <a:r>
+              <a:rPr lang="ko-KR" altLang="en-US" dirty="0"/>
+              <a:t>만족활동</a:t>
+            </a:r>
+            <a:r>
+              <a:rPr lang="en-US" altLang="ko-KR" dirty="0"/>
+              <a:t>[2018]</a:t>
+            </a:r>
+          </a:p>
+          <a:p>
+            <a:pPr marL="285750" indent="-285750">
+              <a:buFontTx/>
+              <a:buChar char="-"/>
+            </a:pPr>
+            <a:r>
+              <a:rPr lang="ko-KR" altLang="en-US" dirty="0"/>
+              <a:t>국적별</a:t>
+            </a:r>
+            <a:r>
+              <a:rPr lang="en-US" altLang="ko-KR" dirty="0"/>
+              <a:t> : </a:t>
+            </a:r>
+            <a:r>
+              <a:rPr lang="ko-KR" altLang="en-US" dirty="0"/>
+              <a:t>국내외</a:t>
+            </a:r>
+            <a:endParaRPr lang="en-US" altLang="ko-KR" dirty="0"/>
+          </a:p>
+          <a:p>
+            <a:pPr marL="285750" indent="-285750">
+              <a:buFontTx/>
+              <a:buChar char="-"/>
+            </a:pPr>
+            <a:endParaRPr lang="en-US" altLang="ko-KR" dirty="0"/>
+          </a:p>
+        </p:txBody>
+      </p:sp>
+      <p:sp>
+        <p:nvSpPr>
+          <p:cNvPr id="7" name="TextBox 6">
+            <a:extLst>
+              <a:ext uri="{FF2B5EF4-FFF2-40B4-BE49-F238E27FC236}">
+                <a16:creationId xmlns:a16="http://schemas.microsoft.com/office/drawing/2014/main" id="{64923F25-97A7-494B-8B85-6A8957986D9A}"/>
+              </a:ext>
+            </a:extLst>
+          </p:cNvPr>
+          <p:cNvSpPr txBox="1"/>
+          <p:nvPr/>
+        </p:nvSpPr>
+        <p:spPr>
+          <a:xfrm>
+            <a:off x="6096000" y="1291193"/>
+            <a:ext cx="5450531" cy="3970318"/>
+          </a:xfrm>
+          <a:prstGeom prst="rect">
+            <a:avLst/>
+          </a:prstGeom>
+          <a:noFill/>
+        </p:spPr>
+        <p:txBody>
+          <a:bodyPr wrap="none" rtlCol="0">
+            <a:spAutoFit/>
+          </a:bodyPr>
+          <a:lstStyle/>
+          <a:p>
+            <a:r>
+              <a:rPr lang="en-US" altLang="ko-KR" dirty="0"/>
+              <a:t>*</a:t>
+            </a:r>
+            <a:r>
+              <a:rPr lang="ko-KR" altLang="en-US" dirty="0"/>
+              <a:t>숙박시설만족도</a:t>
+            </a:r>
+            <a:r>
+              <a:rPr lang="en-US" altLang="ko-KR" dirty="0"/>
+              <a:t>[2017]</a:t>
+            </a:r>
+          </a:p>
+          <a:p>
+            <a:pPr marL="285750" indent="-285750">
+              <a:buFontTx/>
+              <a:buChar char="-"/>
+            </a:pPr>
+            <a:r>
+              <a:rPr lang="ko-KR" altLang="en-US" dirty="0"/>
+              <a:t>국적별</a:t>
+            </a:r>
+            <a:endParaRPr lang="en-US" altLang="ko-KR" dirty="0"/>
+          </a:p>
+          <a:p>
+            <a:pPr marL="742950" lvl="1" indent="-285750">
+              <a:buFontTx/>
+              <a:buChar char="-"/>
+            </a:pPr>
+            <a:r>
+              <a:rPr lang="ko-KR" altLang="en-US" dirty="0"/>
+              <a:t>시설상태 </a:t>
+            </a:r>
+            <a:r>
+              <a:rPr lang="en-US" altLang="ko-KR" dirty="0"/>
+              <a:t>/ </a:t>
+            </a:r>
+            <a:r>
+              <a:rPr lang="ko-KR" altLang="en-US" dirty="0"/>
+              <a:t>종사원 친절도 </a:t>
+            </a:r>
+            <a:r>
+              <a:rPr lang="en-US" altLang="ko-KR" dirty="0"/>
+              <a:t>/ </a:t>
+            </a:r>
+            <a:r>
+              <a:rPr lang="ko-KR" altLang="en-US" dirty="0"/>
+              <a:t>시설이용편의성</a:t>
+            </a:r>
+            <a:endParaRPr lang="en-US" altLang="ko-KR" dirty="0"/>
+          </a:p>
+          <a:p>
+            <a:pPr marL="742950" lvl="1" indent="-285750">
+              <a:buFontTx/>
+              <a:buChar char="-"/>
+            </a:pPr>
+            <a:endParaRPr lang="en-US" altLang="ko-KR" dirty="0"/>
+          </a:p>
+          <a:p>
+            <a:pPr marL="285750" indent="-285750">
+              <a:buFontTx/>
+              <a:buChar char="-"/>
+            </a:pPr>
+            <a:r>
+              <a:rPr lang="ko-KR" altLang="en-US" dirty="0"/>
+              <a:t>국적별</a:t>
+            </a:r>
+            <a:endParaRPr lang="en-US" altLang="ko-KR" dirty="0"/>
+          </a:p>
+          <a:p>
+            <a:pPr marL="742950" lvl="1" indent="-285750">
+              <a:buFontTx/>
+              <a:buChar char="-"/>
+            </a:pPr>
+            <a:r>
+              <a:rPr lang="ko-KR" altLang="en-US" dirty="0"/>
+              <a:t>시설상태 </a:t>
+            </a:r>
+            <a:r>
+              <a:rPr lang="en-US" altLang="ko-KR" dirty="0"/>
+              <a:t>/ </a:t>
+            </a:r>
+            <a:r>
+              <a:rPr lang="ko-KR" altLang="en-US" dirty="0"/>
+              <a:t>종사원 친절도 </a:t>
+            </a:r>
+            <a:r>
+              <a:rPr lang="en-US" altLang="ko-KR" dirty="0"/>
+              <a:t>/ </a:t>
+            </a:r>
+            <a:r>
+              <a:rPr lang="ko-KR" altLang="en-US" dirty="0"/>
+              <a:t>시설이용편의성</a:t>
+            </a:r>
+            <a:endParaRPr lang="en-US" altLang="ko-KR" dirty="0"/>
+          </a:p>
+          <a:p>
+            <a:endParaRPr lang="en-US" altLang="ko-KR" dirty="0"/>
+          </a:p>
+          <a:p>
+            <a:pPr marL="285750" indent="-285750">
+              <a:buFontTx/>
+              <a:buChar char="-"/>
+            </a:pPr>
+            <a:r>
+              <a:rPr lang="ko-KR" altLang="en-US" dirty="0"/>
+              <a:t>국적별</a:t>
+            </a:r>
+            <a:endParaRPr lang="en-US" altLang="ko-KR" dirty="0"/>
+          </a:p>
+          <a:p>
+            <a:pPr marL="742950" lvl="1" indent="-285750">
+              <a:buFontTx/>
+              <a:buChar char="-"/>
+            </a:pPr>
+            <a:r>
+              <a:rPr lang="ko-KR" altLang="en-US" dirty="0"/>
+              <a:t>시설상태 </a:t>
+            </a:r>
+            <a:r>
+              <a:rPr lang="en-US" altLang="ko-KR" dirty="0"/>
+              <a:t>/ </a:t>
+            </a:r>
+            <a:r>
+              <a:rPr lang="ko-KR" altLang="en-US" dirty="0"/>
+              <a:t>종사원 친절도 </a:t>
+            </a:r>
+            <a:r>
+              <a:rPr lang="en-US" altLang="ko-KR" dirty="0"/>
+              <a:t>/ </a:t>
+            </a:r>
+            <a:r>
+              <a:rPr lang="ko-KR" altLang="en-US" dirty="0"/>
+              <a:t>시설이용편의성</a:t>
+            </a:r>
+            <a:endParaRPr lang="en-US" altLang="ko-KR" dirty="0"/>
+          </a:p>
+          <a:p>
+            <a:endParaRPr lang="en-US" altLang="ko-KR" dirty="0"/>
+          </a:p>
+          <a:p>
+            <a:pPr marL="285750" indent="-285750">
+              <a:buFontTx/>
+              <a:buChar char="-"/>
+            </a:pPr>
+            <a:r>
+              <a:rPr lang="ko-KR" altLang="en-US" dirty="0"/>
+              <a:t>국적별</a:t>
+            </a:r>
+            <a:endParaRPr lang="en-US" altLang="ko-KR" dirty="0"/>
+          </a:p>
+          <a:p>
+            <a:pPr marL="742950" lvl="1" indent="-285750">
+              <a:buFontTx/>
+              <a:buChar char="-"/>
+            </a:pPr>
+            <a:r>
+              <a:rPr lang="ko-KR" altLang="en-US" dirty="0"/>
+              <a:t>시설상태 </a:t>
+            </a:r>
+            <a:r>
+              <a:rPr lang="en-US" altLang="ko-KR" dirty="0"/>
+              <a:t>/ </a:t>
+            </a:r>
+            <a:r>
+              <a:rPr lang="ko-KR" altLang="en-US" dirty="0"/>
+              <a:t>종사원 친절도 </a:t>
+            </a:r>
+            <a:r>
+              <a:rPr lang="en-US" altLang="ko-KR" dirty="0"/>
+              <a:t>/ </a:t>
+            </a:r>
+            <a:r>
+              <a:rPr lang="ko-KR" altLang="en-US" dirty="0"/>
+              <a:t>시설이용편의성</a:t>
+            </a:r>
+            <a:endParaRPr lang="en-US" altLang="ko-KR" dirty="0"/>
+          </a:p>
+          <a:p>
+            <a:pPr marL="742950" lvl="1" indent="-285750">
+              <a:buFontTx/>
+              <a:buChar char="-"/>
+            </a:pPr>
+            <a:endParaRPr lang="en-US" altLang="ko-KR" dirty="0"/>
+          </a:p>
+          <a:p>
+            <a:pPr marL="285750" indent="-285750">
+              <a:buFontTx/>
+              <a:buChar char="-"/>
+            </a:pPr>
+            <a:endParaRPr lang="en-US" altLang="ko-KR" dirty="0"/>
           </a:p>
         </p:txBody>
       </p:sp>
     </p:spTree>
     <p:extLst>
       <p:ext uri="{BB962C8B-B14F-4D97-AF65-F5344CB8AC3E}">
-        <p14:creationId xmlns:p14="http://schemas.microsoft.com/office/powerpoint/2010/main" val="226011992"/>
+        <p14:creationId xmlns:p14="http://schemas.microsoft.com/office/powerpoint/2010/main" val="2708079545"/>
       </p:ext>
     </p:extLst>
   </p:cSld>
@@ -8556,10 +8365,10 @@
       </p:grpSpPr>
       <p:pic>
         <p:nvPicPr>
-          <p:cNvPr id="5" name="그림 4">
-            <a:extLst>
-              <a:ext uri="{FF2B5EF4-FFF2-40B4-BE49-F238E27FC236}">
-                <a16:creationId xmlns:a16="http://schemas.microsoft.com/office/drawing/2014/main" id="{3490DD72-F489-4536-B2F3-18EDEC549748}"/>
+          <p:cNvPr id="7" name="그림 6">
+            <a:extLst>
+              <a:ext uri="{FF2B5EF4-FFF2-40B4-BE49-F238E27FC236}">
+                <a16:creationId xmlns:a16="http://schemas.microsoft.com/office/drawing/2014/main" id="{E5EBF3F1-E980-4E54-8A7C-ACE6F0CA0955}"/>
               </a:ext>
             </a:extLst>
           </p:cNvPr>
@@ -8583,7 +8392,7 @@
         <p:spPr>
           <a:xfrm>
             <a:off x="0" y="0"/>
-            <a:ext cx="4887007" cy="5896798"/>
+            <a:ext cx="8526065" cy="5896798"/>
           </a:xfrm>
           <a:prstGeom prst="rect">
             <a:avLst/>
@@ -8592,10 +8401,10 @@
       </p:pic>
       <p:sp>
         <p:nvSpPr>
-          <p:cNvPr id="6" name="TextBox 5">
-            <a:extLst>
-              <a:ext uri="{FF2B5EF4-FFF2-40B4-BE49-F238E27FC236}">
-                <a16:creationId xmlns:a16="http://schemas.microsoft.com/office/drawing/2014/main" id="{C3E84AE1-C3E6-4A31-9B15-4058818D3042}"/>
+          <p:cNvPr id="5" name="TextBox 4">
+            <a:extLst>
+              <a:ext uri="{FF2B5EF4-FFF2-40B4-BE49-F238E27FC236}">
+                <a16:creationId xmlns:a16="http://schemas.microsoft.com/office/drawing/2014/main" id="{16A4DC1B-1B4F-4BF0-8B20-A67590D8B803}"/>
               </a:ext>
             </a:extLst>
           </p:cNvPr>
@@ -8604,8 +8413,8 @@
         </p:nvSpPr>
         <p:spPr>
           <a:xfrm>
-            <a:off x="4243534" y="584851"/>
-            <a:ext cx="5791970" cy="954107"/>
+            <a:off x="6897290" y="136813"/>
+            <a:ext cx="5112297" cy="1169551"/>
           </a:xfrm>
           <a:prstGeom prst="rect">
             <a:avLst/>
@@ -8624,15 +8433,11 @@
             </a:r>
             <a:r>
               <a:rPr lang="ko-KR" altLang="en-US" sz="1400" dirty="0"/>
-              <a:t>국내외</a:t>
-            </a:r>
-            <a:r>
-              <a:rPr lang="en-US" altLang="ko-KR" sz="1400" dirty="0"/>
-              <a:t>-</a:t>
-            </a:r>
-            <a:r>
-              <a:rPr lang="ko-KR" altLang="en-US" sz="1400" dirty="0"/>
-              <a:t>여행만족활동</a:t>
+              <a:t>국적별 </a:t>
+            </a:r>
+            <a:r>
+              <a:rPr lang="ko-KR" altLang="en-US" sz="1400" dirty="0" err="1"/>
+              <a:t>여행불만족요인</a:t>
             </a:r>
             <a:endParaRPr lang="en-US" altLang="ko-KR" sz="1400" dirty="0"/>
           </a:p>
@@ -8643,97 +8448,130 @@
             </a:r>
             <a:r>
               <a:rPr lang="ko-KR" altLang="en-US" sz="1400" dirty="0"/>
-              <a:t>대체적으로 자연경관감상이 높</a:t>
+              <a:t>물가에 민감</a:t>
+            </a:r>
+            <a:r>
+              <a:rPr lang="en-US" altLang="ko-KR" sz="1400" dirty="0"/>
+              <a:t> ‘</a:t>
+            </a:r>
+            <a:r>
+              <a:rPr lang="ko-KR" altLang="en-US" sz="1400" dirty="0"/>
+              <a:t>한국</a:t>
+            </a:r>
+            <a:r>
+              <a:rPr lang="en-US" altLang="ko-KR" sz="1400" dirty="0"/>
+              <a:t>’, ‘</a:t>
+            </a:r>
+            <a:r>
+              <a:rPr lang="ko-KR" altLang="en-US" sz="1400" dirty="0" err="1"/>
+              <a:t>중화권</a:t>
+            </a:r>
+            <a:r>
+              <a:rPr lang="en-US" altLang="ko-KR" sz="1400" dirty="0"/>
+              <a:t>’, ‘</a:t>
+            </a:r>
+            <a:r>
+              <a:rPr lang="ko-KR" altLang="en-US" sz="1400" dirty="0"/>
+              <a:t>동남아권</a:t>
+            </a:r>
+            <a:r>
+              <a:rPr lang="en-US" altLang="ko-KR" sz="1400" dirty="0"/>
+              <a:t>’</a:t>
+            </a:r>
+          </a:p>
+          <a:p>
+            <a:r>
+              <a:rPr lang="en-US" altLang="ko-KR" sz="1400" dirty="0"/>
+              <a:t>	- </a:t>
+            </a:r>
+            <a:r>
+              <a:rPr lang="ko-KR" altLang="en-US" sz="1400" dirty="0"/>
+              <a:t>대체적으로 만족하는 </a:t>
+            </a:r>
+            <a:r>
+              <a:rPr lang="en-US" altLang="ko-KR" sz="1400" dirty="0"/>
+              <a:t>‘</a:t>
+            </a:r>
+            <a:r>
+              <a:rPr lang="ko-KR" altLang="en-US" sz="1400" dirty="0"/>
+              <a:t>한국</a:t>
+            </a:r>
+            <a:r>
+              <a:rPr lang="en-US" altLang="ko-KR" sz="1400" dirty="0"/>
+              <a:t>’</a:t>
+            </a:r>
+          </a:p>
+          <a:p>
+            <a:r>
+              <a:rPr lang="en-US" altLang="ko-KR" sz="1400" dirty="0"/>
+              <a:t>	- </a:t>
+            </a:r>
+            <a:r>
+              <a:rPr lang="ko-KR" altLang="en-US" sz="1400" dirty="0"/>
+              <a:t>언어소통의 불편함을 느끼는 </a:t>
+            </a:r>
+            <a:r>
+              <a:rPr lang="en-US" altLang="ko-KR" sz="1400" dirty="0"/>
+              <a:t>‘</a:t>
+            </a:r>
+            <a:r>
+              <a:rPr lang="ko-KR" altLang="en-US" sz="1400" dirty="0"/>
+              <a:t>동남아권‘</a:t>
+            </a:r>
+            <a:r>
+              <a:rPr lang="en-US" altLang="ko-KR" sz="1400" dirty="0"/>
+              <a:t>, ’</a:t>
+            </a:r>
+            <a:r>
+              <a:rPr lang="ko-KR" altLang="en-US" sz="1400" dirty="0" err="1"/>
+              <a:t>북미권</a:t>
+            </a:r>
+            <a:r>
+              <a:rPr lang="en-US" altLang="ko-KR" sz="1400" dirty="0"/>
+              <a:t>’</a:t>
+            </a:r>
+          </a:p>
+          <a:p>
+            <a:r>
+              <a:rPr lang="en-US" altLang="ko-KR" sz="1400" dirty="0"/>
+              <a:t>	- </a:t>
+            </a:r>
+            <a:r>
+              <a:rPr lang="ko-KR" altLang="en-US" sz="1400" dirty="0"/>
+              <a:t>식당과 음식이 불결</a:t>
+            </a:r>
+            <a:r>
+              <a:rPr lang="en-US" altLang="ko-KR" sz="1400" dirty="0"/>
+              <a:t>, </a:t>
+            </a:r>
+            <a:r>
+              <a:rPr lang="ko-KR" altLang="en-US" sz="1400" dirty="0" err="1"/>
+              <a:t>음식맛이</a:t>
+            </a:r>
+            <a:r>
+              <a:rPr lang="ko-KR" altLang="en-US" sz="1400" dirty="0"/>
+              <a:t> 맞지않 </a:t>
+            </a:r>
+            <a:r>
+              <a:rPr lang="en-US" altLang="ko-KR" sz="1400" dirty="0"/>
+              <a:t>‘</a:t>
+            </a:r>
+            <a:r>
+              <a:rPr lang="ko-KR" altLang="en-US" sz="1400" dirty="0" err="1"/>
+              <a:t>북미권</a:t>
+            </a:r>
+            <a:r>
+              <a:rPr lang="ko-KR" altLang="en-US" sz="1400" dirty="0"/>
+              <a:t>＇</a:t>
             </a:r>
             <a:endParaRPr lang="en-US" altLang="ko-KR" sz="1400" dirty="0"/>
-          </a:p>
-          <a:p>
-            <a:r>
-              <a:rPr lang="en-US" altLang="ko-KR" sz="1400" dirty="0"/>
-              <a:t>	- </a:t>
-            </a:r>
-            <a:r>
-              <a:rPr lang="ko-KR" altLang="en-US" sz="1400" dirty="0" err="1"/>
-              <a:t>맛집여행</a:t>
-            </a:r>
-            <a:r>
-              <a:rPr lang="en-US" altLang="ko-KR" sz="1400" dirty="0"/>
-              <a:t>, </a:t>
-            </a:r>
-            <a:r>
-              <a:rPr lang="ko-KR" altLang="en-US" sz="1400" dirty="0"/>
-              <a:t>트레킹</a:t>
-            </a:r>
-            <a:r>
-              <a:rPr lang="en-US" altLang="ko-KR" sz="1400" dirty="0"/>
-              <a:t>, </a:t>
-            </a:r>
-            <a:r>
-              <a:rPr lang="ko-KR" altLang="en-US" sz="1400" dirty="0"/>
-              <a:t>테마공원</a:t>
-            </a:r>
-            <a:r>
-              <a:rPr lang="en-US" altLang="ko-KR" sz="1400" dirty="0"/>
-              <a:t>, </a:t>
-            </a:r>
-            <a:r>
-              <a:rPr lang="ko-KR" altLang="en-US" sz="1400" dirty="0"/>
-              <a:t>유흥오락 고르게 분포 </a:t>
-            </a:r>
-            <a:r>
-              <a:rPr lang="en-US" altLang="ko-KR" sz="1400" dirty="0"/>
-              <a:t>: </a:t>
-            </a:r>
-            <a:r>
-              <a:rPr lang="ko-KR" altLang="en-US" sz="1400" dirty="0"/>
-              <a:t>한국</a:t>
-            </a:r>
-            <a:endParaRPr lang="en-US" altLang="ko-KR" sz="1400" dirty="0"/>
-          </a:p>
-          <a:p>
-            <a:r>
-              <a:rPr lang="en-US" altLang="ko-KR" sz="1400" dirty="0"/>
-              <a:t>	- </a:t>
-            </a:r>
-            <a:r>
-              <a:rPr lang="ko-KR" altLang="en-US" sz="1400" dirty="0"/>
-              <a:t>자연경관감상이 높</a:t>
-            </a:r>
-            <a:r>
-              <a:rPr lang="en-US" altLang="ko-KR" sz="1400" dirty="0"/>
-              <a:t>, </a:t>
-            </a:r>
-            <a:r>
-              <a:rPr lang="ko-KR" altLang="en-US" sz="1400" dirty="0"/>
-              <a:t>식도락</a:t>
-            </a:r>
-            <a:r>
-              <a:rPr lang="en-US" altLang="ko-KR" sz="1400" dirty="0"/>
-              <a:t>,</a:t>
-            </a:r>
-            <a:r>
-              <a:rPr lang="ko-KR" altLang="en-US" sz="1400" dirty="0"/>
-              <a:t>쇼핑 분포 </a:t>
-            </a:r>
-            <a:r>
-              <a:rPr lang="en-US" altLang="ko-KR" sz="1400" dirty="0"/>
-              <a:t>: </a:t>
-            </a:r>
-            <a:r>
-              <a:rPr lang="ko-KR" altLang="en-US" sz="1400" dirty="0"/>
-              <a:t>외국</a:t>
-            </a:r>
-            <a:r>
-              <a:rPr lang="en-US" altLang="ko-KR" sz="1400" dirty="0"/>
-              <a:t> </a:t>
-            </a:r>
           </a:p>
         </p:txBody>
       </p:sp>
     </p:spTree>
     <p:extLst>
       <p:ext uri="{BB962C8B-B14F-4D97-AF65-F5344CB8AC3E}">
-        <p14:creationId xmlns:p14="http://schemas.microsoft.com/office/powerpoint/2010/main" val="4227009999"/>
+        <p14:creationId xmlns:p14="http://schemas.microsoft.com/office/powerpoint/2010/main" val="525416835"/>
       </p:ext>
     </p:extLst>
   </p:cSld>
@@ -8760,10 +8598,428 @@
           <a:chExt cx="0" cy="0"/>
         </a:xfrm>
       </p:grpSpPr>
+      <p:pic>
+        <p:nvPicPr>
+          <p:cNvPr id="5" name="그림 4">
+            <a:extLst>
+              <a:ext uri="{FF2B5EF4-FFF2-40B4-BE49-F238E27FC236}">
+                <a16:creationId xmlns:a16="http://schemas.microsoft.com/office/drawing/2014/main" id="{51AFBC40-0164-41DF-9DB8-D61B034926CC}"/>
+              </a:ext>
+            </a:extLst>
+          </p:cNvPr>
+          <p:cNvPicPr>
+            <a:picLocks noChangeAspect="1"/>
+          </p:cNvPicPr>
+          <p:nvPr/>
+        </p:nvPicPr>
+        <p:blipFill>
+          <a:blip r:embed="rId2">
+            <a:extLst>
+              <a:ext uri="{28A0092B-C50C-407E-A947-70E740481C1C}">
+                <a14:useLocalDpi xmlns:a14="http://schemas.microsoft.com/office/drawing/2010/main" val="0"/>
+              </a:ext>
+            </a:extLst>
+          </a:blip>
+          <a:stretch>
+            <a:fillRect/>
+          </a:stretch>
+        </p:blipFill>
+        <p:spPr>
+          <a:xfrm>
+            <a:off x="0" y="0"/>
+            <a:ext cx="8526065" cy="5896798"/>
+          </a:xfrm>
+          <a:prstGeom prst="rect">
+            <a:avLst/>
+          </a:prstGeom>
+        </p:spPr>
+      </p:pic>
+      <p:sp>
+        <p:nvSpPr>
+          <p:cNvPr id="6" name="TextBox 5">
+            <a:extLst>
+              <a:ext uri="{FF2B5EF4-FFF2-40B4-BE49-F238E27FC236}">
+                <a16:creationId xmlns:a16="http://schemas.microsoft.com/office/drawing/2014/main" id="{067E3104-C7C7-49EE-93BE-0D5ADE95CDC3}"/>
+              </a:ext>
+            </a:extLst>
+          </p:cNvPr>
+          <p:cNvSpPr txBox="1"/>
+          <p:nvPr/>
+        </p:nvSpPr>
+        <p:spPr>
+          <a:xfrm>
+            <a:off x="6916340" y="155863"/>
+            <a:ext cx="5301451" cy="954107"/>
+          </a:xfrm>
+          <a:prstGeom prst="rect">
+            <a:avLst/>
+          </a:prstGeom>
+          <a:noFill/>
+        </p:spPr>
+        <p:txBody>
+          <a:bodyPr wrap="none" rtlCol="0">
+            <a:spAutoFit/>
+          </a:bodyPr>
+          <a:lstStyle/>
+          <a:p>
+            <a:r>
+              <a:rPr lang="en-US" altLang="ko-KR" sz="1400" dirty="0"/>
+              <a:t>*</a:t>
+            </a:r>
+            <a:r>
+              <a:rPr lang="ko-KR" altLang="en-US" sz="1400" dirty="0"/>
+              <a:t>성별 </a:t>
+            </a:r>
+            <a:r>
+              <a:rPr lang="ko-KR" altLang="en-US" sz="1400" dirty="0" err="1"/>
+              <a:t>여행불만족요인</a:t>
+            </a:r>
+            <a:endParaRPr lang="en-US" altLang="ko-KR" sz="1400" dirty="0"/>
+          </a:p>
+          <a:p>
+            <a:r>
+              <a:rPr lang="en-US" altLang="ko-KR" sz="1400" dirty="0"/>
+              <a:t>	- </a:t>
+            </a:r>
+            <a:r>
+              <a:rPr lang="ko-KR" altLang="en-US" sz="1400" dirty="0"/>
+              <a:t>반이상은 만족하는 </a:t>
+            </a:r>
+            <a:r>
+              <a:rPr lang="en-US" altLang="ko-KR" sz="1400" dirty="0"/>
+              <a:t>‘</a:t>
+            </a:r>
+            <a:r>
+              <a:rPr lang="ko-KR" altLang="en-US" sz="1400" dirty="0"/>
+              <a:t>한국인</a:t>
+            </a:r>
+            <a:r>
+              <a:rPr lang="en-US" altLang="ko-KR" sz="1400" dirty="0"/>
+              <a:t>’</a:t>
+            </a:r>
+          </a:p>
+          <a:p>
+            <a:r>
+              <a:rPr lang="en-US" altLang="ko-KR" sz="1400" dirty="0"/>
+              <a:t>	- </a:t>
+            </a:r>
+            <a:r>
+              <a:rPr lang="ko-KR" altLang="en-US" sz="1400" dirty="0"/>
+              <a:t>물가에 민감 </a:t>
+            </a:r>
+            <a:r>
+              <a:rPr lang="en-US" altLang="ko-KR" sz="1400" dirty="0"/>
+              <a:t>‘</a:t>
+            </a:r>
+            <a:r>
+              <a:rPr lang="ko-KR" altLang="en-US" sz="1400" dirty="0"/>
+              <a:t>한국인</a:t>
+            </a:r>
+            <a:r>
+              <a:rPr lang="en-US" altLang="ko-KR" sz="1400" dirty="0"/>
+              <a:t>’ </a:t>
+            </a:r>
+          </a:p>
+          <a:p>
+            <a:r>
+              <a:rPr lang="en-US" altLang="ko-KR" sz="1400" dirty="0"/>
+              <a:t>	- </a:t>
+            </a:r>
+            <a:r>
+              <a:rPr lang="ko-KR" altLang="en-US" sz="1400" dirty="0"/>
+              <a:t>언어소통</a:t>
+            </a:r>
+            <a:r>
+              <a:rPr lang="en-US" altLang="ko-KR" sz="1400" dirty="0"/>
+              <a:t>,</a:t>
+            </a:r>
+            <a:r>
+              <a:rPr lang="ko-KR" altLang="en-US" sz="1400" dirty="0"/>
+              <a:t>여행정보</a:t>
+            </a:r>
+            <a:r>
+              <a:rPr lang="en-US" altLang="ko-KR" sz="1400" dirty="0"/>
+              <a:t>,</a:t>
+            </a:r>
+            <a:r>
+              <a:rPr lang="ko-KR" altLang="en-US" sz="1400" dirty="0"/>
+              <a:t>물가</a:t>
+            </a:r>
+            <a:r>
+              <a:rPr lang="en-US" altLang="ko-KR" sz="1400" dirty="0"/>
+              <a:t>,</a:t>
+            </a:r>
+            <a:r>
+              <a:rPr lang="ko-KR" altLang="en-US" sz="1400" dirty="0"/>
+              <a:t>대중교통이용 불편 </a:t>
+            </a:r>
+            <a:r>
+              <a:rPr lang="en-US" altLang="ko-KR" sz="1400" dirty="0"/>
+              <a:t>’</a:t>
+            </a:r>
+            <a:r>
+              <a:rPr lang="ko-KR" altLang="en-US" sz="1400" dirty="0"/>
+              <a:t>외국인</a:t>
+            </a:r>
+            <a:r>
+              <a:rPr lang="en-US" altLang="ko-KR" sz="1400" dirty="0"/>
+              <a:t>’</a:t>
+            </a:r>
+          </a:p>
+        </p:txBody>
+      </p:sp>
     </p:spTree>
     <p:extLst>
       <p:ext uri="{BB962C8B-B14F-4D97-AF65-F5344CB8AC3E}">
-        <p14:creationId xmlns:p14="http://schemas.microsoft.com/office/powerpoint/2010/main" val="3427006127"/>
+        <p14:creationId xmlns:p14="http://schemas.microsoft.com/office/powerpoint/2010/main" val="495063067"/>
+      </p:ext>
+    </p:extLst>
+  </p:cSld>
+  <p:clrMapOvr>
+    <a:masterClrMapping/>
+  </p:clrMapOvr>
+</p:sld>
+</file>
+
+<file path=ppt/slides/slide29.xml><?xml version="1.0" encoding="utf-8"?>
+<p:sld xmlns:a="http://schemas.openxmlformats.org/drawingml/2006/main" xmlns:r="http://schemas.openxmlformats.org/officeDocument/2006/relationships" xmlns:p="http://schemas.openxmlformats.org/presentationml/2006/main">
+  <p:cSld>
+    <p:spTree>
+      <p:nvGrpSpPr>
+        <p:cNvPr id="1" name=""/>
+        <p:cNvGrpSpPr/>
+        <p:nvPr/>
+      </p:nvGrpSpPr>
+      <p:grpSpPr>
+        <a:xfrm>
+          <a:off x="0" y="0"/>
+          <a:ext cx="0" cy="0"/>
+          <a:chOff x="0" y="0"/>
+          <a:chExt cx="0" cy="0"/>
+        </a:xfrm>
+      </p:grpSpPr>
+      <p:pic>
+        <p:nvPicPr>
+          <p:cNvPr id="5" name="그림 4">
+            <a:extLst>
+              <a:ext uri="{FF2B5EF4-FFF2-40B4-BE49-F238E27FC236}">
+                <a16:creationId xmlns:a16="http://schemas.microsoft.com/office/drawing/2014/main" id="{AE6EF526-FA06-4EC5-839B-67B3D79C577F}"/>
+              </a:ext>
+            </a:extLst>
+          </p:cNvPr>
+          <p:cNvPicPr>
+            <a:picLocks noChangeAspect="1"/>
+          </p:cNvPicPr>
+          <p:nvPr/>
+        </p:nvPicPr>
+        <p:blipFill>
+          <a:blip r:embed="rId2">
+            <a:extLst>
+              <a:ext uri="{28A0092B-C50C-407E-A947-70E740481C1C}">
+                <a14:useLocalDpi xmlns:a14="http://schemas.microsoft.com/office/drawing/2010/main" val="0"/>
+              </a:ext>
+            </a:extLst>
+          </a:blip>
+          <a:stretch>
+            <a:fillRect/>
+          </a:stretch>
+        </p:blipFill>
+        <p:spPr>
+          <a:xfrm>
+            <a:off x="0" y="0"/>
+            <a:ext cx="8526065" cy="5896798"/>
+          </a:xfrm>
+          <a:prstGeom prst="rect">
+            <a:avLst/>
+          </a:prstGeom>
+        </p:spPr>
+      </p:pic>
+      <p:sp>
+        <p:nvSpPr>
+          <p:cNvPr id="6" name="TextBox 5">
+            <a:extLst>
+              <a:ext uri="{FF2B5EF4-FFF2-40B4-BE49-F238E27FC236}">
+                <a16:creationId xmlns:a16="http://schemas.microsoft.com/office/drawing/2014/main" id="{3DF25124-A5A6-40DE-A89A-FD3801565F83}"/>
+              </a:ext>
+            </a:extLst>
+          </p:cNvPr>
+          <p:cNvSpPr txBox="1"/>
+          <p:nvPr/>
+        </p:nvSpPr>
+        <p:spPr>
+          <a:xfrm>
+            <a:off x="7773590" y="222538"/>
+            <a:ext cx="4193777" cy="1600438"/>
+          </a:xfrm>
+          <a:prstGeom prst="rect">
+            <a:avLst/>
+          </a:prstGeom>
+          <a:noFill/>
+        </p:spPr>
+        <p:txBody>
+          <a:bodyPr wrap="none" rtlCol="0">
+            <a:spAutoFit/>
+          </a:bodyPr>
+          <a:lstStyle/>
+          <a:p>
+            <a:r>
+              <a:rPr lang="en-US" altLang="ko-KR" sz="1400" dirty="0"/>
+              <a:t>*</a:t>
+            </a:r>
+            <a:r>
+              <a:rPr lang="ko-KR" altLang="en-US" sz="1400" dirty="0"/>
+              <a:t>연령별 </a:t>
+            </a:r>
+            <a:r>
+              <a:rPr lang="ko-KR" altLang="en-US" sz="1400" dirty="0" err="1"/>
+              <a:t>여행불만족요인</a:t>
+            </a:r>
+            <a:endParaRPr lang="en-US" altLang="ko-KR" sz="1400" dirty="0"/>
+          </a:p>
+          <a:p>
+            <a:r>
+              <a:rPr lang="en-US" altLang="ko-KR" sz="1400" dirty="0"/>
+              <a:t>	- </a:t>
+            </a:r>
+            <a:r>
+              <a:rPr lang="ko-KR" altLang="en-US" sz="1400" dirty="0"/>
+              <a:t>연령이 높을수록 여행 만족 높</a:t>
+            </a:r>
+            <a:r>
+              <a:rPr lang="en-US" altLang="ko-KR" sz="1400" dirty="0"/>
+              <a:t>.</a:t>
+            </a:r>
+            <a:r>
+              <a:rPr lang="ko-KR" altLang="en-US" sz="1400" dirty="0"/>
+              <a:t> </a:t>
+            </a:r>
+            <a:r>
+              <a:rPr lang="en-US" altLang="ko-KR" sz="1400" dirty="0"/>
+              <a:t>‘</a:t>
+            </a:r>
+            <a:r>
+              <a:rPr lang="ko-KR" altLang="en-US" sz="1400" dirty="0"/>
+              <a:t>한국</a:t>
+            </a:r>
+            <a:r>
+              <a:rPr lang="en-US" altLang="ko-KR" sz="1400" dirty="0"/>
+              <a:t>’</a:t>
+            </a:r>
+          </a:p>
+          <a:p>
+            <a:r>
+              <a:rPr lang="en-US" altLang="ko-KR" sz="1400" dirty="0"/>
+              <a:t>	-  </a:t>
+            </a:r>
+            <a:r>
+              <a:rPr lang="ko-KR" altLang="en-US" sz="1400" dirty="0"/>
+              <a:t>대체적으로 물가에 민감 </a:t>
+            </a:r>
+            <a:r>
+              <a:rPr lang="en-US" altLang="ko-KR" sz="1400" dirty="0"/>
+              <a:t>‘</a:t>
+            </a:r>
+            <a:r>
+              <a:rPr lang="ko-KR" altLang="en-US" sz="1400" dirty="0"/>
+              <a:t>한국‘</a:t>
+            </a:r>
+            <a:endParaRPr lang="en-US" altLang="ko-KR" sz="1400" dirty="0"/>
+          </a:p>
+          <a:p>
+            <a:r>
+              <a:rPr lang="en-US" altLang="ko-KR" sz="1400" dirty="0"/>
+              <a:t>	- </a:t>
+            </a:r>
+            <a:r>
+              <a:rPr lang="ko-KR" altLang="en-US" sz="1400" dirty="0"/>
+              <a:t>대중교통 불편 </a:t>
+            </a:r>
+            <a:r>
+              <a:rPr lang="en-US" altLang="ko-KR" sz="1400" dirty="0"/>
+              <a:t>‘</a:t>
+            </a:r>
+            <a:r>
+              <a:rPr lang="ko-KR" altLang="en-US" sz="1400" dirty="0"/>
+              <a:t>한국 </a:t>
+            </a:r>
+            <a:r>
+              <a:rPr lang="en-US" altLang="ko-KR" sz="1400" dirty="0"/>
+              <a:t>15-20</a:t>
+            </a:r>
+            <a:r>
+              <a:rPr lang="ko-KR" altLang="en-US" sz="1400" dirty="0"/>
+              <a:t>대</a:t>
+            </a:r>
+            <a:r>
+              <a:rPr lang="en-US" altLang="ko-KR" sz="1400" dirty="0"/>
+              <a:t>’</a:t>
+            </a:r>
+          </a:p>
+          <a:p>
+            <a:endParaRPr lang="en-US" altLang="ko-KR" sz="1400" dirty="0"/>
+          </a:p>
+          <a:p>
+            <a:r>
+              <a:rPr lang="en-US" altLang="ko-KR" sz="1400" dirty="0"/>
+              <a:t>	-</a:t>
+            </a:r>
+            <a:r>
+              <a:rPr lang="ko-KR" altLang="en-US" sz="1400" dirty="0"/>
+              <a:t>여행 정보 얻기 어렵 </a:t>
+            </a:r>
+            <a:r>
+              <a:rPr lang="en-US" altLang="ko-KR" sz="1400" dirty="0"/>
+              <a:t>‘</a:t>
+            </a:r>
+            <a:r>
+              <a:rPr lang="ko-KR" altLang="en-US" sz="1400" dirty="0"/>
+              <a:t>외국 </a:t>
+            </a:r>
+            <a:r>
+              <a:rPr lang="en-US" altLang="ko-KR" sz="1400" dirty="0"/>
+              <a:t>61</a:t>
+            </a:r>
+            <a:r>
+              <a:rPr lang="ko-KR" altLang="en-US" sz="1400" dirty="0" err="1"/>
+              <a:t>세이상</a:t>
+            </a:r>
+            <a:r>
+              <a:rPr lang="en-US" altLang="ko-KR" sz="1400" dirty="0"/>
+              <a:t>’</a:t>
+            </a:r>
+          </a:p>
+          <a:p>
+            <a:r>
+              <a:rPr lang="en-US" altLang="ko-KR" sz="1400" dirty="0"/>
+              <a:t>	-</a:t>
+            </a:r>
+            <a:r>
+              <a:rPr lang="ko-KR" altLang="en-US" sz="1400" dirty="0" err="1"/>
+              <a:t>음식맛민감</a:t>
+            </a:r>
+            <a:r>
+              <a:rPr lang="ko-KR" altLang="en-US" sz="1400" dirty="0"/>
+              <a:t> </a:t>
+            </a:r>
+            <a:r>
+              <a:rPr lang="en-US" altLang="ko-KR" sz="1400" dirty="0"/>
+              <a:t>‘</a:t>
+            </a:r>
+            <a:r>
+              <a:rPr lang="ko-KR" altLang="en-US" sz="1400" dirty="0"/>
+              <a:t>외국 </a:t>
+            </a:r>
+            <a:r>
+              <a:rPr lang="en-US" altLang="ko-KR" sz="1400" dirty="0"/>
+              <a:t>51-60’</a:t>
+            </a:r>
+          </a:p>
+        </p:txBody>
+      </p:sp>
+    </p:spTree>
+    <p:extLst>
+      <p:ext uri="{BB962C8B-B14F-4D97-AF65-F5344CB8AC3E}">
+        <p14:creationId xmlns:p14="http://schemas.microsoft.com/office/powerpoint/2010/main" val="1589895746"/>
       </p:ext>
     </p:extLst>
   </p:cSld>
@@ -9778,6 +10034,375 @@
     <p:extLst>
       <p:ext uri="{BB962C8B-B14F-4D97-AF65-F5344CB8AC3E}">
         <p14:creationId xmlns:p14="http://schemas.microsoft.com/office/powerpoint/2010/main" val="3968717460"/>
+      </p:ext>
+    </p:extLst>
+  </p:cSld>
+  <p:clrMapOvr>
+    <a:masterClrMapping/>
+  </p:clrMapOvr>
+</p:sld>
+</file>
+
+<file path=ppt/slides/slide30.xml><?xml version="1.0" encoding="utf-8"?>
+<p:sld xmlns:a="http://schemas.openxmlformats.org/drawingml/2006/main" xmlns:r="http://schemas.openxmlformats.org/officeDocument/2006/relationships" xmlns:p="http://schemas.openxmlformats.org/presentationml/2006/main">
+  <p:cSld>
+    <p:spTree>
+      <p:nvGrpSpPr>
+        <p:cNvPr id="1" name=""/>
+        <p:cNvGrpSpPr/>
+        <p:nvPr/>
+      </p:nvGrpSpPr>
+      <p:grpSpPr>
+        <a:xfrm>
+          <a:off x="0" y="0"/>
+          <a:ext cx="0" cy="0"/>
+          <a:chOff x="0" y="0"/>
+          <a:chExt cx="0" cy="0"/>
+        </a:xfrm>
+      </p:grpSpPr>
+      <p:pic>
+        <p:nvPicPr>
+          <p:cNvPr id="5" name="그림 4">
+            <a:extLst>
+              <a:ext uri="{FF2B5EF4-FFF2-40B4-BE49-F238E27FC236}">
+                <a16:creationId xmlns:a16="http://schemas.microsoft.com/office/drawing/2014/main" id="{111BAD1F-66A6-4504-8070-3024C9B7952B}"/>
+              </a:ext>
+            </a:extLst>
+          </p:cNvPr>
+          <p:cNvPicPr>
+            <a:picLocks noChangeAspect="1"/>
+          </p:cNvPicPr>
+          <p:nvPr/>
+        </p:nvPicPr>
+        <p:blipFill>
+          <a:blip r:embed="rId2">
+            <a:extLst>
+              <a:ext uri="{28A0092B-C50C-407E-A947-70E740481C1C}">
+                <a14:useLocalDpi xmlns:a14="http://schemas.microsoft.com/office/drawing/2010/main" val="0"/>
+              </a:ext>
+            </a:extLst>
+          </a:blip>
+          <a:stretch>
+            <a:fillRect/>
+          </a:stretch>
+        </p:blipFill>
+        <p:spPr>
+          <a:xfrm>
+            <a:off x="0" y="0"/>
+            <a:ext cx="8526065" cy="5896798"/>
+          </a:xfrm>
+          <a:prstGeom prst="rect">
+            <a:avLst/>
+          </a:prstGeom>
+        </p:spPr>
+      </p:pic>
+      <p:sp>
+        <p:nvSpPr>
+          <p:cNvPr id="6" name="TextBox 5">
+            <a:extLst>
+              <a:ext uri="{FF2B5EF4-FFF2-40B4-BE49-F238E27FC236}">
+                <a16:creationId xmlns:a16="http://schemas.microsoft.com/office/drawing/2014/main" id="{8C0F84E5-993C-4F0D-9A4B-93948CEA2189}"/>
+              </a:ext>
+            </a:extLst>
+          </p:cNvPr>
+          <p:cNvSpPr txBox="1"/>
+          <p:nvPr/>
+        </p:nvSpPr>
+        <p:spPr>
+          <a:xfrm>
+            <a:off x="7754540" y="165388"/>
+            <a:ext cx="3986989" cy="523220"/>
+          </a:xfrm>
+          <a:prstGeom prst="rect">
+            <a:avLst/>
+          </a:prstGeom>
+          <a:noFill/>
+        </p:spPr>
+        <p:txBody>
+          <a:bodyPr wrap="none" rtlCol="0">
+            <a:spAutoFit/>
+          </a:bodyPr>
+          <a:lstStyle/>
+          <a:p>
+            <a:r>
+              <a:rPr lang="en-US" altLang="ko-KR" sz="1400" dirty="0"/>
+              <a:t>*</a:t>
+            </a:r>
+            <a:r>
+              <a:rPr lang="ko-KR" altLang="en-US" sz="1400" dirty="0"/>
+              <a:t>여행형태별 </a:t>
+            </a:r>
+            <a:r>
+              <a:rPr lang="ko-KR" altLang="en-US" sz="1400" dirty="0" err="1"/>
+              <a:t>여행불만족요인</a:t>
+            </a:r>
+            <a:endParaRPr lang="en-US" altLang="ko-KR" sz="1400" dirty="0"/>
+          </a:p>
+          <a:p>
+            <a:r>
+              <a:rPr lang="en-US" altLang="ko-KR" sz="1400" dirty="0"/>
+              <a:t>	- </a:t>
+            </a:r>
+            <a:r>
+              <a:rPr lang="ko-KR" altLang="en-US" sz="1400" dirty="0" err="1"/>
+              <a:t>물가비싸다</a:t>
+            </a:r>
+            <a:r>
+              <a:rPr lang="ko-KR" altLang="en-US" sz="1400" dirty="0"/>
+              <a:t> 외에는 만족함 </a:t>
+            </a:r>
+            <a:r>
+              <a:rPr lang="en-US" altLang="ko-KR" sz="1400" dirty="0"/>
+              <a:t>‘</a:t>
+            </a:r>
+            <a:r>
+              <a:rPr lang="ko-KR" altLang="en-US" sz="1400" dirty="0"/>
+              <a:t>한국＇</a:t>
+            </a:r>
+            <a:endParaRPr lang="en-US" altLang="ko-KR" sz="1400" dirty="0"/>
+          </a:p>
+        </p:txBody>
+      </p:sp>
+    </p:spTree>
+    <p:extLst>
+      <p:ext uri="{BB962C8B-B14F-4D97-AF65-F5344CB8AC3E}">
+        <p14:creationId xmlns:p14="http://schemas.microsoft.com/office/powerpoint/2010/main" val="226011992"/>
+      </p:ext>
+    </p:extLst>
+  </p:cSld>
+  <p:clrMapOvr>
+    <a:masterClrMapping/>
+  </p:clrMapOvr>
+</p:sld>
+</file>
+
+<file path=ppt/slides/slide31.xml><?xml version="1.0" encoding="utf-8"?>
+<p:sld xmlns:a="http://schemas.openxmlformats.org/drawingml/2006/main" xmlns:r="http://schemas.openxmlformats.org/officeDocument/2006/relationships" xmlns:p="http://schemas.openxmlformats.org/presentationml/2006/main">
+  <p:cSld>
+    <p:spTree>
+      <p:nvGrpSpPr>
+        <p:cNvPr id="1" name=""/>
+        <p:cNvGrpSpPr/>
+        <p:nvPr/>
+      </p:nvGrpSpPr>
+      <p:grpSpPr>
+        <a:xfrm>
+          <a:off x="0" y="0"/>
+          <a:ext cx="0" cy="0"/>
+          <a:chOff x="0" y="0"/>
+          <a:chExt cx="0" cy="0"/>
+        </a:xfrm>
+      </p:grpSpPr>
+      <p:pic>
+        <p:nvPicPr>
+          <p:cNvPr id="5" name="그림 4">
+            <a:extLst>
+              <a:ext uri="{FF2B5EF4-FFF2-40B4-BE49-F238E27FC236}">
+                <a16:creationId xmlns:a16="http://schemas.microsoft.com/office/drawing/2014/main" id="{3490DD72-F489-4536-B2F3-18EDEC549748}"/>
+              </a:ext>
+            </a:extLst>
+          </p:cNvPr>
+          <p:cNvPicPr>
+            <a:picLocks noChangeAspect="1"/>
+          </p:cNvPicPr>
+          <p:nvPr/>
+        </p:nvPicPr>
+        <p:blipFill>
+          <a:blip r:embed="rId2">
+            <a:extLst>
+              <a:ext uri="{28A0092B-C50C-407E-A947-70E740481C1C}">
+                <a14:useLocalDpi xmlns:a14="http://schemas.microsoft.com/office/drawing/2010/main" val="0"/>
+              </a:ext>
+            </a:extLst>
+          </a:blip>
+          <a:stretch>
+            <a:fillRect/>
+          </a:stretch>
+        </p:blipFill>
+        <p:spPr>
+          <a:xfrm>
+            <a:off x="0" y="0"/>
+            <a:ext cx="4887007" cy="5896798"/>
+          </a:xfrm>
+          <a:prstGeom prst="rect">
+            <a:avLst/>
+          </a:prstGeom>
+        </p:spPr>
+      </p:pic>
+      <p:sp>
+        <p:nvSpPr>
+          <p:cNvPr id="6" name="TextBox 5">
+            <a:extLst>
+              <a:ext uri="{FF2B5EF4-FFF2-40B4-BE49-F238E27FC236}">
+                <a16:creationId xmlns:a16="http://schemas.microsoft.com/office/drawing/2014/main" id="{C3E84AE1-C3E6-4A31-9B15-4058818D3042}"/>
+              </a:ext>
+            </a:extLst>
+          </p:cNvPr>
+          <p:cNvSpPr txBox="1"/>
+          <p:nvPr/>
+        </p:nvSpPr>
+        <p:spPr>
+          <a:xfrm>
+            <a:off x="4243534" y="584851"/>
+            <a:ext cx="5791970" cy="954107"/>
+          </a:xfrm>
+          <a:prstGeom prst="rect">
+            <a:avLst/>
+          </a:prstGeom>
+          <a:noFill/>
+        </p:spPr>
+        <p:txBody>
+          <a:bodyPr wrap="none" rtlCol="0">
+            <a:spAutoFit/>
+          </a:bodyPr>
+          <a:lstStyle/>
+          <a:p>
+            <a:r>
+              <a:rPr lang="en-US" altLang="ko-KR" sz="1400" dirty="0"/>
+              <a:t>*</a:t>
+            </a:r>
+            <a:r>
+              <a:rPr lang="ko-KR" altLang="en-US" sz="1400" dirty="0"/>
+              <a:t>국내외</a:t>
+            </a:r>
+            <a:r>
+              <a:rPr lang="en-US" altLang="ko-KR" sz="1400" dirty="0"/>
+              <a:t>-</a:t>
+            </a:r>
+            <a:r>
+              <a:rPr lang="ko-KR" altLang="en-US" sz="1400" dirty="0"/>
+              <a:t>여행만족활동</a:t>
+            </a:r>
+            <a:endParaRPr lang="en-US" altLang="ko-KR" sz="1400" dirty="0"/>
+          </a:p>
+          <a:p>
+            <a:r>
+              <a:rPr lang="en-US" altLang="ko-KR" sz="1400" dirty="0"/>
+              <a:t>	- </a:t>
+            </a:r>
+            <a:r>
+              <a:rPr lang="ko-KR" altLang="en-US" sz="1400" dirty="0"/>
+              <a:t>대체적으로 자연경관감상이 높</a:t>
+            </a:r>
+            <a:endParaRPr lang="en-US" altLang="ko-KR" sz="1400" dirty="0"/>
+          </a:p>
+          <a:p>
+            <a:r>
+              <a:rPr lang="en-US" altLang="ko-KR" sz="1400" dirty="0"/>
+              <a:t>	- </a:t>
+            </a:r>
+            <a:r>
+              <a:rPr lang="ko-KR" altLang="en-US" sz="1400" dirty="0" err="1"/>
+              <a:t>맛집여행</a:t>
+            </a:r>
+            <a:r>
+              <a:rPr lang="en-US" altLang="ko-KR" sz="1400" dirty="0"/>
+              <a:t>, </a:t>
+            </a:r>
+            <a:r>
+              <a:rPr lang="ko-KR" altLang="en-US" sz="1400" dirty="0"/>
+              <a:t>트레킹</a:t>
+            </a:r>
+            <a:r>
+              <a:rPr lang="en-US" altLang="ko-KR" sz="1400" dirty="0"/>
+              <a:t>, </a:t>
+            </a:r>
+            <a:r>
+              <a:rPr lang="ko-KR" altLang="en-US" sz="1400" dirty="0"/>
+              <a:t>테마공원</a:t>
+            </a:r>
+            <a:r>
+              <a:rPr lang="en-US" altLang="ko-KR" sz="1400" dirty="0"/>
+              <a:t>, </a:t>
+            </a:r>
+            <a:r>
+              <a:rPr lang="ko-KR" altLang="en-US" sz="1400" dirty="0"/>
+              <a:t>유흥오락 고르게 분포 </a:t>
+            </a:r>
+            <a:r>
+              <a:rPr lang="en-US" altLang="ko-KR" sz="1400" dirty="0"/>
+              <a:t>: </a:t>
+            </a:r>
+            <a:r>
+              <a:rPr lang="ko-KR" altLang="en-US" sz="1400" dirty="0"/>
+              <a:t>한국</a:t>
+            </a:r>
+            <a:endParaRPr lang="en-US" altLang="ko-KR" sz="1400" dirty="0"/>
+          </a:p>
+          <a:p>
+            <a:r>
+              <a:rPr lang="en-US" altLang="ko-KR" sz="1400" dirty="0"/>
+              <a:t>	- </a:t>
+            </a:r>
+            <a:r>
+              <a:rPr lang="ko-KR" altLang="en-US" sz="1400" dirty="0"/>
+              <a:t>자연경관감상이 높</a:t>
+            </a:r>
+            <a:r>
+              <a:rPr lang="en-US" altLang="ko-KR" sz="1400" dirty="0"/>
+              <a:t>, </a:t>
+            </a:r>
+            <a:r>
+              <a:rPr lang="ko-KR" altLang="en-US" sz="1400" dirty="0"/>
+              <a:t>식도락</a:t>
+            </a:r>
+            <a:r>
+              <a:rPr lang="en-US" altLang="ko-KR" sz="1400" dirty="0"/>
+              <a:t>,</a:t>
+            </a:r>
+            <a:r>
+              <a:rPr lang="ko-KR" altLang="en-US" sz="1400" dirty="0"/>
+              <a:t>쇼핑 분포 </a:t>
+            </a:r>
+            <a:r>
+              <a:rPr lang="en-US" altLang="ko-KR" sz="1400" dirty="0"/>
+              <a:t>: </a:t>
+            </a:r>
+            <a:r>
+              <a:rPr lang="ko-KR" altLang="en-US" sz="1400" dirty="0"/>
+              <a:t>외국</a:t>
+            </a:r>
+            <a:r>
+              <a:rPr lang="en-US" altLang="ko-KR" sz="1400" dirty="0"/>
+              <a:t> </a:t>
+            </a:r>
+          </a:p>
+        </p:txBody>
+      </p:sp>
+    </p:spTree>
+    <p:extLst>
+      <p:ext uri="{BB962C8B-B14F-4D97-AF65-F5344CB8AC3E}">
+        <p14:creationId xmlns:p14="http://schemas.microsoft.com/office/powerpoint/2010/main" val="4227009999"/>
+      </p:ext>
+    </p:extLst>
+  </p:cSld>
+  <p:clrMapOvr>
+    <a:masterClrMapping/>
+  </p:clrMapOvr>
+</p:sld>
+</file>
+
+<file path=ppt/slides/slide32.xml><?xml version="1.0" encoding="utf-8"?>
+<p:sld xmlns:a="http://schemas.openxmlformats.org/drawingml/2006/main" xmlns:r="http://schemas.openxmlformats.org/officeDocument/2006/relationships" xmlns:p="http://schemas.openxmlformats.org/presentationml/2006/main">
+  <p:cSld>
+    <p:spTree>
+      <p:nvGrpSpPr>
+        <p:cNvPr id="1" name=""/>
+        <p:cNvGrpSpPr/>
+        <p:nvPr/>
+      </p:nvGrpSpPr>
+      <p:grpSpPr>
+        <a:xfrm>
+          <a:off x="0" y="0"/>
+          <a:ext cx="0" cy="0"/>
+          <a:chOff x="0" y="0"/>
+          <a:chExt cx="0" cy="0"/>
+        </a:xfrm>
+      </p:grpSpPr>
+    </p:spTree>
+    <p:extLst>
+      <p:ext uri="{BB962C8B-B14F-4D97-AF65-F5344CB8AC3E}">
+        <p14:creationId xmlns:p14="http://schemas.microsoft.com/office/powerpoint/2010/main" val="3427006127"/>
       </p:ext>
     </p:extLst>
   </p:cSld>

--- a/data/r 그래프.pptx
+++ b/data/r 그래프.pptx
@@ -14,24 +14,26 @@
     <p:sldId id="262" r:id="rId8"/>
     <p:sldId id="263" r:id="rId9"/>
     <p:sldId id="265" r:id="rId10"/>
-    <p:sldId id="267" r:id="rId11"/>
-    <p:sldId id="268" r:id="rId12"/>
-    <p:sldId id="269" r:id="rId13"/>
-    <p:sldId id="270" r:id="rId14"/>
-    <p:sldId id="271" r:id="rId15"/>
-    <p:sldId id="272" r:id="rId16"/>
-    <p:sldId id="273" r:id="rId17"/>
-    <p:sldId id="275" r:id="rId18"/>
-    <p:sldId id="276" r:id="rId19"/>
-    <p:sldId id="286" r:id="rId20"/>
-    <p:sldId id="287" r:id="rId21"/>
-    <p:sldId id="288" r:id="rId22"/>
-    <p:sldId id="289" r:id="rId23"/>
-    <p:sldId id="278" r:id="rId24"/>
-    <p:sldId id="279" r:id="rId25"/>
-    <p:sldId id="281" r:id="rId26"/>
-    <p:sldId id="284" r:id="rId27"/>
-    <p:sldId id="283" r:id="rId28"/>
+    <p:sldId id="292" r:id="rId11"/>
+    <p:sldId id="291" r:id="rId12"/>
+    <p:sldId id="267" r:id="rId13"/>
+    <p:sldId id="268" r:id="rId14"/>
+    <p:sldId id="269" r:id="rId15"/>
+    <p:sldId id="270" r:id="rId16"/>
+    <p:sldId id="271" r:id="rId17"/>
+    <p:sldId id="272" r:id="rId18"/>
+    <p:sldId id="273" r:id="rId19"/>
+    <p:sldId id="275" r:id="rId20"/>
+    <p:sldId id="276" r:id="rId21"/>
+    <p:sldId id="286" r:id="rId22"/>
+    <p:sldId id="287" r:id="rId23"/>
+    <p:sldId id="288" r:id="rId24"/>
+    <p:sldId id="289" r:id="rId25"/>
+    <p:sldId id="278" r:id="rId26"/>
+    <p:sldId id="279" r:id="rId27"/>
+    <p:sldId id="281" r:id="rId28"/>
+    <p:sldId id="284" r:id="rId29"/>
+    <p:sldId id="283" r:id="rId30"/>
   </p:sldIdLst>
   <p:sldSz cx="12192000" cy="6858000"/>
   <p:notesSz cx="6858000" cy="9144000"/>
@@ -3366,8 +3368,8 @@
         </p:nvSpPr>
         <p:spPr>
           <a:xfrm>
-            <a:off x="5090160" y="797510"/>
-            <a:ext cx="5609228" cy="5262979"/>
+            <a:off x="4770120" y="797510"/>
+            <a:ext cx="7239482" cy="5262979"/>
           </a:xfrm>
           <a:prstGeom prst="rect">
             <a:avLst/>
@@ -3388,7 +3390,18 @@
               <a:rPr lang="ko-KR" altLang="en-US" sz="2800" dirty="0"/>
               <a:t>외래관광객조사</a:t>
             </a:r>
-            <a:endParaRPr lang="en-US" altLang="ko-KR" sz="2800" dirty="0"/>
+            <a:r>
+              <a:rPr lang="en-US" altLang="ko-KR" sz="2800" dirty="0"/>
+              <a:t>			(</a:t>
+            </a:r>
+            <a:r>
+              <a:rPr lang="ko-KR" altLang="en-US" sz="2800" dirty="0"/>
+              <a:t>결정 후</a:t>
+            </a:r>
+            <a:r>
+              <a:rPr lang="en-US" altLang="ko-KR" sz="2800" dirty="0"/>
+              <a:t>..)</a:t>
+            </a:r>
           </a:p>
           <a:p>
             <a:pPr marL="342900" indent="-342900">
@@ -3398,6 +3411,14 @@
               <a:rPr lang="ko-KR" altLang="en-US" sz="2800" dirty="0"/>
               <a:t>관광객 수</a:t>
             </a:r>
+            <a:r>
+              <a:rPr lang="en-US" altLang="ko-KR" sz="2800" dirty="0"/>
+              <a:t>				</a:t>
+            </a:r>
+            <a:r>
+              <a:rPr lang="ko-KR" altLang="en-US" sz="2800" dirty="0"/>
+              <a:t>신혁</a:t>
+            </a:r>
             <a:endParaRPr lang="en-US" altLang="ko-KR" sz="2800" dirty="0"/>
           </a:p>
           <a:p>
@@ -3408,6 +3429,14 @@
               <a:rPr lang="ko-KR" altLang="en-US" sz="2800" dirty="0"/>
               <a:t>여행목적</a:t>
             </a:r>
+            <a:r>
+              <a:rPr lang="en-US" altLang="ko-KR" sz="2800" dirty="0"/>
+              <a:t>					</a:t>
+            </a:r>
+            <a:r>
+              <a:rPr lang="ko-KR" altLang="en-US" sz="2800" dirty="0"/>
+              <a:t>신혁</a:t>
+            </a:r>
             <a:endParaRPr lang="en-US" altLang="ko-KR" sz="2800" dirty="0"/>
           </a:p>
           <a:p>
@@ -3426,6 +3455,14 @@
               <a:rPr lang="ko-KR" altLang="en-US" sz="2800" dirty="0"/>
               <a:t>행선지</a:t>
             </a:r>
+            <a:r>
+              <a:rPr lang="en-US" altLang="ko-KR" sz="2800" dirty="0"/>
+              <a:t>			</a:t>
+            </a:r>
+            <a:r>
+              <a:rPr lang="ko-KR" altLang="en-US" sz="2800" dirty="0"/>
+              <a:t>신혁</a:t>
+            </a:r>
             <a:endParaRPr lang="en-US" altLang="ko-KR" sz="2800" dirty="0"/>
           </a:p>
           <a:p>
@@ -3452,6 +3489,14 @@
               <a:rPr lang="ko-KR" altLang="en-US" sz="2800" dirty="0"/>
               <a:t>숙박관련</a:t>
             </a:r>
+            <a:r>
+              <a:rPr lang="en-US" altLang="ko-KR" sz="2800" dirty="0"/>
+              <a:t>	</a:t>
+            </a:r>
+            <a:r>
+              <a:rPr lang="ko-KR" altLang="en-US" sz="2800" dirty="0"/>
+              <a:t>신혁</a:t>
+            </a:r>
             <a:endParaRPr lang="en-US" altLang="ko-KR" sz="2800" dirty="0"/>
           </a:p>
           <a:p>
@@ -3460,7 +3505,7 @@
             </a:pPr>
             <a:r>
               <a:rPr lang="ko-KR" altLang="en-US" sz="2800" dirty="0"/>
-              <a:t>관광만족도</a:t>
+              <a:t>관광만족</a:t>
             </a:r>
             <a:r>
               <a:rPr lang="en-US" altLang="ko-KR" sz="2800" dirty="0"/>
@@ -3468,7 +3513,31 @@
             </a:r>
             <a:r>
               <a:rPr lang="ko-KR" altLang="en-US" sz="2800" dirty="0"/>
-              <a:t>불만족요인</a:t>
+              <a:t>불만족</a:t>
+            </a:r>
+            <a:r>
+              <a:rPr lang="en-US" altLang="ko-KR" sz="2800" dirty="0"/>
+              <a:t>, </a:t>
+            </a:r>
+            <a:r>
+              <a:rPr lang="ko-KR" altLang="en-US" sz="2800" dirty="0"/>
+              <a:t>평가</a:t>
+            </a:r>
+            <a:r>
+              <a:rPr lang="en-US" altLang="ko-KR" sz="2800" dirty="0"/>
+              <a:t>		</a:t>
+            </a:r>
+            <a:r>
+              <a:rPr lang="ko-KR" altLang="en-US" sz="2800" dirty="0"/>
+              <a:t>신혁</a:t>
+            </a:r>
+            <a:r>
+              <a:rPr lang="en-US" altLang="ko-KR" sz="2800" dirty="0"/>
+              <a:t>,</a:t>
+            </a:r>
+            <a:r>
+              <a:rPr lang="ko-KR" altLang="en-US" sz="2800" dirty="0"/>
+              <a:t>영택</a:t>
             </a:r>
             <a:endParaRPr lang="en-US" altLang="ko-KR" sz="2800" dirty="0"/>
           </a:p>
@@ -3488,6 +3557,14 @@
               <a:rPr lang="ko-KR" altLang="en-US" sz="2800" dirty="0"/>
               <a:t>교통수단 만족도</a:t>
             </a:r>
+            <a:r>
+              <a:rPr lang="en-US" altLang="ko-KR" sz="2800" dirty="0"/>
+              <a:t>	</a:t>
+            </a:r>
+            <a:r>
+              <a:rPr lang="ko-KR" altLang="en-US" sz="2800" dirty="0"/>
+              <a:t>영택</a:t>
+            </a:r>
             <a:endParaRPr lang="en-US" altLang="ko-KR" sz="2800" dirty="0"/>
           </a:p>
           <a:p>
@@ -3506,6 +3583,14 @@
               <a:rPr lang="ko-KR" altLang="en-US" sz="2800" dirty="0"/>
               <a:t>쇼핑만족도</a:t>
             </a:r>
+            <a:r>
+              <a:rPr lang="en-US" altLang="ko-KR" sz="2800" dirty="0"/>
+              <a:t>		</a:t>
+            </a:r>
+            <a:r>
+              <a:rPr lang="ko-KR" altLang="en-US" sz="2800" dirty="0"/>
+              <a:t>소정</a:t>
+            </a:r>
             <a:endParaRPr lang="en-US" altLang="ko-KR" sz="2800" dirty="0"/>
           </a:p>
           <a:p>
@@ -3516,6 +3601,14 @@
               <a:rPr lang="ko-KR" altLang="en-US" sz="2800" dirty="0"/>
               <a:t>관광 경비</a:t>
             </a:r>
+            <a:r>
+              <a:rPr lang="en-US" altLang="ko-KR" sz="2800" dirty="0"/>
+              <a:t>				</a:t>
+            </a:r>
+            <a:r>
+              <a:rPr lang="ko-KR" altLang="en-US" sz="2800" dirty="0"/>
+              <a:t>소정</a:t>
+            </a:r>
             <a:endParaRPr lang="en-US" altLang="ko-KR" sz="2800" dirty="0"/>
           </a:p>
           <a:p>
@@ -3535,6 +3628,14 @@
               <a:rPr lang="ko-KR" altLang="en-US" sz="2800" dirty="0"/>
               <a:t> 수</a:t>
             </a:r>
+            <a:r>
+              <a:rPr lang="en-US" altLang="ko-KR" sz="2800" dirty="0"/>
+              <a:t>		</a:t>
+            </a:r>
+            <a:r>
+              <a:rPr lang="ko-KR" altLang="en-US" sz="2800" dirty="0"/>
+              <a:t>대현</a:t>
+            </a:r>
             <a:endParaRPr lang="en-US" altLang="ko-KR" sz="2800" dirty="0"/>
           </a:p>
           <a:p>
@@ -3546,6 +3647,14 @@
               <a:rPr lang="ko-KR" altLang="en-US" sz="2800" dirty="0"/>
               <a:t>관광 사업체 매출액</a:t>
             </a:r>
+            <a:r>
+              <a:rPr lang="en-US" altLang="ko-KR" sz="2800" dirty="0"/>
+              <a:t>		</a:t>
+            </a:r>
+            <a:r>
+              <a:rPr lang="ko-KR" altLang="en-US" sz="2800" dirty="0"/>
+              <a:t>대현</a:t>
+            </a:r>
             <a:endParaRPr lang="en-US" altLang="ko-KR" sz="2800" dirty="0"/>
           </a:p>
           <a:p>
@@ -3556,6 +3665,14 @@
             <a:r>
               <a:rPr lang="ko-KR" altLang="en-US" sz="2800" dirty="0"/>
               <a:t>관광 경쟁력</a:t>
+            </a:r>
+            <a:r>
+              <a:rPr lang="en-US" altLang="ko-KR" sz="2800" dirty="0"/>
+              <a:t>				</a:t>
+            </a:r>
+            <a:r>
+              <a:rPr lang="ko-KR" altLang="en-US" sz="2800" dirty="0"/>
+              <a:t>영택</a:t>
             </a:r>
             <a:endParaRPr lang="en-US" altLang="ko-KR" sz="2800" dirty="0"/>
           </a:p>
@@ -3628,78 +3745,20 @@
       </p:grpSpPr>
       <p:sp>
         <p:nvSpPr>
-          <p:cNvPr id="2" name="제목 1">
-            <a:extLst>
-              <a:ext uri="{FF2B5EF4-FFF2-40B4-BE49-F238E27FC236}">
-                <a16:creationId xmlns:a16="http://schemas.microsoft.com/office/drawing/2014/main" id="{23545972-F8C3-40CF-B516-A559C7AC9F50}"/>
-              </a:ext>
-            </a:extLst>
-          </p:cNvPr>
-          <p:cNvSpPr>
-            <a:spLocks noGrp="1"/>
-          </p:cNvSpPr>
-          <p:nvPr>
-            <p:ph type="title"/>
-          </p:nvPr>
+          <p:cNvPr id="4" name="TextBox 3">
+            <a:extLst>
+              <a:ext uri="{FF2B5EF4-FFF2-40B4-BE49-F238E27FC236}">
+                <a16:creationId xmlns:a16="http://schemas.microsoft.com/office/drawing/2014/main" id="{7B07016D-70EB-4D38-8963-50D1EAB48052}"/>
+              </a:ext>
+            </a:extLst>
+          </p:cNvPr>
+          <p:cNvSpPr txBox="1"/>
+          <p:nvPr/>
         </p:nvSpPr>
-        <p:spPr/>
-        <p:txBody>
-          <a:bodyPr>
-            <a:normAutofit/>
-          </a:bodyPr>
-          <a:lstStyle/>
-          <a:p>
-            <a:r>
-              <a:rPr lang="en-US" altLang="ko-KR" sz="3600" dirty="0"/>
-              <a:t>3. </a:t>
-            </a:r>
-            <a:r>
-              <a:rPr lang="ko-KR" altLang="en-US" sz="3600" dirty="0"/>
-              <a:t>검색지역</a:t>
-            </a:r>
-            <a:r>
-              <a:rPr lang="en-US" altLang="ko-KR" sz="3600" dirty="0"/>
-              <a:t>, </a:t>
-            </a:r>
-            <a:r>
-              <a:rPr lang="ko-KR" altLang="en-US" sz="3600" dirty="0"/>
-              <a:t>행선지</a:t>
-            </a:r>
-            <a:r>
-              <a:rPr lang="en-US" altLang="ko-KR" sz="3600" dirty="0"/>
-              <a:t> – </a:t>
-            </a:r>
-            <a:r>
-              <a:rPr lang="ko-KR" altLang="en-US" sz="3600" dirty="0"/>
-              <a:t>가려는 곳</a:t>
-            </a:r>
-            <a:r>
-              <a:rPr lang="en-US" altLang="ko-KR" sz="3600" dirty="0"/>
-              <a:t>, </a:t>
-            </a:r>
-            <a:r>
-              <a:rPr lang="ko-KR" altLang="en-US" sz="3600" dirty="0"/>
-              <a:t>가는 곳 알기</a:t>
-            </a:r>
-          </a:p>
-        </p:txBody>
-      </p:sp>
-      <p:sp>
-        <p:nvSpPr>
-          <p:cNvPr id="4" name="TextBox 3">
-            <a:extLst>
-              <a:ext uri="{FF2B5EF4-FFF2-40B4-BE49-F238E27FC236}">
-                <a16:creationId xmlns:a16="http://schemas.microsoft.com/office/drawing/2014/main" id="{4739B268-88C7-4F56-B4E7-CC53F932B7AE}"/>
-              </a:ext>
-            </a:extLst>
-          </p:cNvPr>
-          <p:cNvSpPr txBox="1"/>
-          <p:nvPr/>
-        </p:nvSpPr>
-        <p:spPr>
-          <a:xfrm>
-            <a:off x="1140177" y="1690688"/>
-            <a:ext cx="5756704" cy="1754326"/>
+        <p:spPr>
+          <a:xfrm>
+            <a:off x="0" y="0"/>
+            <a:ext cx="2528256" cy="369332"/>
           </a:xfrm>
           <a:prstGeom prst="rect">
             <a:avLst/>
@@ -3713,114 +3772,603 @@
           <a:lstStyle/>
           <a:p>
             <a:r>
+              <a:rPr lang="ko-KR" altLang="en-US" dirty="0"/>
+              <a:t>여가</a:t>
+            </a:r>
+            <a:r>
               <a:rPr lang="en-US" altLang="ko-KR" dirty="0"/>
+              <a:t>,</a:t>
+            </a:r>
+            <a:r>
+              <a:rPr lang="ko-KR" altLang="en-US" dirty="0"/>
+              <a:t>위락</a:t>
+            </a:r>
+            <a:r>
+              <a:rPr lang="en-US" altLang="ko-KR" dirty="0"/>
+              <a:t>,</a:t>
+            </a:r>
+            <a:r>
+              <a:rPr lang="ko-KR" altLang="en-US" dirty="0"/>
+              <a:t>휴식 제외 후</a:t>
+            </a:r>
+          </a:p>
+        </p:txBody>
+      </p:sp>
+      <p:pic>
+        <p:nvPicPr>
+          <p:cNvPr id="6" name="그림 5">
+            <a:extLst>
+              <a:ext uri="{FF2B5EF4-FFF2-40B4-BE49-F238E27FC236}">
+                <a16:creationId xmlns:a16="http://schemas.microsoft.com/office/drawing/2014/main" id="{3E8F7D9D-2539-4C4B-8A21-C84F3BD87B1F}"/>
+              </a:ext>
+            </a:extLst>
+          </p:cNvPr>
+          <p:cNvPicPr>
+            <a:picLocks noChangeAspect="1"/>
+          </p:cNvPicPr>
+          <p:nvPr/>
+        </p:nvPicPr>
+        <p:blipFill>
+          <a:blip r:embed="rId2">
+            <a:extLst>
+              <a:ext uri="{28A0092B-C50C-407E-A947-70E740481C1C}">
+                <a14:useLocalDpi xmlns:a14="http://schemas.microsoft.com/office/drawing/2010/main" val="0"/>
+              </a:ext>
+            </a:extLst>
+          </a:blip>
+          <a:stretch>
+            <a:fillRect/>
+          </a:stretch>
+        </p:blipFill>
+        <p:spPr>
+          <a:xfrm>
+            <a:off x="1" y="369332"/>
+            <a:ext cx="4398578" cy="5085537"/>
+          </a:xfrm>
+          <a:prstGeom prst="rect">
+            <a:avLst/>
+          </a:prstGeom>
+        </p:spPr>
+      </p:pic>
+      <p:pic>
+        <p:nvPicPr>
+          <p:cNvPr id="9" name="그림 8">
+            <a:extLst>
+              <a:ext uri="{FF2B5EF4-FFF2-40B4-BE49-F238E27FC236}">
+                <a16:creationId xmlns:a16="http://schemas.microsoft.com/office/drawing/2014/main" id="{9B6C8F59-2852-4BF4-BE6A-19335A3CE2EA}"/>
+              </a:ext>
+            </a:extLst>
+          </p:cNvPr>
+          <p:cNvPicPr>
+            <a:picLocks noChangeAspect="1"/>
+          </p:cNvPicPr>
+          <p:nvPr/>
+        </p:nvPicPr>
+        <p:blipFill>
+          <a:blip r:embed="rId3">
+            <a:extLst>
+              <a:ext uri="{28A0092B-C50C-407E-A947-70E740481C1C}">
+                <a14:useLocalDpi xmlns:a14="http://schemas.microsoft.com/office/drawing/2010/main" val="0"/>
+              </a:ext>
+            </a:extLst>
+          </a:blip>
+          <a:stretch>
+            <a:fillRect/>
+          </a:stretch>
+        </p:blipFill>
+        <p:spPr>
+          <a:xfrm>
+            <a:off x="3504680" y="369331"/>
+            <a:ext cx="2591320" cy="5078321"/>
+          </a:xfrm>
+          <a:prstGeom prst="rect">
+            <a:avLst/>
+          </a:prstGeom>
+        </p:spPr>
+      </p:pic>
+      <p:pic>
+        <p:nvPicPr>
+          <p:cNvPr id="11" name="그림 10">
+            <a:extLst>
+              <a:ext uri="{FF2B5EF4-FFF2-40B4-BE49-F238E27FC236}">
+                <a16:creationId xmlns:a16="http://schemas.microsoft.com/office/drawing/2014/main" id="{E53F3343-3C03-47EF-A994-63F4C8015A99}"/>
+              </a:ext>
+            </a:extLst>
+          </p:cNvPr>
+          <p:cNvPicPr>
+            <a:picLocks noChangeAspect="1"/>
+          </p:cNvPicPr>
+          <p:nvPr/>
+        </p:nvPicPr>
+        <p:blipFill>
+          <a:blip r:embed="rId4">
+            <a:extLst>
+              <a:ext uri="{28A0092B-C50C-407E-A947-70E740481C1C}">
+                <a14:useLocalDpi xmlns:a14="http://schemas.microsoft.com/office/drawing/2010/main" val="0"/>
+              </a:ext>
+            </a:extLst>
+          </a:blip>
+          <a:stretch>
+            <a:fillRect/>
+          </a:stretch>
+        </p:blipFill>
+        <p:spPr>
+          <a:xfrm>
+            <a:off x="5509267" y="376548"/>
+            <a:ext cx="4787981" cy="5078321"/>
+          </a:xfrm>
+          <a:prstGeom prst="rect">
+            <a:avLst/>
+          </a:prstGeom>
+        </p:spPr>
+      </p:pic>
+      <p:sp>
+        <p:nvSpPr>
+          <p:cNvPr id="17" name="TextBox 16">
+            <a:extLst>
+              <a:ext uri="{FF2B5EF4-FFF2-40B4-BE49-F238E27FC236}">
+                <a16:creationId xmlns:a16="http://schemas.microsoft.com/office/drawing/2014/main" id="{1577BDF5-66BE-42E6-A159-4A353F521100}"/>
+              </a:ext>
+            </a:extLst>
+          </p:cNvPr>
+          <p:cNvSpPr txBox="1"/>
+          <p:nvPr/>
+        </p:nvSpPr>
+        <p:spPr>
+          <a:xfrm>
+            <a:off x="-510" y="5348130"/>
+            <a:ext cx="2949846" cy="1815882"/>
+          </a:xfrm>
+          <a:prstGeom prst="rect">
+            <a:avLst/>
+          </a:prstGeom>
+          <a:noFill/>
+        </p:spPr>
+        <p:txBody>
+          <a:bodyPr wrap="none" rtlCol="0">
+            <a:spAutoFit/>
+          </a:bodyPr>
+          <a:lstStyle/>
+          <a:p>
+            <a:r>
+              <a:rPr lang="en-US" altLang="ko-KR" sz="1400" dirty="0"/>
               <a:t>*</a:t>
             </a:r>
             <a:r>
-              <a:rPr lang="en-US" altLang="ko-KR" dirty="0" err="1"/>
-              <a:t>Tmap</a:t>
-            </a:r>
-            <a:r>
-              <a:rPr lang="ko-KR" altLang="en-US" dirty="0"/>
+              <a:rPr lang="ko-KR" altLang="en-US" sz="1400" dirty="0"/>
+              <a:t>국적별 한국 여행 목적</a:t>
+            </a:r>
+            <a:endParaRPr lang="en-US" altLang="ko-KR" sz="1400" dirty="0"/>
+          </a:p>
+          <a:p>
+            <a:r>
+              <a:rPr lang="en-US" altLang="ko-KR" sz="1400" dirty="0"/>
+              <a:t>[</a:t>
+            </a:r>
+            <a:r>
+              <a:rPr lang="ko-KR" altLang="en-US" sz="1400" dirty="0"/>
+              <a:t>한국</a:t>
+            </a:r>
+            <a:r>
+              <a:rPr lang="en-US" altLang="ko-KR" sz="1400" dirty="0"/>
+              <a:t>] </a:t>
+            </a:r>
+            <a:r>
+              <a:rPr lang="ko-KR" altLang="en-US" sz="1400" dirty="0"/>
+              <a:t>학술세미나</a:t>
+            </a:r>
+            <a:endParaRPr lang="en-US" altLang="ko-KR" sz="1400" dirty="0"/>
+          </a:p>
+          <a:p>
+            <a:r>
+              <a:rPr lang="en-US" altLang="ko-KR" sz="1400" dirty="0"/>
+              <a:t>[</a:t>
+            </a:r>
+            <a:r>
+              <a:rPr lang="ko-KR" altLang="en-US" sz="1400" dirty="0"/>
+              <a:t>중국</a:t>
+            </a:r>
+            <a:r>
+              <a:rPr lang="en-US" altLang="ko-KR" sz="1400" dirty="0"/>
+              <a:t>] </a:t>
+            </a:r>
+            <a:r>
+              <a:rPr lang="ko-KR" altLang="en-US" sz="1400" dirty="0"/>
+              <a:t>쇼핑</a:t>
+            </a:r>
+            <a:r>
+              <a:rPr lang="en-US" altLang="ko-KR" sz="1400" dirty="0"/>
               <a:t> </a:t>
             </a:r>
-            <a:r>
-              <a:rPr lang="ko-KR" altLang="en-US" dirty="0" err="1"/>
-              <a:t>검색지</a:t>
-            </a:r>
-            <a:r>
-              <a:rPr lang="ko-KR" altLang="en-US" dirty="0"/>
-              <a:t> 랭크</a:t>
-            </a:r>
-            <a:r>
-              <a:rPr lang="en-US" altLang="ko-KR" dirty="0"/>
-              <a:t>TOP30</a:t>
-            </a:r>
-          </a:p>
-          <a:p>
-            <a:r>
-              <a:rPr lang="en-US" altLang="ko-KR" dirty="0"/>
-              <a:t>	</a:t>
-            </a:r>
-            <a:r>
-              <a:rPr lang="ko-KR" altLang="en-US" dirty="0"/>
-              <a:t>랭킹</a:t>
-            </a:r>
-            <a:r>
-              <a:rPr lang="en-US" altLang="ko-KR" dirty="0"/>
-              <a:t>1~30</a:t>
-            </a:r>
-            <a:r>
-              <a:rPr lang="ko-KR" altLang="en-US" dirty="0"/>
-              <a:t>을 </a:t>
-            </a:r>
-            <a:r>
-              <a:rPr lang="en-US" altLang="ko-KR" dirty="0"/>
-              <a:t>30</a:t>
-            </a:r>
-            <a:r>
-              <a:rPr lang="ko-KR" altLang="en-US" dirty="0"/>
-              <a:t>점</a:t>
-            </a:r>
-            <a:r>
-              <a:rPr lang="en-US" altLang="ko-KR" dirty="0"/>
-              <a:t>~1</a:t>
-            </a:r>
-            <a:r>
-              <a:rPr lang="ko-KR" altLang="en-US" dirty="0"/>
-              <a:t>점으로 가중치를 줌</a:t>
-            </a:r>
-            <a:endParaRPr lang="en-US" altLang="ko-KR" dirty="0"/>
-          </a:p>
-          <a:p>
-            <a:endParaRPr lang="en-US" altLang="ko-KR" dirty="0"/>
-          </a:p>
-          <a:p>
-            <a:r>
-              <a:rPr lang="en-US" altLang="ko-KR" dirty="0"/>
-              <a:t>- 1,2</a:t>
-            </a:r>
-            <a:r>
-              <a:rPr lang="ko-KR" altLang="en-US" dirty="0"/>
-              <a:t>월 </a:t>
-            </a:r>
-            <a:r>
-              <a:rPr lang="en-US" altLang="ko-KR" dirty="0"/>
-              <a:t>: </a:t>
-            </a:r>
-            <a:r>
-              <a:rPr lang="ko-KR" altLang="en-US" dirty="0"/>
-              <a:t>서귀포시 서쪽 일대에 대한 검색이 소폭 상승</a:t>
-            </a:r>
-            <a:endParaRPr lang="en-US" altLang="ko-KR" dirty="0"/>
-          </a:p>
-          <a:p>
-            <a:endParaRPr lang="en-US" altLang="ko-KR" dirty="0"/>
-          </a:p>
-          <a:p>
-            <a:r>
-              <a:rPr lang="en-US" altLang="ko-KR" dirty="0"/>
-              <a:t>- 7,8</a:t>
-            </a:r>
-            <a:r>
-              <a:rPr lang="ko-KR" altLang="en-US" dirty="0"/>
-              <a:t>월 </a:t>
-            </a:r>
-            <a:r>
-              <a:rPr lang="en-US" altLang="ko-KR" dirty="0"/>
-              <a:t>: </a:t>
-            </a:r>
-            <a:r>
-              <a:rPr lang="ko-KR" altLang="en-US" dirty="0"/>
-              <a:t>제주시 동쪽 일대에 대한 검색이 소폭 상승</a:t>
-            </a:r>
+          </a:p>
+          <a:p>
+            <a:r>
+              <a:rPr lang="en-US" altLang="ko-KR" sz="1400" dirty="0"/>
+              <a:t>[</a:t>
+            </a:r>
+            <a:r>
+              <a:rPr lang="ko-KR" altLang="en-US" sz="1400" dirty="0" err="1"/>
+              <a:t>중화권</a:t>
+            </a:r>
+            <a:r>
+              <a:rPr lang="en-US" altLang="ko-KR" sz="1400" dirty="0"/>
+              <a:t>] </a:t>
+            </a:r>
+            <a:r>
+              <a:rPr lang="ko-KR" altLang="en-US" sz="1400" dirty="0"/>
+              <a:t>세미나</a:t>
+            </a:r>
+            <a:r>
+              <a:rPr lang="en-US" altLang="ko-KR" sz="1400" dirty="0"/>
+              <a:t>,</a:t>
+            </a:r>
+            <a:r>
+              <a:rPr lang="ko-KR" altLang="en-US" sz="1400" dirty="0"/>
+              <a:t>쇼핑</a:t>
+            </a:r>
+            <a:r>
+              <a:rPr lang="en-US" altLang="ko-KR" sz="1400" dirty="0"/>
+              <a:t>,</a:t>
+            </a:r>
+            <a:r>
+              <a:rPr lang="ko-KR" altLang="en-US" sz="1400" dirty="0" err="1"/>
+              <a:t>직장인센여행</a:t>
+            </a:r>
+            <a:endParaRPr lang="en-US" altLang="ko-KR" sz="1400" dirty="0"/>
+          </a:p>
+          <a:p>
+            <a:r>
+              <a:rPr lang="en-US" altLang="ko-KR" sz="1400" dirty="0"/>
+              <a:t>[</a:t>
+            </a:r>
+            <a:r>
+              <a:rPr lang="ko-KR" altLang="en-US" sz="1400" dirty="0"/>
+              <a:t>일본</a:t>
+            </a:r>
+            <a:r>
+              <a:rPr lang="en-US" altLang="ko-KR" sz="1400" dirty="0"/>
+              <a:t>] </a:t>
+            </a:r>
+            <a:r>
+              <a:rPr lang="ko-KR" altLang="en-US" sz="1400" dirty="0"/>
+              <a:t>쇼핑</a:t>
+            </a:r>
+            <a:r>
+              <a:rPr lang="en-US" altLang="ko-KR" sz="1400" dirty="0"/>
+              <a:t>,</a:t>
+            </a:r>
+            <a:r>
+              <a:rPr lang="ko-KR" altLang="en-US" sz="1400" dirty="0"/>
+              <a:t>친지방문</a:t>
+            </a:r>
+            <a:endParaRPr lang="en-US" altLang="ko-KR" sz="1400" dirty="0"/>
+          </a:p>
+          <a:p>
+            <a:r>
+              <a:rPr lang="en-US" altLang="ko-KR" sz="1400" dirty="0"/>
+              <a:t>[</a:t>
+            </a:r>
+            <a:r>
+              <a:rPr lang="ko-KR" altLang="en-US" sz="1400" dirty="0" err="1"/>
+              <a:t>북미권</a:t>
+            </a:r>
+            <a:r>
+              <a:rPr lang="en-US" altLang="ko-KR" sz="1400" dirty="0"/>
+              <a:t>] </a:t>
+            </a:r>
+            <a:r>
+              <a:rPr lang="ko-KR" altLang="en-US" sz="1400" dirty="0"/>
+              <a:t>기타</a:t>
+            </a:r>
+            <a:r>
+              <a:rPr lang="en-US" altLang="ko-KR" sz="1400" dirty="0"/>
+              <a:t>, </a:t>
+            </a:r>
+            <a:r>
+              <a:rPr lang="ko-KR" altLang="en-US" sz="1400" dirty="0"/>
+              <a:t>신혼여행</a:t>
+            </a:r>
+            <a:endParaRPr lang="en-US" altLang="ko-KR" sz="1400" dirty="0"/>
+          </a:p>
+          <a:p>
+            <a:r>
+              <a:rPr lang="en-US" altLang="ko-KR" sz="1400" dirty="0"/>
+              <a:t>[</a:t>
+            </a:r>
+            <a:r>
+              <a:rPr lang="ko-KR" altLang="en-US" sz="1400" dirty="0"/>
+              <a:t>동남아권</a:t>
+            </a:r>
+            <a:r>
+              <a:rPr lang="en-US" altLang="ko-KR" sz="1400" dirty="0"/>
+              <a:t>] </a:t>
+            </a:r>
+            <a:r>
+              <a:rPr lang="ko-KR" altLang="en-US" sz="1400" dirty="0"/>
+              <a:t>신혼</a:t>
+            </a:r>
+            <a:r>
+              <a:rPr lang="en-US" altLang="ko-KR" sz="1400" dirty="0"/>
+              <a:t>, </a:t>
+            </a:r>
+            <a:r>
+              <a:rPr lang="ko-KR" altLang="en-US" sz="1400" dirty="0"/>
+              <a:t>쇼핑</a:t>
+            </a:r>
+            <a:endParaRPr lang="en-US" altLang="ko-KR" sz="1400" dirty="0"/>
+          </a:p>
+          <a:p>
+            <a:endParaRPr lang="en-US" altLang="ko-KR" sz="1400" dirty="0"/>
+          </a:p>
+        </p:txBody>
+      </p:sp>
+      <p:sp>
+        <p:nvSpPr>
+          <p:cNvPr id="18" name="TextBox 17">
+            <a:extLst>
+              <a:ext uri="{FF2B5EF4-FFF2-40B4-BE49-F238E27FC236}">
+                <a16:creationId xmlns:a16="http://schemas.microsoft.com/office/drawing/2014/main" id="{E3CA8463-510A-4614-8744-190D8DA78676}"/>
+              </a:ext>
+            </a:extLst>
+          </p:cNvPr>
+          <p:cNvSpPr txBox="1"/>
+          <p:nvPr/>
+        </p:nvSpPr>
+        <p:spPr>
+          <a:xfrm>
+            <a:off x="3761652" y="5348130"/>
+            <a:ext cx="3034805" cy="1384995"/>
+          </a:xfrm>
+          <a:prstGeom prst="rect">
+            <a:avLst/>
+          </a:prstGeom>
+          <a:noFill/>
+        </p:spPr>
+        <p:txBody>
+          <a:bodyPr wrap="none" rtlCol="0">
+            <a:spAutoFit/>
+          </a:bodyPr>
+          <a:lstStyle/>
+          <a:p>
+            <a:r>
+              <a:rPr lang="en-US" altLang="ko-KR" sz="1400" dirty="0"/>
+              <a:t>*</a:t>
+            </a:r>
+            <a:r>
+              <a:rPr lang="ko-KR" altLang="en-US" sz="1400" dirty="0"/>
+              <a:t>성별 한국 여행 목적</a:t>
+            </a:r>
+            <a:endParaRPr lang="en-US" altLang="ko-KR" sz="1400" dirty="0"/>
+          </a:p>
+          <a:p>
+            <a:r>
+              <a:rPr lang="en-US" altLang="ko-KR" sz="1400" dirty="0"/>
+              <a:t>[</a:t>
+            </a:r>
+            <a:r>
+              <a:rPr lang="ko-KR" altLang="en-US" sz="1400" dirty="0"/>
+              <a:t>외국여성</a:t>
+            </a:r>
+            <a:r>
+              <a:rPr lang="en-US" altLang="ko-KR" sz="1400" dirty="0"/>
+              <a:t>] </a:t>
+            </a:r>
+            <a:r>
+              <a:rPr lang="ko-KR" altLang="en-US" sz="1400" dirty="0"/>
+              <a:t>쇼핑 高</a:t>
+            </a:r>
+            <a:r>
+              <a:rPr lang="en-US" altLang="ko-KR" sz="1400" dirty="0"/>
+              <a:t>, </a:t>
+            </a:r>
+            <a:r>
+              <a:rPr lang="ko-KR" altLang="en-US" sz="1400" dirty="0"/>
+              <a:t>신혼 조금</a:t>
+            </a:r>
+            <a:endParaRPr lang="en-US" altLang="ko-KR" sz="1400" dirty="0"/>
+          </a:p>
+          <a:p>
+            <a:r>
+              <a:rPr lang="en-US" altLang="ko-KR" sz="1400" dirty="0"/>
+              <a:t>[</a:t>
+            </a:r>
+            <a:r>
+              <a:rPr lang="ko-KR" altLang="en-US" sz="1400" dirty="0"/>
+              <a:t>외국남성</a:t>
+            </a:r>
+            <a:r>
+              <a:rPr lang="en-US" altLang="ko-KR" sz="1400" dirty="0"/>
+              <a:t>] </a:t>
+            </a:r>
+            <a:r>
+              <a:rPr lang="ko-KR" altLang="en-US" sz="1400" dirty="0"/>
+              <a:t>쇼핑</a:t>
+            </a:r>
+            <a:r>
+              <a:rPr lang="en-US" altLang="ko-KR" sz="1400" dirty="0"/>
+              <a:t>, </a:t>
+            </a:r>
+            <a:r>
+              <a:rPr lang="ko-KR" altLang="en-US" sz="1400" dirty="0"/>
+              <a:t>세미나</a:t>
+            </a:r>
+            <a:r>
+              <a:rPr lang="en-US" altLang="ko-KR" sz="1400" dirty="0"/>
+              <a:t>, </a:t>
+            </a:r>
+            <a:r>
+              <a:rPr lang="ko-KR" altLang="en-US" sz="1400" dirty="0"/>
+              <a:t>신혼</a:t>
+            </a:r>
+            <a:endParaRPr lang="en-US" altLang="ko-KR" sz="1400" dirty="0"/>
+          </a:p>
+          <a:p>
+            <a:r>
+              <a:rPr lang="en-US" altLang="ko-KR" sz="1400" dirty="0"/>
+              <a:t>[</a:t>
+            </a:r>
+            <a:r>
+              <a:rPr lang="ko-KR" altLang="en-US" sz="1400" dirty="0"/>
+              <a:t>내국여성</a:t>
+            </a:r>
+            <a:r>
+              <a:rPr lang="en-US" altLang="ko-KR" sz="1400" dirty="0"/>
+              <a:t>] </a:t>
+            </a:r>
+            <a:r>
+              <a:rPr lang="ko-KR" altLang="en-US" sz="1400" dirty="0"/>
+              <a:t>세미나</a:t>
+            </a:r>
+            <a:r>
+              <a:rPr lang="en-US" altLang="ko-KR" sz="1400" dirty="0"/>
+              <a:t>, </a:t>
+            </a:r>
+            <a:r>
+              <a:rPr lang="ko-KR" altLang="en-US" sz="1400" dirty="0" err="1"/>
+              <a:t>직장인센여행</a:t>
+            </a:r>
+            <a:endParaRPr lang="en-US" altLang="ko-KR" sz="1400" dirty="0"/>
+          </a:p>
+          <a:p>
+            <a:r>
+              <a:rPr lang="en-US" altLang="ko-KR" sz="1400" dirty="0"/>
+              <a:t>[</a:t>
+            </a:r>
+            <a:r>
+              <a:rPr lang="ko-KR" altLang="en-US" sz="1400" dirty="0"/>
+              <a:t>내국남성</a:t>
+            </a:r>
+            <a:r>
+              <a:rPr lang="en-US" altLang="ko-KR" sz="1400" dirty="0"/>
+              <a:t>] </a:t>
+            </a:r>
+            <a:r>
+              <a:rPr lang="ko-KR" altLang="en-US" sz="1400" dirty="0"/>
+              <a:t>세미나</a:t>
+            </a:r>
+            <a:r>
+              <a:rPr lang="en-US" altLang="ko-KR" sz="1400" dirty="0"/>
+              <a:t> </a:t>
+            </a:r>
+            <a:r>
+              <a:rPr lang="ko-KR" altLang="en-US" sz="1400" dirty="0"/>
+              <a:t>高</a:t>
+            </a:r>
+            <a:r>
+              <a:rPr lang="en-US" altLang="ko-KR" sz="1400" dirty="0"/>
+              <a:t>, </a:t>
+            </a:r>
+            <a:r>
+              <a:rPr lang="ko-KR" altLang="en-US" sz="1400" dirty="0" err="1"/>
+              <a:t>직장인센여행</a:t>
+            </a:r>
+            <a:endParaRPr lang="en-US" altLang="ko-KR" sz="1400" dirty="0"/>
+          </a:p>
+          <a:p>
+            <a:endParaRPr lang="en-US" altLang="ko-KR" sz="1400" dirty="0"/>
+          </a:p>
+        </p:txBody>
+      </p:sp>
+      <p:sp>
+        <p:nvSpPr>
+          <p:cNvPr id="19" name="TextBox 18">
+            <a:extLst>
+              <a:ext uri="{FF2B5EF4-FFF2-40B4-BE49-F238E27FC236}">
+                <a16:creationId xmlns:a16="http://schemas.microsoft.com/office/drawing/2014/main" id="{912B4FE4-181F-4D15-B1F9-5F13B7D6C9D8}"/>
+              </a:ext>
+            </a:extLst>
+          </p:cNvPr>
+          <p:cNvSpPr txBox="1"/>
+          <p:nvPr/>
+        </p:nvSpPr>
+        <p:spPr>
+          <a:xfrm>
+            <a:off x="7343488" y="5344893"/>
+            <a:ext cx="4446057" cy="1169551"/>
+          </a:xfrm>
+          <a:prstGeom prst="rect">
+            <a:avLst/>
+          </a:prstGeom>
+          <a:noFill/>
+        </p:spPr>
+        <p:txBody>
+          <a:bodyPr wrap="square" rtlCol="0">
+            <a:spAutoFit/>
+          </a:bodyPr>
+          <a:lstStyle/>
+          <a:p>
+            <a:r>
+              <a:rPr lang="en-US" altLang="ko-KR" sz="1400" dirty="0"/>
+              <a:t>*</a:t>
+            </a:r>
+            <a:r>
+              <a:rPr lang="ko-KR" altLang="en-US" sz="1400" dirty="0"/>
+              <a:t>여행형태별 한국 여행 목적</a:t>
+            </a:r>
+            <a:endParaRPr lang="en-US" altLang="ko-KR" sz="1400" dirty="0"/>
+          </a:p>
+          <a:p>
+            <a:r>
+              <a:rPr lang="en-US" altLang="ko-KR" sz="1400" dirty="0"/>
+              <a:t>[</a:t>
+            </a:r>
+            <a:r>
+              <a:rPr lang="ko-KR" altLang="en-US" sz="1400" dirty="0"/>
+              <a:t>외국인</a:t>
+            </a:r>
+            <a:r>
+              <a:rPr lang="en-US" altLang="ko-KR" sz="1400" dirty="0"/>
+              <a:t>] : </a:t>
+            </a:r>
+            <a:r>
+              <a:rPr lang="ko-KR" altLang="en-US" sz="1400" dirty="0"/>
+              <a:t>쇼핑 개별여행일수록 </a:t>
+            </a:r>
+            <a:r>
+              <a:rPr lang="ko-KR" altLang="en-US" sz="1400" dirty="0" err="1"/>
+              <a:t>쇼핑많이함</a:t>
+            </a:r>
+            <a:endParaRPr lang="en-US" altLang="ko-KR" sz="1400" dirty="0"/>
+          </a:p>
+          <a:p>
+            <a:r>
+              <a:rPr lang="en-US" altLang="ko-KR" sz="1400" dirty="0"/>
+              <a:t>[</a:t>
+            </a:r>
+            <a:r>
+              <a:rPr lang="ko-KR" altLang="en-US" sz="1400" dirty="0"/>
+              <a:t>내국인</a:t>
+            </a:r>
+            <a:r>
+              <a:rPr lang="en-US" altLang="ko-KR" sz="1400" dirty="0"/>
+              <a:t>] : </a:t>
+            </a:r>
+            <a:r>
+              <a:rPr lang="ko-KR" altLang="en-US" sz="1400" dirty="0"/>
+              <a:t>세미나</a:t>
+            </a:r>
+            <a:r>
+              <a:rPr lang="en-US" altLang="ko-KR" sz="1400" dirty="0"/>
+              <a:t>, </a:t>
+            </a:r>
+            <a:r>
+              <a:rPr lang="ko-KR" altLang="en-US" sz="1400" dirty="0"/>
+              <a:t>직장인센</a:t>
+            </a:r>
+            <a:endParaRPr lang="en-US" altLang="ko-KR" sz="1400" dirty="0"/>
+          </a:p>
+          <a:p>
+            <a:endParaRPr lang="en-US" altLang="ko-KR" sz="1400" dirty="0"/>
+          </a:p>
+          <a:p>
+            <a:endParaRPr lang="en-US" altLang="ko-KR" sz="1400" dirty="0"/>
           </a:p>
         </p:txBody>
       </p:sp>
     </p:spTree>
     <p:extLst>
       <p:ext uri="{BB962C8B-B14F-4D97-AF65-F5344CB8AC3E}">
-        <p14:creationId xmlns:p14="http://schemas.microsoft.com/office/powerpoint/2010/main" val="3741313640"/>
+        <p14:creationId xmlns:p14="http://schemas.microsoft.com/office/powerpoint/2010/main" val="3088187218"/>
       </p:ext>
     </p:extLst>
   </p:cSld>
@@ -3849,10 +4397,10 @@
       </p:grpSpPr>
       <p:pic>
         <p:nvPicPr>
-          <p:cNvPr id="5" name="그림 4">
-            <a:extLst>
-              <a:ext uri="{FF2B5EF4-FFF2-40B4-BE49-F238E27FC236}">
-                <a16:creationId xmlns:a16="http://schemas.microsoft.com/office/drawing/2014/main" id="{F350F48E-9057-460F-9671-C90794DD53B7}"/>
+          <p:cNvPr id="4" name="그림 3">
+            <a:extLst>
+              <a:ext uri="{FF2B5EF4-FFF2-40B4-BE49-F238E27FC236}">
+                <a16:creationId xmlns:a16="http://schemas.microsoft.com/office/drawing/2014/main" id="{38C3D8B8-FE9F-4643-8EB0-B76E734F671F}"/>
               </a:ext>
             </a:extLst>
           </p:cNvPr>
@@ -3876,43 +4424,7 @@
         <p:spPr>
           <a:xfrm>
             <a:off x="0" y="0"/>
-            <a:ext cx="7344800" cy="5792008"/>
-          </a:xfrm>
-          <a:prstGeom prst="rect">
-            <a:avLst/>
-          </a:prstGeom>
-        </p:spPr>
-      </p:pic>
-      <p:pic>
-        <p:nvPicPr>
-          <p:cNvPr id="7" name="그림 6">
-            <a:extLst>
-              <a:ext uri="{FF2B5EF4-FFF2-40B4-BE49-F238E27FC236}">
-                <a16:creationId xmlns:a16="http://schemas.microsoft.com/office/drawing/2014/main" id="{5DE67580-C444-4090-9367-27D6D097492F}"/>
-              </a:ext>
-            </a:extLst>
-          </p:cNvPr>
-          <p:cNvPicPr>
-            <a:picLocks noChangeAspect="1"/>
-          </p:cNvPicPr>
-          <p:nvPr/>
-        </p:nvPicPr>
-        <p:blipFill>
-          <a:blip r:embed="rId3">
-            <a:extLst>
-              <a:ext uri="{28A0092B-C50C-407E-A947-70E740481C1C}">
-                <a14:useLocalDpi xmlns:a14="http://schemas.microsoft.com/office/drawing/2010/main" val="0"/>
-              </a:ext>
-            </a:extLst>
-          </a:blip>
-          <a:stretch>
-            <a:fillRect/>
-          </a:stretch>
-        </p:blipFill>
-        <p:spPr>
-          <a:xfrm>
-            <a:off x="6096000" y="1065992"/>
-            <a:ext cx="7344800" cy="5792008"/>
+            <a:ext cx="6465911" cy="6858000"/>
           </a:xfrm>
           <a:prstGeom prst="rect">
             <a:avLst/>
@@ -3921,10 +4433,10 @@
       </p:pic>
       <p:sp>
         <p:nvSpPr>
-          <p:cNvPr id="8" name="TextBox 7">
-            <a:extLst>
-              <a:ext uri="{FF2B5EF4-FFF2-40B4-BE49-F238E27FC236}">
-                <a16:creationId xmlns:a16="http://schemas.microsoft.com/office/drawing/2014/main" id="{2317AE40-A833-4424-B32B-D33AF3943813}"/>
+          <p:cNvPr id="5" name="TextBox 4">
+            <a:extLst>
+              <a:ext uri="{FF2B5EF4-FFF2-40B4-BE49-F238E27FC236}">
+                <a16:creationId xmlns:a16="http://schemas.microsoft.com/office/drawing/2014/main" id="{2B82DB49-FDCE-4042-BCD7-89F7FB5FF891}"/>
               </a:ext>
             </a:extLst>
           </p:cNvPr>
@@ -3933,8 +4445,8 @@
         </p:nvSpPr>
         <p:spPr>
           <a:xfrm>
-            <a:off x="1535289" y="5792008"/>
-            <a:ext cx="542136" cy="369332"/>
+            <a:off x="6628796" y="1137786"/>
+            <a:ext cx="4615366" cy="1169551"/>
           </a:xfrm>
           <a:prstGeom prst="rect">
             <a:avLst/>
@@ -3948,59 +4460,113 @@
           <a:lstStyle/>
           <a:p>
             <a:r>
-              <a:rPr lang="en-US" altLang="ko-KR" dirty="0"/>
-              <a:t>1</a:t>
-            </a:r>
-            <a:r>
-              <a:rPr lang="ko-KR" altLang="en-US" dirty="0"/>
-              <a:t>월</a:t>
-            </a:r>
-          </a:p>
-        </p:txBody>
-      </p:sp>
-      <p:sp>
-        <p:nvSpPr>
-          <p:cNvPr id="9" name="TextBox 8">
-            <a:extLst>
-              <a:ext uri="{FF2B5EF4-FFF2-40B4-BE49-F238E27FC236}">
-                <a16:creationId xmlns:a16="http://schemas.microsoft.com/office/drawing/2014/main" id="{9713E07C-C7CA-4CBC-8C77-697BDA1EDB9F}"/>
-              </a:ext>
-            </a:extLst>
-          </p:cNvPr>
-          <p:cNvSpPr txBox="1"/>
-          <p:nvPr/>
-        </p:nvSpPr>
-        <p:spPr>
-          <a:xfrm>
-            <a:off x="8805333" y="756356"/>
-            <a:ext cx="542136" cy="369332"/>
-          </a:xfrm>
-          <a:prstGeom prst="rect">
-            <a:avLst/>
-          </a:prstGeom>
-          <a:noFill/>
-        </p:spPr>
-        <p:txBody>
-          <a:bodyPr wrap="none" rtlCol="0">
-            <a:spAutoFit/>
-          </a:bodyPr>
-          <a:lstStyle/>
-          <a:p>
-            <a:r>
-              <a:rPr lang="en-US" altLang="ko-KR" dirty="0"/>
-              <a:t>2</a:t>
-            </a:r>
-            <a:r>
-              <a:rPr lang="ko-KR" altLang="en-US" dirty="0"/>
-              <a:t>월</a:t>
-            </a:r>
+              <a:rPr lang="en-US" altLang="ko-KR" sz="1400" dirty="0"/>
+              <a:t>*</a:t>
+            </a:r>
+            <a:r>
+              <a:rPr lang="ko-KR" altLang="en-US" sz="1400" dirty="0"/>
+              <a:t>연령별 한국 여행 목적</a:t>
+            </a:r>
+            <a:endParaRPr lang="en-US" altLang="ko-KR" sz="1400" dirty="0"/>
+          </a:p>
+          <a:p>
+            <a:r>
+              <a:rPr lang="en-US" altLang="ko-KR" sz="1400" dirty="0"/>
+              <a:t>[</a:t>
+            </a:r>
+            <a:r>
+              <a:rPr lang="ko-KR" altLang="en-US" sz="1400" dirty="0"/>
+              <a:t>내국</a:t>
+            </a:r>
+            <a:r>
+              <a:rPr lang="en-US" altLang="ko-KR" sz="1400" dirty="0"/>
+              <a:t>]	60</a:t>
+            </a:r>
+            <a:r>
+              <a:rPr lang="ko-KR" altLang="en-US" sz="1400" dirty="0"/>
+              <a:t>이하 </a:t>
+            </a:r>
+            <a:r>
+              <a:rPr lang="en-US" altLang="ko-KR" sz="1400" dirty="0"/>
+              <a:t>		</a:t>
+            </a:r>
+            <a:r>
+              <a:rPr lang="ko-KR" altLang="en-US" sz="1400" dirty="0"/>
+              <a:t>직장인센</a:t>
+            </a:r>
+            <a:endParaRPr lang="en-US" altLang="ko-KR" sz="1400" dirty="0"/>
+          </a:p>
+          <a:p>
+            <a:r>
+              <a:rPr lang="en-US" altLang="ko-KR" sz="1400" dirty="0"/>
+              <a:t>	30</a:t>
+            </a:r>
+            <a:r>
+              <a:rPr lang="ko-KR" altLang="en-US" sz="1400" dirty="0"/>
+              <a:t>대 이상</a:t>
+            </a:r>
+            <a:r>
+              <a:rPr lang="en-US" altLang="ko-KR" sz="1400" dirty="0"/>
+              <a:t>		</a:t>
+            </a:r>
+            <a:r>
+              <a:rPr lang="ko-KR" altLang="en-US" sz="1400" dirty="0"/>
+              <a:t>세미나</a:t>
+            </a:r>
+            <a:endParaRPr lang="en-US" altLang="ko-KR" sz="1400" dirty="0"/>
+          </a:p>
+          <a:p>
+            <a:r>
+              <a:rPr lang="en-US" altLang="ko-KR" sz="1400" dirty="0"/>
+              <a:t>[</a:t>
+            </a:r>
+            <a:r>
+              <a:rPr lang="ko-KR" altLang="en-US" sz="1400" dirty="0"/>
+              <a:t>외국</a:t>
+            </a:r>
+            <a:r>
+              <a:rPr lang="en-US" altLang="ko-KR" sz="1400" dirty="0"/>
+              <a:t>]	60</a:t>
+            </a:r>
+            <a:r>
+              <a:rPr lang="ko-KR" altLang="en-US" sz="1400" dirty="0"/>
+              <a:t>대 이하</a:t>
+            </a:r>
+            <a:r>
+              <a:rPr lang="en-US" altLang="ko-KR" sz="1400" dirty="0"/>
+              <a:t>		</a:t>
+            </a:r>
+            <a:r>
+              <a:rPr lang="ko-KR" altLang="en-US" sz="1400" dirty="0"/>
+              <a:t>쇼핑</a:t>
+            </a:r>
+            <a:endParaRPr lang="en-US" altLang="ko-KR" sz="1400" dirty="0"/>
+          </a:p>
+          <a:p>
+            <a:r>
+              <a:rPr lang="en-US" altLang="ko-KR" sz="1400" dirty="0"/>
+              <a:t>	20</a:t>
+            </a:r>
+            <a:r>
+              <a:rPr lang="ko-KR" altLang="en-US" sz="1400" dirty="0"/>
+              <a:t>대</a:t>
+            </a:r>
+            <a:r>
+              <a:rPr lang="en-US" altLang="ko-KR" sz="1400" dirty="0"/>
+              <a:t>	</a:t>
+            </a:r>
+            <a:r>
+              <a:rPr lang="ko-KR" altLang="en-US" sz="1400" dirty="0"/>
+              <a:t>반절 이상은 쇼핑 목적으로 방문</a:t>
+            </a:r>
+            <a:endParaRPr lang="en-US" altLang="ko-KR" sz="1400" dirty="0"/>
           </a:p>
         </p:txBody>
       </p:sp>
     </p:spTree>
     <p:extLst>
       <p:ext uri="{BB962C8B-B14F-4D97-AF65-F5344CB8AC3E}">
-        <p14:creationId xmlns:p14="http://schemas.microsoft.com/office/powerpoint/2010/main" val="187069465"/>
+        <p14:creationId xmlns:p14="http://schemas.microsoft.com/office/powerpoint/2010/main" val="1240191342"/>
       </p:ext>
     </p:extLst>
   </p:cSld>
@@ -4027,84 +4593,70 @@
           <a:chExt cx="0" cy="0"/>
         </a:xfrm>
       </p:grpSpPr>
-      <p:pic>
-        <p:nvPicPr>
-          <p:cNvPr id="5" name="그림 4">
-            <a:extLst>
-              <a:ext uri="{FF2B5EF4-FFF2-40B4-BE49-F238E27FC236}">
-                <a16:creationId xmlns:a16="http://schemas.microsoft.com/office/drawing/2014/main" id="{7DCA6D16-95EB-41DD-BB45-6324C419DA99}"/>
-              </a:ext>
-            </a:extLst>
-          </p:cNvPr>
-          <p:cNvPicPr>
-            <a:picLocks noChangeAspect="1"/>
-          </p:cNvPicPr>
-          <p:nvPr/>
-        </p:nvPicPr>
-        <p:blipFill>
-          <a:blip r:embed="rId2">
-            <a:extLst>
-              <a:ext uri="{28A0092B-C50C-407E-A947-70E740481C1C}">
-                <a14:useLocalDpi xmlns:a14="http://schemas.microsoft.com/office/drawing/2010/main" val="0"/>
-              </a:ext>
-            </a:extLst>
-          </a:blip>
-          <a:stretch>
-            <a:fillRect/>
-          </a:stretch>
-        </p:blipFill>
-        <p:spPr>
-          <a:xfrm>
-            <a:off x="0" y="0"/>
-            <a:ext cx="7344800" cy="5792008"/>
-          </a:xfrm>
-          <a:prstGeom prst="rect">
-            <a:avLst/>
-          </a:prstGeom>
-        </p:spPr>
-      </p:pic>
-      <p:pic>
-        <p:nvPicPr>
-          <p:cNvPr id="7" name="그림 6">
-            <a:extLst>
-              <a:ext uri="{FF2B5EF4-FFF2-40B4-BE49-F238E27FC236}">
-                <a16:creationId xmlns:a16="http://schemas.microsoft.com/office/drawing/2014/main" id="{11FA1923-30B6-475B-B71E-67AA82A3D92A}"/>
-              </a:ext>
-            </a:extLst>
-          </p:cNvPr>
-          <p:cNvPicPr>
-            <a:picLocks noChangeAspect="1"/>
-          </p:cNvPicPr>
-          <p:nvPr/>
-        </p:nvPicPr>
-        <p:blipFill>
-          <a:blip r:embed="rId3">
-            <a:extLst>
-              <a:ext uri="{28A0092B-C50C-407E-A947-70E740481C1C}">
-                <a14:useLocalDpi xmlns:a14="http://schemas.microsoft.com/office/drawing/2010/main" val="0"/>
-              </a:ext>
-            </a:extLst>
-          </a:blip>
-          <a:stretch>
-            <a:fillRect/>
-          </a:stretch>
-        </p:blipFill>
-        <p:spPr>
-          <a:xfrm>
-            <a:off x="6096000" y="1065992"/>
-            <a:ext cx="7344800" cy="5792008"/>
-          </a:xfrm>
-          <a:prstGeom prst="rect">
-            <a:avLst/>
-          </a:prstGeom>
-        </p:spPr>
-      </p:pic>
       <p:sp>
         <p:nvSpPr>
-          <p:cNvPr id="8" name="TextBox 7">
-            <a:extLst>
-              <a:ext uri="{FF2B5EF4-FFF2-40B4-BE49-F238E27FC236}">
-                <a16:creationId xmlns:a16="http://schemas.microsoft.com/office/drawing/2014/main" id="{336617EA-7643-48EF-AF84-DF07A2C59ACE}"/>
+          <p:cNvPr id="2" name="제목 1">
+            <a:extLst>
+              <a:ext uri="{FF2B5EF4-FFF2-40B4-BE49-F238E27FC236}">
+                <a16:creationId xmlns:a16="http://schemas.microsoft.com/office/drawing/2014/main" id="{23545972-F8C3-40CF-B516-A559C7AC9F50}"/>
+              </a:ext>
+            </a:extLst>
+          </p:cNvPr>
+          <p:cNvSpPr>
+            <a:spLocks noGrp="1"/>
+          </p:cNvSpPr>
+          <p:nvPr>
+            <p:ph type="title"/>
+          </p:nvPr>
+        </p:nvSpPr>
+        <p:spPr/>
+        <p:txBody>
+          <a:bodyPr>
+            <a:normAutofit/>
+          </a:bodyPr>
+          <a:lstStyle/>
+          <a:p>
+            <a:r>
+              <a:rPr lang="en-US" altLang="ko-KR" sz="3600" dirty="0"/>
+              <a:t>3. </a:t>
+            </a:r>
+            <a:r>
+              <a:rPr lang="ko-KR" altLang="en-US" sz="3600" dirty="0"/>
+              <a:t>검색지역</a:t>
+            </a:r>
+            <a:r>
+              <a:rPr lang="en-US" altLang="ko-KR" sz="3600" dirty="0"/>
+              <a:t>, </a:t>
+            </a:r>
+            <a:r>
+              <a:rPr lang="ko-KR" altLang="en-US" sz="3600" dirty="0"/>
+              <a:t>행선지</a:t>
+            </a:r>
+            <a:r>
+              <a:rPr lang="en-US" altLang="ko-KR" sz="3600" dirty="0"/>
+              <a:t> – </a:t>
+            </a:r>
+            <a:r>
+              <a:rPr lang="ko-KR" altLang="en-US" sz="3600" dirty="0"/>
+              <a:t>가려는 곳</a:t>
+            </a:r>
+            <a:r>
+              <a:rPr lang="en-US" altLang="ko-KR" sz="3600" dirty="0"/>
+              <a:t>, </a:t>
+            </a:r>
+            <a:r>
+              <a:rPr lang="ko-KR" altLang="en-US" sz="3600" dirty="0"/>
+              <a:t>가는 곳 알기</a:t>
+            </a:r>
+          </a:p>
+        </p:txBody>
+      </p:sp>
+      <p:sp>
+        <p:nvSpPr>
+          <p:cNvPr id="4" name="TextBox 3">
+            <a:extLst>
+              <a:ext uri="{FF2B5EF4-FFF2-40B4-BE49-F238E27FC236}">
+                <a16:creationId xmlns:a16="http://schemas.microsoft.com/office/drawing/2014/main" id="{4739B268-88C7-4F56-B4E7-CC53F932B7AE}"/>
               </a:ext>
             </a:extLst>
           </p:cNvPr>
@@ -4113,8 +4665,8 @@
         </p:nvSpPr>
         <p:spPr>
           <a:xfrm>
-            <a:off x="1535289" y="5792008"/>
-            <a:ext cx="542136" cy="369332"/>
+            <a:off x="1140177" y="1690688"/>
+            <a:ext cx="5756704" cy="1754326"/>
           </a:xfrm>
           <a:prstGeom prst="rect">
             <a:avLst/>
@@ -4129,50 +4681,105 @@
           <a:p>
             <a:r>
               <a:rPr lang="en-US" altLang="ko-KR" dirty="0"/>
-              <a:t>3</a:t>
+              <a:t>*</a:t>
+            </a:r>
+            <a:r>
+              <a:rPr lang="en-US" altLang="ko-KR" dirty="0" err="1"/>
+              <a:t>Tmap</a:t>
             </a:r>
             <a:r>
               <a:rPr lang="ko-KR" altLang="en-US" dirty="0"/>
-              <a:t>월</a:t>
-            </a:r>
-          </a:p>
-        </p:txBody>
-      </p:sp>
-      <p:sp>
-        <p:nvSpPr>
-          <p:cNvPr id="9" name="TextBox 8">
-            <a:extLst>
-              <a:ext uri="{FF2B5EF4-FFF2-40B4-BE49-F238E27FC236}">
-                <a16:creationId xmlns:a16="http://schemas.microsoft.com/office/drawing/2014/main" id="{799E00FF-7F1F-45F2-9C22-9FEACA9CB4BD}"/>
-              </a:ext>
-            </a:extLst>
-          </p:cNvPr>
-          <p:cNvSpPr txBox="1"/>
-          <p:nvPr/>
-        </p:nvSpPr>
-        <p:spPr>
-          <a:xfrm>
-            <a:off x="8805333" y="756356"/>
-            <a:ext cx="542136" cy="369332"/>
-          </a:xfrm>
-          <a:prstGeom prst="rect">
-            <a:avLst/>
-          </a:prstGeom>
-          <a:noFill/>
-        </p:spPr>
-        <p:txBody>
-          <a:bodyPr wrap="none" rtlCol="0">
-            <a:spAutoFit/>
-          </a:bodyPr>
-          <a:lstStyle/>
-          <a:p>
+              <a:t> </a:t>
+            </a:r>
+            <a:r>
+              <a:rPr lang="ko-KR" altLang="en-US" dirty="0" err="1"/>
+              <a:t>검색지</a:t>
+            </a:r>
+            <a:r>
+              <a:rPr lang="ko-KR" altLang="en-US" dirty="0"/>
+              <a:t> 랭크</a:t>
+            </a:r>
             <a:r>
               <a:rPr lang="en-US" altLang="ko-KR" dirty="0"/>
-              <a:t>4</a:t>
+              <a:t>TOP30</a:t>
+            </a:r>
+          </a:p>
+          <a:p>
+            <a:r>
+              <a:rPr lang="en-US" altLang="ko-KR" dirty="0"/>
+              <a:t>	</a:t>
             </a:r>
             <a:r>
               <a:rPr lang="ko-KR" altLang="en-US" dirty="0"/>
-              <a:t>월</a:t>
+              <a:t>랭킹</a:t>
+            </a:r>
+            <a:r>
+              <a:rPr lang="en-US" altLang="ko-KR" dirty="0"/>
+              <a:t>1~30</a:t>
+            </a:r>
+            <a:r>
+              <a:rPr lang="ko-KR" altLang="en-US" dirty="0"/>
+              <a:t>을 </a:t>
+            </a:r>
+            <a:r>
+              <a:rPr lang="en-US" altLang="ko-KR" dirty="0"/>
+              <a:t>30</a:t>
+            </a:r>
+            <a:r>
+              <a:rPr lang="ko-KR" altLang="en-US" dirty="0"/>
+              <a:t>점</a:t>
+            </a:r>
+            <a:r>
+              <a:rPr lang="en-US" altLang="ko-KR" dirty="0"/>
+              <a:t>~1</a:t>
+            </a:r>
+            <a:r>
+              <a:rPr lang="ko-KR" altLang="en-US" dirty="0"/>
+              <a:t>점으로 가중치를 줌</a:t>
+            </a:r>
+            <a:endParaRPr lang="en-US" altLang="ko-KR" dirty="0"/>
+          </a:p>
+          <a:p>
+            <a:endParaRPr lang="en-US" altLang="ko-KR" dirty="0"/>
+          </a:p>
+          <a:p>
+            <a:r>
+              <a:rPr lang="en-US" altLang="ko-KR" dirty="0"/>
+              <a:t>- 1,2</a:t>
+            </a:r>
+            <a:r>
+              <a:rPr lang="ko-KR" altLang="en-US" dirty="0"/>
+              <a:t>월 </a:t>
+            </a:r>
+            <a:r>
+              <a:rPr lang="en-US" altLang="ko-KR" dirty="0"/>
+              <a:t>: </a:t>
+            </a:r>
+            <a:r>
+              <a:rPr lang="ko-KR" altLang="en-US" dirty="0"/>
+              <a:t>서귀포시 서쪽 일대에 대한 검색이 소폭 상승</a:t>
+            </a:r>
+            <a:endParaRPr lang="en-US" altLang="ko-KR" dirty="0"/>
+          </a:p>
+          <a:p>
+            <a:endParaRPr lang="en-US" altLang="ko-KR" dirty="0"/>
+          </a:p>
+          <a:p>
+            <a:r>
+              <a:rPr lang="en-US" altLang="ko-KR" dirty="0"/>
+              <a:t>- 7,8</a:t>
+            </a:r>
+            <a:r>
+              <a:rPr lang="ko-KR" altLang="en-US" dirty="0"/>
+              <a:t>월 </a:t>
+            </a:r>
+            <a:r>
+              <a:rPr lang="en-US" altLang="ko-KR" dirty="0"/>
+              <a:t>: </a:t>
+            </a:r>
+            <a:r>
+              <a:rPr lang="ko-KR" altLang="en-US" dirty="0"/>
+              <a:t>제주시 동쪽 일대에 대한 검색이 소폭 상승</a:t>
             </a:r>
           </a:p>
         </p:txBody>
@@ -4180,7 +4787,7 @@
     </p:spTree>
     <p:extLst>
       <p:ext uri="{BB962C8B-B14F-4D97-AF65-F5344CB8AC3E}">
-        <p14:creationId xmlns:p14="http://schemas.microsoft.com/office/powerpoint/2010/main" val="2127295553"/>
+        <p14:creationId xmlns:p14="http://schemas.microsoft.com/office/powerpoint/2010/main" val="3741313640"/>
       </p:ext>
     </p:extLst>
   </p:cSld>
@@ -4212,7 +4819,7 @@
           <p:cNvPr id="5" name="그림 4">
             <a:extLst>
               <a:ext uri="{FF2B5EF4-FFF2-40B4-BE49-F238E27FC236}">
-                <a16:creationId xmlns:a16="http://schemas.microsoft.com/office/drawing/2014/main" id="{AE6C7A19-D8AD-4F39-8BC1-B9AB4771BA56}"/>
+                <a16:creationId xmlns:a16="http://schemas.microsoft.com/office/drawing/2014/main" id="{F350F48E-9057-460F-9671-C90794DD53B7}"/>
               </a:ext>
             </a:extLst>
           </p:cNvPr>
@@ -4248,7 +4855,7 @@
           <p:cNvPr id="7" name="그림 6">
             <a:extLst>
               <a:ext uri="{FF2B5EF4-FFF2-40B4-BE49-F238E27FC236}">
-                <a16:creationId xmlns:a16="http://schemas.microsoft.com/office/drawing/2014/main" id="{B64190A7-598E-47BA-8091-A6F02F39D91C}"/>
+                <a16:creationId xmlns:a16="http://schemas.microsoft.com/office/drawing/2014/main" id="{5DE67580-C444-4090-9367-27D6D097492F}"/>
               </a:ext>
             </a:extLst>
           </p:cNvPr>
@@ -4271,7 +4878,7 @@
         </p:blipFill>
         <p:spPr>
           <a:xfrm>
-            <a:off x="6216667" y="1065992"/>
+            <a:off x="6096000" y="1065992"/>
             <a:ext cx="7344800" cy="5792008"/>
           </a:xfrm>
           <a:prstGeom prst="rect">
@@ -4284,7 +4891,7 @@
           <p:cNvPr id="8" name="TextBox 7">
             <a:extLst>
               <a:ext uri="{FF2B5EF4-FFF2-40B4-BE49-F238E27FC236}">
-                <a16:creationId xmlns:a16="http://schemas.microsoft.com/office/drawing/2014/main" id="{E6E242DD-9B23-43D7-A6EB-A6DAD5D002EC}"/>
+                <a16:creationId xmlns:a16="http://schemas.microsoft.com/office/drawing/2014/main" id="{2317AE40-A833-4424-B32B-D33AF3943813}"/>
               </a:ext>
             </a:extLst>
           </p:cNvPr>
@@ -4309,7 +4916,7 @@
           <a:p>
             <a:r>
               <a:rPr lang="en-US" altLang="ko-KR" dirty="0"/>
-              <a:t>5</a:t>
+              <a:t>1</a:t>
             </a:r>
             <a:r>
               <a:rPr lang="ko-KR" altLang="en-US" dirty="0"/>
@@ -4323,7 +4930,7 @@
           <p:cNvPr id="9" name="TextBox 8">
             <a:extLst>
               <a:ext uri="{FF2B5EF4-FFF2-40B4-BE49-F238E27FC236}">
-                <a16:creationId xmlns:a16="http://schemas.microsoft.com/office/drawing/2014/main" id="{7F6271C5-AD1F-4240-914C-BE2B013BB800}"/>
+                <a16:creationId xmlns:a16="http://schemas.microsoft.com/office/drawing/2014/main" id="{9713E07C-C7CA-4CBC-8C77-697BDA1EDB9F}"/>
               </a:ext>
             </a:extLst>
           </p:cNvPr>
@@ -4348,7 +4955,7 @@
           <a:p>
             <a:r>
               <a:rPr lang="en-US" altLang="ko-KR" dirty="0"/>
-              <a:t>6</a:t>
+              <a:t>2</a:t>
             </a:r>
             <a:r>
               <a:rPr lang="ko-KR" altLang="en-US" dirty="0"/>
@@ -4360,7 +4967,7 @@
     </p:spTree>
     <p:extLst>
       <p:ext uri="{BB962C8B-B14F-4D97-AF65-F5344CB8AC3E}">
-        <p14:creationId xmlns:p14="http://schemas.microsoft.com/office/powerpoint/2010/main" val="1484017581"/>
+        <p14:creationId xmlns:p14="http://schemas.microsoft.com/office/powerpoint/2010/main" val="187069465"/>
       </p:ext>
     </p:extLst>
   </p:cSld>
@@ -4392,7 +4999,7 @@
           <p:cNvPr id="5" name="그림 4">
             <a:extLst>
               <a:ext uri="{FF2B5EF4-FFF2-40B4-BE49-F238E27FC236}">
-                <a16:creationId xmlns:a16="http://schemas.microsoft.com/office/drawing/2014/main" id="{EFAABB49-A968-401E-B1D6-880E3FD21BB0}"/>
+                <a16:creationId xmlns:a16="http://schemas.microsoft.com/office/drawing/2014/main" id="{7DCA6D16-95EB-41DD-BB45-6324C419DA99}"/>
               </a:ext>
             </a:extLst>
           </p:cNvPr>
@@ -4428,7 +5035,7 @@
           <p:cNvPr id="7" name="그림 6">
             <a:extLst>
               <a:ext uri="{FF2B5EF4-FFF2-40B4-BE49-F238E27FC236}">
-                <a16:creationId xmlns:a16="http://schemas.microsoft.com/office/drawing/2014/main" id="{69546F97-7CEA-40D8-BB7E-F0D8D61DCDB3}"/>
+                <a16:creationId xmlns:a16="http://schemas.microsoft.com/office/drawing/2014/main" id="{11FA1923-30B6-475B-B71E-67AA82A3D92A}"/>
               </a:ext>
             </a:extLst>
           </p:cNvPr>
@@ -4464,7 +5071,7 @@
           <p:cNvPr id="8" name="TextBox 7">
             <a:extLst>
               <a:ext uri="{FF2B5EF4-FFF2-40B4-BE49-F238E27FC236}">
-                <a16:creationId xmlns:a16="http://schemas.microsoft.com/office/drawing/2014/main" id="{9E9F0945-538E-4792-9889-85D246C2F651}"/>
+                <a16:creationId xmlns:a16="http://schemas.microsoft.com/office/drawing/2014/main" id="{336617EA-7643-48EF-AF84-DF07A2C59ACE}"/>
               </a:ext>
             </a:extLst>
           </p:cNvPr>
@@ -4489,7 +5096,7 @@
           <a:p>
             <a:r>
               <a:rPr lang="en-US" altLang="ko-KR" dirty="0"/>
-              <a:t>7</a:t>
+              <a:t>3</a:t>
             </a:r>
             <a:r>
               <a:rPr lang="ko-KR" altLang="en-US" dirty="0"/>
@@ -4503,7 +5110,7 @@
           <p:cNvPr id="9" name="TextBox 8">
             <a:extLst>
               <a:ext uri="{FF2B5EF4-FFF2-40B4-BE49-F238E27FC236}">
-                <a16:creationId xmlns:a16="http://schemas.microsoft.com/office/drawing/2014/main" id="{25EFABBB-65B7-4216-955C-019F16689A20}"/>
+                <a16:creationId xmlns:a16="http://schemas.microsoft.com/office/drawing/2014/main" id="{799E00FF-7F1F-45F2-9C22-9FEACA9CB4BD}"/>
               </a:ext>
             </a:extLst>
           </p:cNvPr>
@@ -4528,7 +5135,7 @@
           <a:p>
             <a:r>
               <a:rPr lang="en-US" altLang="ko-KR" dirty="0"/>
-              <a:t>8</a:t>
+              <a:t>4</a:t>
             </a:r>
             <a:r>
               <a:rPr lang="ko-KR" altLang="en-US" dirty="0"/>
@@ -4540,7 +5147,7 @@
     </p:spTree>
     <p:extLst>
       <p:ext uri="{BB962C8B-B14F-4D97-AF65-F5344CB8AC3E}">
-        <p14:creationId xmlns:p14="http://schemas.microsoft.com/office/powerpoint/2010/main" val="3283254328"/>
+        <p14:creationId xmlns:p14="http://schemas.microsoft.com/office/powerpoint/2010/main" val="2127295553"/>
       </p:ext>
     </p:extLst>
   </p:cSld>
@@ -4572,7 +5179,7 @@
           <p:cNvPr id="5" name="그림 4">
             <a:extLst>
               <a:ext uri="{FF2B5EF4-FFF2-40B4-BE49-F238E27FC236}">
-                <a16:creationId xmlns:a16="http://schemas.microsoft.com/office/drawing/2014/main" id="{2EE8779A-4400-40E1-AF09-98D5F99878A3}"/>
+                <a16:creationId xmlns:a16="http://schemas.microsoft.com/office/drawing/2014/main" id="{AE6C7A19-D8AD-4F39-8BC1-B9AB4771BA56}"/>
               </a:ext>
             </a:extLst>
           </p:cNvPr>
@@ -4608,7 +5215,7 @@
           <p:cNvPr id="7" name="그림 6">
             <a:extLst>
               <a:ext uri="{FF2B5EF4-FFF2-40B4-BE49-F238E27FC236}">
-                <a16:creationId xmlns:a16="http://schemas.microsoft.com/office/drawing/2014/main" id="{CA489F17-00CF-4023-ADAB-0AD98ED66524}"/>
+                <a16:creationId xmlns:a16="http://schemas.microsoft.com/office/drawing/2014/main" id="{B64190A7-598E-47BA-8091-A6F02F39D91C}"/>
               </a:ext>
             </a:extLst>
           </p:cNvPr>
@@ -4631,7 +5238,7 @@
         </p:blipFill>
         <p:spPr>
           <a:xfrm>
-            <a:off x="6182800" y="1065992"/>
+            <a:off x="6216667" y="1065992"/>
             <a:ext cx="7344800" cy="5792008"/>
           </a:xfrm>
           <a:prstGeom prst="rect">
@@ -4644,7 +5251,7 @@
           <p:cNvPr id="8" name="TextBox 7">
             <a:extLst>
               <a:ext uri="{FF2B5EF4-FFF2-40B4-BE49-F238E27FC236}">
-                <a16:creationId xmlns:a16="http://schemas.microsoft.com/office/drawing/2014/main" id="{07939B80-6757-447E-9108-E24B525B17AF}"/>
+                <a16:creationId xmlns:a16="http://schemas.microsoft.com/office/drawing/2014/main" id="{E6E242DD-9B23-43D7-A6EB-A6DAD5D002EC}"/>
               </a:ext>
             </a:extLst>
           </p:cNvPr>
@@ -4669,7 +5276,7 @@
           <a:p>
             <a:r>
               <a:rPr lang="en-US" altLang="ko-KR" dirty="0"/>
-              <a:t>9</a:t>
+              <a:t>5</a:t>
             </a:r>
             <a:r>
               <a:rPr lang="ko-KR" altLang="en-US" dirty="0"/>
@@ -4683,7 +5290,7 @@
           <p:cNvPr id="9" name="TextBox 8">
             <a:extLst>
               <a:ext uri="{FF2B5EF4-FFF2-40B4-BE49-F238E27FC236}">
-                <a16:creationId xmlns:a16="http://schemas.microsoft.com/office/drawing/2014/main" id="{DE224F7E-EBBE-43DC-8981-334EBDD771A1}"/>
+                <a16:creationId xmlns:a16="http://schemas.microsoft.com/office/drawing/2014/main" id="{7F6271C5-AD1F-4240-914C-BE2B013BB800}"/>
               </a:ext>
             </a:extLst>
           </p:cNvPr>
@@ -4693,7 +5300,7 @@
         <p:spPr>
           <a:xfrm>
             <a:off x="8805333" y="756356"/>
-            <a:ext cx="668773" cy="369332"/>
+            <a:ext cx="542136" cy="369332"/>
           </a:xfrm>
           <a:prstGeom prst="rect">
             <a:avLst/>
@@ -4708,7 +5315,7 @@
           <a:p>
             <a:r>
               <a:rPr lang="en-US" altLang="ko-KR" dirty="0"/>
-              <a:t>10</a:t>
+              <a:t>6</a:t>
             </a:r>
             <a:r>
               <a:rPr lang="ko-KR" altLang="en-US" dirty="0"/>
@@ -4720,7 +5327,7 @@
     </p:spTree>
     <p:extLst>
       <p:ext uri="{BB962C8B-B14F-4D97-AF65-F5344CB8AC3E}">
-        <p14:creationId xmlns:p14="http://schemas.microsoft.com/office/powerpoint/2010/main" val="3419702200"/>
+        <p14:creationId xmlns:p14="http://schemas.microsoft.com/office/powerpoint/2010/main" val="1484017581"/>
       </p:ext>
     </p:extLst>
   </p:cSld>
@@ -4747,90 +5354,94 @@
           <a:chExt cx="0" cy="0"/>
         </a:xfrm>
       </p:grpSpPr>
+      <p:pic>
+        <p:nvPicPr>
+          <p:cNvPr id="5" name="그림 4">
+            <a:extLst>
+              <a:ext uri="{FF2B5EF4-FFF2-40B4-BE49-F238E27FC236}">
+                <a16:creationId xmlns:a16="http://schemas.microsoft.com/office/drawing/2014/main" id="{EFAABB49-A968-401E-B1D6-880E3FD21BB0}"/>
+              </a:ext>
+            </a:extLst>
+          </p:cNvPr>
+          <p:cNvPicPr>
+            <a:picLocks noChangeAspect="1"/>
+          </p:cNvPicPr>
+          <p:nvPr/>
+        </p:nvPicPr>
+        <p:blipFill>
+          <a:blip r:embed="rId2">
+            <a:extLst>
+              <a:ext uri="{28A0092B-C50C-407E-A947-70E740481C1C}">
+                <a14:useLocalDpi xmlns:a14="http://schemas.microsoft.com/office/drawing/2010/main" val="0"/>
+              </a:ext>
+            </a:extLst>
+          </a:blip>
+          <a:stretch>
+            <a:fillRect/>
+          </a:stretch>
+        </p:blipFill>
+        <p:spPr>
+          <a:xfrm>
+            <a:off x="0" y="0"/>
+            <a:ext cx="7344800" cy="5792008"/>
+          </a:xfrm>
+          <a:prstGeom prst="rect">
+            <a:avLst/>
+          </a:prstGeom>
+        </p:spPr>
+      </p:pic>
+      <p:pic>
+        <p:nvPicPr>
+          <p:cNvPr id="7" name="그림 6">
+            <a:extLst>
+              <a:ext uri="{FF2B5EF4-FFF2-40B4-BE49-F238E27FC236}">
+                <a16:creationId xmlns:a16="http://schemas.microsoft.com/office/drawing/2014/main" id="{69546F97-7CEA-40D8-BB7E-F0D8D61DCDB3}"/>
+              </a:ext>
+            </a:extLst>
+          </p:cNvPr>
+          <p:cNvPicPr>
+            <a:picLocks noChangeAspect="1"/>
+          </p:cNvPicPr>
+          <p:nvPr/>
+        </p:nvPicPr>
+        <p:blipFill>
+          <a:blip r:embed="rId3">
+            <a:extLst>
+              <a:ext uri="{28A0092B-C50C-407E-A947-70E740481C1C}">
+                <a14:useLocalDpi xmlns:a14="http://schemas.microsoft.com/office/drawing/2010/main" val="0"/>
+              </a:ext>
+            </a:extLst>
+          </a:blip>
+          <a:stretch>
+            <a:fillRect/>
+          </a:stretch>
+        </p:blipFill>
+        <p:spPr>
+          <a:xfrm>
+            <a:off x="6096000" y="1065992"/>
+            <a:ext cx="7344800" cy="5792008"/>
+          </a:xfrm>
+          <a:prstGeom prst="rect">
+            <a:avLst/>
+          </a:prstGeom>
+        </p:spPr>
+      </p:pic>
       <p:sp>
         <p:nvSpPr>
-          <p:cNvPr id="2" name="제목 1">
-            <a:extLst>
-              <a:ext uri="{FF2B5EF4-FFF2-40B4-BE49-F238E27FC236}">
-                <a16:creationId xmlns:a16="http://schemas.microsoft.com/office/drawing/2014/main" id="{314F67E7-9A25-42BE-946D-AB33397AE9D8}"/>
-              </a:ext>
-            </a:extLst>
-          </p:cNvPr>
-          <p:cNvSpPr>
-            <a:spLocks noGrp="1"/>
-          </p:cNvSpPr>
-          <p:nvPr>
-            <p:ph type="title"/>
-          </p:nvPr>
+          <p:cNvPr id="8" name="TextBox 7">
+            <a:extLst>
+              <a:ext uri="{FF2B5EF4-FFF2-40B4-BE49-F238E27FC236}">
+                <a16:creationId xmlns:a16="http://schemas.microsoft.com/office/drawing/2014/main" id="{9E9F0945-538E-4792-9889-85D246C2F651}"/>
+              </a:ext>
+            </a:extLst>
+          </p:cNvPr>
+          <p:cNvSpPr txBox="1"/>
+          <p:nvPr/>
         </p:nvSpPr>
-        <p:spPr/>
-        <p:txBody>
-          <a:bodyPr/>
-          <a:lstStyle/>
-          <a:p>
-            <a:r>
-              <a:rPr lang="en-US" altLang="ko-KR" dirty="0"/>
-              <a:t>4. </a:t>
-            </a:r>
-            <a:r>
-              <a:rPr lang="ko-KR" altLang="en-US" dirty="0"/>
-              <a:t>체류기간</a:t>
-            </a:r>
-            <a:r>
-              <a:rPr lang="en-US" altLang="ko-KR" dirty="0"/>
-              <a:t>[2018</a:t>
-            </a:r>
-            <a:r>
-              <a:rPr lang="ko-KR" altLang="en-US" dirty="0" err="1"/>
-              <a:t>년기준</a:t>
-            </a:r>
-            <a:r>
-              <a:rPr lang="en-US" altLang="ko-KR" dirty="0"/>
-              <a:t> </a:t>
-            </a:r>
-            <a:r>
-              <a:rPr lang="ko-KR" altLang="en-US" dirty="0"/>
-              <a:t>제주도 체류기간</a:t>
-            </a:r>
-            <a:r>
-              <a:rPr lang="en-US" altLang="ko-KR" dirty="0"/>
-              <a:t>]</a:t>
-            </a:r>
-            <a:br>
-              <a:rPr lang="en-US" altLang="ko-KR" dirty="0"/>
-            </a:br>
-            <a:r>
-              <a:rPr lang="en-US" altLang="ko-KR" dirty="0"/>
-              <a:t>	</a:t>
-            </a:r>
-            <a:r>
-              <a:rPr lang="ko-KR" altLang="en-US" dirty="0"/>
-              <a:t>숙박시설만족도</a:t>
-            </a:r>
-            <a:r>
-              <a:rPr lang="en-US" altLang="ko-KR" dirty="0"/>
-              <a:t>[2018]</a:t>
-            </a:r>
-            <a:endParaRPr lang="ko-KR" altLang="en-US" dirty="0"/>
-          </a:p>
-        </p:txBody>
-      </p:sp>
-      <p:sp>
-        <p:nvSpPr>
-          <p:cNvPr id="4" name="TextBox 3">
-            <a:extLst>
-              <a:ext uri="{FF2B5EF4-FFF2-40B4-BE49-F238E27FC236}">
-                <a16:creationId xmlns:a16="http://schemas.microsoft.com/office/drawing/2014/main" id="{3C4098F4-68FB-42FE-8618-30A48DCC64B5}"/>
-              </a:ext>
-            </a:extLst>
-          </p:cNvPr>
-          <p:cNvSpPr txBox="1"/>
-          <p:nvPr/>
-        </p:nvSpPr>
-        <p:spPr>
-          <a:xfrm>
-            <a:off x="281608" y="1690688"/>
-            <a:ext cx="5166799" cy="3416320"/>
+        <p:spPr>
+          <a:xfrm>
+            <a:off x="1535289" y="5792008"/>
+            <a:ext cx="542136" cy="369332"/>
           </a:xfrm>
           <a:prstGeom prst="rect">
             <a:avLst/>
@@ -4845,202 +5456,21 @@
           <a:p>
             <a:r>
               <a:rPr lang="en-US" altLang="ko-KR" dirty="0"/>
-              <a:t>*</a:t>
+              <a:t>7</a:t>
             </a:r>
             <a:r>
               <a:rPr lang="ko-KR" altLang="en-US" dirty="0"/>
-              <a:t>체류기간</a:t>
-            </a:r>
-            <a:endParaRPr lang="en-US" altLang="ko-KR" dirty="0"/>
-          </a:p>
-          <a:p>
-            <a:pPr marL="285750" indent="-285750">
-              <a:buFontTx/>
-              <a:buChar char="-"/>
-            </a:pPr>
-            <a:r>
-              <a:rPr lang="ko-KR" altLang="en-US" dirty="0"/>
-              <a:t>국적별</a:t>
-            </a:r>
-            <a:endParaRPr lang="en-US" altLang="ko-KR" dirty="0"/>
-          </a:p>
-          <a:p>
-            <a:pPr marL="742950" lvl="1" indent="-285750">
-              <a:buFontTx/>
-              <a:buChar char="-"/>
-            </a:pPr>
-            <a:r>
-              <a:rPr lang="ko-KR" altLang="en-US" dirty="0"/>
-              <a:t>한국</a:t>
-            </a:r>
-            <a:r>
-              <a:rPr lang="en-US" altLang="ko-KR" dirty="0"/>
-              <a:t>,</a:t>
-            </a:r>
-            <a:r>
-              <a:rPr lang="ko-KR" altLang="en-US" dirty="0"/>
-              <a:t>일본</a:t>
-            </a:r>
-            <a:r>
-              <a:rPr lang="en-US" altLang="ko-KR" dirty="0"/>
-              <a:t>,</a:t>
-            </a:r>
-            <a:r>
-              <a:rPr lang="ko-KR" altLang="en-US" dirty="0"/>
-              <a:t>중국</a:t>
-            </a:r>
-            <a:r>
-              <a:rPr lang="en-US" altLang="ko-KR" dirty="0"/>
-              <a:t>,</a:t>
-            </a:r>
-            <a:r>
-              <a:rPr lang="ko-KR" altLang="en-US" dirty="0" err="1"/>
-              <a:t>중화권</a:t>
-            </a:r>
-            <a:r>
-              <a:rPr lang="en-US" altLang="ko-KR" dirty="0"/>
-              <a:t>,</a:t>
-            </a:r>
-            <a:r>
-              <a:rPr lang="ko-KR" altLang="en-US" dirty="0"/>
-              <a:t>동남아</a:t>
-            </a:r>
-            <a:r>
-              <a:rPr lang="en-US" altLang="ko-KR" dirty="0"/>
-              <a:t>,</a:t>
-            </a:r>
-            <a:r>
-              <a:rPr lang="ko-KR" altLang="en-US" dirty="0" err="1"/>
-              <a:t>북미권</a:t>
-            </a:r>
-            <a:r>
-              <a:rPr lang="en-US" altLang="ko-KR" dirty="0"/>
-              <a:t>,</a:t>
-            </a:r>
-            <a:r>
-              <a:rPr lang="ko-KR" altLang="en-US" dirty="0"/>
-              <a:t>기타</a:t>
-            </a:r>
-            <a:endParaRPr lang="en-US" altLang="ko-KR" dirty="0"/>
-          </a:p>
-          <a:p>
-            <a:pPr marL="742950" lvl="1" indent="-285750">
-              <a:buFontTx/>
-              <a:buChar char="-"/>
-            </a:pPr>
-            <a:endParaRPr lang="en-US" altLang="ko-KR" dirty="0"/>
-          </a:p>
-          <a:p>
-            <a:pPr marL="285750" indent="-285750">
-              <a:buFontTx/>
-              <a:buChar char="-"/>
-            </a:pPr>
-            <a:r>
-              <a:rPr lang="ko-KR" altLang="en-US" dirty="0"/>
-              <a:t>성별</a:t>
-            </a:r>
-            <a:endParaRPr lang="en-US" altLang="ko-KR" dirty="0"/>
-          </a:p>
-          <a:p>
-            <a:pPr marL="742950" lvl="1" indent="-285750">
-              <a:buFontTx/>
-              <a:buChar char="-"/>
-            </a:pPr>
-            <a:r>
-              <a:rPr lang="ko-KR" altLang="en-US" dirty="0"/>
-              <a:t>내국인</a:t>
-            </a:r>
-            <a:r>
-              <a:rPr lang="en-US" altLang="ko-KR" dirty="0"/>
-              <a:t>,</a:t>
-            </a:r>
-            <a:r>
-              <a:rPr lang="ko-KR" altLang="en-US" dirty="0"/>
-              <a:t>외국인</a:t>
-            </a:r>
-            <a:endParaRPr lang="en-US" altLang="ko-KR" dirty="0"/>
-          </a:p>
-          <a:p>
-            <a:pPr marL="742950" lvl="1" indent="-285750">
-              <a:buFontTx/>
-              <a:buChar char="-"/>
-            </a:pPr>
-            <a:endParaRPr lang="en-US" altLang="ko-KR" dirty="0"/>
-          </a:p>
-          <a:p>
-            <a:pPr marL="285750" indent="-285750">
-              <a:buFontTx/>
-              <a:buChar char="-"/>
-            </a:pPr>
-            <a:r>
-              <a:rPr lang="ko-KR" altLang="en-US" dirty="0"/>
-              <a:t>연령별</a:t>
-            </a:r>
-            <a:endParaRPr lang="en-US" altLang="ko-KR" dirty="0"/>
-          </a:p>
-          <a:p>
-            <a:pPr marL="742950" lvl="1" indent="-285750">
-              <a:buFontTx/>
-              <a:buChar char="-"/>
-            </a:pPr>
-            <a:r>
-              <a:rPr lang="ko-KR" altLang="en-US" dirty="0"/>
-              <a:t>내국인</a:t>
-            </a:r>
-            <a:r>
-              <a:rPr lang="en-US" altLang="ko-KR" dirty="0"/>
-              <a:t>,</a:t>
-            </a:r>
-            <a:r>
-              <a:rPr lang="ko-KR" altLang="en-US" dirty="0"/>
-              <a:t>외국인</a:t>
-            </a:r>
-            <a:endParaRPr lang="en-US" altLang="ko-KR" dirty="0"/>
-          </a:p>
-          <a:p>
-            <a:pPr marL="742950" lvl="1" indent="-285750">
-              <a:buFontTx/>
-              <a:buChar char="-"/>
-            </a:pPr>
-            <a:endParaRPr lang="en-US" altLang="ko-KR" dirty="0"/>
-          </a:p>
-          <a:p>
-            <a:pPr marL="285750" indent="-285750">
-              <a:buFontTx/>
-              <a:buChar char="-"/>
-            </a:pPr>
-            <a:r>
-              <a:rPr lang="ko-KR" altLang="en-US" dirty="0"/>
-              <a:t>여행형태별</a:t>
-            </a:r>
-            <a:endParaRPr lang="en-US" altLang="ko-KR" dirty="0"/>
-          </a:p>
-          <a:p>
-            <a:pPr marL="742950" lvl="1" indent="-285750">
-              <a:buFontTx/>
-              <a:buChar char="-"/>
-            </a:pPr>
-            <a:r>
-              <a:rPr lang="ko-KR" altLang="en-US" dirty="0"/>
-              <a:t>내국인</a:t>
-            </a:r>
-            <a:r>
-              <a:rPr lang="en-US" altLang="ko-KR" dirty="0"/>
-              <a:t>,</a:t>
-            </a:r>
-            <a:r>
-              <a:rPr lang="ko-KR" altLang="en-US" dirty="0"/>
-              <a:t>외국인</a:t>
+              <a:t>월</a:t>
             </a:r>
           </a:p>
         </p:txBody>
       </p:sp>
       <p:sp>
         <p:nvSpPr>
-          <p:cNvPr id="5" name="TextBox 4">
-            <a:extLst>
-              <a:ext uri="{FF2B5EF4-FFF2-40B4-BE49-F238E27FC236}">
-                <a16:creationId xmlns:a16="http://schemas.microsoft.com/office/drawing/2014/main" id="{805B53F9-B7B7-45C5-B39E-F0B6555257BA}"/>
+          <p:cNvPr id="9" name="TextBox 8">
+            <a:extLst>
+              <a:ext uri="{FF2B5EF4-FFF2-40B4-BE49-F238E27FC236}">
+                <a16:creationId xmlns:a16="http://schemas.microsoft.com/office/drawing/2014/main" id="{25EFABBB-65B7-4216-955C-019F16689A20}"/>
               </a:ext>
             </a:extLst>
           </p:cNvPr>
@@ -5049,8 +5479,8 @@
         </p:nvSpPr>
         <p:spPr>
           <a:xfrm>
-            <a:off x="6377608" y="1690688"/>
-            <a:ext cx="5368777" cy="3416320"/>
+            <a:off x="8805333" y="756356"/>
+            <a:ext cx="542136" cy="369332"/>
           </a:xfrm>
           <a:prstGeom prst="rect">
             <a:avLst/>
@@ -5065,193 +5495,19 @@
           <a:p>
             <a:r>
               <a:rPr lang="en-US" altLang="ko-KR" dirty="0"/>
-              <a:t>*</a:t>
+              <a:t>8</a:t>
             </a:r>
             <a:r>
               <a:rPr lang="ko-KR" altLang="en-US" dirty="0"/>
-              <a:t>숙박시설만족도</a:t>
-            </a:r>
-            <a:endParaRPr lang="en-US" altLang="ko-KR" dirty="0"/>
-          </a:p>
-          <a:p>
-            <a:pPr marL="285750" indent="-285750">
-              <a:buFontTx/>
-              <a:buChar char="-"/>
-            </a:pPr>
-            <a:r>
-              <a:rPr lang="ko-KR" altLang="en-US" dirty="0"/>
-              <a:t>국적별</a:t>
-            </a:r>
-            <a:endParaRPr lang="en-US" altLang="ko-KR" dirty="0"/>
-          </a:p>
-          <a:p>
-            <a:pPr marL="742950" lvl="1" indent="-285750">
-              <a:buFontTx/>
-              <a:buChar char="-"/>
-            </a:pPr>
-            <a:r>
-              <a:rPr lang="ko-KR" altLang="en-US" dirty="0"/>
-              <a:t>시설상태 </a:t>
-            </a:r>
-            <a:r>
-              <a:rPr lang="en-US" altLang="ko-KR" dirty="0"/>
-              <a:t>/ </a:t>
-            </a:r>
-            <a:r>
-              <a:rPr lang="ko-KR" altLang="en-US" dirty="0"/>
-              <a:t>시설이용편의성 </a:t>
-            </a:r>
-            <a:r>
-              <a:rPr lang="en-US" altLang="ko-KR" dirty="0"/>
-              <a:t>/ </a:t>
-            </a:r>
-            <a:r>
-              <a:rPr lang="ko-KR" altLang="en-US" dirty="0"/>
-              <a:t>종사원친절도</a:t>
-            </a:r>
-            <a:endParaRPr lang="en-US" altLang="ko-KR" dirty="0"/>
-          </a:p>
-          <a:p>
-            <a:pPr marL="742950" lvl="1" indent="-285750">
-              <a:buFontTx/>
-              <a:buChar char="-"/>
-            </a:pPr>
-            <a:endParaRPr lang="en-US" altLang="ko-KR" dirty="0"/>
-          </a:p>
-          <a:p>
-            <a:pPr marL="285750" indent="-285750">
-              <a:buFontTx/>
-              <a:buChar char="-"/>
-            </a:pPr>
-            <a:r>
-              <a:rPr lang="ko-KR" altLang="en-US" dirty="0"/>
-              <a:t>성별</a:t>
-            </a:r>
-            <a:endParaRPr lang="en-US" altLang="ko-KR" dirty="0"/>
-          </a:p>
-          <a:p>
-            <a:pPr marL="742950" lvl="1" indent="-285750">
-              <a:buFontTx/>
-              <a:buChar char="-"/>
-            </a:pPr>
-            <a:r>
-              <a:rPr lang="ko-KR" altLang="en-US" dirty="0"/>
-              <a:t>시설상태 </a:t>
-            </a:r>
-            <a:r>
-              <a:rPr lang="en-US" altLang="ko-KR" dirty="0"/>
-              <a:t>/ </a:t>
-            </a:r>
-            <a:r>
-              <a:rPr lang="ko-KR" altLang="en-US" dirty="0"/>
-              <a:t>시설이용편의성 </a:t>
-            </a:r>
-            <a:r>
-              <a:rPr lang="en-US" altLang="ko-KR" dirty="0"/>
-              <a:t>/ </a:t>
-            </a:r>
-            <a:r>
-              <a:rPr lang="ko-KR" altLang="en-US" dirty="0"/>
-              <a:t>종사원친절도</a:t>
-            </a:r>
-            <a:endParaRPr lang="en-US" altLang="ko-KR" dirty="0"/>
-          </a:p>
-          <a:p>
-            <a:pPr marL="742950" lvl="1" indent="-285750">
-              <a:buFontTx/>
-              <a:buChar char="-"/>
-            </a:pPr>
-            <a:endParaRPr lang="en-US" altLang="ko-KR" dirty="0"/>
-          </a:p>
-          <a:p>
-            <a:pPr marL="285750" indent="-285750">
-              <a:buFontTx/>
-              <a:buChar char="-"/>
-            </a:pPr>
-            <a:r>
-              <a:rPr lang="ko-KR" altLang="en-US" dirty="0"/>
-              <a:t>연령별</a:t>
-            </a:r>
-            <a:endParaRPr lang="en-US" altLang="ko-KR" dirty="0"/>
-          </a:p>
-          <a:p>
-            <a:pPr marL="742950" lvl="1" indent="-285750">
-              <a:buFontTx/>
-              <a:buChar char="-"/>
-            </a:pPr>
-            <a:r>
-              <a:rPr lang="ko-KR" altLang="en-US" dirty="0"/>
-              <a:t>시설상태 </a:t>
-            </a:r>
-            <a:r>
-              <a:rPr lang="en-US" altLang="ko-KR" dirty="0"/>
-              <a:t>/ </a:t>
-            </a:r>
-            <a:r>
-              <a:rPr lang="ko-KR" altLang="en-US" dirty="0"/>
-              <a:t>시설이용편의성 </a:t>
-            </a:r>
-            <a:r>
-              <a:rPr lang="en-US" altLang="ko-KR" dirty="0"/>
-              <a:t>/ </a:t>
-            </a:r>
-            <a:r>
-              <a:rPr lang="ko-KR" altLang="en-US" dirty="0"/>
-              <a:t>종사원친절도</a:t>
-            </a:r>
-            <a:endParaRPr lang="en-US" altLang="ko-KR" dirty="0"/>
-          </a:p>
-          <a:p>
-            <a:pPr marL="742950" lvl="1" indent="-285750">
-              <a:buFontTx/>
-              <a:buChar char="-"/>
-            </a:pPr>
-            <a:endParaRPr lang="en-US" altLang="ko-KR" dirty="0"/>
-          </a:p>
-          <a:p>
-            <a:pPr marL="285750" indent="-285750">
-              <a:buFontTx/>
-              <a:buChar char="-"/>
-            </a:pPr>
-            <a:r>
-              <a:rPr lang="ko-KR" altLang="en-US" dirty="0"/>
-              <a:t>여행형태별</a:t>
-            </a:r>
-            <a:endParaRPr lang="en-US" altLang="ko-KR" dirty="0"/>
-          </a:p>
-          <a:p>
-            <a:pPr marL="742950" lvl="1" indent="-285750">
-              <a:buFontTx/>
-              <a:buChar char="-"/>
-            </a:pPr>
-            <a:r>
-              <a:rPr lang="ko-KR" altLang="en-US" dirty="0"/>
-              <a:t>시설상태 </a:t>
-            </a:r>
-            <a:r>
-              <a:rPr lang="en-US" altLang="ko-KR" dirty="0"/>
-              <a:t>/ </a:t>
-            </a:r>
-            <a:r>
-              <a:rPr lang="ko-KR" altLang="en-US" dirty="0"/>
-              <a:t>시설이용편의성 </a:t>
-            </a:r>
-            <a:r>
-              <a:rPr lang="en-US" altLang="ko-KR" dirty="0"/>
-              <a:t>/ </a:t>
-            </a:r>
-            <a:r>
-              <a:rPr lang="ko-KR" altLang="en-US" dirty="0"/>
-              <a:t>종사원친절도</a:t>
-            </a:r>
-            <a:endParaRPr lang="en-US" altLang="ko-KR" dirty="0"/>
+              <a:t>월</a:t>
+            </a:r>
           </a:p>
         </p:txBody>
       </p:sp>
     </p:spTree>
     <p:extLst>
       <p:ext uri="{BB962C8B-B14F-4D97-AF65-F5344CB8AC3E}">
-        <p14:creationId xmlns:p14="http://schemas.microsoft.com/office/powerpoint/2010/main" val="1524897323"/>
+        <p14:creationId xmlns:p14="http://schemas.microsoft.com/office/powerpoint/2010/main" val="3283254328"/>
       </p:ext>
     </p:extLst>
   </p:cSld>
@@ -5280,10 +5536,10 @@
       </p:grpSpPr>
       <p:pic>
         <p:nvPicPr>
-          <p:cNvPr id="9" name="그림 8">
-            <a:extLst>
-              <a:ext uri="{FF2B5EF4-FFF2-40B4-BE49-F238E27FC236}">
-                <a16:creationId xmlns:a16="http://schemas.microsoft.com/office/drawing/2014/main" id="{1D6B74CB-98F3-4C90-8F6F-DE2BFBF4E6B4}"/>
+          <p:cNvPr id="5" name="그림 4">
+            <a:extLst>
+              <a:ext uri="{FF2B5EF4-FFF2-40B4-BE49-F238E27FC236}">
+                <a16:creationId xmlns:a16="http://schemas.microsoft.com/office/drawing/2014/main" id="{2EE8779A-4400-40E1-AF09-98D5F99878A3}"/>
               </a:ext>
             </a:extLst>
           </p:cNvPr>
@@ -5306,8 +5562,8 @@
         </p:blipFill>
         <p:spPr>
           <a:xfrm>
-            <a:off x="264213" y="32096"/>
-            <a:ext cx="4530415" cy="5792008"/>
+            <a:off x="0" y="0"/>
+            <a:ext cx="7344800" cy="5792008"/>
           </a:xfrm>
           <a:prstGeom prst="rect">
             <a:avLst/>
@@ -5316,10 +5572,10 @@
       </p:pic>
       <p:pic>
         <p:nvPicPr>
-          <p:cNvPr id="5" name="그림 4">
-            <a:extLst>
-              <a:ext uri="{FF2B5EF4-FFF2-40B4-BE49-F238E27FC236}">
-                <a16:creationId xmlns:a16="http://schemas.microsoft.com/office/drawing/2014/main" id="{9BF2F41C-DB62-450C-9268-E72816A990C0}"/>
+          <p:cNvPr id="7" name="그림 6">
+            <a:extLst>
+              <a:ext uri="{FF2B5EF4-FFF2-40B4-BE49-F238E27FC236}">
+                <a16:creationId xmlns:a16="http://schemas.microsoft.com/office/drawing/2014/main" id="{CA489F17-00CF-4023-ADAB-0AD98ED66524}"/>
               </a:ext>
             </a:extLst>
           </p:cNvPr>
@@ -5342,8 +5598,8 @@
         </p:blipFill>
         <p:spPr>
           <a:xfrm>
-            <a:off x="3880049" y="16048"/>
-            <a:ext cx="4073893" cy="5792008"/>
+            <a:off x="6182800" y="1065992"/>
+            <a:ext cx="7344800" cy="5792008"/>
           </a:xfrm>
           <a:prstGeom prst="rect">
             <a:avLst/>
@@ -5352,10 +5608,10 @@
       </p:pic>
       <p:sp>
         <p:nvSpPr>
-          <p:cNvPr id="6" name="TextBox 5">
-            <a:extLst>
-              <a:ext uri="{FF2B5EF4-FFF2-40B4-BE49-F238E27FC236}">
-                <a16:creationId xmlns:a16="http://schemas.microsoft.com/office/drawing/2014/main" id="{4DD8BF08-50D0-4844-831D-4B4B7C17A44F}"/>
+          <p:cNvPr id="8" name="TextBox 7">
+            <a:extLst>
+              <a:ext uri="{FF2B5EF4-FFF2-40B4-BE49-F238E27FC236}">
+                <a16:creationId xmlns:a16="http://schemas.microsoft.com/office/drawing/2014/main" id="{07939B80-6757-447E-9108-E24B525B17AF}"/>
               </a:ext>
             </a:extLst>
           </p:cNvPr>
@@ -5364,8 +5620,8 @@
         </p:nvSpPr>
         <p:spPr>
           <a:xfrm>
-            <a:off x="4325064" y="5792008"/>
-            <a:ext cx="3482043" cy="738664"/>
+            <a:off x="1535289" y="5792008"/>
+            <a:ext cx="542136" cy="369332"/>
           </a:xfrm>
           <a:prstGeom prst="rect">
             <a:avLst/>
@@ -5379,124 +5635,22 @@
           <a:lstStyle/>
           <a:p>
             <a:r>
-              <a:rPr lang="en-US" altLang="ko-KR" sz="1400" dirty="0"/>
-              <a:t>*</a:t>
-            </a:r>
-            <a:r>
-              <a:rPr lang="ko-KR" altLang="en-US" sz="1400" dirty="0"/>
-              <a:t>성별 체류기간</a:t>
-            </a:r>
-            <a:endParaRPr lang="en-US" altLang="ko-KR" sz="1400" dirty="0"/>
-          </a:p>
-          <a:p>
-            <a:r>
-              <a:rPr lang="en-US" altLang="ko-KR" sz="1400" dirty="0"/>
-              <a:t>- </a:t>
-            </a:r>
-            <a:r>
-              <a:rPr lang="ko-KR" altLang="en-US" sz="1400" dirty="0"/>
-              <a:t>체류기간이 긴 </a:t>
-            </a:r>
-            <a:r>
-              <a:rPr lang="en-US" altLang="ko-KR" sz="1400" dirty="0"/>
-              <a:t>‘</a:t>
-            </a:r>
-            <a:r>
-              <a:rPr lang="ko-KR" altLang="en-US" sz="1400" dirty="0"/>
-              <a:t>외국</a:t>
-            </a:r>
-            <a:r>
-              <a:rPr lang="en-US" altLang="ko-KR" sz="1400" dirty="0"/>
-              <a:t>-</a:t>
-            </a:r>
-            <a:r>
-              <a:rPr lang="ko-KR" altLang="en-US" sz="1400" dirty="0"/>
-              <a:t>남</a:t>
-            </a:r>
-            <a:r>
-              <a:rPr lang="en-US" altLang="ko-KR" sz="1400" dirty="0"/>
-              <a:t>’</a:t>
-            </a:r>
-          </a:p>
-          <a:p>
-            <a:r>
-              <a:rPr lang="en-US" altLang="ko-KR" sz="1400" dirty="0"/>
-              <a:t>- </a:t>
-            </a:r>
-            <a:r>
-              <a:rPr lang="ko-KR" altLang="en-US" sz="1400" dirty="0"/>
-              <a:t>체류기간 </a:t>
-            </a:r>
-            <a:r>
-              <a:rPr lang="en-US" altLang="ko-KR" sz="1400" dirty="0"/>
-              <a:t>3</a:t>
-            </a:r>
-            <a:r>
-              <a:rPr lang="ko-KR" altLang="en-US" sz="1400" dirty="0"/>
-              <a:t>일</a:t>
-            </a:r>
-            <a:r>
-              <a:rPr lang="en-US" altLang="ko-KR" sz="1400" dirty="0"/>
-              <a:t>,4</a:t>
-            </a:r>
-            <a:r>
-              <a:rPr lang="ko-KR" altLang="en-US" sz="1400" dirty="0"/>
-              <a:t>일이 대부분인 </a:t>
-            </a:r>
-            <a:r>
-              <a:rPr lang="en-US" altLang="ko-KR" sz="1400" dirty="0"/>
-              <a:t>‘</a:t>
-            </a:r>
-            <a:r>
-              <a:rPr lang="ko-KR" altLang="en-US" sz="1400" dirty="0"/>
-              <a:t>내국인＇</a:t>
-            </a:r>
-            <a:endParaRPr lang="en-US" altLang="ko-KR" sz="1400" dirty="0"/>
+              <a:rPr lang="en-US" altLang="ko-KR" dirty="0"/>
+              <a:t>9</a:t>
+            </a:r>
+            <a:r>
+              <a:rPr lang="ko-KR" altLang="en-US" dirty="0"/>
+              <a:t>월</a:t>
+            </a:r>
           </a:p>
         </p:txBody>
       </p:sp>
-      <p:pic>
-        <p:nvPicPr>
-          <p:cNvPr id="7" name="그림 6">
-            <a:extLst>
-              <a:ext uri="{FF2B5EF4-FFF2-40B4-BE49-F238E27FC236}">
-                <a16:creationId xmlns:a16="http://schemas.microsoft.com/office/drawing/2014/main" id="{D7ACFE89-D567-4C14-979A-73714C16A7A6}"/>
-              </a:ext>
-            </a:extLst>
-          </p:cNvPr>
-          <p:cNvPicPr>
-            <a:picLocks noChangeAspect="1"/>
-          </p:cNvPicPr>
-          <p:nvPr/>
-        </p:nvPicPr>
-        <p:blipFill>
-          <a:blip r:embed="rId4">
-            <a:extLst>
-              <a:ext uri="{28A0092B-C50C-407E-A947-70E740481C1C}">
-                <a14:useLocalDpi xmlns:a14="http://schemas.microsoft.com/office/drawing/2010/main" val="0"/>
-              </a:ext>
-            </a:extLst>
-          </a:blip>
-          <a:stretch>
-            <a:fillRect/>
-          </a:stretch>
-        </p:blipFill>
-        <p:spPr>
-          <a:xfrm>
-            <a:off x="7058738" y="0"/>
-            <a:ext cx="4511040" cy="5792008"/>
-          </a:xfrm>
-          <a:prstGeom prst="rect">
-            <a:avLst/>
-          </a:prstGeom>
-        </p:spPr>
-      </p:pic>
       <p:sp>
         <p:nvSpPr>
-          <p:cNvPr id="8" name="TextBox 7">
-            <a:extLst>
-              <a:ext uri="{FF2B5EF4-FFF2-40B4-BE49-F238E27FC236}">
-                <a16:creationId xmlns:a16="http://schemas.microsoft.com/office/drawing/2014/main" id="{26B31CE3-672C-4446-B76C-207825062F26}"/>
+          <p:cNvPr id="9" name="TextBox 8">
+            <a:extLst>
+              <a:ext uri="{FF2B5EF4-FFF2-40B4-BE49-F238E27FC236}">
+                <a16:creationId xmlns:a16="http://schemas.microsoft.com/office/drawing/2014/main" id="{DE224F7E-EBBE-43DC-8981-334EBDD771A1}"/>
               </a:ext>
             </a:extLst>
           </p:cNvPr>
@@ -5505,8 +5659,8 @@
         </p:nvSpPr>
         <p:spPr>
           <a:xfrm>
-            <a:off x="8100777" y="5792816"/>
-            <a:ext cx="5072222" cy="738664"/>
+            <a:off x="8805333" y="756356"/>
+            <a:ext cx="668773" cy="369332"/>
           </a:xfrm>
           <a:prstGeom prst="rect">
             <a:avLst/>
@@ -5520,170 +5674,12 @@
           <a:lstStyle/>
           <a:p>
             <a:r>
-              <a:rPr lang="en-US" altLang="ko-KR" sz="1400" dirty="0"/>
-              <a:t>*</a:t>
-            </a:r>
-            <a:r>
-              <a:rPr lang="ko-KR" altLang="en-US" sz="1400" dirty="0"/>
-              <a:t>여행형태별 체류기간</a:t>
-            </a:r>
-            <a:endParaRPr lang="en-US" altLang="ko-KR" sz="1400" dirty="0"/>
-          </a:p>
-          <a:p>
-            <a:r>
-              <a:rPr lang="en-US" altLang="ko-KR" sz="1400" dirty="0"/>
-              <a:t>- </a:t>
-            </a:r>
-            <a:r>
-              <a:rPr lang="ko-KR" altLang="en-US" sz="1400" dirty="0"/>
-              <a:t>대체적으로 여행기간이 </a:t>
-            </a:r>
-            <a:r>
-              <a:rPr lang="en-US" altLang="ko-KR" sz="1400" dirty="0"/>
-              <a:t>‘</a:t>
-            </a:r>
-            <a:r>
-              <a:rPr lang="ko-KR" altLang="en-US" sz="1400" dirty="0" err="1"/>
-              <a:t>내국인＇보다</a:t>
-            </a:r>
-            <a:r>
-              <a:rPr lang="ko-KR" altLang="en-US" sz="1400" dirty="0"/>
-              <a:t> </a:t>
-            </a:r>
-            <a:r>
-              <a:rPr lang="en-US" altLang="ko-KR" sz="1400" dirty="0"/>
-              <a:t>+1,2</a:t>
-            </a:r>
-            <a:r>
-              <a:rPr lang="ko-KR" altLang="en-US" sz="1400" dirty="0"/>
-              <a:t>일 많은 </a:t>
-            </a:r>
-            <a:r>
-              <a:rPr lang="en-US" altLang="ko-KR" sz="1400" dirty="0"/>
-              <a:t>‘</a:t>
-            </a:r>
-            <a:r>
-              <a:rPr lang="ko-KR" altLang="en-US" sz="1400" dirty="0"/>
-              <a:t>외국인</a:t>
-            </a:r>
-            <a:r>
-              <a:rPr lang="en-US" altLang="ko-KR" sz="1400" dirty="0"/>
-              <a:t>’</a:t>
-            </a:r>
-          </a:p>
-          <a:p>
-            <a:r>
-              <a:rPr lang="en-US" altLang="ko-KR" sz="1400" dirty="0"/>
-              <a:t>- 3</a:t>
-            </a:r>
-            <a:r>
-              <a:rPr lang="ko-KR" altLang="en-US" sz="1400" dirty="0"/>
-              <a:t>일 완전 패키지 여행을 즐기는 </a:t>
-            </a:r>
-            <a:r>
-              <a:rPr lang="en-US" altLang="ko-KR" sz="1400" dirty="0"/>
-              <a:t>‘</a:t>
-            </a:r>
-            <a:r>
-              <a:rPr lang="ko-KR" altLang="en-US" sz="1400" dirty="0"/>
-              <a:t>내국인＇</a:t>
-            </a:r>
-            <a:endParaRPr lang="en-US" altLang="ko-KR" sz="1400" dirty="0"/>
-          </a:p>
-        </p:txBody>
-      </p:sp>
-      <p:sp>
-        <p:nvSpPr>
-          <p:cNvPr id="10" name="TextBox 9">
-            <a:extLst>
-              <a:ext uri="{FF2B5EF4-FFF2-40B4-BE49-F238E27FC236}">
-                <a16:creationId xmlns:a16="http://schemas.microsoft.com/office/drawing/2014/main" id="{6B0ABC83-CA1F-44E9-83F3-7F926F3C27BF}"/>
-              </a:ext>
-            </a:extLst>
-          </p:cNvPr>
-          <p:cNvSpPr txBox="1"/>
-          <p:nvPr/>
-        </p:nvSpPr>
-        <p:spPr>
-          <a:xfrm>
-            <a:off x="183866" y="5808056"/>
-            <a:ext cx="3847528" cy="738664"/>
-          </a:xfrm>
-          <a:prstGeom prst="rect">
-            <a:avLst/>
-          </a:prstGeom>
-          <a:noFill/>
-        </p:spPr>
-        <p:txBody>
-          <a:bodyPr wrap="none" rtlCol="0">
-            <a:spAutoFit/>
-          </a:bodyPr>
-          <a:lstStyle/>
-          <a:p>
-            <a:r>
-              <a:rPr lang="en-US" altLang="ko-KR" sz="1400" dirty="0"/>
-              <a:t>*</a:t>
-            </a:r>
-            <a:r>
-              <a:rPr lang="ko-KR" altLang="en-US" sz="1400" dirty="0"/>
-              <a:t>국적별 체류기간</a:t>
-            </a:r>
-            <a:endParaRPr lang="en-US" altLang="ko-KR" sz="1400" dirty="0"/>
-          </a:p>
-          <a:p>
-            <a:r>
-              <a:rPr lang="en-US" altLang="ko-KR" sz="1400" dirty="0"/>
-              <a:t>- </a:t>
-            </a:r>
-            <a:r>
-              <a:rPr lang="ko-KR" altLang="en-US" sz="1400" dirty="0"/>
-              <a:t>체류기간이 상대적으로 긴 </a:t>
-            </a:r>
-            <a:r>
-              <a:rPr lang="en-US" altLang="ko-KR" sz="1400" dirty="0"/>
-              <a:t>‘</a:t>
-            </a:r>
-            <a:r>
-              <a:rPr lang="ko-KR" altLang="en-US" sz="1400" dirty="0" err="1"/>
-              <a:t>북미권</a:t>
-            </a:r>
-            <a:r>
-              <a:rPr lang="en-US" altLang="ko-KR" sz="1400" dirty="0"/>
-              <a:t>’</a:t>
-            </a:r>
-          </a:p>
-          <a:p>
-            <a:r>
-              <a:rPr lang="en-US" altLang="ko-KR" sz="1400" dirty="0"/>
-              <a:t>- 3</a:t>
-            </a:r>
-            <a:r>
-              <a:rPr lang="ko-KR" altLang="en-US" sz="1400" dirty="0"/>
-              <a:t>일체류가 상대적으로 많은 </a:t>
-            </a:r>
-            <a:r>
-              <a:rPr lang="en-US" altLang="ko-KR" sz="1400" dirty="0"/>
-              <a:t>‘</a:t>
-            </a:r>
-            <a:r>
-              <a:rPr lang="ko-KR" altLang="en-US" sz="1400" dirty="0" err="1"/>
-              <a:t>한국＇과</a:t>
-            </a:r>
-            <a:r>
-              <a:rPr lang="ko-KR" altLang="en-US" sz="1400" dirty="0"/>
-              <a:t> </a:t>
-            </a:r>
-            <a:r>
-              <a:rPr lang="en-US" altLang="ko-KR" sz="1400" dirty="0"/>
-              <a:t>‘</a:t>
-            </a:r>
-            <a:r>
-              <a:rPr lang="ko-KR" altLang="en-US" sz="1400" dirty="0"/>
-              <a:t>일본</a:t>
-            </a:r>
-            <a:r>
-              <a:rPr lang="en-US" altLang="ko-KR" sz="1400" dirty="0"/>
-              <a:t>’</a:t>
+              <a:rPr lang="en-US" altLang="ko-KR" dirty="0"/>
+              <a:t>10</a:t>
+            </a:r>
+            <a:r>
+              <a:rPr lang="ko-KR" altLang="en-US" dirty="0"/>
+              <a:t>월</a:t>
             </a:r>
           </a:p>
         </p:txBody>
@@ -5691,7 +5687,7 @@
     </p:spTree>
     <p:extLst>
       <p:ext uri="{BB962C8B-B14F-4D97-AF65-F5344CB8AC3E}">
-        <p14:creationId xmlns:p14="http://schemas.microsoft.com/office/powerpoint/2010/main" val="3593419233"/>
+        <p14:creationId xmlns:p14="http://schemas.microsoft.com/office/powerpoint/2010/main" val="3419702200"/>
       </p:ext>
     </p:extLst>
   </p:cSld>
@@ -5718,48 +5714,80 @@
           <a:chExt cx="0" cy="0"/>
         </a:xfrm>
       </p:grpSpPr>
-      <p:pic>
-        <p:nvPicPr>
-          <p:cNvPr id="5" name="그림 4">
-            <a:extLst>
-              <a:ext uri="{FF2B5EF4-FFF2-40B4-BE49-F238E27FC236}">
-                <a16:creationId xmlns:a16="http://schemas.microsoft.com/office/drawing/2014/main" id="{AFC15620-1EF8-475B-84D9-CD97F26195C9}"/>
-              </a:ext>
-            </a:extLst>
-          </p:cNvPr>
-          <p:cNvPicPr>
-            <a:picLocks noChangeAspect="1"/>
-          </p:cNvPicPr>
-          <p:nvPr/>
-        </p:nvPicPr>
-        <p:blipFill>
-          <a:blip r:embed="rId2">
-            <a:extLst>
-              <a:ext uri="{28A0092B-C50C-407E-A947-70E740481C1C}">
-                <a14:useLocalDpi xmlns:a14="http://schemas.microsoft.com/office/drawing/2010/main" val="0"/>
-              </a:ext>
-            </a:extLst>
-          </a:blip>
-          <a:stretch>
-            <a:fillRect/>
-          </a:stretch>
-        </p:blipFill>
-        <p:spPr>
-          <a:xfrm>
-            <a:off x="0" y="0"/>
-            <a:ext cx="9897856" cy="5792008"/>
-          </a:xfrm>
-          <a:prstGeom prst="rect">
-            <a:avLst/>
-          </a:prstGeom>
-        </p:spPr>
-      </p:pic>
       <p:sp>
         <p:nvSpPr>
-          <p:cNvPr id="6" name="TextBox 5">
-            <a:extLst>
-              <a:ext uri="{FF2B5EF4-FFF2-40B4-BE49-F238E27FC236}">
-                <a16:creationId xmlns:a16="http://schemas.microsoft.com/office/drawing/2014/main" id="{4CF7F927-1935-468E-8B39-33D68ABDF489}"/>
+          <p:cNvPr id="2" name="제목 1">
+            <a:extLst>
+              <a:ext uri="{FF2B5EF4-FFF2-40B4-BE49-F238E27FC236}">
+                <a16:creationId xmlns:a16="http://schemas.microsoft.com/office/drawing/2014/main" id="{314F67E7-9A25-42BE-946D-AB33397AE9D8}"/>
+              </a:ext>
+            </a:extLst>
+          </p:cNvPr>
+          <p:cNvSpPr>
+            <a:spLocks noGrp="1"/>
+          </p:cNvSpPr>
+          <p:nvPr>
+            <p:ph type="title"/>
+          </p:nvPr>
+        </p:nvSpPr>
+        <p:spPr/>
+        <p:txBody>
+          <a:bodyPr/>
+          <a:lstStyle/>
+          <a:p>
+            <a:r>
+              <a:rPr lang="en-US" altLang="ko-KR" dirty="0"/>
+              <a:t>4. </a:t>
+            </a:r>
+            <a:r>
+              <a:rPr lang="ko-KR" altLang="en-US" dirty="0"/>
+              <a:t>체류기간</a:t>
+            </a:r>
+            <a:r>
+              <a:rPr lang="en-US" altLang="ko-KR" dirty="0"/>
+              <a:t>[2018</a:t>
+            </a:r>
+            <a:r>
+              <a:rPr lang="ko-KR" altLang="en-US" dirty="0" err="1"/>
+              <a:t>년기준</a:t>
+            </a:r>
+            <a:r>
+              <a:rPr lang="en-US" altLang="ko-KR" dirty="0"/>
+              <a:t> </a:t>
+            </a:r>
+            <a:r>
+              <a:rPr lang="ko-KR" altLang="en-US" dirty="0"/>
+              <a:t>제주도 체류기간</a:t>
+            </a:r>
+            <a:r>
+              <a:rPr lang="en-US" altLang="ko-KR" dirty="0"/>
+              <a:t>]</a:t>
+            </a:r>
+            <a:br>
+              <a:rPr lang="en-US" altLang="ko-KR" dirty="0"/>
+            </a:br>
+            <a:r>
+              <a:rPr lang="en-US" altLang="ko-KR" dirty="0"/>
+              <a:t>	</a:t>
+            </a:r>
+            <a:r>
+              <a:rPr lang="ko-KR" altLang="en-US" dirty="0"/>
+              <a:t>숙박시설만족도</a:t>
+            </a:r>
+            <a:r>
+              <a:rPr lang="en-US" altLang="ko-KR" dirty="0"/>
+              <a:t>[2018]</a:t>
+            </a:r>
+            <a:endParaRPr lang="ko-KR" altLang="en-US" dirty="0"/>
+          </a:p>
+        </p:txBody>
+      </p:sp>
+      <p:sp>
+        <p:nvSpPr>
+          <p:cNvPr id="4" name="TextBox 3">
+            <a:extLst>
+              <a:ext uri="{FF2B5EF4-FFF2-40B4-BE49-F238E27FC236}">
+                <a16:creationId xmlns:a16="http://schemas.microsoft.com/office/drawing/2014/main" id="{3C4098F4-68FB-42FE-8618-30A48DCC64B5}"/>
               </a:ext>
             </a:extLst>
           </p:cNvPr>
@@ -5768,8 +5796,8 @@
         </p:nvSpPr>
         <p:spPr>
           <a:xfrm>
-            <a:off x="6920148" y="5695721"/>
-            <a:ext cx="4405373" cy="954107"/>
+            <a:off x="281608" y="1690688"/>
+            <a:ext cx="5166799" cy="3416320"/>
           </a:xfrm>
           <a:prstGeom prst="rect">
             <a:avLst/>
@@ -5783,121 +5811,414 @@
           <a:lstStyle/>
           <a:p>
             <a:r>
-              <a:rPr lang="en-US" altLang="ko-KR" sz="1400" dirty="0"/>
+              <a:rPr lang="en-US" altLang="ko-KR" dirty="0"/>
               <a:t>*</a:t>
             </a:r>
             <a:r>
-              <a:rPr lang="ko-KR" altLang="en-US" sz="1400" dirty="0"/>
-              <a:t>연령별 체류기간</a:t>
-            </a:r>
-            <a:endParaRPr lang="en-US" altLang="ko-KR" sz="1400" dirty="0"/>
-          </a:p>
-          <a:p>
-            <a:r>
-              <a:rPr lang="en-US" altLang="ko-KR" sz="1400" dirty="0"/>
-              <a:t>	- 4</a:t>
-            </a:r>
-            <a:r>
-              <a:rPr lang="ko-KR" altLang="en-US" sz="1400" dirty="0"/>
-              <a:t>일 체류 비중이 높은 </a:t>
-            </a:r>
-            <a:r>
-              <a:rPr lang="en-US" altLang="ko-KR" sz="1400" dirty="0"/>
-              <a:t>‘</a:t>
-            </a:r>
-            <a:r>
-              <a:rPr lang="ko-KR" altLang="en-US" sz="1400" dirty="0"/>
-              <a:t>내</a:t>
-            </a:r>
-            <a:r>
-              <a:rPr lang="en-US" altLang="ko-KR" sz="1400" dirty="0"/>
-              <a:t>-15-20</a:t>
-            </a:r>
-            <a:r>
-              <a:rPr lang="ko-KR" altLang="en-US" sz="1400" dirty="0"/>
-              <a:t>세</a:t>
-            </a:r>
-            <a:r>
-              <a:rPr lang="en-US" altLang="ko-KR" sz="1400" dirty="0"/>
-              <a:t>’</a:t>
-            </a:r>
-          </a:p>
-          <a:p>
-            <a:r>
-              <a:rPr lang="en-US" altLang="ko-KR" sz="1400" dirty="0"/>
-              <a:t>	- </a:t>
-            </a:r>
-            <a:r>
-              <a:rPr lang="ko-KR" altLang="en-US" sz="1400" dirty="0"/>
-              <a:t>체류기간 </a:t>
-            </a:r>
-            <a:r>
-              <a:rPr lang="en-US" altLang="ko-KR" sz="1400" dirty="0"/>
-              <a:t>3</a:t>
-            </a:r>
-            <a:r>
-              <a:rPr lang="ko-KR" altLang="en-US" sz="1400" dirty="0"/>
-              <a:t>일</a:t>
-            </a:r>
-            <a:r>
-              <a:rPr lang="en-US" altLang="ko-KR" sz="1400" dirty="0"/>
-              <a:t>,4</a:t>
-            </a:r>
-            <a:r>
-              <a:rPr lang="ko-KR" altLang="en-US" sz="1400" dirty="0"/>
-              <a:t>일이 대부분인 </a:t>
-            </a:r>
-            <a:r>
-              <a:rPr lang="en-US" altLang="ko-KR" sz="1400" dirty="0"/>
-              <a:t>‘</a:t>
-            </a:r>
-            <a:r>
-              <a:rPr lang="ko-KR" altLang="en-US" sz="1400" dirty="0"/>
-              <a:t>내국인‘</a:t>
-            </a:r>
-            <a:endParaRPr lang="en-US" altLang="ko-KR" sz="1400" dirty="0"/>
-          </a:p>
-          <a:p>
-            <a:r>
-              <a:rPr lang="en-US" altLang="ko-KR" sz="1400" dirty="0"/>
-              <a:t>	- </a:t>
-            </a:r>
-            <a:r>
-              <a:rPr lang="ko-KR" altLang="en-US" sz="1400" dirty="0"/>
-              <a:t>체류기간 </a:t>
-            </a:r>
-            <a:r>
-              <a:rPr lang="en-US" altLang="ko-KR" sz="1400" dirty="0"/>
-              <a:t>5</a:t>
-            </a:r>
-            <a:r>
-              <a:rPr lang="ko-KR" altLang="en-US" sz="1400" dirty="0"/>
-              <a:t>일 </a:t>
-            </a:r>
-            <a:r>
-              <a:rPr lang="en-US" altLang="ko-KR" sz="1400" dirty="0"/>
-              <a:t>‘</a:t>
-            </a:r>
-            <a:r>
-              <a:rPr lang="ko-KR" altLang="en-US" sz="1400" dirty="0"/>
-              <a:t>외</a:t>
-            </a:r>
-            <a:r>
-              <a:rPr lang="en-US" altLang="ko-KR" sz="1400" dirty="0"/>
-              <a:t>-51-60</a:t>
-            </a:r>
-            <a:r>
-              <a:rPr lang="ko-KR" altLang="en-US" sz="1400" dirty="0"/>
-              <a:t>세＇</a:t>
-            </a:r>
-            <a:endParaRPr lang="en-US" altLang="ko-KR" sz="1400" dirty="0"/>
+              <a:rPr lang="ko-KR" altLang="en-US" dirty="0"/>
+              <a:t>체류기간</a:t>
+            </a:r>
+            <a:endParaRPr lang="en-US" altLang="ko-KR" dirty="0"/>
+          </a:p>
+          <a:p>
+            <a:pPr marL="285750" indent="-285750">
+              <a:buFontTx/>
+              <a:buChar char="-"/>
+            </a:pPr>
+            <a:r>
+              <a:rPr lang="ko-KR" altLang="en-US" dirty="0"/>
+              <a:t>국적별</a:t>
+            </a:r>
+            <a:endParaRPr lang="en-US" altLang="ko-KR" dirty="0"/>
+          </a:p>
+          <a:p>
+            <a:pPr marL="742950" lvl="1" indent="-285750">
+              <a:buFontTx/>
+              <a:buChar char="-"/>
+            </a:pPr>
+            <a:r>
+              <a:rPr lang="ko-KR" altLang="en-US" dirty="0"/>
+              <a:t>한국</a:t>
+            </a:r>
+            <a:r>
+              <a:rPr lang="en-US" altLang="ko-KR" dirty="0"/>
+              <a:t>,</a:t>
+            </a:r>
+            <a:r>
+              <a:rPr lang="ko-KR" altLang="en-US" dirty="0"/>
+              <a:t>일본</a:t>
+            </a:r>
+            <a:r>
+              <a:rPr lang="en-US" altLang="ko-KR" dirty="0"/>
+              <a:t>,</a:t>
+            </a:r>
+            <a:r>
+              <a:rPr lang="ko-KR" altLang="en-US" dirty="0"/>
+              <a:t>중국</a:t>
+            </a:r>
+            <a:r>
+              <a:rPr lang="en-US" altLang="ko-KR" dirty="0"/>
+              <a:t>,</a:t>
+            </a:r>
+            <a:r>
+              <a:rPr lang="ko-KR" altLang="en-US" dirty="0" err="1"/>
+              <a:t>중화권</a:t>
+            </a:r>
+            <a:r>
+              <a:rPr lang="en-US" altLang="ko-KR" dirty="0"/>
+              <a:t>,</a:t>
+            </a:r>
+            <a:r>
+              <a:rPr lang="ko-KR" altLang="en-US" dirty="0"/>
+              <a:t>동남아</a:t>
+            </a:r>
+            <a:r>
+              <a:rPr lang="en-US" altLang="ko-KR" dirty="0"/>
+              <a:t>,</a:t>
+            </a:r>
+            <a:r>
+              <a:rPr lang="ko-KR" altLang="en-US" dirty="0" err="1"/>
+              <a:t>북미권</a:t>
+            </a:r>
+            <a:r>
+              <a:rPr lang="en-US" altLang="ko-KR" dirty="0"/>
+              <a:t>,</a:t>
+            </a:r>
+            <a:r>
+              <a:rPr lang="ko-KR" altLang="en-US" dirty="0"/>
+              <a:t>기타</a:t>
+            </a:r>
+            <a:endParaRPr lang="en-US" altLang="ko-KR" dirty="0"/>
+          </a:p>
+          <a:p>
+            <a:pPr marL="742950" lvl="1" indent="-285750">
+              <a:buFontTx/>
+              <a:buChar char="-"/>
+            </a:pPr>
+            <a:endParaRPr lang="en-US" altLang="ko-KR" dirty="0"/>
+          </a:p>
+          <a:p>
+            <a:pPr marL="285750" indent="-285750">
+              <a:buFontTx/>
+              <a:buChar char="-"/>
+            </a:pPr>
+            <a:r>
+              <a:rPr lang="ko-KR" altLang="en-US" dirty="0"/>
+              <a:t>성별</a:t>
+            </a:r>
+            <a:endParaRPr lang="en-US" altLang="ko-KR" dirty="0"/>
+          </a:p>
+          <a:p>
+            <a:pPr marL="742950" lvl="1" indent="-285750">
+              <a:buFontTx/>
+              <a:buChar char="-"/>
+            </a:pPr>
+            <a:r>
+              <a:rPr lang="ko-KR" altLang="en-US" dirty="0"/>
+              <a:t>내국인</a:t>
+            </a:r>
+            <a:r>
+              <a:rPr lang="en-US" altLang="ko-KR" dirty="0"/>
+              <a:t>,</a:t>
+            </a:r>
+            <a:r>
+              <a:rPr lang="ko-KR" altLang="en-US" dirty="0"/>
+              <a:t>외국인</a:t>
+            </a:r>
+            <a:endParaRPr lang="en-US" altLang="ko-KR" dirty="0"/>
+          </a:p>
+          <a:p>
+            <a:pPr marL="742950" lvl="1" indent="-285750">
+              <a:buFontTx/>
+              <a:buChar char="-"/>
+            </a:pPr>
+            <a:endParaRPr lang="en-US" altLang="ko-KR" dirty="0"/>
+          </a:p>
+          <a:p>
+            <a:pPr marL="285750" indent="-285750">
+              <a:buFontTx/>
+              <a:buChar char="-"/>
+            </a:pPr>
+            <a:r>
+              <a:rPr lang="ko-KR" altLang="en-US" dirty="0"/>
+              <a:t>연령별</a:t>
+            </a:r>
+            <a:endParaRPr lang="en-US" altLang="ko-KR" dirty="0"/>
+          </a:p>
+          <a:p>
+            <a:pPr marL="742950" lvl="1" indent="-285750">
+              <a:buFontTx/>
+              <a:buChar char="-"/>
+            </a:pPr>
+            <a:r>
+              <a:rPr lang="ko-KR" altLang="en-US" dirty="0"/>
+              <a:t>내국인</a:t>
+            </a:r>
+            <a:r>
+              <a:rPr lang="en-US" altLang="ko-KR" dirty="0"/>
+              <a:t>,</a:t>
+            </a:r>
+            <a:r>
+              <a:rPr lang="ko-KR" altLang="en-US" dirty="0"/>
+              <a:t>외국인</a:t>
+            </a:r>
+            <a:endParaRPr lang="en-US" altLang="ko-KR" dirty="0"/>
+          </a:p>
+          <a:p>
+            <a:pPr marL="742950" lvl="1" indent="-285750">
+              <a:buFontTx/>
+              <a:buChar char="-"/>
+            </a:pPr>
+            <a:endParaRPr lang="en-US" altLang="ko-KR" dirty="0"/>
+          </a:p>
+          <a:p>
+            <a:pPr marL="285750" indent="-285750">
+              <a:buFontTx/>
+              <a:buChar char="-"/>
+            </a:pPr>
+            <a:r>
+              <a:rPr lang="ko-KR" altLang="en-US" dirty="0"/>
+              <a:t>여행형태별</a:t>
+            </a:r>
+            <a:endParaRPr lang="en-US" altLang="ko-KR" dirty="0"/>
+          </a:p>
+          <a:p>
+            <a:pPr marL="742950" lvl="1" indent="-285750">
+              <a:buFontTx/>
+              <a:buChar char="-"/>
+            </a:pPr>
+            <a:r>
+              <a:rPr lang="ko-KR" altLang="en-US" dirty="0"/>
+              <a:t>내국인</a:t>
+            </a:r>
+            <a:r>
+              <a:rPr lang="en-US" altLang="ko-KR" dirty="0"/>
+              <a:t>,</a:t>
+            </a:r>
+            <a:r>
+              <a:rPr lang="ko-KR" altLang="en-US" dirty="0"/>
+              <a:t>외국인</a:t>
+            </a:r>
+          </a:p>
+        </p:txBody>
+      </p:sp>
+      <p:sp>
+        <p:nvSpPr>
+          <p:cNvPr id="5" name="TextBox 4">
+            <a:extLst>
+              <a:ext uri="{FF2B5EF4-FFF2-40B4-BE49-F238E27FC236}">
+                <a16:creationId xmlns:a16="http://schemas.microsoft.com/office/drawing/2014/main" id="{805B53F9-B7B7-45C5-B39E-F0B6555257BA}"/>
+              </a:ext>
+            </a:extLst>
+          </p:cNvPr>
+          <p:cNvSpPr txBox="1"/>
+          <p:nvPr/>
+        </p:nvSpPr>
+        <p:spPr>
+          <a:xfrm>
+            <a:off x="6377608" y="1690688"/>
+            <a:ext cx="5368777" cy="3416320"/>
+          </a:xfrm>
+          <a:prstGeom prst="rect">
+            <a:avLst/>
+          </a:prstGeom>
+          <a:noFill/>
+        </p:spPr>
+        <p:txBody>
+          <a:bodyPr wrap="none" rtlCol="0">
+            <a:spAutoFit/>
+          </a:bodyPr>
+          <a:lstStyle/>
+          <a:p>
+            <a:r>
+              <a:rPr lang="en-US" altLang="ko-KR" dirty="0"/>
+              <a:t>*</a:t>
+            </a:r>
+            <a:r>
+              <a:rPr lang="ko-KR" altLang="en-US" dirty="0"/>
+              <a:t>숙박시설만족도</a:t>
+            </a:r>
+            <a:endParaRPr lang="en-US" altLang="ko-KR" dirty="0"/>
+          </a:p>
+          <a:p>
+            <a:pPr marL="285750" indent="-285750">
+              <a:buFontTx/>
+              <a:buChar char="-"/>
+            </a:pPr>
+            <a:r>
+              <a:rPr lang="ko-KR" altLang="en-US" dirty="0"/>
+              <a:t>국적별</a:t>
+            </a:r>
+            <a:endParaRPr lang="en-US" altLang="ko-KR" dirty="0"/>
+          </a:p>
+          <a:p>
+            <a:pPr marL="742950" lvl="1" indent="-285750">
+              <a:buFontTx/>
+              <a:buChar char="-"/>
+            </a:pPr>
+            <a:r>
+              <a:rPr lang="ko-KR" altLang="en-US" dirty="0"/>
+              <a:t>시설상태 </a:t>
+            </a:r>
+            <a:r>
+              <a:rPr lang="en-US" altLang="ko-KR" dirty="0"/>
+              <a:t>/ </a:t>
+            </a:r>
+            <a:r>
+              <a:rPr lang="ko-KR" altLang="en-US" dirty="0"/>
+              <a:t>시설이용편의성 </a:t>
+            </a:r>
+            <a:r>
+              <a:rPr lang="en-US" altLang="ko-KR" dirty="0"/>
+              <a:t>/ </a:t>
+            </a:r>
+            <a:r>
+              <a:rPr lang="ko-KR" altLang="en-US" dirty="0"/>
+              <a:t>종사원친절도</a:t>
+            </a:r>
+            <a:endParaRPr lang="en-US" altLang="ko-KR" dirty="0"/>
+          </a:p>
+          <a:p>
+            <a:pPr marL="742950" lvl="1" indent="-285750">
+              <a:buFontTx/>
+              <a:buChar char="-"/>
+            </a:pPr>
+            <a:endParaRPr lang="en-US" altLang="ko-KR" dirty="0"/>
+          </a:p>
+          <a:p>
+            <a:pPr marL="285750" indent="-285750">
+              <a:buFontTx/>
+              <a:buChar char="-"/>
+            </a:pPr>
+            <a:r>
+              <a:rPr lang="ko-KR" altLang="en-US" dirty="0"/>
+              <a:t>성별</a:t>
+            </a:r>
+            <a:endParaRPr lang="en-US" altLang="ko-KR" dirty="0"/>
+          </a:p>
+          <a:p>
+            <a:pPr marL="742950" lvl="1" indent="-285750">
+              <a:buFontTx/>
+              <a:buChar char="-"/>
+            </a:pPr>
+            <a:r>
+              <a:rPr lang="ko-KR" altLang="en-US" dirty="0"/>
+              <a:t>시설상태 </a:t>
+            </a:r>
+            <a:r>
+              <a:rPr lang="en-US" altLang="ko-KR" dirty="0"/>
+              <a:t>/ </a:t>
+            </a:r>
+            <a:r>
+              <a:rPr lang="ko-KR" altLang="en-US" dirty="0"/>
+              <a:t>시설이용편의성 </a:t>
+            </a:r>
+            <a:r>
+              <a:rPr lang="en-US" altLang="ko-KR" dirty="0"/>
+              <a:t>/ </a:t>
+            </a:r>
+            <a:r>
+              <a:rPr lang="ko-KR" altLang="en-US" dirty="0"/>
+              <a:t>종사원친절도</a:t>
+            </a:r>
+            <a:endParaRPr lang="en-US" altLang="ko-KR" dirty="0"/>
+          </a:p>
+          <a:p>
+            <a:pPr marL="742950" lvl="1" indent="-285750">
+              <a:buFontTx/>
+              <a:buChar char="-"/>
+            </a:pPr>
+            <a:endParaRPr lang="en-US" altLang="ko-KR" dirty="0"/>
+          </a:p>
+          <a:p>
+            <a:pPr marL="285750" indent="-285750">
+              <a:buFontTx/>
+              <a:buChar char="-"/>
+            </a:pPr>
+            <a:r>
+              <a:rPr lang="ko-KR" altLang="en-US" dirty="0"/>
+              <a:t>연령별</a:t>
+            </a:r>
+            <a:endParaRPr lang="en-US" altLang="ko-KR" dirty="0"/>
+          </a:p>
+          <a:p>
+            <a:pPr marL="742950" lvl="1" indent="-285750">
+              <a:buFontTx/>
+              <a:buChar char="-"/>
+            </a:pPr>
+            <a:r>
+              <a:rPr lang="ko-KR" altLang="en-US" dirty="0"/>
+              <a:t>시설상태 </a:t>
+            </a:r>
+            <a:r>
+              <a:rPr lang="en-US" altLang="ko-KR" dirty="0"/>
+              <a:t>/ </a:t>
+            </a:r>
+            <a:r>
+              <a:rPr lang="ko-KR" altLang="en-US" dirty="0"/>
+              <a:t>시설이용편의성 </a:t>
+            </a:r>
+            <a:r>
+              <a:rPr lang="en-US" altLang="ko-KR" dirty="0"/>
+              <a:t>/ </a:t>
+            </a:r>
+            <a:r>
+              <a:rPr lang="ko-KR" altLang="en-US" dirty="0"/>
+              <a:t>종사원친절도</a:t>
+            </a:r>
+            <a:endParaRPr lang="en-US" altLang="ko-KR" dirty="0"/>
+          </a:p>
+          <a:p>
+            <a:pPr marL="742950" lvl="1" indent="-285750">
+              <a:buFontTx/>
+              <a:buChar char="-"/>
+            </a:pPr>
+            <a:endParaRPr lang="en-US" altLang="ko-KR" dirty="0"/>
+          </a:p>
+          <a:p>
+            <a:pPr marL="285750" indent="-285750">
+              <a:buFontTx/>
+              <a:buChar char="-"/>
+            </a:pPr>
+            <a:r>
+              <a:rPr lang="ko-KR" altLang="en-US" dirty="0"/>
+              <a:t>여행형태별</a:t>
+            </a:r>
+            <a:endParaRPr lang="en-US" altLang="ko-KR" dirty="0"/>
+          </a:p>
+          <a:p>
+            <a:pPr marL="742950" lvl="1" indent="-285750">
+              <a:buFontTx/>
+              <a:buChar char="-"/>
+            </a:pPr>
+            <a:r>
+              <a:rPr lang="ko-KR" altLang="en-US" dirty="0"/>
+              <a:t>시설상태 </a:t>
+            </a:r>
+            <a:r>
+              <a:rPr lang="en-US" altLang="ko-KR" dirty="0"/>
+              <a:t>/ </a:t>
+            </a:r>
+            <a:r>
+              <a:rPr lang="ko-KR" altLang="en-US" dirty="0"/>
+              <a:t>시설이용편의성 </a:t>
+            </a:r>
+            <a:r>
+              <a:rPr lang="en-US" altLang="ko-KR" dirty="0"/>
+              <a:t>/ </a:t>
+            </a:r>
+            <a:r>
+              <a:rPr lang="ko-KR" altLang="en-US" dirty="0"/>
+              <a:t>종사원친절도</a:t>
+            </a:r>
+            <a:endParaRPr lang="en-US" altLang="ko-KR" dirty="0"/>
           </a:p>
         </p:txBody>
       </p:sp>
     </p:spTree>
     <p:extLst>
       <p:ext uri="{BB962C8B-B14F-4D97-AF65-F5344CB8AC3E}">
-        <p14:creationId xmlns:p14="http://schemas.microsoft.com/office/powerpoint/2010/main" val="3380094530"/>
+        <p14:creationId xmlns:p14="http://schemas.microsoft.com/office/powerpoint/2010/main" val="1524897323"/>
       </p:ext>
     </p:extLst>
   </p:cSld>
@@ -5926,10 +6247,10 @@
       </p:grpSpPr>
       <p:pic>
         <p:nvPicPr>
-          <p:cNvPr id="5" name="그림 4">
-            <a:extLst>
-              <a:ext uri="{FF2B5EF4-FFF2-40B4-BE49-F238E27FC236}">
-                <a16:creationId xmlns:a16="http://schemas.microsoft.com/office/drawing/2014/main" id="{2C4E64CA-DECD-4EB6-801B-9CC529FBC3C3}"/>
+          <p:cNvPr id="9" name="그림 8">
+            <a:extLst>
+              <a:ext uri="{FF2B5EF4-FFF2-40B4-BE49-F238E27FC236}">
+                <a16:creationId xmlns:a16="http://schemas.microsoft.com/office/drawing/2014/main" id="{1D6B74CB-98F3-4C90-8F6F-DE2BFBF4E6B4}"/>
               </a:ext>
             </a:extLst>
           </p:cNvPr>
@@ -5952,8 +6273,8 @@
         </p:blipFill>
         <p:spPr>
           <a:xfrm>
-            <a:off x="0" y="0"/>
-            <a:ext cx="12192000" cy="5581988"/>
+            <a:off x="264213" y="32096"/>
+            <a:ext cx="4530415" cy="5792008"/>
           </a:xfrm>
           <a:prstGeom prst="rect">
             <a:avLst/>
@@ -5962,10 +6283,10 @@
       </p:pic>
       <p:pic>
         <p:nvPicPr>
-          <p:cNvPr id="3" name="그림 2">
-            <a:extLst>
-              <a:ext uri="{FF2B5EF4-FFF2-40B4-BE49-F238E27FC236}">
-                <a16:creationId xmlns:a16="http://schemas.microsoft.com/office/drawing/2014/main" id="{4FD0BDE5-9521-4D92-8528-C407C28709D8}"/>
+          <p:cNvPr id="5" name="그림 4">
+            <a:extLst>
+              <a:ext uri="{FF2B5EF4-FFF2-40B4-BE49-F238E27FC236}">
+                <a16:creationId xmlns:a16="http://schemas.microsoft.com/office/drawing/2014/main" id="{9BF2F41C-DB62-450C-9268-E72816A990C0}"/>
               </a:ext>
             </a:extLst>
           </p:cNvPr>
@@ -5974,7 +6295,7 @@
           </p:cNvPicPr>
           <p:nvPr/>
         </p:nvPicPr>
-        <p:blipFill rotWithShape="1">
+        <p:blipFill>
           <a:blip r:embed="rId3">
             <a:extLst>
               <a:ext uri="{28A0092B-C50C-407E-A947-70E740481C1C}">
@@ -5982,23 +6303,362 @@
               </a:ext>
             </a:extLst>
           </a:blip>
-          <a:srcRect l="81537" t="41333" b="41778"/>
-          <a:stretch/>
+          <a:stretch>
+            <a:fillRect/>
+          </a:stretch>
         </p:blipFill>
         <p:spPr>
           <a:xfrm>
-            <a:off x="11023209" y="5699760"/>
-            <a:ext cx="1168791" cy="1158240"/>
+            <a:off x="3880049" y="16048"/>
+            <a:ext cx="4073893" cy="5792008"/>
           </a:xfrm>
           <a:prstGeom prst="rect">
             <a:avLst/>
           </a:prstGeom>
         </p:spPr>
       </p:pic>
+      <p:sp>
+        <p:nvSpPr>
+          <p:cNvPr id="6" name="TextBox 5">
+            <a:extLst>
+              <a:ext uri="{FF2B5EF4-FFF2-40B4-BE49-F238E27FC236}">
+                <a16:creationId xmlns:a16="http://schemas.microsoft.com/office/drawing/2014/main" id="{4DD8BF08-50D0-4844-831D-4B4B7C17A44F}"/>
+              </a:ext>
+            </a:extLst>
+          </p:cNvPr>
+          <p:cNvSpPr txBox="1"/>
+          <p:nvPr/>
+        </p:nvSpPr>
+        <p:spPr>
+          <a:xfrm>
+            <a:off x="4325064" y="5792008"/>
+            <a:ext cx="3482043" cy="738664"/>
+          </a:xfrm>
+          <a:prstGeom prst="rect">
+            <a:avLst/>
+          </a:prstGeom>
+          <a:noFill/>
+        </p:spPr>
+        <p:txBody>
+          <a:bodyPr wrap="none" rtlCol="0">
+            <a:spAutoFit/>
+          </a:bodyPr>
+          <a:lstStyle/>
+          <a:p>
+            <a:r>
+              <a:rPr lang="en-US" altLang="ko-KR" sz="1400" dirty="0"/>
+              <a:t>*</a:t>
+            </a:r>
+            <a:r>
+              <a:rPr lang="ko-KR" altLang="en-US" sz="1400" dirty="0"/>
+              <a:t>성별 체류기간</a:t>
+            </a:r>
+            <a:endParaRPr lang="en-US" altLang="ko-KR" sz="1400" dirty="0"/>
+          </a:p>
+          <a:p>
+            <a:r>
+              <a:rPr lang="en-US" altLang="ko-KR" sz="1400" dirty="0"/>
+              <a:t>- </a:t>
+            </a:r>
+            <a:r>
+              <a:rPr lang="ko-KR" altLang="en-US" sz="1400" dirty="0"/>
+              <a:t>체류기간이 긴 </a:t>
+            </a:r>
+            <a:r>
+              <a:rPr lang="en-US" altLang="ko-KR" sz="1400" dirty="0"/>
+              <a:t>‘</a:t>
+            </a:r>
+            <a:r>
+              <a:rPr lang="ko-KR" altLang="en-US" sz="1400" dirty="0"/>
+              <a:t>외국</a:t>
+            </a:r>
+            <a:r>
+              <a:rPr lang="en-US" altLang="ko-KR" sz="1400" dirty="0"/>
+              <a:t>-</a:t>
+            </a:r>
+            <a:r>
+              <a:rPr lang="ko-KR" altLang="en-US" sz="1400" dirty="0"/>
+              <a:t>남</a:t>
+            </a:r>
+            <a:r>
+              <a:rPr lang="en-US" altLang="ko-KR" sz="1400" dirty="0"/>
+              <a:t>’</a:t>
+            </a:r>
+          </a:p>
+          <a:p>
+            <a:r>
+              <a:rPr lang="en-US" altLang="ko-KR" sz="1400" dirty="0"/>
+              <a:t>- </a:t>
+            </a:r>
+            <a:r>
+              <a:rPr lang="ko-KR" altLang="en-US" sz="1400" dirty="0"/>
+              <a:t>체류기간 </a:t>
+            </a:r>
+            <a:r>
+              <a:rPr lang="en-US" altLang="ko-KR" sz="1400" dirty="0"/>
+              <a:t>3</a:t>
+            </a:r>
+            <a:r>
+              <a:rPr lang="ko-KR" altLang="en-US" sz="1400" dirty="0"/>
+              <a:t>일</a:t>
+            </a:r>
+            <a:r>
+              <a:rPr lang="en-US" altLang="ko-KR" sz="1400" dirty="0"/>
+              <a:t>,4</a:t>
+            </a:r>
+            <a:r>
+              <a:rPr lang="ko-KR" altLang="en-US" sz="1400" dirty="0"/>
+              <a:t>일이 대부분인 </a:t>
+            </a:r>
+            <a:r>
+              <a:rPr lang="en-US" altLang="ko-KR" sz="1400" dirty="0"/>
+              <a:t>‘</a:t>
+            </a:r>
+            <a:r>
+              <a:rPr lang="ko-KR" altLang="en-US" sz="1400" dirty="0"/>
+              <a:t>내국인＇</a:t>
+            </a:r>
+            <a:endParaRPr lang="en-US" altLang="ko-KR" sz="1400" dirty="0"/>
+          </a:p>
+        </p:txBody>
+      </p:sp>
+      <p:pic>
+        <p:nvPicPr>
+          <p:cNvPr id="7" name="그림 6">
+            <a:extLst>
+              <a:ext uri="{FF2B5EF4-FFF2-40B4-BE49-F238E27FC236}">
+                <a16:creationId xmlns:a16="http://schemas.microsoft.com/office/drawing/2014/main" id="{D7ACFE89-D567-4C14-979A-73714C16A7A6}"/>
+              </a:ext>
+            </a:extLst>
+          </p:cNvPr>
+          <p:cNvPicPr>
+            <a:picLocks noChangeAspect="1"/>
+          </p:cNvPicPr>
+          <p:nvPr/>
+        </p:nvPicPr>
+        <p:blipFill>
+          <a:blip r:embed="rId4">
+            <a:extLst>
+              <a:ext uri="{28A0092B-C50C-407E-A947-70E740481C1C}">
+                <a14:useLocalDpi xmlns:a14="http://schemas.microsoft.com/office/drawing/2010/main" val="0"/>
+              </a:ext>
+            </a:extLst>
+          </a:blip>
+          <a:stretch>
+            <a:fillRect/>
+          </a:stretch>
+        </p:blipFill>
+        <p:spPr>
+          <a:xfrm>
+            <a:off x="7058738" y="0"/>
+            <a:ext cx="4511040" cy="5792008"/>
+          </a:xfrm>
+          <a:prstGeom prst="rect">
+            <a:avLst/>
+          </a:prstGeom>
+        </p:spPr>
+      </p:pic>
+      <p:sp>
+        <p:nvSpPr>
+          <p:cNvPr id="8" name="TextBox 7">
+            <a:extLst>
+              <a:ext uri="{FF2B5EF4-FFF2-40B4-BE49-F238E27FC236}">
+                <a16:creationId xmlns:a16="http://schemas.microsoft.com/office/drawing/2014/main" id="{26B31CE3-672C-4446-B76C-207825062F26}"/>
+              </a:ext>
+            </a:extLst>
+          </p:cNvPr>
+          <p:cNvSpPr txBox="1"/>
+          <p:nvPr/>
+        </p:nvSpPr>
+        <p:spPr>
+          <a:xfrm>
+            <a:off x="8100777" y="5792816"/>
+            <a:ext cx="5072222" cy="738664"/>
+          </a:xfrm>
+          <a:prstGeom prst="rect">
+            <a:avLst/>
+          </a:prstGeom>
+          <a:noFill/>
+        </p:spPr>
+        <p:txBody>
+          <a:bodyPr wrap="none" rtlCol="0">
+            <a:spAutoFit/>
+          </a:bodyPr>
+          <a:lstStyle/>
+          <a:p>
+            <a:r>
+              <a:rPr lang="en-US" altLang="ko-KR" sz="1400" dirty="0"/>
+              <a:t>*</a:t>
+            </a:r>
+            <a:r>
+              <a:rPr lang="ko-KR" altLang="en-US" sz="1400" dirty="0"/>
+              <a:t>여행형태별 체류기간</a:t>
+            </a:r>
+            <a:endParaRPr lang="en-US" altLang="ko-KR" sz="1400" dirty="0"/>
+          </a:p>
+          <a:p>
+            <a:r>
+              <a:rPr lang="en-US" altLang="ko-KR" sz="1400" dirty="0"/>
+              <a:t>- </a:t>
+            </a:r>
+            <a:r>
+              <a:rPr lang="ko-KR" altLang="en-US" sz="1400" dirty="0"/>
+              <a:t>대체적으로 여행기간이 </a:t>
+            </a:r>
+            <a:r>
+              <a:rPr lang="en-US" altLang="ko-KR" sz="1400" dirty="0"/>
+              <a:t>‘</a:t>
+            </a:r>
+            <a:r>
+              <a:rPr lang="ko-KR" altLang="en-US" sz="1400" dirty="0" err="1"/>
+              <a:t>내국인＇보다</a:t>
+            </a:r>
+            <a:r>
+              <a:rPr lang="ko-KR" altLang="en-US" sz="1400" dirty="0"/>
+              <a:t> </a:t>
+            </a:r>
+            <a:r>
+              <a:rPr lang="en-US" altLang="ko-KR" sz="1400" dirty="0"/>
+              <a:t>+1,2</a:t>
+            </a:r>
+            <a:r>
+              <a:rPr lang="ko-KR" altLang="en-US" sz="1400" dirty="0"/>
+              <a:t>일 많은 </a:t>
+            </a:r>
+            <a:r>
+              <a:rPr lang="en-US" altLang="ko-KR" sz="1400" dirty="0"/>
+              <a:t>‘</a:t>
+            </a:r>
+            <a:r>
+              <a:rPr lang="ko-KR" altLang="en-US" sz="1400" dirty="0"/>
+              <a:t>외국인</a:t>
+            </a:r>
+            <a:r>
+              <a:rPr lang="en-US" altLang="ko-KR" sz="1400" dirty="0"/>
+              <a:t>’</a:t>
+            </a:r>
+          </a:p>
+          <a:p>
+            <a:r>
+              <a:rPr lang="en-US" altLang="ko-KR" sz="1400" dirty="0"/>
+              <a:t>- 3</a:t>
+            </a:r>
+            <a:r>
+              <a:rPr lang="ko-KR" altLang="en-US" sz="1400" dirty="0"/>
+              <a:t>일 완전 패키지 여행을 즐기는 </a:t>
+            </a:r>
+            <a:r>
+              <a:rPr lang="en-US" altLang="ko-KR" sz="1400" dirty="0"/>
+              <a:t>‘</a:t>
+            </a:r>
+            <a:r>
+              <a:rPr lang="ko-KR" altLang="en-US" sz="1400" dirty="0"/>
+              <a:t>내국인＇</a:t>
+            </a:r>
+            <a:endParaRPr lang="en-US" altLang="ko-KR" sz="1400" dirty="0"/>
+          </a:p>
+        </p:txBody>
+      </p:sp>
+      <p:sp>
+        <p:nvSpPr>
+          <p:cNvPr id="10" name="TextBox 9">
+            <a:extLst>
+              <a:ext uri="{FF2B5EF4-FFF2-40B4-BE49-F238E27FC236}">
+                <a16:creationId xmlns:a16="http://schemas.microsoft.com/office/drawing/2014/main" id="{6B0ABC83-CA1F-44E9-83F3-7F926F3C27BF}"/>
+              </a:ext>
+            </a:extLst>
+          </p:cNvPr>
+          <p:cNvSpPr txBox="1"/>
+          <p:nvPr/>
+        </p:nvSpPr>
+        <p:spPr>
+          <a:xfrm>
+            <a:off x="183866" y="5808056"/>
+            <a:ext cx="3847528" cy="738664"/>
+          </a:xfrm>
+          <a:prstGeom prst="rect">
+            <a:avLst/>
+          </a:prstGeom>
+          <a:noFill/>
+        </p:spPr>
+        <p:txBody>
+          <a:bodyPr wrap="none" rtlCol="0">
+            <a:spAutoFit/>
+          </a:bodyPr>
+          <a:lstStyle/>
+          <a:p>
+            <a:r>
+              <a:rPr lang="en-US" altLang="ko-KR" sz="1400" dirty="0"/>
+              <a:t>*</a:t>
+            </a:r>
+            <a:r>
+              <a:rPr lang="ko-KR" altLang="en-US" sz="1400" dirty="0"/>
+              <a:t>국적별 체류기간</a:t>
+            </a:r>
+            <a:endParaRPr lang="en-US" altLang="ko-KR" sz="1400" dirty="0"/>
+          </a:p>
+          <a:p>
+            <a:r>
+              <a:rPr lang="en-US" altLang="ko-KR" sz="1400" dirty="0"/>
+              <a:t>- </a:t>
+            </a:r>
+            <a:r>
+              <a:rPr lang="ko-KR" altLang="en-US" sz="1400" dirty="0"/>
+              <a:t>체류기간이 상대적으로 긴 </a:t>
+            </a:r>
+            <a:r>
+              <a:rPr lang="en-US" altLang="ko-KR" sz="1400" dirty="0"/>
+              <a:t>‘</a:t>
+            </a:r>
+            <a:r>
+              <a:rPr lang="ko-KR" altLang="en-US" sz="1400" dirty="0" err="1"/>
+              <a:t>북미권</a:t>
+            </a:r>
+            <a:r>
+              <a:rPr lang="en-US" altLang="ko-KR" sz="1400" dirty="0"/>
+              <a:t>’</a:t>
+            </a:r>
+          </a:p>
+          <a:p>
+            <a:r>
+              <a:rPr lang="en-US" altLang="ko-KR" sz="1400" dirty="0"/>
+              <a:t>- 3</a:t>
+            </a:r>
+            <a:r>
+              <a:rPr lang="ko-KR" altLang="en-US" sz="1400" dirty="0"/>
+              <a:t>일체류가 상대적으로 많은 </a:t>
+            </a:r>
+            <a:r>
+              <a:rPr lang="en-US" altLang="ko-KR" sz="1400" dirty="0"/>
+              <a:t>‘</a:t>
+            </a:r>
+            <a:r>
+              <a:rPr lang="ko-KR" altLang="en-US" sz="1400" dirty="0" err="1"/>
+              <a:t>한국＇과</a:t>
+            </a:r>
+            <a:r>
+              <a:rPr lang="ko-KR" altLang="en-US" sz="1400" dirty="0"/>
+              <a:t> </a:t>
+            </a:r>
+            <a:r>
+              <a:rPr lang="en-US" altLang="ko-KR" sz="1400" dirty="0"/>
+              <a:t>‘</a:t>
+            </a:r>
+            <a:r>
+              <a:rPr lang="ko-KR" altLang="en-US" sz="1400" dirty="0"/>
+              <a:t>일본</a:t>
+            </a:r>
+            <a:r>
+              <a:rPr lang="en-US" altLang="ko-KR" sz="1400" dirty="0"/>
+              <a:t>’</a:t>
+            </a:r>
+          </a:p>
+        </p:txBody>
+      </p:sp>
     </p:spTree>
     <p:extLst>
       <p:ext uri="{BB962C8B-B14F-4D97-AF65-F5344CB8AC3E}">
-        <p14:creationId xmlns:p14="http://schemas.microsoft.com/office/powerpoint/2010/main" val="3860521795"/>
+        <p14:creationId xmlns:p14="http://schemas.microsoft.com/office/powerpoint/2010/main" val="3593419233"/>
       </p:ext>
     </p:extLst>
   </p:cSld>
@@ -6224,10 +6884,10 @@
       </p:grpSpPr>
       <p:pic>
         <p:nvPicPr>
-          <p:cNvPr id="9" name="그림 8">
-            <a:extLst>
-              <a:ext uri="{FF2B5EF4-FFF2-40B4-BE49-F238E27FC236}">
-                <a16:creationId xmlns:a16="http://schemas.microsoft.com/office/drawing/2014/main" id="{79CAA4E3-EF60-495F-A7CF-01293BEB5AA6}"/>
+          <p:cNvPr id="5" name="그림 4">
+            <a:extLst>
+              <a:ext uri="{FF2B5EF4-FFF2-40B4-BE49-F238E27FC236}">
+                <a16:creationId xmlns:a16="http://schemas.microsoft.com/office/drawing/2014/main" id="{AFC15620-1EF8-475B-84D9-CD97F26195C9}"/>
               </a:ext>
             </a:extLst>
           </p:cNvPr>
@@ -6251,52 +6911,157 @@
         <p:spPr>
           <a:xfrm>
             <a:off x="0" y="0"/>
-            <a:ext cx="7039957" cy="5896798"/>
+            <a:ext cx="9897856" cy="5792008"/>
           </a:xfrm>
           <a:prstGeom prst="rect">
             <a:avLst/>
           </a:prstGeom>
         </p:spPr>
       </p:pic>
-      <p:pic>
-        <p:nvPicPr>
-          <p:cNvPr id="3" name="그림 2">
-            <a:extLst>
-              <a:ext uri="{FF2B5EF4-FFF2-40B4-BE49-F238E27FC236}">
-                <a16:creationId xmlns:a16="http://schemas.microsoft.com/office/drawing/2014/main" id="{026FA070-5A01-4C0A-9070-6583A0000077}"/>
-              </a:ext>
-            </a:extLst>
-          </p:cNvPr>
-          <p:cNvPicPr>
-            <a:picLocks noChangeAspect="1"/>
-          </p:cNvPicPr>
-          <p:nvPr/>
-        </p:nvPicPr>
-        <p:blipFill rotWithShape="1">
-          <a:blip r:embed="rId3">
-            <a:extLst>
-              <a:ext uri="{28A0092B-C50C-407E-A947-70E740481C1C}">
-                <a14:useLocalDpi xmlns:a14="http://schemas.microsoft.com/office/drawing/2010/main" val="0"/>
-              </a:ext>
-            </a:extLst>
-          </a:blip>
-          <a:srcRect l="81537" t="41333" b="41778"/>
-          <a:stretch/>
-        </p:blipFill>
-        <p:spPr>
-          <a:xfrm>
-            <a:off x="7039957" y="2042160"/>
-            <a:ext cx="1168791" cy="1158240"/>
+      <p:sp>
+        <p:nvSpPr>
+          <p:cNvPr id="6" name="TextBox 5">
+            <a:extLst>
+              <a:ext uri="{FF2B5EF4-FFF2-40B4-BE49-F238E27FC236}">
+                <a16:creationId xmlns:a16="http://schemas.microsoft.com/office/drawing/2014/main" id="{4CF7F927-1935-468E-8B39-33D68ABDF489}"/>
+              </a:ext>
+            </a:extLst>
+          </p:cNvPr>
+          <p:cNvSpPr txBox="1"/>
+          <p:nvPr/>
+        </p:nvSpPr>
+        <p:spPr>
+          <a:xfrm>
+            <a:off x="6920148" y="5695721"/>
+            <a:ext cx="4405373" cy="954107"/>
           </a:xfrm>
           <a:prstGeom prst="rect">
             <a:avLst/>
           </a:prstGeom>
-        </p:spPr>
-      </p:pic>
+          <a:noFill/>
+        </p:spPr>
+        <p:txBody>
+          <a:bodyPr wrap="none" rtlCol="0">
+            <a:spAutoFit/>
+          </a:bodyPr>
+          <a:lstStyle/>
+          <a:p>
+            <a:r>
+              <a:rPr lang="en-US" altLang="ko-KR" sz="1400" dirty="0"/>
+              <a:t>*</a:t>
+            </a:r>
+            <a:r>
+              <a:rPr lang="ko-KR" altLang="en-US" sz="1400" dirty="0"/>
+              <a:t>연령별 체류기간</a:t>
+            </a:r>
+            <a:endParaRPr lang="en-US" altLang="ko-KR" sz="1400" dirty="0"/>
+          </a:p>
+          <a:p>
+            <a:r>
+              <a:rPr lang="en-US" altLang="ko-KR" sz="1400" dirty="0"/>
+              <a:t>	- 4</a:t>
+            </a:r>
+            <a:r>
+              <a:rPr lang="ko-KR" altLang="en-US" sz="1400" dirty="0"/>
+              <a:t>일 체류 비중이 높은 </a:t>
+            </a:r>
+            <a:r>
+              <a:rPr lang="en-US" altLang="ko-KR" sz="1400" dirty="0"/>
+              <a:t>‘</a:t>
+            </a:r>
+            <a:r>
+              <a:rPr lang="ko-KR" altLang="en-US" sz="1400" dirty="0"/>
+              <a:t>내</a:t>
+            </a:r>
+            <a:r>
+              <a:rPr lang="en-US" altLang="ko-KR" sz="1400" dirty="0"/>
+              <a:t>-15-20</a:t>
+            </a:r>
+            <a:r>
+              <a:rPr lang="ko-KR" altLang="en-US" sz="1400" dirty="0"/>
+              <a:t>세</a:t>
+            </a:r>
+            <a:r>
+              <a:rPr lang="en-US" altLang="ko-KR" sz="1400" dirty="0"/>
+              <a:t>’</a:t>
+            </a:r>
+          </a:p>
+          <a:p>
+            <a:r>
+              <a:rPr lang="en-US" altLang="ko-KR" sz="1400" dirty="0"/>
+              <a:t>	- </a:t>
+            </a:r>
+            <a:r>
+              <a:rPr lang="ko-KR" altLang="en-US" sz="1400" dirty="0"/>
+              <a:t>체류기간 </a:t>
+            </a:r>
+            <a:r>
+              <a:rPr lang="en-US" altLang="ko-KR" sz="1400" dirty="0"/>
+              <a:t>3</a:t>
+            </a:r>
+            <a:r>
+              <a:rPr lang="ko-KR" altLang="en-US" sz="1400" dirty="0"/>
+              <a:t>일</a:t>
+            </a:r>
+            <a:r>
+              <a:rPr lang="en-US" altLang="ko-KR" sz="1400" dirty="0"/>
+              <a:t>,4</a:t>
+            </a:r>
+            <a:r>
+              <a:rPr lang="ko-KR" altLang="en-US" sz="1400" dirty="0"/>
+              <a:t>일이 대부분인 </a:t>
+            </a:r>
+            <a:r>
+              <a:rPr lang="en-US" altLang="ko-KR" sz="1400" dirty="0"/>
+              <a:t>‘</a:t>
+            </a:r>
+            <a:r>
+              <a:rPr lang="ko-KR" altLang="en-US" sz="1400" dirty="0"/>
+              <a:t>내국인‘</a:t>
+            </a:r>
+            <a:endParaRPr lang="en-US" altLang="ko-KR" sz="1400" dirty="0"/>
+          </a:p>
+          <a:p>
+            <a:r>
+              <a:rPr lang="en-US" altLang="ko-KR" sz="1400" dirty="0"/>
+              <a:t>	- </a:t>
+            </a:r>
+            <a:r>
+              <a:rPr lang="ko-KR" altLang="en-US" sz="1400" dirty="0"/>
+              <a:t>체류기간 </a:t>
+            </a:r>
+            <a:r>
+              <a:rPr lang="en-US" altLang="ko-KR" sz="1400" dirty="0"/>
+              <a:t>5</a:t>
+            </a:r>
+            <a:r>
+              <a:rPr lang="ko-KR" altLang="en-US" sz="1400" dirty="0"/>
+              <a:t>일 </a:t>
+            </a:r>
+            <a:r>
+              <a:rPr lang="en-US" altLang="ko-KR" sz="1400" dirty="0"/>
+              <a:t>‘</a:t>
+            </a:r>
+            <a:r>
+              <a:rPr lang="ko-KR" altLang="en-US" sz="1400" dirty="0"/>
+              <a:t>외</a:t>
+            </a:r>
+            <a:r>
+              <a:rPr lang="en-US" altLang="ko-KR" sz="1400" dirty="0"/>
+              <a:t>-51-60</a:t>
+            </a:r>
+            <a:r>
+              <a:rPr lang="ko-KR" altLang="en-US" sz="1400" dirty="0"/>
+              <a:t>세＇</a:t>
+            </a:r>
+            <a:endParaRPr lang="en-US" altLang="ko-KR" sz="1400" dirty="0"/>
+          </a:p>
+        </p:txBody>
+      </p:sp>
     </p:spTree>
     <p:extLst>
       <p:ext uri="{BB962C8B-B14F-4D97-AF65-F5344CB8AC3E}">
-        <p14:creationId xmlns:p14="http://schemas.microsoft.com/office/powerpoint/2010/main" val="4194381650"/>
+        <p14:creationId xmlns:p14="http://schemas.microsoft.com/office/powerpoint/2010/main" val="3380094530"/>
       </p:ext>
     </p:extLst>
   </p:cSld>
@@ -6328,7 +7093,7 @@
           <p:cNvPr id="5" name="그림 4">
             <a:extLst>
               <a:ext uri="{FF2B5EF4-FFF2-40B4-BE49-F238E27FC236}">
-                <a16:creationId xmlns:a16="http://schemas.microsoft.com/office/drawing/2014/main" id="{2D2E3CE6-CD4B-4C76-94A5-F1F24BC361B4}"/>
+                <a16:creationId xmlns:a16="http://schemas.microsoft.com/office/drawing/2014/main" id="{2C4E64CA-DECD-4EB6-801B-9CC529FBC3C3}"/>
               </a:ext>
             </a:extLst>
           </p:cNvPr>
@@ -6352,7 +7117,7 @@
         <p:spPr>
           <a:xfrm>
             <a:off x="0" y="0"/>
-            <a:ext cx="12192000" cy="3112102"/>
+            <a:ext cx="12192000" cy="5581988"/>
           </a:xfrm>
           <a:prstGeom prst="rect">
             <a:avLst/>
@@ -6364,7 +7129,7 @@
           <p:cNvPr id="3" name="그림 2">
             <a:extLst>
               <a:ext uri="{FF2B5EF4-FFF2-40B4-BE49-F238E27FC236}">
-                <a16:creationId xmlns:a16="http://schemas.microsoft.com/office/drawing/2014/main" id="{9A6140F8-B5D0-4F19-9D7E-7CC8A543A8D8}"/>
+                <a16:creationId xmlns:a16="http://schemas.microsoft.com/office/drawing/2014/main" id="{4FD0BDE5-9521-4D92-8528-C407C28709D8}"/>
               </a:ext>
             </a:extLst>
           </p:cNvPr>
@@ -6386,7 +7151,7 @@
         </p:blipFill>
         <p:spPr>
           <a:xfrm>
-            <a:off x="11023209" y="3166779"/>
+            <a:off x="11023209" y="5699760"/>
             <a:ext cx="1168791" cy="1158240"/>
           </a:xfrm>
           <a:prstGeom prst="rect">
@@ -6397,7 +7162,7 @@
     </p:spTree>
     <p:extLst>
       <p:ext uri="{BB962C8B-B14F-4D97-AF65-F5344CB8AC3E}">
-        <p14:creationId xmlns:p14="http://schemas.microsoft.com/office/powerpoint/2010/main" val="287088337"/>
+        <p14:creationId xmlns:p14="http://schemas.microsoft.com/office/powerpoint/2010/main" val="3860521795"/>
       </p:ext>
     </p:extLst>
   </p:cSld>
@@ -6426,10 +7191,10 @@
       </p:grpSpPr>
       <p:pic>
         <p:nvPicPr>
-          <p:cNvPr id="5" name="그림 4">
-            <a:extLst>
-              <a:ext uri="{FF2B5EF4-FFF2-40B4-BE49-F238E27FC236}">
-                <a16:creationId xmlns:a16="http://schemas.microsoft.com/office/drawing/2014/main" id="{328534F7-5680-47C0-A256-4BA132F5551F}"/>
+          <p:cNvPr id="9" name="그림 8">
+            <a:extLst>
+              <a:ext uri="{FF2B5EF4-FFF2-40B4-BE49-F238E27FC236}">
+                <a16:creationId xmlns:a16="http://schemas.microsoft.com/office/drawing/2014/main" id="{79CAA4E3-EF60-495F-A7CF-01293BEB5AA6}"/>
               </a:ext>
             </a:extLst>
           </p:cNvPr>
@@ -6453,7 +7218,7 @@
         <p:spPr>
           <a:xfrm>
             <a:off x="0" y="0"/>
-            <a:ext cx="12192000" cy="3848469"/>
+            <a:ext cx="7039957" cy="5896798"/>
           </a:xfrm>
           <a:prstGeom prst="rect">
             <a:avLst/>
@@ -6465,7 +7230,7 @@
           <p:cNvPr id="3" name="그림 2">
             <a:extLst>
               <a:ext uri="{FF2B5EF4-FFF2-40B4-BE49-F238E27FC236}">
-                <a16:creationId xmlns:a16="http://schemas.microsoft.com/office/drawing/2014/main" id="{8ECC05EA-5E08-462D-ACB9-A0E3EC4BE5DE}"/>
+                <a16:creationId xmlns:a16="http://schemas.microsoft.com/office/drawing/2014/main" id="{026FA070-5A01-4C0A-9070-6583A0000077}"/>
               </a:ext>
             </a:extLst>
           </p:cNvPr>
@@ -6487,7 +7252,7 @@
         </p:blipFill>
         <p:spPr>
           <a:xfrm>
-            <a:off x="11023209" y="3848469"/>
+            <a:off x="7039957" y="2042160"/>
             <a:ext cx="1168791" cy="1158240"/>
           </a:xfrm>
           <a:prstGeom prst="rect">
@@ -6498,7 +7263,7 @@
     </p:spTree>
     <p:extLst>
       <p:ext uri="{BB962C8B-B14F-4D97-AF65-F5344CB8AC3E}">
-        <p14:creationId xmlns:p14="http://schemas.microsoft.com/office/powerpoint/2010/main" val="3226386490"/>
+        <p14:creationId xmlns:p14="http://schemas.microsoft.com/office/powerpoint/2010/main" val="4194381650"/>
       </p:ext>
     </p:extLst>
   </p:cSld>
@@ -6525,326 +7290,81 @@
           <a:chExt cx="0" cy="0"/>
         </a:xfrm>
       </p:grpSpPr>
-      <p:sp>
-        <p:nvSpPr>
-          <p:cNvPr id="2" name="제목 1">
-            <a:extLst>
-              <a:ext uri="{FF2B5EF4-FFF2-40B4-BE49-F238E27FC236}">
-                <a16:creationId xmlns:a16="http://schemas.microsoft.com/office/drawing/2014/main" id="{314F67E7-9A25-42BE-946D-AB33397AE9D8}"/>
-              </a:ext>
-            </a:extLst>
-          </p:cNvPr>
-          <p:cNvSpPr>
-            <a:spLocks noGrp="1"/>
-          </p:cNvSpPr>
-          <p:nvPr>
-            <p:ph type="title"/>
-          </p:nvPr>
-        </p:nvSpPr>
-        <p:spPr>
-          <a:xfrm>
-            <a:off x="838200" y="-34370"/>
-            <a:ext cx="10515600" cy="1325563"/>
-          </a:xfrm>
-        </p:spPr>
-        <p:txBody>
-          <a:bodyPr/>
-          <a:lstStyle/>
-          <a:p>
-            <a:r>
-              <a:rPr lang="en-US" altLang="ko-KR" dirty="0"/>
-              <a:t>5. </a:t>
-            </a:r>
-            <a:r>
-              <a:rPr lang="ko-KR" altLang="en-US" dirty="0"/>
-              <a:t>관광만족도</a:t>
-            </a:r>
-            <a:r>
-              <a:rPr lang="en-US" altLang="ko-KR" dirty="0"/>
-              <a:t>,</a:t>
-            </a:r>
-            <a:r>
-              <a:rPr lang="ko-KR" altLang="en-US" dirty="0"/>
-              <a:t>불만족요인 등</a:t>
-            </a:r>
-          </a:p>
-        </p:txBody>
-      </p:sp>
-      <p:sp>
-        <p:nvSpPr>
-          <p:cNvPr id="4" name="TextBox 3">
-            <a:extLst>
-              <a:ext uri="{FF2B5EF4-FFF2-40B4-BE49-F238E27FC236}">
-                <a16:creationId xmlns:a16="http://schemas.microsoft.com/office/drawing/2014/main" id="{3C4098F4-68FB-42FE-8618-30A48DCC64B5}"/>
-              </a:ext>
-            </a:extLst>
-          </p:cNvPr>
-          <p:cNvSpPr txBox="1"/>
-          <p:nvPr/>
-        </p:nvSpPr>
-        <p:spPr>
-          <a:xfrm>
-            <a:off x="448845" y="1275128"/>
-            <a:ext cx="5166799" cy="2585323"/>
+      <p:pic>
+        <p:nvPicPr>
+          <p:cNvPr id="5" name="그림 4">
+            <a:extLst>
+              <a:ext uri="{FF2B5EF4-FFF2-40B4-BE49-F238E27FC236}">
+                <a16:creationId xmlns:a16="http://schemas.microsoft.com/office/drawing/2014/main" id="{2D2E3CE6-CD4B-4C76-94A5-F1F24BC361B4}"/>
+              </a:ext>
+            </a:extLst>
+          </p:cNvPr>
+          <p:cNvPicPr>
+            <a:picLocks noChangeAspect="1"/>
+          </p:cNvPicPr>
+          <p:nvPr/>
+        </p:nvPicPr>
+        <p:blipFill>
+          <a:blip r:embed="rId2">
+            <a:extLst>
+              <a:ext uri="{28A0092B-C50C-407E-A947-70E740481C1C}">
+                <a14:useLocalDpi xmlns:a14="http://schemas.microsoft.com/office/drawing/2010/main" val="0"/>
+              </a:ext>
+            </a:extLst>
+          </a:blip>
+          <a:stretch>
+            <a:fillRect/>
+          </a:stretch>
+        </p:blipFill>
+        <p:spPr>
+          <a:xfrm>
+            <a:off x="0" y="0"/>
+            <a:ext cx="12192000" cy="3112102"/>
           </a:xfrm>
           <a:prstGeom prst="rect">
             <a:avLst/>
           </a:prstGeom>
-          <a:noFill/>
-        </p:spPr>
-        <p:txBody>
-          <a:bodyPr wrap="none" rtlCol="0">
-            <a:spAutoFit/>
-          </a:bodyPr>
-          <a:lstStyle/>
-          <a:p>
-            <a:r>
-              <a:rPr lang="en-US" altLang="ko-KR" dirty="0"/>
-              <a:t>*</a:t>
-            </a:r>
-            <a:r>
-              <a:rPr lang="ko-KR" altLang="en-US" dirty="0"/>
-              <a:t>불만족요인</a:t>
-            </a:r>
-            <a:r>
-              <a:rPr lang="en-US" altLang="ko-KR" dirty="0"/>
-              <a:t>[2018]</a:t>
-            </a:r>
-          </a:p>
-          <a:p>
-            <a:pPr marL="285750" indent="-285750">
-              <a:buFontTx/>
-              <a:buChar char="-"/>
-            </a:pPr>
-            <a:r>
-              <a:rPr lang="ko-KR" altLang="en-US" dirty="0"/>
-              <a:t>국적별</a:t>
-            </a:r>
-            <a:endParaRPr lang="en-US" altLang="ko-KR" dirty="0"/>
-          </a:p>
-          <a:p>
-            <a:pPr marL="742950" lvl="1" indent="-285750">
-              <a:buFontTx/>
-              <a:buChar char="-"/>
-            </a:pPr>
-            <a:r>
-              <a:rPr lang="ko-KR" altLang="en-US" dirty="0"/>
-              <a:t>한국</a:t>
-            </a:r>
-            <a:r>
-              <a:rPr lang="en-US" altLang="ko-KR" dirty="0"/>
-              <a:t>,</a:t>
-            </a:r>
-            <a:r>
-              <a:rPr lang="ko-KR" altLang="en-US" dirty="0"/>
-              <a:t>일본</a:t>
-            </a:r>
-            <a:r>
-              <a:rPr lang="en-US" altLang="ko-KR" dirty="0"/>
-              <a:t>,</a:t>
-            </a:r>
-            <a:r>
-              <a:rPr lang="ko-KR" altLang="en-US" dirty="0"/>
-              <a:t>중국</a:t>
-            </a:r>
-            <a:r>
-              <a:rPr lang="en-US" altLang="ko-KR" dirty="0"/>
-              <a:t>,</a:t>
-            </a:r>
-            <a:r>
-              <a:rPr lang="ko-KR" altLang="en-US" dirty="0" err="1"/>
-              <a:t>중화권</a:t>
-            </a:r>
-            <a:r>
-              <a:rPr lang="en-US" altLang="ko-KR" dirty="0"/>
-              <a:t>,</a:t>
-            </a:r>
-            <a:r>
-              <a:rPr lang="ko-KR" altLang="en-US" dirty="0"/>
-              <a:t>동남아</a:t>
-            </a:r>
-            <a:r>
-              <a:rPr lang="en-US" altLang="ko-KR" dirty="0"/>
-              <a:t>,</a:t>
-            </a:r>
-            <a:r>
-              <a:rPr lang="ko-KR" altLang="en-US" dirty="0" err="1"/>
-              <a:t>북미권</a:t>
-            </a:r>
-            <a:r>
-              <a:rPr lang="en-US" altLang="ko-KR" dirty="0"/>
-              <a:t>,</a:t>
-            </a:r>
-            <a:r>
-              <a:rPr lang="ko-KR" altLang="en-US" dirty="0"/>
-              <a:t>기타</a:t>
-            </a:r>
-            <a:endParaRPr lang="en-US" altLang="ko-KR" dirty="0"/>
-          </a:p>
-          <a:p>
-            <a:pPr marL="285750" indent="-285750">
-              <a:buFontTx/>
-              <a:buChar char="-"/>
-            </a:pPr>
-            <a:r>
-              <a:rPr lang="ko-KR" altLang="en-US" dirty="0"/>
-              <a:t>성별</a:t>
-            </a:r>
-            <a:endParaRPr lang="en-US" altLang="ko-KR" dirty="0"/>
-          </a:p>
-          <a:p>
-            <a:pPr marL="742950" lvl="1" indent="-285750">
-              <a:buFontTx/>
-              <a:buChar char="-"/>
-            </a:pPr>
-            <a:r>
-              <a:rPr lang="ko-KR" altLang="en-US" dirty="0"/>
-              <a:t>내국인</a:t>
-            </a:r>
-            <a:r>
-              <a:rPr lang="en-US" altLang="ko-KR" dirty="0"/>
-              <a:t>,</a:t>
-            </a:r>
-            <a:r>
-              <a:rPr lang="ko-KR" altLang="en-US" dirty="0"/>
-              <a:t>외국인</a:t>
-            </a:r>
-            <a:endParaRPr lang="en-US" altLang="ko-KR" dirty="0"/>
-          </a:p>
-          <a:p>
-            <a:pPr marL="285750" indent="-285750">
-              <a:buFontTx/>
-              <a:buChar char="-"/>
-            </a:pPr>
-            <a:r>
-              <a:rPr lang="ko-KR" altLang="en-US" dirty="0"/>
-              <a:t>연령별</a:t>
-            </a:r>
-            <a:endParaRPr lang="en-US" altLang="ko-KR" dirty="0"/>
-          </a:p>
-          <a:p>
-            <a:pPr marL="742950" lvl="1" indent="-285750">
-              <a:buFontTx/>
-              <a:buChar char="-"/>
-            </a:pPr>
-            <a:r>
-              <a:rPr lang="ko-KR" altLang="en-US" dirty="0"/>
-              <a:t>내국인</a:t>
-            </a:r>
-            <a:r>
-              <a:rPr lang="en-US" altLang="ko-KR" dirty="0"/>
-              <a:t>,</a:t>
-            </a:r>
-            <a:r>
-              <a:rPr lang="ko-KR" altLang="en-US" dirty="0"/>
-              <a:t>외국인</a:t>
-            </a:r>
-            <a:endParaRPr lang="en-US" altLang="ko-KR" dirty="0"/>
-          </a:p>
-          <a:p>
-            <a:pPr marL="285750" indent="-285750">
-              <a:buFontTx/>
-              <a:buChar char="-"/>
-            </a:pPr>
-            <a:r>
-              <a:rPr lang="ko-KR" altLang="en-US" dirty="0"/>
-              <a:t>여행형태별</a:t>
-            </a:r>
-            <a:endParaRPr lang="en-US" altLang="ko-KR" dirty="0"/>
-          </a:p>
-          <a:p>
-            <a:pPr marL="742950" lvl="1" indent="-285750">
-              <a:buFontTx/>
-              <a:buChar char="-"/>
-            </a:pPr>
-            <a:r>
-              <a:rPr lang="ko-KR" altLang="en-US" dirty="0"/>
-              <a:t>내국인</a:t>
-            </a:r>
-            <a:r>
-              <a:rPr lang="en-US" altLang="ko-KR" dirty="0"/>
-              <a:t>,</a:t>
-            </a:r>
-            <a:r>
-              <a:rPr lang="ko-KR" altLang="en-US" dirty="0"/>
-              <a:t>외국인</a:t>
-            </a:r>
-          </a:p>
-        </p:txBody>
-      </p:sp>
-      <p:sp>
-        <p:nvSpPr>
-          <p:cNvPr id="6" name="TextBox 5">
-            <a:extLst>
-              <a:ext uri="{FF2B5EF4-FFF2-40B4-BE49-F238E27FC236}">
-                <a16:creationId xmlns:a16="http://schemas.microsoft.com/office/drawing/2014/main" id="{1EF6CF83-2ED9-417B-A8EB-AC9048CDBA64}"/>
-              </a:ext>
-            </a:extLst>
-          </p:cNvPr>
-          <p:cNvSpPr txBox="1"/>
-          <p:nvPr/>
-        </p:nvSpPr>
-        <p:spPr>
-          <a:xfrm>
-            <a:off x="6576358" y="1291193"/>
-            <a:ext cx="2073003" cy="923330"/>
+        </p:spPr>
+      </p:pic>
+      <p:pic>
+        <p:nvPicPr>
+          <p:cNvPr id="3" name="그림 2">
+            <a:extLst>
+              <a:ext uri="{FF2B5EF4-FFF2-40B4-BE49-F238E27FC236}">
+                <a16:creationId xmlns:a16="http://schemas.microsoft.com/office/drawing/2014/main" id="{9A6140F8-B5D0-4F19-9D7E-7CC8A543A8D8}"/>
+              </a:ext>
+            </a:extLst>
+          </p:cNvPr>
+          <p:cNvPicPr>
+            <a:picLocks noChangeAspect="1"/>
+          </p:cNvPicPr>
+          <p:nvPr/>
+        </p:nvPicPr>
+        <p:blipFill rotWithShape="1">
+          <a:blip r:embed="rId3">
+            <a:extLst>
+              <a:ext uri="{28A0092B-C50C-407E-A947-70E740481C1C}">
+                <a14:useLocalDpi xmlns:a14="http://schemas.microsoft.com/office/drawing/2010/main" val="0"/>
+              </a:ext>
+            </a:extLst>
+          </a:blip>
+          <a:srcRect l="81537" t="41333" b="41778"/>
+          <a:stretch/>
+        </p:blipFill>
+        <p:spPr>
+          <a:xfrm>
+            <a:off x="11023209" y="3166779"/>
+            <a:ext cx="1168791" cy="1158240"/>
           </a:xfrm>
           <a:prstGeom prst="rect">
             <a:avLst/>
           </a:prstGeom>
-          <a:noFill/>
-        </p:spPr>
-        <p:txBody>
-          <a:bodyPr wrap="none" rtlCol="0">
-            <a:spAutoFit/>
-          </a:bodyPr>
-          <a:lstStyle/>
-          <a:p>
-            <a:r>
-              <a:rPr lang="en-US" altLang="ko-KR" dirty="0"/>
-              <a:t>*</a:t>
-            </a:r>
-            <a:r>
-              <a:rPr lang="ko-KR" altLang="en-US" dirty="0"/>
-              <a:t>만족활동</a:t>
-            </a:r>
-            <a:r>
-              <a:rPr lang="en-US" altLang="ko-KR" dirty="0"/>
-              <a:t>[2018]</a:t>
-            </a:r>
-          </a:p>
-          <a:p>
-            <a:pPr marL="285750" indent="-285750">
-              <a:buFontTx/>
-              <a:buChar char="-"/>
-            </a:pPr>
-            <a:r>
-              <a:rPr lang="ko-KR" altLang="en-US" dirty="0"/>
-              <a:t>국적별</a:t>
-            </a:r>
-            <a:r>
-              <a:rPr lang="en-US" altLang="ko-KR" dirty="0"/>
-              <a:t> : </a:t>
-            </a:r>
-            <a:r>
-              <a:rPr lang="ko-KR" altLang="en-US" dirty="0"/>
-              <a:t>국내외</a:t>
-            </a:r>
-            <a:endParaRPr lang="en-US" altLang="ko-KR" dirty="0"/>
-          </a:p>
-          <a:p>
-            <a:pPr marL="285750" indent="-285750">
-              <a:buFontTx/>
-              <a:buChar char="-"/>
-            </a:pPr>
-            <a:endParaRPr lang="en-US" altLang="ko-KR" dirty="0"/>
-          </a:p>
-        </p:txBody>
-      </p:sp>
+        </p:spPr>
+      </p:pic>
     </p:spTree>
     <p:extLst>
       <p:ext uri="{BB962C8B-B14F-4D97-AF65-F5344CB8AC3E}">
-        <p14:creationId xmlns:p14="http://schemas.microsoft.com/office/powerpoint/2010/main" val="2708079545"/>
+        <p14:creationId xmlns:p14="http://schemas.microsoft.com/office/powerpoint/2010/main" val="287088337"/>
       </p:ext>
     </p:extLst>
   </p:cSld>
@@ -6873,10 +7393,10 @@
       </p:grpSpPr>
       <p:pic>
         <p:nvPicPr>
-          <p:cNvPr id="7" name="그림 6">
-            <a:extLst>
-              <a:ext uri="{FF2B5EF4-FFF2-40B4-BE49-F238E27FC236}">
-                <a16:creationId xmlns:a16="http://schemas.microsoft.com/office/drawing/2014/main" id="{E5EBF3F1-E980-4E54-8A7C-ACE6F0CA0955}"/>
+          <p:cNvPr id="5" name="그림 4">
+            <a:extLst>
+              <a:ext uri="{FF2B5EF4-FFF2-40B4-BE49-F238E27FC236}">
+                <a16:creationId xmlns:a16="http://schemas.microsoft.com/office/drawing/2014/main" id="{328534F7-5680-47C0-A256-4BA132F5551F}"/>
               </a:ext>
             </a:extLst>
           </p:cNvPr>
@@ -6900,188 +7420,19 @@
         <p:spPr>
           <a:xfrm>
             <a:off x="0" y="0"/>
-            <a:ext cx="5112297" cy="5896798"/>
+            <a:ext cx="12192000" cy="3848469"/>
           </a:xfrm>
           <a:prstGeom prst="rect">
             <a:avLst/>
           </a:prstGeom>
         </p:spPr>
       </p:pic>
-      <p:sp>
-        <p:nvSpPr>
-          <p:cNvPr id="5" name="TextBox 4">
-            <a:extLst>
-              <a:ext uri="{FF2B5EF4-FFF2-40B4-BE49-F238E27FC236}">
-                <a16:creationId xmlns:a16="http://schemas.microsoft.com/office/drawing/2014/main" id="{16A4DC1B-1B4F-4BF0-8B20-A67590D8B803}"/>
-              </a:ext>
-            </a:extLst>
-          </p:cNvPr>
-          <p:cNvSpPr txBox="1"/>
-          <p:nvPr/>
-        </p:nvSpPr>
-        <p:spPr>
-          <a:xfrm>
-            <a:off x="0" y="5688449"/>
-            <a:ext cx="4188967" cy="1169551"/>
-          </a:xfrm>
-          <a:prstGeom prst="rect">
-            <a:avLst/>
-          </a:prstGeom>
-          <a:noFill/>
-        </p:spPr>
-        <p:txBody>
-          <a:bodyPr wrap="none" rtlCol="0">
-            <a:spAutoFit/>
-          </a:bodyPr>
-          <a:lstStyle/>
-          <a:p>
-            <a:r>
-              <a:rPr lang="en-US" altLang="ko-KR" sz="1400" dirty="0"/>
-              <a:t>*</a:t>
-            </a:r>
-            <a:r>
-              <a:rPr lang="ko-KR" altLang="en-US" sz="1400" dirty="0"/>
-              <a:t>국적별 </a:t>
-            </a:r>
-            <a:r>
-              <a:rPr lang="ko-KR" altLang="en-US" sz="1400" dirty="0" err="1"/>
-              <a:t>여행불만족요인</a:t>
-            </a:r>
-            <a:endParaRPr lang="en-US" altLang="ko-KR" sz="1400" dirty="0"/>
-          </a:p>
-          <a:p>
-            <a:r>
-              <a:rPr lang="en-US" altLang="ko-KR" sz="1400" dirty="0"/>
-              <a:t>- </a:t>
-            </a:r>
-            <a:r>
-              <a:rPr lang="ko-KR" altLang="en-US" sz="1400" dirty="0"/>
-              <a:t>물가에 민감</a:t>
-            </a:r>
-            <a:r>
-              <a:rPr lang="en-US" altLang="ko-KR" sz="1400" dirty="0"/>
-              <a:t> ‘</a:t>
-            </a:r>
-            <a:r>
-              <a:rPr lang="ko-KR" altLang="en-US" sz="1400" dirty="0"/>
-              <a:t>한국</a:t>
-            </a:r>
-            <a:r>
-              <a:rPr lang="en-US" altLang="ko-KR" sz="1400" dirty="0"/>
-              <a:t>’, ‘</a:t>
-            </a:r>
-            <a:r>
-              <a:rPr lang="ko-KR" altLang="en-US" sz="1400" dirty="0" err="1"/>
-              <a:t>중화권</a:t>
-            </a:r>
-            <a:r>
-              <a:rPr lang="en-US" altLang="ko-KR" sz="1400" dirty="0"/>
-              <a:t>’, ‘</a:t>
-            </a:r>
-            <a:r>
-              <a:rPr lang="ko-KR" altLang="en-US" sz="1400" dirty="0"/>
-              <a:t>동남아권</a:t>
-            </a:r>
-            <a:r>
-              <a:rPr lang="en-US" altLang="ko-KR" sz="1400" dirty="0"/>
-              <a:t>’</a:t>
-            </a:r>
-          </a:p>
-          <a:p>
-            <a:r>
-              <a:rPr lang="en-US" altLang="ko-KR" sz="1400" dirty="0"/>
-              <a:t>- </a:t>
-            </a:r>
-            <a:r>
-              <a:rPr lang="ko-KR" altLang="en-US" sz="1400" dirty="0"/>
-              <a:t>대체적으로 만족하는 </a:t>
-            </a:r>
-            <a:r>
-              <a:rPr lang="en-US" altLang="ko-KR" sz="1400" dirty="0"/>
-              <a:t>‘</a:t>
-            </a:r>
-            <a:r>
-              <a:rPr lang="ko-KR" altLang="en-US" sz="1400" dirty="0"/>
-              <a:t>한국</a:t>
-            </a:r>
-            <a:r>
-              <a:rPr lang="en-US" altLang="ko-KR" sz="1400" dirty="0"/>
-              <a:t>’</a:t>
-            </a:r>
-          </a:p>
-          <a:p>
-            <a:r>
-              <a:rPr lang="en-US" altLang="ko-KR" sz="1400" dirty="0"/>
-              <a:t>- </a:t>
-            </a:r>
-            <a:r>
-              <a:rPr lang="ko-KR" altLang="en-US" sz="1400" dirty="0"/>
-              <a:t>언어소통의 불편함을 느끼는 </a:t>
-            </a:r>
-            <a:r>
-              <a:rPr lang="en-US" altLang="ko-KR" sz="1400" dirty="0"/>
-              <a:t>‘</a:t>
-            </a:r>
-            <a:r>
-              <a:rPr lang="ko-KR" altLang="en-US" sz="1400" dirty="0"/>
-              <a:t>동남아권‘</a:t>
-            </a:r>
-            <a:r>
-              <a:rPr lang="en-US" altLang="ko-KR" sz="1400" dirty="0"/>
-              <a:t>, ’</a:t>
-            </a:r>
-            <a:r>
-              <a:rPr lang="ko-KR" altLang="en-US" sz="1400" dirty="0" err="1"/>
-              <a:t>북미권</a:t>
-            </a:r>
-            <a:r>
-              <a:rPr lang="en-US" altLang="ko-KR" sz="1400" dirty="0"/>
-              <a:t>’</a:t>
-            </a:r>
-          </a:p>
-          <a:p>
-            <a:r>
-              <a:rPr lang="en-US" altLang="ko-KR" sz="1400" dirty="0"/>
-              <a:t>- </a:t>
-            </a:r>
-            <a:r>
-              <a:rPr lang="ko-KR" altLang="en-US" sz="1400" dirty="0"/>
-              <a:t>식당과 음식이 불결</a:t>
-            </a:r>
-            <a:r>
-              <a:rPr lang="en-US" altLang="ko-KR" sz="1400" dirty="0"/>
-              <a:t>, </a:t>
-            </a:r>
-            <a:r>
-              <a:rPr lang="ko-KR" altLang="en-US" sz="1400" dirty="0" err="1"/>
-              <a:t>음식맛이</a:t>
-            </a:r>
-            <a:r>
-              <a:rPr lang="ko-KR" altLang="en-US" sz="1400" dirty="0"/>
-              <a:t> 맞지않 </a:t>
-            </a:r>
-            <a:r>
-              <a:rPr lang="en-US" altLang="ko-KR" sz="1400" dirty="0"/>
-              <a:t>‘</a:t>
-            </a:r>
-            <a:r>
-              <a:rPr lang="ko-KR" altLang="en-US" sz="1400" dirty="0" err="1"/>
-              <a:t>북미권</a:t>
-            </a:r>
-            <a:r>
-              <a:rPr lang="ko-KR" altLang="en-US" sz="1400" dirty="0"/>
-              <a:t>＇</a:t>
-            </a:r>
-            <a:endParaRPr lang="en-US" altLang="ko-KR" sz="1400" dirty="0"/>
-          </a:p>
-        </p:txBody>
-      </p:sp>
       <p:pic>
         <p:nvPicPr>
-          <p:cNvPr id="4" name="그림 3">
-            <a:extLst>
-              <a:ext uri="{FF2B5EF4-FFF2-40B4-BE49-F238E27FC236}">
-                <a16:creationId xmlns:a16="http://schemas.microsoft.com/office/drawing/2014/main" id="{FB6E30FB-052A-4142-A273-5FC8FDB55A86}"/>
+          <p:cNvPr id="3" name="그림 2">
+            <a:extLst>
+              <a:ext uri="{FF2B5EF4-FFF2-40B4-BE49-F238E27FC236}">
+                <a16:creationId xmlns:a16="http://schemas.microsoft.com/office/drawing/2014/main" id="{8ECC05EA-5E08-462D-ACB9-A0E3EC4BE5DE}"/>
               </a:ext>
             </a:extLst>
           </p:cNvPr>
@@ -7090,7 +7441,7 @@
           </p:cNvPicPr>
           <p:nvPr/>
         </p:nvPicPr>
-        <p:blipFill>
+        <p:blipFill rotWithShape="1">
           <a:blip r:embed="rId3">
             <a:extLst>
               <a:ext uri="{28A0092B-C50C-407E-A947-70E740481C1C}">
@@ -7098,261 +7449,23 @@
               </a:ext>
             </a:extLst>
           </a:blip>
-          <a:stretch>
-            <a:fillRect/>
-          </a:stretch>
+          <a:srcRect l="81537" t="41333" b="41778"/>
+          <a:stretch/>
         </p:blipFill>
         <p:spPr>
           <a:xfrm>
-            <a:off x="3352800" y="0"/>
-            <a:ext cx="5112297" cy="5896798"/>
+            <a:off x="11023209" y="3848469"/>
+            <a:ext cx="1168791" cy="1158240"/>
           </a:xfrm>
           <a:prstGeom prst="rect">
             <a:avLst/>
           </a:prstGeom>
         </p:spPr>
       </p:pic>
-      <p:sp>
-        <p:nvSpPr>
-          <p:cNvPr id="6" name="TextBox 5">
-            <a:extLst>
-              <a:ext uri="{FF2B5EF4-FFF2-40B4-BE49-F238E27FC236}">
-                <a16:creationId xmlns:a16="http://schemas.microsoft.com/office/drawing/2014/main" id="{9E30D4D8-968F-414D-A2C9-031F5C1C8EE7}"/>
-              </a:ext>
-            </a:extLst>
-          </p:cNvPr>
-          <p:cNvSpPr txBox="1"/>
-          <p:nvPr/>
-        </p:nvSpPr>
-        <p:spPr>
-          <a:xfrm>
-            <a:off x="4188967" y="5688449"/>
-            <a:ext cx="4652637" cy="954107"/>
-          </a:xfrm>
-          <a:prstGeom prst="rect">
-            <a:avLst/>
-          </a:prstGeom>
-          <a:noFill/>
-        </p:spPr>
-        <p:txBody>
-          <a:bodyPr wrap="square" rtlCol="0">
-            <a:spAutoFit/>
-          </a:bodyPr>
-          <a:lstStyle/>
-          <a:p>
-            <a:r>
-              <a:rPr lang="en-US" altLang="ko-KR" sz="1400" dirty="0"/>
-              <a:t>*</a:t>
-            </a:r>
-            <a:r>
-              <a:rPr lang="ko-KR" altLang="en-US" sz="1400" dirty="0"/>
-              <a:t>성별 </a:t>
-            </a:r>
-            <a:r>
-              <a:rPr lang="ko-KR" altLang="en-US" sz="1400" dirty="0" err="1"/>
-              <a:t>여행불만족요인</a:t>
-            </a:r>
-            <a:endParaRPr lang="en-US" altLang="ko-KR" sz="1400" dirty="0"/>
-          </a:p>
-          <a:p>
-            <a:r>
-              <a:rPr lang="en-US" altLang="ko-KR" sz="1400" dirty="0"/>
-              <a:t>- </a:t>
-            </a:r>
-            <a:r>
-              <a:rPr lang="ko-KR" altLang="en-US" sz="1400" dirty="0"/>
-              <a:t>반이상은 만족하는 </a:t>
-            </a:r>
-            <a:r>
-              <a:rPr lang="en-US" altLang="ko-KR" sz="1400" dirty="0"/>
-              <a:t>‘</a:t>
-            </a:r>
-            <a:r>
-              <a:rPr lang="ko-KR" altLang="en-US" sz="1400" dirty="0"/>
-              <a:t>한국인</a:t>
-            </a:r>
-            <a:r>
-              <a:rPr lang="en-US" altLang="ko-KR" sz="1400" dirty="0"/>
-              <a:t>’</a:t>
-            </a:r>
-          </a:p>
-          <a:p>
-            <a:r>
-              <a:rPr lang="en-US" altLang="ko-KR" sz="1400" dirty="0"/>
-              <a:t>- </a:t>
-            </a:r>
-            <a:r>
-              <a:rPr lang="ko-KR" altLang="en-US" sz="1400" dirty="0"/>
-              <a:t>물가에 민감 </a:t>
-            </a:r>
-            <a:r>
-              <a:rPr lang="en-US" altLang="ko-KR" sz="1400" dirty="0"/>
-              <a:t>‘</a:t>
-            </a:r>
-            <a:r>
-              <a:rPr lang="ko-KR" altLang="en-US" sz="1400" dirty="0"/>
-              <a:t>한국인</a:t>
-            </a:r>
-            <a:r>
-              <a:rPr lang="en-US" altLang="ko-KR" sz="1400" dirty="0"/>
-              <a:t>’ </a:t>
-            </a:r>
-          </a:p>
-          <a:p>
-            <a:r>
-              <a:rPr lang="en-US" altLang="ko-KR" sz="1400" dirty="0"/>
-              <a:t>- </a:t>
-            </a:r>
-            <a:r>
-              <a:rPr lang="ko-KR" altLang="en-US" sz="1400" dirty="0"/>
-              <a:t>언어소통</a:t>
-            </a:r>
-            <a:r>
-              <a:rPr lang="en-US" altLang="ko-KR" sz="1400" dirty="0"/>
-              <a:t>,</a:t>
-            </a:r>
-            <a:r>
-              <a:rPr lang="ko-KR" altLang="en-US" sz="1400" dirty="0"/>
-              <a:t>여행정보</a:t>
-            </a:r>
-            <a:r>
-              <a:rPr lang="en-US" altLang="ko-KR" sz="1400" dirty="0"/>
-              <a:t>,</a:t>
-            </a:r>
-            <a:r>
-              <a:rPr lang="ko-KR" altLang="en-US" sz="1400" dirty="0"/>
-              <a:t>물가</a:t>
-            </a:r>
-            <a:r>
-              <a:rPr lang="en-US" altLang="ko-KR" sz="1400" dirty="0"/>
-              <a:t>,</a:t>
-            </a:r>
-            <a:r>
-              <a:rPr lang="ko-KR" altLang="en-US" sz="1400" dirty="0"/>
-              <a:t>대중교통이용 불편 </a:t>
-            </a:r>
-            <a:r>
-              <a:rPr lang="en-US" altLang="ko-KR" sz="1400" dirty="0"/>
-              <a:t>’</a:t>
-            </a:r>
-            <a:r>
-              <a:rPr lang="ko-KR" altLang="en-US" sz="1400" dirty="0"/>
-              <a:t>외국인</a:t>
-            </a:r>
-            <a:r>
-              <a:rPr lang="en-US" altLang="ko-KR" sz="1400" dirty="0"/>
-              <a:t>’</a:t>
-            </a:r>
-          </a:p>
-        </p:txBody>
-      </p:sp>
-      <p:pic>
-        <p:nvPicPr>
-          <p:cNvPr id="8" name="그림 7">
-            <a:extLst>
-              <a:ext uri="{FF2B5EF4-FFF2-40B4-BE49-F238E27FC236}">
-                <a16:creationId xmlns:a16="http://schemas.microsoft.com/office/drawing/2014/main" id="{2669F655-5C78-46E2-96E0-40E7E5E883EA}"/>
-              </a:ext>
-            </a:extLst>
-          </p:cNvPr>
-          <p:cNvPicPr>
-            <a:picLocks noChangeAspect="1"/>
-          </p:cNvPicPr>
-          <p:nvPr/>
-        </p:nvPicPr>
-        <p:blipFill>
-          <a:blip r:embed="rId4">
-            <a:extLst>
-              <a:ext uri="{28A0092B-C50C-407E-A947-70E740481C1C}">
-                <a14:useLocalDpi xmlns:a14="http://schemas.microsoft.com/office/drawing/2010/main" val="0"/>
-              </a:ext>
-            </a:extLst>
-          </a:blip>
-          <a:stretch>
-            <a:fillRect/>
-          </a:stretch>
-        </p:blipFill>
-        <p:spPr>
-          <a:xfrm>
-            <a:off x="6629771" y="0"/>
-            <a:ext cx="5562229" cy="5896798"/>
-          </a:xfrm>
-          <a:prstGeom prst="rect">
-            <a:avLst/>
-          </a:prstGeom>
-        </p:spPr>
-      </p:pic>
-      <p:sp>
-        <p:nvSpPr>
-          <p:cNvPr id="9" name="TextBox 8">
-            <a:extLst>
-              <a:ext uri="{FF2B5EF4-FFF2-40B4-BE49-F238E27FC236}">
-                <a16:creationId xmlns:a16="http://schemas.microsoft.com/office/drawing/2014/main" id="{8BDA42CC-CF3B-41D4-A5F2-1FB675D8EA92}"/>
-              </a:ext>
-            </a:extLst>
-          </p:cNvPr>
-          <p:cNvSpPr txBox="1"/>
-          <p:nvPr/>
-        </p:nvSpPr>
-        <p:spPr>
-          <a:xfrm>
-            <a:off x="8205011" y="5965448"/>
-            <a:ext cx="3986989" cy="523220"/>
-          </a:xfrm>
-          <a:prstGeom prst="rect">
-            <a:avLst/>
-          </a:prstGeom>
-          <a:noFill/>
-        </p:spPr>
-        <p:txBody>
-          <a:bodyPr wrap="none" rtlCol="0">
-            <a:spAutoFit/>
-          </a:bodyPr>
-          <a:lstStyle/>
-          <a:p>
-            <a:r>
-              <a:rPr lang="en-US" altLang="ko-KR" sz="1400" dirty="0"/>
-              <a:t>*</a:t>
-            </a:r>
-            <a:r>
-              <a:rPr lang="ko-KR" altLang="en-US" sz="1400" dirty="0"/>
-              <a:t>여행형태별 </a:t>
-            </a:r>
-            <a:r>
-              <a:rPr lang="ko-KR" altLang="en-US" sz="1400" dirty="0" err="1"/>
-              <a:t>여행불만족요인</a:t>
-            </a:r>
-            <a:endParaRPr lang="en-US" altLang="ko-KR" sz="1400" dirty="0"/>
-          </a:p>
-          <a:p>
-            <a:r>
-              <a:rPr lang="en-US" altLang="ko-KR" sz="1400" dirty="0"/>
-              <a:t>	- </a:t>
-            </a:r>
-            <a:r>
-              <a:rPr lang="ko-KR" altLang="en-US" sz="1400" dirty="0" err="1"/>
-              <a:t>물가비싸다</a:t>
-            </a:r>
-            <a:r>
-              <a:rPr lang="ko-KR" altLang="en-US" sz="1400" dirty="0"/>
-              <a:t> 외에는 만족함 </a:t>
-            </a:r>
-            <a:r>
-              <a:rPr lang="en-US" altLang="ko-KR" sz="1400" dirty="0"/>
-              <a:t>‘</a:t>
-            </a:r>
-            <a:r>
-              <a:rPr lang="ko-KR" altLang="en-US" sz="1400" dirty="0"/>
-              <a:t>한국＇</a:t>
-            </a:r>
-            <a:endParaRPr lang="en-US" altLang="ko-KR" sz="1400" dirty="0"/>
-          </a:p>
-        </p:txBody>
-      </p:sp>
     </p:spTree>
     <p:extLst>
       <p:ext uri="{BB962C8B-B14F-4D97-AF65-F5344CB8AC3E}">
-        <p14:creationId xmlns:p14="http://schemas.microsoft.com/office/powerpoint/2010/main" val="525416835"/>
+        <p14:creationId xmlns:p14="http://schemas.microsoft.com/office/powerpoint/2010/main" val="3226386490"/>
       </p:ext>
     </p:extLst>
   </p:cSld>
@@ -7379,48 +7492,57 @@
           <a:chExt cx="0" cy="0"/>
         </a:xfrm>
       </p:grpSpPr>
-      <p:pic>
-        <p:nvPicPr>
-          <p:cNvPr id="5" name="그림 4">
-            <a:extLst>
-              <a:ext uri="{FF2B5EF4-FFF2-40B4-BE49-F238E27FC236}">
-                <a16:creationId xmlns:a16="http://schemas.microsoft.com/office/drawing/2014/main" id="{AE6EF526-FA06-4EC5-839B-67B3D79C577F}"/>
-              </a:ext>
-            </a:extLst>
-          </p:cNvPr>
-          <p:cNvPicPr>
-            <a:picLocks noChangeAspect="1"/>
-          </p:cNvPicPr>
-          <p:nvPr/>
-        </p:nvPicPr>
-        <p:blipFill>
-          <a:blip r:embed="rId2">
-            <a:extLst>
-              <a:ext uri="{28A0092B-C50C-407E-A947-70E740481C1C}">
-                <a14:useLocalDpi xmlns:a14="http://schemas.microsoft.com/office/drawing/2010/main" val="0"/>
-              </a:ext>
-            </a:extLst>
-          </a:blip>
-          <a:stretch>
-            <a:fillRect/>
-          </a:stretch>
-        </p:blipFill>
-        <p:spPr>
-          <a:xfrm>
-            <a:off x="0" y="0"/>
-            <a:ext cx="8526065" cy="5896798"/>
-          </a:xfrm>
-          <a:prstGeom prst="rect">
-            <a:avLst/>
-          </a:prstGeom>
-        </p:spPr>
-      </p:pic>
       <p:sp>
         <p:nvSpPr>
-          <p:cNvPr id="6" name="TextBox 5">
-            <a:extLst>
-              <a:ext uri="{FF2B5EF4-FFF2-40B4-BE49-F238E27FC236}">
-                <a16:creationId xmlns:a16="http://schemas.microsoft.com/office/drawing/2014/main" id="{3DF25124-A5A6-40DE-A89A-FD3801565F83}"/>
+          <p:cNvPr id="2" name="제목 1">
+            <a:extLst>
+              <a:ext uri="{FF2B5EF4-FFF2-40B4-BE49-F238E27FC236}">
+                <a16:creationId xmlns:a16="http://schemas.microsoft.com/office/drawing/2014/main" id="{314F67E7-9A25-42BE-946D-AB33397AE9D8}"/>
+              </a:ext>
+            </a:extLst>
+          </p:cNvPr>
+          <p:cNvSpPr>
+            <a:spLocks noGrp="1"/>
+          </p:cNvSpPr>
+          <p:nvPr>
+            <p:ph type="title"/>
+          </p:nvPr>
+        </p:nvSpPr>
+        <p:spPr>
+          <a:xfrm>
+            <a:off x="838200" y="-34370"/>
+            <a:ext cx="10515600" cy="1325563"/>
+          </a:xfrm>
+        </p:spPr>
+        <p:txBody>
+          <a:bodyPr/>
+          <a:lstStyle/>
+          <a:p>
+            <a:r>
+              <a:rPr lang="en-US" altLang="ko-KR" dirty="0"/>
+              <a:t>5. </a:t>
+            </a:r>
+            <a:r>
+              <a:rPr lang="ko-KR" altLang="en-US" dirty="0"/>
+              <a:t>관광만족도</a:t>
+            </a:r>
+            <a:r>
+              <a:rPr lang="en-US" altLang="ko-KR" dirty="0"/>
+              <a:t>,</a:t>
+            </a:r>
+            <a:r>
+              <a:rPr lang="ko-KR" altLang="en-US" dirty="0"/>
+              <a:t>불만족요인 등</a:t>
+            </a:r>
+          </a:p>
+        </p:txBody>
+      </p:sp>
+      <p:sp>
+        <p:nvSpPr>
+          <p:cNvPr id="4" name="TextBox 3">
+            <a:extLst>
+              <a:ext uri="{FF2B5EF4-FFF2-40B4-BE49-F238E27FC236}">
+                <a16:creationId xmlns:a16="http://schemas.microsoft.com/office/drawing/2014/main" id="{3C4098F4-68FB-42FE-8618-30A48DCC64B5}"/>
               </a:ext>
             </a:extLst>
           </p:cNvPr>
@@ -7429,8 +7551,8 @@
         </p:nvSpPr>
         <p:spPr>
           <a:xfrm>
-            <a:off x="7773590" y="222538"/>
-            <a:ext cx="4193777" cy="1600438"/>
+            <a:off x="448845" y="1275128"/>
+            <a:ext cx="5166799" cy="2585323"/>
           </a:xfrm>
           <a:prstGeom prst="rect">
             <a:avLst/>
@@ -7444,163 +7566,428 @@
           <a:lstStyle/>
           <a:p>
             <a:r>
-              <a:rPr lang="en-US" altLang="ko-KR" sz="1400" dirty="0"/>
+              <a:rPr lang="en-US" altLang="ko-KR" dirty="0"/>
               <a:t>*</a:t>
             </a:r>
             <a:r>
-              <a:rPr lang="ko-KR" altLang="en-US" sz="1400" dirty="0"/>
-              <a:t>연령별 </a:t>
-            </a:r>
-            <a:r>
-              <a:rPr lang="ko-KR" altLang="en-US" sz="1400" dirty="0" err="1"/>
-              <a:t>여행불만족요인</a:t>
-            </a:r>
-            <a:endParaRPr lang="en-US" altLang="ko-KR" sz="1400" dirty="0"/>
-          </a:p>
-          <a:p>
-            <a:r>
-              <a:rPr lang="en-US" altLang="ko-KR" sz="1400" dirty="0"/>
-              <a:t>	- </a:t>
-            </a:r>
-            <a:r>
-              <a:rPr lang="ko-KR" altLang="en-US" sz="1400" dirty="0"/>
-              <a:t>연령이 높을수록 여행 만족 높</a:t>
-            </a:r>
-            <a:r>
-              <a:rPr lang="en-US" altLang="ko-KR" sz="1400" dirty="0"/>
-              <a:t>.</a:t>
-            </a:r>
-            <a:r>
-              <a:rPr lang="ko-KR" altLang="en-US" sz="1400" dirty="0"/>
-              <a:t> </a:t>
-            </a:r>
-            <a:r>
-              <a:rPr lang="en-US" altLang="ko-KR" sz="1400" dirty="0"/>
-              <a:t>‘</a:t>
-            </a:r>
-            <a:r>
-              <a:rPr lang="ko-KR" altLang="en-US" sz="1400" dirty="0"/>
+              <a:rPr lang="ko-KR" altLang="en-US" dirty="0"/>
+              <a:t>불만족요인</a:t>
+            </a:r>
+            <a:r>
+              <a:rPr lang="en-US" altLang="ko-KR" dirty="0"/>
+              <a:t>[2018]</a:t>
+            </a:r>
+          </a:p>
+          <a:p>
+            <a:pPr marL="285750" indent="-285750">
+              <a:buFontTx/>
+              <a:buChar char="-"/>
+            </a:pPr>
+            <a:r>
+              <a:rPr lang="ko-KR" altLang="en-US" dirty="0"/>
+              <a:t>국적별</a:t>
+            </a:r>
+            <a:endParaRPr lang="en-US" altLang="ko-KR" dirty="0"/>
+          </a:p>
+          <a:p>
+            <a:pPr marL="742950" lvl="1" indent="-285750">
+              <a:buFontTx/>
+              <a:buChar char="-"/>
+            </a:pPr>
+            <a:r>
+              <a:rPr lang="ko-KR" altLang="en-US" dirty="0"/>
               <a:t>한국</a:t>
             </a:r>
             <a:r>
-              <a:rPr lang="en-US" altLang="ko-KR" sz="1400" dirty="0"/>
-              <a:t>’</a:t>
-            </a:r>
-          </a:p>
-          <a:p>
-            <a:r>
-              <a:rPr lang="en-US" altLang="ko-KR" sz="1400" dirty="0"/>
-              <a:t>	-  </a:t>
-            </a:r>
-            <a:r>
-              <a:rPr lang="ko-KR" altLang="en-US" sz="1400" dirty="0"/>
-              <a:t>대체적으로 물가에 민감 </a:t>
-            </a:r>
-            <a:r>
-              <a:rPr lang="en-US" altLang="ko-KR" sz="1400" dirty="0"/>
-              <a:t>‘</a:t>
-            </a:r>
-            <a:r>
-              <a:rPr lang="ko-KR" altLang="en-US" sz="1400" dirty="0"/>
-              <a:t>한국‘</a:t>
-            </a:r>
-            <a:endParaRPr lang="en-US" altLang="ko-KR" sz="1400" dirty="0"/>
-          </a:p>
-          <a:p>
-            <a:r>
-              <a:rPr lang="en-US" altLang="ko-KR" sz="1400" dirty="0"/>
-              <a:t>	- </a:t>
-            </a:r>
-            <a:r>
-              <a:rPr lang="ko-KR" altLang="en-US" sz="1400" dirty="0"/>
-              <a:t>대중교통 불편 </a:t>
-            </a:r>
-            <a:r>
-              <a:rPr lang="en-US" altLang="ko-KR" sz="1400" dirty="0"/>
-              <a:t>‘</a:t>
-            </a:r>
-            <a:r>
-              <a:rPr lang="ko-KR" altLang="en-US" sz="1400" dirty="0"/>
-              <a:t>한국 </a:t>
-            </a:r>
-            <a:r>
-              <a:rPr lang="en-US" altLang="ko-KR" sz="1400" dirty="0"/>
-              <a:t>15-20</a:t>
-            </a:r>
-            <a:r>
-              <a:rPr lang="ko-KR" altLang="en-US" sz="1400" dirty="0"/>
-              <a:t>대</a:t>
-            </a:r>
-            <a:r>
-              <a:rPr lang="en-US" altLang="ko-KR" sz="1400" dirty="0"/>
-              <a:t>’</a:t>
-            </a:r>
-          </a:p>
-          <a:p>
-            <a:endParaRPr lang="en-US" altLang="ko-KR" sz="1400" dirty="0"/>
-          </a:p>
-          <a:p>
-            <a:r>
-              <a:rPr lang="en-US" altLang="ko-KR" sz="1400" dirty="0"/>
-              <a:t>	-</a:t>
-            </a:r>
-            <a:r>
-              <a:rPr lang="ko-KR" altLang="en-US" sz="1400" dirty="0"/>
-              <a:t>여행 정보 얻기 어렵 </a:t>
-            </a:r>
-            <a:r>
-              <a:rPr lang="en-US" altLang="ko-KR" sz="1400" dirty="0"/>
-              <a:t>‘</a:t>
-            </a:r>
-            <a:r>
-              <a:rPr lang="ko-KR" altLang="en-US" sz="1400" dirty="0"/>
-              <a:t>외국 </a:t>
-            </a:r>
-            <a:r>
-              <a:rPr lang="en-US" altLang="ko-KR" sz="1400" dirty="0"/>
-              <a:t>61</a:t>
-            </a:r>
-            <a:r>
-              <a:rPr lang="ko-KR" altLang="en-US" sz="1400" dirty="0" err="1"/>
-              <a:t>세이상</a:t>
-            </a:r>
-            <a:r>
-              <a:rPr lang="en-US" altLang="ko-KR" sz="1400" dirty="0"/>
-              <a:t>’</a:t>
-            </a:r>
-          </a:p>
-          <a:p>
-            <a:r>
-              <a:rPr lang="en-US" altLang="ko-KR" sz="1400" dirty="0"/>
-              <a:t>	-</a:t>
-            </a:r>
-            <a:r>
-              <a:rPr lang="ko-KR" altLang="en-US" sz="1400" dirty="0" err="1"/>
-              <a:t>음식맛민감</a:t>
-            </a:r>
-            <a:r>
-              <a:rPr lang="ko-KR" altLang="en-US" sz="1400" dirty="0"/>
-              <a:t> </a:t>
-            </a:r>
-            <a:r>
-              <a:rPr lang="en-US" altLang="ko-KR" sz="1400" dirty="0"/>
-              <a:t>‘</a:t>
-            </a:r>
-            <a:r>
-              <a:rPr lang="ko-KR" altLang="en-US" sz="1400" dirty="0"/>
-              <a:t>외국 </a:t>
-            </a:r>
-            <a:r>
-              <a:rPr lang="en-US" altLang="ko-KR" sz="1400" dirty="0"/>
-              <a:t>51-60’</a:t>
-            </a:r>
+              <a:rPr lang="en-US" altLang="ko-KR" dirty="0"/>
+              <a:t>,</a:t>
+            </a:r>
+            <a:r>
+              <a:rPr lang="ko-KR" altLang="en-US" dirty="0"/>
+              <a:t>일본</a:t>
+            </a:r>
+            <a:r>
+              <a:rPr lang="en-US" altLang="ko-KR" dirty="0"/>
+              <a:t>,</a:t>
+            </a:r>
+            <a:r>
+              <a:rPr lang="ko-KR" altLang="en-US" dirty="0"/>
+              <a:t>중국</a:t>
+            </a:r>
+            <a:r>
+              <a:rPr lang="en-US" altLang="ko-KR" dirty="0"/>
+              <a:t>,</a:t>
+            </a:r>
+            <a:r>
+              <a:rPr lang="ko-KR" altLang="en-US" dirty="0" err="1"/>
+              <a:t>중화권</a:t>
+            </a:r>
+            <a:r>
+              <a:rPr lang="en-US" altLang="ko-KR" dirty="0"/>
+              <a:t>,</a:t>
+            </a:r>
+            <a:r>
+              <a:rPr lang="ko-KR" altLang="en-US" dirty="0"/>
+              <a:t>동남아</a:t>
+            </a:r>
+            <a:r>
+              <a:rPr lang="en-US" altLang="ko-KR" dirty="0"/>
+              <a:t>,</a:t>
+            </a:r>
+            <a:r>
+              <a:rPr lang="ko-KR" altLang="en-US" dirty="0" err="1"/>
+              <a:t>북미권</a:t>
+            </a:r>
+            <a:r>
+              <a:rPr lang="en-US" altLang="ko-KR" dirty="0"/>
+              <a:t>,</a:t>
+            </a:r>
+            <a:r>
+              <a:rPr lang="ko-KR" altLang="en-US" dirty="0"/>
+              <a:t>기타</a:t>
+            </a:r>
+            <a:endParaRPr lang="en-US" altLang="ko-KR" dirty="0"/>
+          </a:p>
+          <a:p>
+            <a:pPr marL="285750" indent="-285750">
+              <a:buFontTx/>
+              <a:buChar char="-"/>
+            </a:pPr>
+            <a:r>
+              <a:rPr lang="ko-KR" altLang="en-US" dirty="0"/>
+              <a:t>성별</a:t>
+            </a:r>
+            <a:endParaRPr lang="en-US" altLang="ko-KR" dirty="0"/>
+          </a:p>
+          <a:p>
+            <a:pPr marL="742950" lvl="1" indent="-285750">
+              <a:buFontTx/>
+              <a:buChar char="-"/>
+            </a:pPr>
+            <a:r>
+              <a:rPr lang="ko-KR" altLang="en-US" dirty="0"/>
+              <a:t>내국인</a:t>
+            </a:r>
+            <a:r>
+              <a:rPr lang="en-US" altLang="ko-KR" dirty="0"/>
+              <a:t>,</a:t>
+            </a:r>
+            <a:r>
+              <a:rPr lang="ko-KR" altLang="en-US" dirty="0"/>
+              <a:t>외국인</a:t>
+            </a:r>
+            <a:endParaRPr lang="en-US" altLang="ko-KR" dirty="0"/>
+          </a:p>
+          <a:p>
+            <a:pPr marL="285750" indent="-285750">
+              <a:buFontTx/>
+              <a:buChar char="-"/>
+            </a:pPr>
+            <a:r>
+              <a:rPr lang="ko-KR" altLang="en-US" dirty="0"/>
+              <a:t>연령별</a:t>
+            </a:r>
+            <a:endParaRPr lang="en-US" altLang="ko-KR" dirty="0"/>
+          </a:p>
+          <a:p>
+            <a:pPr marL="742950" lvl="1" indent="-285750">
+              <a:buFontTx/>
+              <a:buChar char="-"/>
+            </a:pPr>
+            <a:r>
+              <a:rPr lang="ko-KR" altLang="en-US" dirty="0"/>
+              <a:t>내국인</a:t>
+            </a:r>
+            <a:r>
+              <a:rPr lang="en-US" altLang="ko-KR" dirty="0"/>
+              <a:t>,</a:t>
+            </a:r>
+            <a:r>
+              <a:rPr lang="ko-KR" altLang="en-US" dirty="0"/>
+              <a:t>외국인</a:t>
+            </a:r>
+            <a:endParaRPr lang="en-US" altLang="ko-KR" dirty="0"/>
+          </a:p>
+          <a:p>
+            <a:pPr marL="285750" indent="-285750">
+              <a:buFontTx/>
+              <a:buChar char="-"/>
+            </a:pPr>
+            <a:r>
+              <a:rPr lang="ko-KR" altLang="en-US" dirty="0"/>
+              <a:t>여행형태별</a:t>
+            </a:r>
+            <a:endParaRPr lang="en-US" altLang="ko-KR" dirty="0"/>
+          </a:p>
+          <a:p>
+            <a:pPr marL="742950" lvl="1" indent="-285750">
+              <a:buFontTx/>
+              <a:buChar char="-"/>
+            </a:pPr>
+            <a:r>
+              <a:rPr lang="ko-KR" altLang="en-US" dirty="0"/>
+              <a:t>내국인</a:t>
+            </a:r>
+            <a:r>
+              <a:rPr lang="en-US" altLang="ko-KR" dirty="0"/>
+              <a:t>,</a:t>
+            </a:r>
+            <a:r>
+              <a:rPr lang="ko-KR" altLang="en-US" dirty="0"/>
+              <a:t>외국인</a:t>
+            </a:r>
+          </a:p>
+        </p:txBody>
+      </p:sp>
+      <p:sp>
+        <p:nvSpPr>
+          <p:cNvPr id="6" name="TextBox 5">
+            <a:extLst>
+              <a:ext uri="{FF2B5EF4-FFF2-40B4-BE49-F238E27FC236}">
+                <a16:creationId xmlns:a16="http://schemas.microsoft.com/office/drawing/2014/main" id="{1EF6CF83-2ED9-417B-A8EB-AC9048CDBA64}"/>
+              </a:ext>
+            </a:extLst>
+          </p:cNvPr>
+          <p:cNvSpPr txBox="1"/>
+          <p:nvPr/>
+        </p:nvSpPr>
+        <p:spPr>
+          <a:xfrm>
+            <a:off x="6576358" y="1291193"/>
+            <a:ext cx="2073003" cy="923330"/>
+          </a:xfrm>
+          <a:prstGeom prst="rect">
+            <a:avLst/>
+          </a:prstGeom>
+          <a:noFill/>
+        </p:spPr>
+        <p:txBody>
+          <a:bodyPr wrap="none" rtlCol="0">
+            <a:spAutoFit/>
+          </a:bodyPr>
+          <a:lstStyle/>
+          <a:p>
+            <a:r>
+              <a:rPr lang="en-US" altLang="ko-KR" dirty="0"/>
+              <a:t>*</a:t>
+            </a:r>
+            <a:r>
+              <a:rPr lang="ko-KR" altLang="en-US" dirty="0"/>
+              <a:t>만족활동</a:t>
+            </a:r>
+            <a:r>
+              <a:rPr lang="en-US" altLang="ko-KR" dirty="0"/>
+              <a:t>[2018]</a:t>
+            </a:r>
+          </a:p>
+          <a:p>
+            <a:pPr marL="285750" indent="-285750">
+              <a:buFontTx/>
+              <a:buChar char="-"/>
+            </a:pPr>
+            <a:r>
+              <a:rPr lang="ko-KR" altLang="en-US" dirty="0"/>
+              <a:t>국적별</a:t>
+            </a:r>
+            <a:r>
+              <a:rPr lang="en-US" altLang="ko-KR" dirty="0"/>
+              <a:t> : </a:t>
+            </a:r>
+            <a:r>
+              <a:rPr lang="ko-KR" altLang="en-US" dirty="0"/>
+              <a:t>국내외</a:t>
+            </a:r>
+            <a:endParaRPr lang="en-US" altLang="ko-KR" dirty="0"/>
+          </a:p>
+          <a:p>
+            <a:pPr marL="285750" indent="-285750">
+              <a:buFontTx/>
+              <a:buChar char="-"/>
+            </a:pPr>
+            <a:endParaRPr lang="en-US" altLang="ko-KR" dirty="0"/>
+          </a:p>
+        </p:txBody>
+      </p:sp>
+      <p:sp>
+        <p:nvSpPr>
+          <p:cNvPr id="5" name="TextBox 4">
+            <a:extLst>
+              <a:ext uri="{FF2B5EF4-FFF2-40B4-BE49-F238E27FC236}">
+                <a16:creationId xmlns:a16="http://schemas.microsoft.com/office/drawing/2014/main" id="{B6B5B3A4-1A97-4FAC-82B5-B2A3960F7443}"/>
+              </a:ext>
+            </a:extLst>
+          </p:cNvPr>
+          <p:cNvSpPr txBox="1"/>
+          <p:nvPr/>
+        </p:nvSpPr>
+        <p:spPr>
+          <a:xfrm>
+            <a:off x="5615644" y="3239507"/>
+            <a:ext cx="5878532" cy="1754326"/>
+          </a:xfrm>
+          <a:prstGeom prst="rect">
+            <a:avLst/>
+          </a:prstGeom>
+          <a:noFill/>
+        </p:spPr>
+        <p:txBody>
+          <a:bodyPr wrap="none" rtlCol="0">
+            <a:spAutoFit/>
+          </a:bodyPr>
+          <a:lstStyle/>
+          <a:p>
+            <a:r>
+              <a:rPr lang="en-US" altLang="ko-KR" dirty="0"/>
+              <a:t>*</a:t>
+            </a:r>
+            <a:r>
+              <a:rPr lang="ko-KR" altLang="en-US" dirty="0"/>
+              <a:t>제주여행평가</a:t>
+            </a:r>
+            <a:r>
+              <a:rPr lang="en-US" altLang="ko-KR" dirty="0"/>
+              <a:t>[2018]</a:t>
+            </a:r>
+          </a:p>
+          <a:p>
+            <a:r>
+              <a:rPr lang="ko-KR" altLang="en-US" dirty="0"/>
+              <a:t>전반적 만족 </a:t>
+            </a:r>
+            <a:r>
+              <a:rPr lang="en-US" altLang="ko-KR" dirty="0"/>
+              <a:t>/ </a:t>
+            </a:r>
+            <a:r>
+              <a:rPr lang="ko-KR" altLang="en-US" dirty="0"/>
+              <a:t>출입국절차 </a:t>
+            </a:r>
+            <a:r>
+              <a:rPr lang="en-US" altLang="ko-KR" dirty="0"/>
+              <a:t>/ </a:t>
+            </a:r>
+            <a:r>
+              <a:rPr lang="ko-KR" altLang="en-US" dirty="0"/>
+              <a:t>대중교통 </a:t>
+            </a:r>
+            <a:r>
+              <a:rPr lang="en-US" altLang="ko-KR" dirty="0"/>
+              <a:t>/ </a:t>
+            </a:r>
+            <a:r>
+              <a:rPr lang="ko-KR" altLang="en-US" dirty="0"/>
+              <a:t>교통정보서비스</a:t>
+            </a:r>
+            <a:endParaRPr lang="en-US" altLang="ko-KR" dirty="0"/>
+          </a:p>
+          <a:p>
+            <a:r>
+              <a:rPr lang="ko-KR" altLang="en-US" dirty="0"/>
+              <a:t>관광지 </a:t>
+            </a:r>
+            <a:r>
+              <a:rPr lang="en-US" altLang="ko-KR" dirty="0"/>
+              <a:t>/ </a:t>
+            </a:r>
+            <a:r>
+              <a:rPr lang="ko-KR" altLang="en-US" dirty="0"/>
+              <a:t>방문관광지 편의성 </a:t>
+            </a:r>
+            <a:r>
+              <a:rPr lang="en-US" altLang="ko-KR" dirty="0"/>
+              <a:t>/ </a:t>
+            </a:r>
+            <a:r>
+              <a:rPr lang="ko-KR" altLang="en-US" dirty="0"/>
+              <a:t>숙박시설 </a:t>
+            </a:r>
+            <a:r>
+              <a:rPr lang="en-US" altLang="ko-KR" dirty="0"/>
+              <a:t>/ </a:t>
+            </a:r>
+            <a:r>
+              <a:rPr lang="ko-KR" altLang="en-US" dirty="0"/>
+              <a:t>음식 </a:t>
+            </a:r>
+            <a:r>
+              <a:rPr lang="en-US" altLang="ko-KR" dirty="0"/>
+              <a:t>/ </a:t>
+            </a:r>
+            <a:r>
+              <a:rPr lang="ko-KR" altLang="en-US" dirty="0"/>
+              <a:t>쇼핑</a:t>
+            </a:r>
+            <a:r>
+              <a:rPr lang="en-US" altLang="ko-KR" dirty="0"/>
+              <a:t> /</a:t>
+            </a:r>
+          </a:p>
+          <a:p>
+            <a:r>
+              <a:rPr lang="ko-KR" altLang="en-US" dirty="0"/>
+              <a:t>렌터카 </a:t>
+            </a:r>
+            <a:r>
+              <a:rPr lang="ko-KR" altLang="en-US" dirty="0" err="1"/>
+              <a:t>전세버스등</a:t>
+            </a:r>
+            <a:r>
+              <a:rPr lang="ko-KR" altLang="en-US" dirty="0"/>
+              <a:t> 교통수단 </a:t>
+            </a:r>
+            <a:r>
+              <a:rPr lang="en-US" altLang="ko-KR" dirty="0"/>
+              <a:t>/ </a:t>
+            </a:r>
+            <a:r>
+              <a:rPr lang="ko-KR" altLang="en-US" dirty="0"/>
+              <a:t>관광정보시스템</a:t>
+            </a:r>
+            <a:r>
+              <a:rPr lang="en-US" altLang="ko-KR" dirty="0"/>
+              <a:t> / </a:t>
+            </a:r>
+          </a:p>
+          <a:p>
+            <a:r>
+              <a:rPr lang="ko-KR" altLang="en-US" dirty="0"/>
+              <a:t>지역주민 친절 </a:t>
+            </a:r>
+            <a:r>
+              <a:rPr lang="en-US" altLang="ko-KR" dirty="0"/>
+              <a:t>/ </a:t>
+            </a:r>
+            <a:r>
+              <a:rPr lang="ko-KR" altLang="en-US" dirty="0"/>
+              <a:t>언어소통 </a:t>
+            </a:r>
+            <a:r>
+              <a:rPr lang="en-US" altLang="ko-KR" dirty="0"/>
+              <a:t>/ </a:t>
+            </a:r>
+            <a:r>
+              <a:rPr lang="ko-KR" altLang="en-US" dirty="0"/>
+              <a:t>여행경비 </a:t>
+            </a:r>
+            <a:r>
+              <a:rPr lang="en-US" altLang="ko-KR" dirty="0"/>
+              <a:t>/ </a:t>
+            </a:r>
+            <a:r>
+              <a:rPr lang="ko-KR" altLang="en-US" dirty="0"/>
+              <a:t>치안</a:t>
+            </a:r>
+            <a:endParaRPr lang="en-US" altLang="ko-KR" dirty="0"/>
+          </a:p>
+          <a:p>
+            <a:endParaRPr lang="en-US" altLang="ko-KR" dirty="0"/>
           </a:p>
         </p:txBody>
       </p:sp>
     </p:spTree>
     <p:extLst>
       <p:ext uri="{BB962C8B-B14F-4D97-AF65-F5344CB8AC3E}">
-        <p14:creationId xmlns:p14="http://schemas.microsoft.com/office/powerpoint/2010/main" val="1589895746"/>
+        <p14:creationId xmlns:p14="http://schemas.microsoft.com/office/powerpoint/2010/main" val="2708079545"/>
       </p:ext>
     </p:extLst>
   </p:cSld>
@@ -7629,6 +8016,762 @@
       </p:grpSpPr>
       <p:pic>
         <p:nvPicPr>
+          <p:cNvPr id="7" name="그림 6">
+            <a:extLst>
+              <a:ext uri="{FF2B5EF4-FFF2-40B4-BE49-F238E27FC236}">
+                <a16:creationId xmlns:a16="http://schemas.microsoft.com/office/drawing/2014/main" id="{E5EBF3F1-E980-4E54-8A7C-ACE6F0CA0955}"/>
+              </a:ext>
+            </a:extLst>
+          </p:cNvPr>
+          <p:cNvPicPr>
+            <a:picLocks noChangeAspect="1"/>
+          </p:cNvPicPr>
+          <p:nvPr/>
+        </p:nvPicPr>
+        <p:blipFill>
+          <a:blip r:embed="rId2">
+            <a:extLst>
+              <a:ext uri="{28A0092B-C50C-407E-A947-70E740481C1C}">
+                <a14:useLocalDpi xmlns:a14="http://schemas.microsoft.com/office/drawing/2010/main" val="0"/>
+              </a:ext>
+            </a:extLst>
+          </a:blip>
+          <a:stretch>
+            <a:fillRect/>
+          </a:stretch>
+        </p:blipFill>
+        <p:spPr>
+          <a:xfrm>
+            <a:off x="0" y="0"/>
+            <a:ext cx="5112297" cy="5896798"/>
+          </a:xfrm>
+          <a:prstGeom prst="rect">
+            <a:avLst/>
+          </a:prstGeom>
+        </p:spPr>
+      </p:pic>
+      <p:sp>
+        <p:nvSpPr>
+          <p:cNvPr id="5" name="TextBox 4">
+            <a:extLst>
+              <a:ext uri="{FF2B5EF4-FFF2-40B4-BE49-F238E27FC236}">
+                <a16:creationId xmlns:a16="http://schemas.microsoft.com/office/drawing/2014/main" id="{16A4DC1B-1B4F-4BF0-8B20-A67590D8B803}"/>
+              </a:ext>
+            </a:extLst>
+          </p:cNvPr>
+          <p:cNvSpPr txBox="1"/>
+          <p:nvPr/>
+        </p:nvSpPr>
+        <p:spPr>
+          <a:xfrm>
+            <a:off x="0" y="5688449"/>
+            <a:ext cx="4188967" cy="1169551"/>
+          </a:xfrm>
+          <a:prstGeom prst="rect">
+            <a:avLst/>
+          </a:prstGeom>
+          <a:noFill/>
+        </p:spPr>
+        <p:txBody>
+          <a:bodyPr wrap="none" rtlCol="0">
+            <a:spAutoFit/>
+          </a:bodyPr>
+          <a:lstStyle/>
+          <a:p>
+            <a:r>
+              <a:rPr lang="en-US" altLang="ko-KR" sz="1400" dirty="0"/>
+              <a:t>*</a:t>
+            </a:r>
+            <a:r>
+              <a:rPr lang="ko-KR" altLang="en-US" sz="1400" dirty="0"/>
+              <a:t>국적별 </a:t>
+            </a:r>
+            <a:r>
+              <a:rPr lang="ko-KR" altLang="en-US" sz="1400" dirty="0" err="1"/>
+              <a:t>여행불만족요인</a:t>
+            </a:r>
+            <a:endParaRPr lang="en-US" altLang="ko-KR" sz="1400" dirty="0"/>
+          </a:p>
+          <a:p>
+            <a:r>
+              <a:rPr lang="en-US" altLang="ko-KR" sz="1400" dirty="0"/>
+              <a:t>- </a:t>
+            </a:r>
+            <a:r>
+              <a:rPr lang="ko-KR" altLang="en-US" sz="1400" dirty="0"/>
+              <a:t>물가에 민감</a:t>
+            </a:r>
+            <a:r>
+              <a:rPr lang="en-US" altLang="ko-KR" sz="1400" dirty="0"/>
+              <a:t> ‘</a:t>
+            </a:r>
+            <a:r>
+              <a:rPr lang="ko-KR" altLang="en-US" sz="1400" dirty="0"/>
+              <a:t>한국</a:t>
+            </a:r>
+            <a:r>
+              <a:rPr lang="en-US" altLang="ko-KR" sz="1400" dirty="0"/>
+              <a:t>’, ‘</a:t>
+            </a:r>
+            <a:r>
+              <a:rPr lang="ko-KR" altLang="en-US" sz="1400" dirty="0" err="1"/>
+              <a:t>중화권</a:t>
+            </a:r>
+            <a:r>
+              <a:rPr lang="en-US" altLang="ko-KR" sz="1400" dirty="0"/>
+              <a:t>’, ‘</a:t>
+            </a:r>
+            <a:r>
+              <a:rPr lang="ko-KR" altLang="en-US" sz="1400" dirty="0"/>
+              <a:t>동남아권</a:t>
+            </a:r>
+            <a:r>
+              <a:rPr lang="en-US" altLang="ko-KR" sz="1400" dirty="0"/>
+              <a:t>’</a:t>
+            </a:r>
+          </a:p>
+          <a:p>
+            <a:r>
+              <a:rPr lang="en-US" altLang="ko-KR" sz="1400" dirty="0"/>
+              <a:t>- </a:t>
+            </a:r>
+            <a:r>
+              <a:rPr lang="ko-KR" altLang="en-US" sz="1400" dirty="0"/>
+              <a:t>대체적으로 만족하는 </a:t>
+            </a:r>
+            <a:r>
+              <a:rPr lang="en-US" altLang="ko-KR" sz="1400" dirty="0"/>
+              <a:t>‘</a:t>
+            </a:r>
+            <a:r>
+              <a:rPr lang="ko-KR" altLang="en-US" sz="1400" dirty="0"/>
+              <a:t>한국</a:t>
+            </a:r>
+            <a:r>
+              <a:rPr lang="en-US" altLang="ko-KR" sz="1400" dirty="0"/>
+              <a:t>’</a:t>
+            </a:r>
+          </a:p>
+          <a:p>
+            <a:r>
+              <a:rPr lang="en-US" altLang="ko-KR" sz="1400" dirty="0"/>
+              <a:t>- </a:t>
+            </a:r>
+            <a:r>
+              <a:rPr lang="ko-KR" altLang="en-US" sz="1400" dirty="0"/>
+              <a:t>언어소통의 불편함을 느끼는 </a:t>
+            </a:r>
+            <a:r>
+              <a:rPr lang="en-US" altLang="ko-KR" sz="1400" dirty="0"/>
+              <a:t>‘</a:t>
+            </a:r>
+            <a:r>
+              <a:rPr lang="ko-KR" altLang="en-US" sz="1400" dirty="0"/>
+              <a:t>동남아권‘</a:t>
+            </a:r>
+            <a:r>
+              <a:rPr lang="en-US" altLang="ko-KR" sz="1400" dirty="0"/>
+              <a:t>, ’</a:t>
+            </a:r>
+            <a:r>
+              <a:rPr lang="ko-KR" altLang="en-US" sz="1400" dirty="0" err="1"/>
+              <a:t>북미권</a:t>
+            </a:r>
+            <a:r>
+              <a:rPr lang="en-US" altLang="ko-KR" sz="1400" dirty="0"/>
+              <a:t>’</a:t>
+            </a:r>
+          </a:p>
+          <a:p>
+            <a:r>
+              <a:rPr lang="en-US" altLang="ko-KR" sz="1400" dirty="0"/>
+              <a:t>- </a:t>
+            </a:r>
+            <a:r>
+              <a:rPr lang="ko-KR" altLang="en-US" sz="1400" dirty="0"/>
+              <a:t>식당과 음식이 불결</a:t>
+            </a:r>
+            <a:r>
+              <a:rPr lang="en-US" altLang="ko-KR" sz="1400" dirty="0"/>
+              <a:t>, </a:t>
+            </a:r>
+            <a:r>
+              <a:rPr lang="ko-KR" altLang="en-US" sz="1400" dirty="0" err="1"/>
+              <a:t>음식맛이</a:t>
+            </a:r>
+            <a:r>
+              <a:rPr lang="ko-KR" altLang="en-US" sz="1400" dirty="0"/>
+              <a:t> 맞지않 </a:t>
+            </a:r>
+            <a:r>
+              <a:rPr lang="en-US" altLang="ko-KR" sz="1400" dirty="0"/>
+              <a:t>‘</a:t>
+            </a:r>
+            <a:r>
+              <a:rPr lang="ko-KR" altLang="en-US" sz="1400" dirty="0" err="1"/>
+              <a:t>북미권</a:t>
+            </a:r>
+            <a:r>
+              <a:rPr lang="ko-KR" altLang="en-US" sz="1400" dirty="0"/>
+              <a:t>＇</a:t>
+            </a:r>
+            <a:endParaRPr lang="en-US" altLang="ko-KR" sz="1400" dirty="0"/>
+          </a:p>
+        </p:txBody>
+      </p:sp>
+      <p:pic>
+        <p:nvPicPr>
+          <p:cNvPr id="4" name="그림 3">
+            <a:extLst>
+              <a:ext uri="{FF2B5EF4-FFF2-40B4-BE49-F238E27FC236}">
+                <a16:creationId xmlns:a16="http://schemas.microsoft.com/office/drawing/2014/main" id="{FB6E30FB-052A-4142-A273-5FC8FDB55A86}"/>
+              </a:ext>
+            </a:extLst>
+          </p:cNvPr>
+          <p:cNvPicPr>
+            <a:picLocks noChangeAspect="1"/>
+          </p:cNvPicPr>
+          <p:nvPr/>
+        </p:nvPicPr>
+        <p:blipFill>
+          <a:blip r:embed="rId3">
+            <a:extLst>
+              <a:ext uri="{28A0092B-C50C-407E-A947-70E740481C1C}">
+                <a14:useLocalDpi xmlns:a14="http://schemas.microsoft.com/office/drawing/2010/main" val="0"/>
+              </a:ext>
+            </a:extLst>
+          </a:blip>
+          <a:stretch>
+            <a:fillRect/>
+          </a:stretch>
+        </p:blipFill>
+        <p:spPr>
+          <a:xfrm>
+            <a:off x="3352800" y="0"/>
+            <a:ext cx="5112297" cy="5896798"/>
+          </a:xfrm>
+          <a:prstGeom prst="rect">
+            <a:avLst/>
+          </a:prstGeom>
+        </p:spPr>
+      </p:pic>
+      <p:sp>
+        <p:nvSpPr>
+          <p:cNvPr id="6" name="TextBox 5">
+            <a:extLst>
+              <a:ext uri="{FF2B5EF4-FFF2-40B4-BE49-F238E27FC236}">
+                <a16:creationId xmlns:a16="http://schemas.microsoft.com/office/drawing/2014/main" id="{9E30D4D8-968F-414D-A2C9-031F5C1C8EE7}"/>
+              </a:ext>
+            </a:extLst>
+          </p:cNvPr>
+          <p:cNvSpPr txBox="1"/>
+          <p:nvPr/>
+        </p:nvSpPr>
+        <p:spPr>
+          <a:xfrm>
+            <a:off x="4188967" y="5688449"/>
+            <a:ext cx="4652637" cy="954107"/>
+          </a:xfrm>
+          <a:prstGeom prst="rect">
+            <a:avLst/>
+          </a:prstGeom>
+          <a:noFill/>
+        </p:spPr>
+        <p:txBody>
+          <a:bodyPr wrap="square" rtlCol="0">
+            <a:spAutoFit/>
+          </a:bodyPr>
+          <a:lstStyle/>
+          <a:p>
+            <a:r>
+              <a:rPr lang="en-US" altLang="ko-KR" sz="1400" dirty="0"/>
+              <a:t>*</a:t>
+            </a:r>
+            <a:r>
+              <a:rPr lang="ko-KR" altLang="en-US" sz="1400" dirty="0"/>
+              <a:t>성별 </a:t>
+            </a:r>
+            <a:r>
+              <a:rPr lang="ko-KR" altLang="en-US" sz="1400" dirty="0" err="1"/>
+              <a:t>여행불만족요인</a:t>
+            </a:r>
+            <a:endParaRPr lang="en-US" altLang="ko-KR" sz="1400" dirty="0"/>
+          </a:p>
+          <a:p>
+            <a:r>
+              <a:rPr lang="en-US" altLang="ko-KR" sz="1400" dirty="0"/>
+              <a:t>- </a:t>
+            </a:r>
+            <a:r>
+              <a:rPr lang="ko-KR" altLang="en-US" sz="1400" dirty="0"/>
+              <a:t>반이상은 만족하는 </a:t>
+            </a:r>
+            <a:r>
+              <a:rPr lang="en-US" altLang="ko-KR" sz="1400" dirty="0"/>
+              <a:t>‘</a:t>
+            </a:r>
+            <a:r>
+              <a:rPr lang="ko-KR" altLang="en-US" sz="1400" dirty="0"/>
+              <a:t>한국인</a:t>
+            </a:r>
+            <a:r>
+              <a:rPr lang="en-US" altLang="ko-KR" sz="1400" dirty="0"/>
+              <a:t>’</a:t>
+            </a:r>
+          </a:p>
+          <a:p>
+            <a:r>
+              <a:rPr lang="en-US" altLang="ko-KR" sz="1400" dirty="0"/>
+              <a:t>- </a:t>
+            </a:r>
+            <a:r>
+              <a:rPr lang="ko-KR" altLang="en-US" sz="1400" dirty="0"/>
+              <a:t>물가에 민감 </a:t>
+            </a:r>
+            <a:r>
+              <a:rPr lang="en-US" altLang="ko-KR" sz="1400" dirty="0"/>
+              <a:t>‘</a:t>
+            </a:r>
+            <a:r>
+              <a:rPr lang="ko-KR" altLang="en-US" sz="1400" dirty="0"/>
+              <a:t>한국인</a:t>
+            </a:r>
+            <a:r>
+              <a:rPr lang="en-US" altLang="ko-KR" sz="1400" dirty="0"/>
+              <a:t>’ </a:t>
+            </a:r>
+          </a:p>
+          <a:p>
+            <a:r>
+              <a:rPr lang="en-US" altLang="ko-KR" sz="1400" dirty="0"/>
+              <a:t>- </a:t>
+            </a:r>
+            <a:r>
+              <a:rPr lang="ko-KR" altLang="en-US" sz="1400" dirty="0"/>
+              <a:t>언어소통</a:t>
+            </a:r>
+            <a:r>
+              <a:rPr lang="en-US" altLang="ko-KR" sz="1400" dirty="0"/>
+              <a:t>,</a:t>
+            </a:r>
+            <a:r>
+              <a:rPr lang="ko-KR" altLang="en-US" sz="1400" dirty="0"/>
+              <a:t>여행정보</a:t>
+            </a:r>
+            <a:r>
+              <a:rPr lang="en-US" altLang="ko-KR" sz="1400" dirty="0"/>
+              <a:t>,</a:t>
+            </a:r>
+            <a:r>
+              <a:rPr lang="ko-KR" altLang="en-US" sz="1400" dirty="0"/>
+              <a:t>물가</a:t>
+            </a:r>
+            <a:r>
+              <a:rPr lang="en-US" altLang="ko-KR" sz="1400" dirty="0"/>
+              <a:t>,</a:t>
+            </a:r>
+            <a:r>
+              <a:rPr lang="ko-KR" altLang="en-US" sz="1400" dirty="0"/>
+              <a:t>대중교통이용 불편 </a:t>
+            </a:r>
+            <a:r>
+              <a:rPr lang="en-US" altLang="ko-KR" sz="1400" dirty="0"/>
+              <a:t>’</a:t>
+            </a:r>
+            <a:r>
+              <a:rPr lang="ko-KR" altLang="en-US" sz="1400" dirty="0"/>
+              <a:t>외국인</a:t>
+            </a:r>
+            <a:r>
+              <a:rPr lang="en-US" altLang="ko-KR" sz="1400" dirty="0"/>
+              <a:t>’</a:t>
+            </a:r>
+          </a:p>
+        </p:txBody>
+      </p:sp>
+      <p:pic>
+        <p:nvPicPr>
+          <p:cNvPr id="8" name="그림 7">
+            <a:extLst>
+              <a:ext uri="{FF2B5EF4-FFF2-40B4-BE49-F238E27FC236}">
+                <a16:creationId xmlns:a16="http://schemas.microsoft.com/office/drawing/2014/main" id="{2669F655-5C78-46E2-96E0-40E7E5E883EA}"/>
+              </a:ext>
+            </a:extLst>
+          </p:cNvPr>
+          <p:cNvPicPr>
+            <a:picLocks noChangeAspect="1"/>
+          </p:cNvPicPr>
+          <p:nvPr/>
+        </p:nvPicPr>
+        <p:blipFill>
+          <a:blip r:embed="rId4">
+            <a:extLst>
+              <a:ext uri="{28A0092B-C50C-407E-A947-70E740481C1C}">
+                <a14:useLocalDpi xmlns:a14="http://schemas.microsoft.com/office/drawing/2010/main" val="0"/>
+              </a:ext>
+            </a:extLst>
+          </a:blip>
+          <a:stretch>
+            <a:fillRect/>
+          </a:stretch>
+        </p:blipFill>
+        <p:spPr>
+          <a:xfrm>
+            <a:off x="6629771" y="0"/>
+            <a:ext cx="5562229" cy="5896798"/>
+          </a:xfrm>
+          <a:prstGeom prst="rect">
+            <a:avLst/>
+          </a:prstGeom>
+        </p:spPr>
+      </p:pic>
+      <p:sp>
+        <p:nvSpPr>
+          <p:cNvPr id="9" name="TextBox 8">
+            <a:extLst>
+              <a:ext uri="{FF2B5EF4-FFF2-40B4-BE49-F238E27FC236}">
+                <a16:creationId xmlns:a16="http://schemas.microsoft.com/office/drawing/2014/main" id="{8BDA42CC-CF3B-41D4-A5F2-1FB675D8EA92}"/>
+              </a:ext>
+            </a:extLst>
+          </p:cNvPr>
+          <p:cNvSpPr txBox="1"/>
+          <p:nvPr/>
+        </p:nvSpPr>
+        <p:spPr>
+          <a:xfrm>
+            <a:off x="8205011" y="5965448"/>
+            <a:ext cx="3986989" cy="523220"/>
+          </a:xfrm>
+          <a:prstGeom prst="rect">
+            <a:avLst/>
+          </a:prstGeom>
+          <a:noFill/>
+        </p:spPr>
+        <p:txBody>
+          <a:bodyPr wrap="none" rtlCol="0">
+            <a:spAutoFit/>
+          </a:bodyPr>
+          <a:lstStyle/>
+          <a:p>
+            <a:r>
+              <a:rPr lang="en-US" altLang="ko-KR" sz="1400" dirty="0"/>
+              <a:t>*</a:t>
+            </a:r>
+            <a:r>
+              <a:rPr lang="ko-KR" altLang="en-US" sz="1400" dirty="0"/>
+              <a:t>여행형태별 </a:t>
+            </a:r>
+            <a:r>
+              <a:rPr lang="ko-KR" altLang="en-US" sz="1400" dirty="0" err="1"/>
+              <a:t>여행불만족요인</a:t>
+            </a:r>
+            <a:endParaRPr lang="en-US" altLang="ko-KR" sz="1400" dirty="0"/>
+          </a:p>
+          <a:p>
+            <a:r>
+              <a:rPr lang="en-US" altLang="ko-KR" sz="1400" dirty="0"/>
+              <a:t>	- </a:t>
+            </a:r>
+            <a:r>
+              <a:rPr lang="ko-KR" altLang="en-US" sz="1400" dirty="0" err="1"/>
+              <a:t>물가비싸다</a:t>
+            </a:r>
+            <a:r>
+              <a:rPr lang="ko-KR" altLang="en-US" sz="1400" dirty="0"/>
+              <a:t> 외에는 만족함 </a:t>
+            </a:r>
+            <a:r>
+              <a:rPr lang="en-US" altLang="ko-KR" sz="1400" dirty="0"/>
+              <a:t>‘</a:t>
+            </a:r>
+            <a:r>
+              <a:rPr lang="ko-KR" altLang="en-US" sz="1400" dirty="0"/>
+              <a:t>한국＇</a:t>
+            </a:r>
+            <a:endParaRPr lang="en-US" altLang="ko-KR" sz="1400" dirty="0"/>
+          </a:p>
+        </p:txBody>
+      </p:sp>
+    </p:spTree>
+    <p:extLst>
+      <p:ext uri="{BB962C8B-B14F-4D97-AF65-F5344CB8AC3E}">
+        <p14:creationId xmlns:p14="http://schemas.microsoft.com/office/powerpoint/2010/main" val="525416835"/>
+      </p:ext>
+    </p:extLst>
+  </p:cSld>
+  <p:clrMapOvr>
+    <a:masterClrMapping/>
+  </p:clrMapOvr>
+</p:sld>
+</file>
+
+<file path=ppt/slides/slide27.xml><?xml version="1.0" encoding="utf-8"?>
+<p:sld xmlns:a="http://schemas.openxmlformats.org/drawingml/2006/main" xmlns:r="http://schemas.openxmlformats.org/officeDocument/2006/relationships" xmlns:p="http://schemas.openxmlformats.org/presentationml/2006/main">
+  <p:cSld>
+    <p:spTree>
+      <p:nvGrpSpPr>
+        <p:cNvPr id="1" name=""/>
+        <p:cNvGrpSpPr/>
+        <p:nvPr/>
+      </p:nvGrpSpPr>
+      <p:grpSpPr>
+        <a:xfrm>
+          <a:off x="0" y="0"/>
+          <a:ext cx="0" cy="0"/>
+          <a:chOff x="0" y="0"/>
+          <a:chExt cx="0" cy="0"/>
+        </a:xfrm>
+      </p:grpSpPr>
+      <p:pic>
+        <p:nvPicPr>
+          <p:cNvPr id="5" name="그림 4">
+            <a:extLst>
+              <a:ext uri="{FF2B5EF4-FFF2-40B4-BE49-F238E27FC236}">
+                <a16:creationId xmlns:a16="http://schemas.microsoft.com/office/drawing/2014/main" id="{AE6EF526-FA06-4EC5-839B-67B3D79C577F}"/>
+              </a:ext>
+            </a:extLst>
+          </p:cNvPr>
+          <p:cNvPicPr>
+            <a:picLocks noChangeAspect="1"/>
+          </p:cNvPicPr>
+          <p:nvPr/>
+        </p:nvPicPr>
+        <p:blipFill>
+          <a:blip r:embed="rId2">
+            <a:extLst>
+              <a:ext uri="{28A0092B-C50C-407E-A947-70E740481C1C}">
+                <a14:useLocalDpi xmlns:a14="http://schemas.microsoft.com/office/drawing/2010/main" val="0"/>
+              </a:ext>
+            </a:extLst>
+          </a:blip>
+          <a:stretch>
+            <a:fillRect/>
+          </a:stretch>
+        </p:blipFill>
+        <p:spPr>
+          <a:xfrm>
+            <a:off x="0" y="0"/>
+            <a:ext cx="8526065" cy="5896798"/>
+          </a:xfrm>
+          <a:prstGeom prst="rect">
+            <a:avLst/>
+          </a:prstGeom>
+        </p:spPr>
+      </p:pic>
+      <p:sp>
+        <p:nvSpPr>
+          <p:cNvPr id="6" name="TextBox 5">
+            <a:extLst>
+              <a:ext uri="{FF2B5EF4-FFF2-40B4-BE49-F238E27FC236}">
+                <a16:creationId xmlns:a16="http://schemas.microsoft.com/office/drawing/2014/main" id="{3DF25124-A5A6-40DE-A89A-FD3801565F83}"/>
+              </a:ext>
+            </a:extLst>
+          </p:cNvPr>
+          <p:cNvSpPr txBox="1"/>
+          <p:nvPr/>
+        </p:nvSpPr>
+        <p:spPr>
+          <a:xfrm>
+            <a:off x="7773590" y="222538"/>
+            <a:ext cx="4193777" cy="1600438"/>
+          </a:xfrm>
+          <a:prstGeom prst="rect">
+            <a:avLst/>
+          </a:prstGeom>
+          <a:noFill/>
+        </p:spPr>
+        <p:txBody>
+          <a:bodyPr wrap="none" rtlCol="0">
+            <a:spAutoFit/>
+          </a:bodyPr>
+          <a:lstStyle/>
+          <a:p>
+            <a:r>
+              <a:rPr lang="en-US" altLang="ko-KR" sz="1400" dirty="0"/>
+              <a:t>*</a:t>
+            </a:r>
+            <a:r>
+              <a:rPr lang="ko-KR" altLang="en-US" sz="1400" dirty="0"/>
+              <a:t>연령별 </a:t>
+            </a:r>
+            <a:r>
+              <a:rPr lang="ko-KR" altLang="en-US" sz="1400" dirty="0" err="1"/>
+              <a:t>여행불만족요인</a:t>
+            </a:r>
+            <a:endParaRPr lang="en-US" altLang="ko-KR" sz="1400" dirty="0"/>
+          </a:p>
+          <a:p>
+            <a:r>
+              <a:rPr lang="en-US" altLang="ko-KR" sz="1400" dirty="0"/>
+              <a:t>	- </a:t>
+            </a:r>
+            <a:r>
+              <a:rPr lang="ko-KR" altLang="en-US" sz="1400" dirty="0"/>
+              <a:t>연령이 높을수록 여행 만족 높</a:t>
+            </a:r>
+            <a:r>
+              <a:rPr lang="en-US" altLang="ko-KR" sz="1400" dirty="0"/>
+              <a:t>.</a:t>
+            </a:r>
+            <a:r>
+              <a:rPr lang="ko-KR" altLang="en-US" sz="1400" dirty="0"/>
+              <a:t> </a:t>
+            </a:r>
+            <a:r>
+              <a:rPr lang="en-US" altLang="ko-KR" sz="1400" dirty="0"/>
+              <a:t>‘</a:t>
+            </a:r>
+            <a:r>
+              <a:rPr lang="ko-KR" altLang="en-US" sz="1400" dirty="0"/>
+              <a:t>한국</a:t>
+            </a:r>
+            <a:r>
+              <a:rPr lang="en-US" altLang="ko-KR" sz="1400" dirty="0"/>
+              <a:t>’</a:t>
+            </a:r>
+          </a:p>
+          <a:p>
+            <a:r>
+              <a:rPr lang="en-US" altLang="ko-KR" sz="1400" dirty="0"/>
+              <a:t>	-  </a:t>
+            </a:r>
+            <a:r>
+              <a:rPr lang="ko-KR" altLang="en-US" sz="1400" dirty="0"/>
+              <a:t>대체적으로 물가에 민감 </a:t>
+            </a:r>
+            <a:r>
+              <a:rPr lang="en-US" altLang="ko-KR" sz="1400" dirty="0"/>
+              <a:t>‘</a:t>
+            </a:r>
+            <a:r>
+              <a:rPr lang="ko-KR" altLang="en-US" sz="1400" dirty="0"/>
+              <a:t>한국‘</a:t>
+            </a:r>
+            <a:endParaRPr lang="en-US" altLang="ko-KR" sz="1400" dirty="0"/>
+          </a:p>
+          <a:p>
+            <a:r>
+              <a:rPr lang="en-US" altLang="ko-KR" sz="1400" dirty="0"/>
+              <a:t>	- </a:t>
+            </a:r>
+            <a:r>
+              <a:rPr lang="ko-KR" altLang="en-US" sz="1400" dirty="0"/>
+              <a:t>대중교통 불편 </a:t>
+            </a:r>
+            <a:r>
+              <a:rPr lang="en-US" altLang="ko-KR" sz="1400" dirty="0"/>
+              <a:t>‘</a:t>
+            </a:r>
+            <a:r>
+              <a:rPr lang="ko-KR" altLang="en-US" sz="1400" dirty="0"/>
+              <a:t>한국 </a:t>
+            </a:r>
+            <a:r>
+              <a:rPr lang="en-US" altLang="ko-KR" sz="1400" dirty="0"/>
+              <a:t>15-20</a:t>
+            </a:r>
+            <a:r>
+              <a:rPr lang="ko-KR" altLang="en-US" sz="1400" dirty="0"/>
+              <a:t>대</a:t>
+            </a:r>
+            <a:r>
+              <a:rPr lang="en-US" altLang="ko-KR" sz="1400" dirty="0"/>
+              <a:t>’</a:t>
+            </a:r>
+          </a:p>
+          <a:p>
+            <a:endParaRPr lang="en-US" altLang="ko-KR" sz="1400" dirty="0"/>
+          </a:p>
+          <a:p>
+            <a:r>
+              <a:rPr lang="en-US" altLang="ko-KR" sz="1400" dirty="0"/>
+              <a:t>	-</a:t>
+            </a:r>
+            <a:r>
+              <a:rPr lang="ko-KR" altLang="en-US" sz="1400" dirty="0"/>
+              <a:t>여행 정보 얻기 어렵 </a:t>
+            </a:r>
+            <a:r>
+              <a:rPr lang="en-US" altLang="ko-KR" sz="1400" dirty="0"/>
+              <a:t>‘</a:t>
+            </a:r>
+            <a:r>
+              <a:rPr lang="ko-KR" altLang="en-US" sz="1400" dirty="0"/>
+              <a:t>외국 </a:t>
+            </a:r>
+            <a:r>
+              <a:rPr lang="en-US" altLang="ko-KR" sz="1400" dirty="0"/>
+              <a:t>61</a:t>
+            </a:r>
+            <a:r>
+              <a:rPr lang="ko-KR" altLang="en-US" sz="1400" dirty="0" err="1"/>
+              <a:t>세이상</a:t>
+            </a:r>
+            <a:r>
+              <a:rPr lang="en-US" altLang="ko-KR" sz="1400" dirty="0"/>
+              <a:t>’</a:t>
+            </a:r>
+          </a:p>
+          <a:p>
+            <a:r>
+              <a:rPr lang="en-US" altLang="ko-KR" sz="1400" dirty="0"/>
+              <a:t>	-</a:t>
+            </a:r>
+            <a:r>
+              <a:rPr lang="ko-KR" altLang="en-US" sz="1400" dirty="0" err="1"/>
+              <a:t>음식맛민감</a:t>
+            </a:r>
+            <a:r>
+              <a:rPr lang="ko-KR" altLang="en-US" sz="1400" dirty="0"/>
+              <a:t> </a:t>
+            </a:r>
+            <a:r>
+              <a:rPr lang="en-US" altLang="ko-KR" sz="1400" dirty="0"/>
+              <a:t>‘</a:t>
+            </a:r>
+            <a:r>
+              <a:rPr lang="ko-KR" altLang="en-US" sz="1400" dirty="0"/>
+              <a:t>외국 </a:t>
+            </a:r>
+            <a:r>
+              <a:rPr lang="en-US" altLang="ko-KR" sz="1400" dirty="0"/>
+              <a:t>51-60’</a:t>
+            </a:r>
+          </a:p>
+        </p:txBody>
+      </p:sp>
+    </p:spTree>
+    <p:extLst>
+      <p:ext uri="{BB962C8B-B14F-4D97-AF65-F5344CB8AC3E}">
+        <p14:creationId xmlns:p14="http://schemas.microsoft.com/office/powerpoint/2010/main" val="1589895746"/>
+      </p:ext>
+    </p:extLst>
+  </p:cSld>
+  <p:clrMapOvr>
+    <a:masterClrMapping/>
+  </p:clrMapOvr>
+</p:sld>
+</file>
+
+<file path=ppt/slides/slide28.xml><?xml version="1.0" encoding="utf-8"?>
+<p:sld xmlns:a="http://schemas.openxmlformats.org/drawingml/2006/main" xmlns:r="http://schemas.openxmlformats.org/officeDocument/2006/relationships" xmlns:p="http://schemas.openxmlformats.org/presentationml/2006/main">
+  <p:cSld>
+    <p:spTree>
+      <p:nvGrpSpPr>
+        <p:cNvPr id="1" name=""/>
+        <p:cNvGrpSpPr/>
+        <p:nvPr/>
+      </p:nvGrpSpPr>
+      <p:grpSpPr>
+        <a:xfrm>
+          <a:off x="0" y="0"/>
+          <a:ext cx="0" cy="0"/>
+          <a:chOff x="0" y="0"/>
+          <a:chExt cx="0" cy="0"/>
+        </a:xfrm>
+      </p:grpSpPr>
+      <p:pic>
+        <p:nvPicPr>
           <p:cNvPr id="5" name="그림 4">
             <a:extLst>
               <a:ext uri="{FF2B5EF4-FFF2-40B4-BE49-F238E27FC236}">
@@ -7816,7 +8959,7 @@
 </p:sld>
 </file>
 
-<file path=ppt/slides/slide27.xml><?xml version="1.0" encoding="utf-8"?>
+<file path=ppt/slides/slide29.xml><?xml version="1.0" encoding="utf-8"?>
 <p:sld xmlns:a="http://schemas.openxmlformats.org/drawingml/2006/main" xmlns:r="http://schemas.openxmlformats.org/officeDocument/2006/relationships" xmlns:p="http://schemas.openxmlformats.org/presentationml/2006/main">
   <p:cSld>
     <p:spTree>

--- a/data/r 그래프.pptx
+++ b/data/r 그래프.pptx
@@ -3713,6 +3713,150 @@
           </a:p>
         </p:txBody>
       </p:sp>
+      <p:sp>
+        <p:nvSpPr>
+          <p:cNvPr id="2" name="TextBox 1">
+            <a:extLst>
+              <a:ext uri="{FF2B5EF4-FFF2-40B4-BE49-F238E27FC236}">
+                <a16:creationId xmlns:a16="http://schemas.microsoft.com/office/drawing/2014/main" id="{5683A0AE-B6BE-4B89-AB2F-C26CF8BDA1C9}"/>
+              </a:ext>
+            </a:extLst>
+          </p:cNvPr>
+          <p:cNvSpPr txBox="1"/>
+          <p:nvPr/>
+        </p:nvSpPr>
+        <p:spPr>
+          <a:xfrm>
+            <a:off x="716280" y="1643269"/>
+            <a:ext cx="2798751" cy="646331"/>
+          </a:xfrm>
+          <a:prstGeom prst="rect">
+            <a:avLst/>
+          </a:prstGeom>
+          <a:noFill/>
+        </p:spPr>
+        <p:txBody>
+          <a:bodyPr wrap="square" rtlCol="0">
+            <a:spAutoFit/>
+          </a:bodyPr>
+          <a:lstStyle/>
+          <a:p>
+            <a:r>
+              <a:rPr lang="ko-KR" altLang="en-US" dirty="0"/>
+              <a:t>문제점</a:t>
+            </a:r>
+            <a:r>
+              <a:rPr lang="en-US" altLang="ko-KR" dirty="0"/>
+              <a:t>, </a:t>
+            </a:r>
+            <a:r>
+              <a:rPr lang="ko-KR" altLang="en-US" dirty="0"/>
+              <a:t>컨트롤가능</a:t>
+            </a:r>
+            <a:endParaRPr lang="en-US" altLang="ko-KR" dirty="0"/>
+          </a:p>
+          <a:p>
+            <a:r>
+              <a:rPr lang="ko-KR" altLang="en-US" dirty="0"/>
+              <a:t>시급한 것 </a:t>
+            </a:r>
+            <a:r>
+              <a:rPr lang="ko-KR" altLang="en-US" dirty="0" err="1"/>
+              <a:t>부터</a:t>
+            </a:r>
+            <a:r>
+              <a:rPr lang="ko-KR" altLang="en-US" dirty="0"/>
+              <a:t> 나열</a:t>
+            </a:r>
+          </a:p>
+        </p:txBody>
+      </p:sp>
+      <p:sp>
+        <p:nvSpPr>
+          <p:cNvPr id="3" name="TextBox 2">
+            <a:extLst>
+              <a:ext uri="{FF2B5EF4-FFF2-40B4-BE49-F238E27FC236}">
+                <a16:creationId xmlns:a16="http://schemas.microsoft.com/office/drawing/2014/main" id="{3E7EA5C5-E1A7-4B0D-BA36-2618DE8E9F26}"/>
+              </a:ext>
+            </a:extLst>
+          </p:cNvPr>
+          <p:cNvSpPr txBox="1"/>
+          <p:nvPr/>
+        </p:nvSpPr>
+        <p:spPr>
+          <a:xfrm>
+            <a:off x="199311" y="2782668"/>
+            <a:ext cx="3964547" cy="646331"/>
+          </a:xfrm>
+          <a:prstGeom prst="rect">
+            <a:avLst/>
+          </a:prstGeom>
+          <a:noFill/>
+        </p:spPr>
+        <p:txBody>
+          <a:bodyPr wrap="none" rtlCol="0">
+            <a:spAutoFit/>
+          </a:bodyPr>
+          <a:lstStyle/>
+          <a:p>
+            <a:r>
+              <a:rPr lang="ko-KR" altLang="en-US" dirty="0"/>
+              <a:t>한국 </a:t>
+            </a:r>
+            <a:r>
+              <a:rPr lang="en-US" altLang="ko-KR" dirty="0"/>
+              <a:t>– </a:t>
+            </a:r>
+            <a:r>
+              <a:rPr lang="ko-KR" altLang="en-US" dirty="0"/>
+              <a:t>물가</a:t>
+            </a:r>
+            <a:r>
+              <a:rPr lang="en-US" altLang="ko-KR" dirty="0"/>
+              <a:t>, </a:t>
+            </a:r>
+            <a:r>
+              <a:rPr lang="ko-KR" altLang="en-US" dirty="0"/>
+              <a:t>교통</a:t>
+            </a:r>
+            <a:r>
+              <a:rPr lang="en-US" altLang="ko-KR" dirty="0"/>
+              <a:t>*</a:t>
+            </a:r>
+          </a:p>
+          <a:p>
+            <a:r>
+              <a:rPr lang="ko-KR" altLang="en-US" dirty="0"/>
+              <a:t>외국 </a:t>
+            </a:r>
+            <a:r>
+              <a:rPr lang="en-US" altLang="ko-KR" dirty="0"/>
+              <a:t>– </a:t>
+            </a:r>
+            <a:r>
+              <a:rPr lang="ko-KR" altLang="en-US" dirty="0"/>
+              <a:t>언어소통</a:t>
+            </a:r>
+            <a:r>
+              <a:rPr lang="en-US" altLang="ko-KR" dirty="0"/>
+              <a:t>, </a:t>
+            </a:r>
+            <a:r>
+              <a:rPr lang="ko-KR" altLang="en-US" dirty="0"/>
+              <a:t>여행정보</a:t>
+            </a:r>
+            <a:r>
+              <a:rPr lang="en-US" altLang="ko-KR" dirty="0"/>
+              <a:t>,</a:t>
+            </a:r>
+            <a:r>
+              <a:rPr lang="ko-KR" altLang="en-US" dirty="0"/>
+              <a:t>식당 위생</a:t>
+            </a:r>
+            <a:endParaRPr lang="en-US" altLang="ko-KR" dirty="0"/>
+          </a:p>
+        </p:txBody>
+      </p:sp>
     </p:spTree>
     <p:extLst>
       <p:ext uri="{BB962C8B-B14F-4D97-AF65-F5344CB8AC3E}">
